--- a/trunk/doc/Apresentação do GMAG – Software Básico.pptx
+++ b/trunk/doc/Apresentação do GMAG – Software Básico.pptx
@@ -4,6 +4,9 @@
   <p:sldMasterIdLst>
     <p:sldMasterId id="2147483676" r:id="rId1"/>
   </p:sldMasterIdLst>
+  <p:notesMasterIdLst>
+    <p:notesMasterId r:id="rId17"/>
+  </p:notesMasterIdLst>
   <p:sldIdLst>
     <p:sldId id="256" r:id="rId2"/>
     <p:sldId id="257" r:id="rId3"/>
@@ -15,6 +18,11 @@
     <p:sldId id="264" r:id="rId9"/>
     <p:sldId id="266" r:id="rId10"/>
     <p:sldId id="267" r:id="rId11"/>
+    <p:sldId id="268" r:id="rId12"/>
+    <p:sldId id="269" r:id="rId13"/>
+    <p:sldId id="270" r:id="rId14"/>
+    <p:sldId id="271" r:id="rId15"/>
+    <p:sldId id="272" r:id="rId16"/>
   </p:sldIdLst>
   <p:sldSz cx="9144000" cy="6858000" type="screen4x3"/>
   <p:notesSz cx="6858000" cy="9144000"/>
@@ -116,6 +124,442 @@
 </p:presentation>
 </file>
 
+<file path=ppt/notesMasters/notesMaster1.xml><?xml version="1.0" encoding="utf-8"?>
+<p:notesMaster xmlns:a="http://schemas.openxmlformats.org/drawingml/2006/main" xmlns:r="http://schemas.openxmlformats.org/officeDocument/2006/relationships" xmlns:p="http://schemas.openxmlformats.org/presentationml/2006/main">
+  <p:cSld>
+    <p:bg>
+      <p:bgRef idx="1001">
+        <a:schemeClr val="bg1"/>
+      </p:bgRef>
+    </p:bg>
+    <p:spTree>
+      <p:nvGrpSpPr>
+        <p:cNvPr id="1" name=""/>
+        <p:cNvGrpSpPr/>
+        <p:nvPr/>
+      </p:nvGrpSpPr>
+      <p:grpSpPr>
+        <a:xfrm>
+          <a:off x="0" y="0"/>
+          <a:ext cx="0" cy="0"/>
+          <a:chOff x="0" y="0"/>
+          <a:chExt cx="0" cy="0"/>
+        </a:xfrm>
+      </p:grpSpPr>
+      <p:sp>
+        <p:nvSpPr>
+          <p:cNvPr id="2" name="Espaço Reservado para Cabeçalho 1"/>
+          <p:cNvSpPr>
+            <a:spLocks noGrp="1"/>
+          </p:cNvSpPr>
+          <p:nvPr>
+            <p:ph type="hdr" sz="quarter"/>
+          </p:nvPr>
+        </p:nvSpPr>
+        <p:spPr>
+          <a:xfrm>
+            <a:off x="0" y="0"/>
+            <a:ext cx="2971800" cy="457200"/>
+          </a:xfrm>
+          <a:prstGeom prst="rect">
+            <a:avLst/>
+          </a:prstGeom>
+        </p:spPr>
+        <p:txBody>
+          <a:bodyPr vert="horz" lIns="91440" tIns="45720" rIns="91440" bIns="45720" rtlCol="0"/>
+          <a:lstStyle>
+            <a:lvl1pPr algn="l">
+              <a:defRPr sz="1200"/>
+            </a:lvl1pPr>
+          </a:lstStyle>
+          <a:p>
+            <a:endParaRPr lang="pt-BR"/>
+          </a:p>
+        </p:txBody>
+      </p:sp>
+      <p:sp>
+        <p:nvSpPr>
+          <p:cNvPr id="3" name="Espaço Reservado para Data 2"/>
+          <p:cNvSpPr>
+            <a:spLocks noGrp="1"/>
+          </p:cNvSpPr>
+          <p:nvPr>
+            <p:ph type="dt" idx="1"/>
+          </p:nvPr>
+        </p:nvSpPr>
+        <p:spPr>
+          <a:xfrm>
+            <a:off x="3884613" y="0"/>
+            <a:ext cx="2971800" cy="457200"/>
+          </a:xfrm>
+          <a:prstGeom prst="rect">
+            <a:avLst/>
+          </a:prstGeom>
+        </p:spPr>
+        <p:txBody>
+          <a:bodyPr vert="horz" lIns="91440" tIns="45720" rIns="91440" bIns="45720" rtlCol="0"/>
+          <a:lstStyle>
+            <a:lvl1pPr algn="r">
+              <a:defRPr sz="1200"/>
+            </a:lvl1pPr>
+          </a:lstStyle>
+          <a:p>
+            <a:fld id="{0202AF00-0D92-4FB3-BF30-0E1262BA24CF}" type="datetimeFigureOut">
+              <a:rPr lang="pt-BR" smtClean="0"/>
+              <a:t>05/11/2011</a:t>
+            </a:fld>
+            <a:endParaRPr lang="pt-BR"/>
+          </a:p>
+        </p:txBody>
+      </p:sp>
+      <p:sp>
+        <p:nvSpPr>
+          <p:cNvPr id="4" name="Espaço Reservado para Imagem de Slide 3"/>
+          <p:cNvSpPr>
+            <a:spLocks noGrp="1" noRot="1" noChangeAspect="1"/>
+          </p:cNvSpPr>
+          <p:nvPr>
+            <p:ph type="sldImg" idx="2"/>
+          </p:nvPr>
+        </p:nvSpPr>
+        <p:spPr>
+          <a:xfrm>
+            <a:off x="1143000" y="685800"/>
+            <a:ext cx="4572000" cy="3429000"/>
+          </a:xfrm>
+          <a:prstGeom prst="rect">
+            <a:avLst/>
+          </a:prstGeom>
+          <a:noFill/>
+          <a:ln w="12700">
+            <a:solidFill>
+              <a:prstClr val="black"/>
+            </a:solidFill>
+          </a:ln>
+        </p:spPr>
+        <p:txBody>
+          <a:bodyPr vert="horz" lIns="91440" tIns="45720" rIns="91440" bIns="45720" rtlCol="0" anchor="ctr"/>
+          <a:lstStyle/>
+          <a:p>
+            <a:endParaRPr lang="pt-BR"/>
+          </a:p>
+        </p:txBody>
+      </p:sp>
+      <p:sp>
+        <p:nvSpPr>
+          <p:cNvPr id="5" name="Espaço Reservado para Anotações 4"/>
+          <p:cNvSpPr>
+            <a:spLocks noGrp="1"/>
+          </p:cNvSpPr>
+          <p:nvPr>
+            <p:ph type="body" sz="quarter" idx="3"/>
+          </p:nvPr>
+        </p:nvSpPr>
+        <p:spPr>
+          <a:xfrm>
+            <a:off x="685800" y="4343400"/>
+            <a:ext cx="5486400" cy="4114800"/>
+          </a:xfrm>
+          <a:prstGeom prst="rect">
+            <a:avLst/>
+          </a:prstGeom>
+        </p:spPr>
+        <p:txBody>
+          <a:bodyPr vert="horz" lIns="91440" tIns="45720" rIns="91440" bIns="45720" rtlCol="0">
+            <a:normAutofit/>
+          </a:bodyPr>
+          <a:lstStyle/>
+          <a:p>
+            <a:pPr lvl="0"/>
+            <a:r>
+              <a:rPr lang="pt-BR" smtClean="0"/>
+              <a:t>Clique para editar os estilos do texto mestre</a:t>
+            </a:r>
+          </a:p>
+          <a:p>
+            <a:pPr lvl="1"/>
+            <a:r>
+              <a:rPr lang="pt-BR" smtClean="0"/>
+              <a:t>Segundo nível</a:t>
+            </a:r>
+          </a:p>
+          <a:p>
+            <a:pPr lvl="2"/>
+            <a:r>
+              <a:rPr lang="pt-BR" smtClean="0"/>
+              <a:t>Terceiro nível</a:t>
+            </a:r>
+          </a:p>
+          <a:p>
+            <a:pPr lvl="3"/>
+            <a:r>
+              <a:rPr lang="pt-BR" smtClean="0"/>
+              <a:t>Quarto nível</a:t>
+            </a:r>
+          </a:p>
+          <a:p>
+            <a:pPr lvl="4"/>
+            <a:r>
+              <a:rPr lang="pt-BR" smtClean="0"/>
+              <a:t>Quinto nível</a:t>
+            </a:r>
+            <a:endParaRPr lang="pt-BR"/>
+          </a:p>
+        </p:txBody>
+      </p:sp>
+      <p:sp>
+        <p:nvSpPr>
+          <p:cNvPr id="6" name="Espaço Reservado para Rodapé 5"/>
+          <p:cNvSpPr>
+            <a:spLocks noGrp="1"/>
+          </p:cNvSpPr>
+          <p:nvPr>
+            <p:ph type="ftr" sz="quarter" idx="4"/>
+          </p:nvPr>
+        </p:nvSpPr>
+        <p:spPr>
+          <a:xfrm>
+            <a:off x="0" y="8685213"/>
+            <a:ext cx="2971800" cy="457200"/>
+          </a:xfrm>
+          <a:prstGeom prst="rect">
+            <a:avLst/>
+          </a:prstGeom>
+        </p:spPr>
+        <p:txBody>
+          <a:bodyPr vert="horz" lIns="91440" tIns="45720" rIns="91440" bIns="45720" rtlCol="0" anchor="b"/>
+          <a:lstStyle>
+            <a:lvl1pPr algn="l">
+              <a:defRPr sz="1200"/>
+            </a:lvl1pPr>
+          </a:lstStyle>
+          <a:p>
+            <a:endParaRPr lang="pt-BR"/>
+          </a:p>
+        </p:txBody>
+      </p:sp>
+      <p:sp>
+        <p:nvSpPr>
+          <p:cNvPr id="7" name="Espaço Reservado para Número de Slide 6"/>
+          <p:cNvSpPr>
+            <a:spLocks noGrp="1"/>
+          </p:cNvSpPr>
+          <p:nvPr>
+            <p:ph type="sldNum" sz="quarter" idx="5"/>
+          </p:nvPr>
+        </p:nvSpPr>
+        <p:spPr>
+          <a:xfrm>
+            <a:off x="3884613" y="8685213"/>
+            <a:ext cx="2971800" cy="457200"/>
+          </a:xfrm>
+          <a:prstGeom prst="rect">
+            <a:avLst/>
+          </a:prstGeom>
+        </p:spPr>
+        <p:txBody>
+          <a:bodyPr vert="horz" lIns="91440" tIns="45720" rIns="91440" bIns="45720" rtlCol="0" anchor="b"/>
+          <a:lstStyle>
+            <a:lvl1pPr algn="r">
+              <a:defRPr sz="1200"/>
+            </a:lvl1pPr>
+          </a:lstStyle>
+          <a:p>
+            <a:fld id="{DA376F26-12D3-46DB-BEB2-9E56F06A0510}" type="slidenum">
+              <a:rPr lang="pt-BR" smtClean="0"/>
+              <a:t>‹nº›</a:t>
+            </a:fld>
+            <a:endParaRPr lang="pt-BR"/>
+          </a:p>
+        </p:txBody>
+      </p:sp>
+    </p:spTree>
+  </p:cSld>
+  <p:clrMap bg1="lt1" tx1="dk1" bg2="lt2" tx2="dk2" accent1="accent1" accent2="accent2" accent3="accent3" accent4="accent4" accent5="accent5" accent6="accent6" hlink="hlink" folHlink="folHlink"/>
+  <p:notesStyle>
+    <a:lvl1pPr marL="0" algn="l" defTabSz="914400" rtl="0" eaLnBrk="1" latinLnBrk="0" hangingPunct="1">
+      <a:defRPr sz="1200" kern="1200">
+        <a:solidFill>
+          <a:schemeClr val="tx1"/>
+        </a:solidFill>
+        <a:latin typeface="+mn-lt"/>
+        <a:ea typeface="+mn-ea"/>
+        <a:cs typeface="+mn-cs"/>
+      </a:defRPr>
+    </a:lvl1pPr>
+    <a:lvl2pPr marL="457200" algn="l" defTabSz="914400" rtl="0" eaLnBrk="1" latinLnBrk="0" hangingPunct="1">
+      <a:defRPr sz="1200" kern="1200">
+        <a:solidFill>
+          <a:schemeClr val="tx1"/>
+        </a:solidFill>
+        <a:latin typeface="+mn-lt"/>
+        <a:ea typeface="+mn-ea"/>
+        <a:cs typeface="+mn-cs"/>
+      </a:defRPr>
+    </a:lvl2pPr>
+    <a:lvl3pPr marL="914400" algn="l" defTabSz="914400" rtl="0" eaLnBrk="1" latinLnBrk="0" hangingPunct="1">
+      <a:defRPr sz="1200" kern="1200">
+        <a:solidFill>
+          <a:schemeClr val="tx1"/>
+        </a:solidFill>
+        <a:latin typeface="+mn-lt"/>
+        <a:ea typeface="+mn-ea"/>
+        <a:cs typeface="+mn-cs"/>
+      </a:defRPr>
+    </a:lvl3pPr>
+    <a:lvl4pPr marL="1371600" algn="l" defTabSz="914400" rtl="0" eaLnBrk="1" latinLnBrk="0" hangingPunct="1">
+      <a:defRPr sz="1200" kern="1200">
+        <a:solidFill>
+          <a:schemeClr val="tx1"/>
+        </a:solidFill>
+        <a:latin typeface="+mn-lt"/>
+        <a:ea typeface="+mn-ea"/>
+        <a:cs typeface="+mn-cs"/>
+      </a:defRPr>
+    </a:lvl4pPr>
+    <a:lvl5pPr marL="1828800" algn="l" defTabSz="914400" rtl="0" eaLnBrk="1" latinLnBrk="0" hangingPunct="1">
+      <a:defRPr sz="1200" kern="1200">
+        <a:solidFill>
+          <a:schemeClr val="tx1"/>
+        </a:solidFill>
+        <a:latin typeface="+mn-lt"/>
+        <a:ea typeface="+mn-ea"/>
+        <a:cs typeface="+mn-cs"/>
+      </a:defRPr>
+    </a:lvl5pPr>
+    <a:lvl6pPr marL="2286000" algn="l" defTabSz="914400" rtl="0" eaLnBrk="1" latinLnBrk="0" hangingPunct="1">
+      <a:defRPr sz="1200" kern="1200">
+        <a:solidFill>
+          <a:schemeClr val="tx1"/>
+        </a:solidFill>
+        <a:latin typeface="+mn-lt"/>
+        <a:ea typeface="+mn-ea"/>
+        <a:cs typeface="+mn-cs"/>
+      </a:defRPr>
+    </a:lvl6pPr>
+    <a:lvl7pPr marL="2743200" algn="l" defTabSz="914400" rtl="0" eaLnBrk="1" latinLnBrk="0" hangingPunct="1">
+      <a:defRPr sz="1200" kern="1200">
+        <a:solidFill>
+          <a:schemeClr val="tx1"/>
+        </a:solidFill>
+        <a:latin typeface="+mn-lt"/>
+        <a:ea typeface="+mn-ea"/>
+        <a:cs typeface="+mn-cs"/>
+      </a:defRPr>
+    </a:lvl7pPr>
+    <a:lvl8pPr marL="3200400" algn="l" defTabSz="914400" rtl="0" eaLnBrk="1" latinLnBrk="0" hangingPunct="1">
+      <a:defRPr sz="1200" kern="1200">
+        <a:solidFill>
+          <a:schemeClr val="tx1"/>
+        </a:solidFill>
+        <a:latin typeface="+mn-lt"/>
+        <a:ea typeface="+mn-ea"/>
+        <a:cs typeface="+mn-cs"/>
+      </a:defRPr>
+    </a:lvl8pPr>
+    <a:lvl9pPr marL="3657600" algn="l" defTabSz="914400" rtl="0" eaLnBrk="1" latinLnBrk="0" hangingPunct="1">
+      <a:defRPr sz="1200" kern="1200">
+        <a:solidFill>
+          <a:schemeClr val="tx1"/>
+        </a:solidFill>
+        <a:latin typeface="+mn-lt"/>
+        <a:ea typeface="+mn-ea"/>
+        <a:cs typeface="+mn-cs"/>
+      </a:defRPr>
+    </a:lvl9pPr>
+  </p:notesStyle>
+</p:notesMaster>
+</file>
+
+<file path=ppt/notesSlides/notesSlide1.xml><?xml version="1.0" encoding="utf-8"?>
+<p:notes xmlns:a="http://schemas.openxmlformats.org/drawingml/2006/main" xmlns:r="http://schemas.openxmlformats.org/officeDocument/2006/relationships" xmlns:p="http://schemas.openxmlformats.org/presentationml/2006/main">
+  <p:cSld>
+    <p:spTree>
+      <p:nvGrpSpPr>
+        <p:cNvPr id="1" name=""/>
+        <p:cNvGrpSpPr/>
+        <p:nvPr/>
+      </p:nvGrpSpPr>
+      <p:grpSpPr>
+        <a:xfrm>
+          <a:off x="0" y="0"/>
+          <a:ext cx="0" cy="0"/>
+          <a:chOff x="0" y="0"/>
+          <a:chExt cx="0" cy="0"/>
+        </a:xfrm>
+      </p:grpSpPr>
+      <p:sp>
+        <p:nvSpPr>
+          <p:cNvPr id="2" name="Espaço Reservado para Imagem de Slide 1"/>
+          <p:cNvSpPr>
+            <a:spLocks noGrp="1" noRot="1" noChangeAspect="1"/>
+          </p:cNvSpPr>
+          <p:nvPr>
+            <p:ph type="sldImg"/>
+          </p:nvPr>
+        </p:nvSpPr>
+        <p:spPr/>
+      </p:sp>
+      <p:sp>
+        <p:nvSpPr>
+          <p:cNvPr id="3" name="Espaço Reservado para Anotações 2"/>
+          <p:cNvSpPr>
+            <a:spLocks noGrp="1"/>
+          </p:cNvSpPr>
+          <p:nvPr>
+            <p:ph type="body" idx="1"/>
+          </p:nvPr>
+        </p:nvSpPr>
+        <p:spPr/>
+        <p:txBody>
+          <a:bodyPr>
+            <a:normAutofit/>
+          </a:bodyPr>
+          <a:lstStyle/>
+          <a:p>
+            <a:r>
+              <a:rPr lang="pt-BR" dirty="0" smtClean="0"/>
+              <a:t>Observando</a:t>
+            </a:r>
+            <a:r>
+              <a:rPr lang="pt-BR" baseline="0" dirty="0" smtClean="0"/>
+              <a:t> que não se encontra incluso todos os parâmetros usados.</a:t>
+            </a:r>
+            <a:endParaRPr lang="pt-BR" dirty="0"/>
+          </a:p>
+        </p:txBody>
+      </p:sp>
+      <p:sp>
+        <p:nvSpPr>
+          <p:cNvPr id="4" name="Espaço Reservado para Número de Slide 3"/>
+          <p:cNvSpPr>
+            <a:spLocks noGrp="1"/>
+          </p:cNvSpPr>
+          <p:nvPr>
+            <p:ph type="sldNum" sz="quarter" idx="10"/>
+          </p:nvPr>
+        </p:nvSpPr>
+        <p:spPr/>
+        <p:txBody>
+          <a:bodyPr/>
+          <a:lstStyle/>
+          <a:p>
+            <a:fld id="{DA376F26-12D3-46DB-BEB2-9E56F06A0510}" type="slidenum">
+              <a:rPr lang="pt-BR" smtClean="0"/>
+              <a:t>11</a:t>
+            </a:fld>
+            <a:endParaRPr lang="pt-BR"/>
+          </a:p>
+        </p:txBody>
+      </p:sp>
+    </p:spTree>
+  </p:cSld>
+  <p:clrMapOvr>
+    <a:masterClrMapping/>
+  </p:clrMapOvr>
+</p:notes>
+</file>
+
 <file path=ppt/slideLayouts/slideLayout1.xml><?xml version="1.0" encoding="utf-8"?>
 <p:sldLayout xmlns:a="http://schemas.openxmlformats.org/drawingml/2006/main" xmlns:r="http://schemas.openxmlformats.org/officeDocument/2006/relationships" xmlns:p="http://schemas.openxmlformats.org/presentationml/2006/main" showMasterSp="0" type="title" preserve="1">
   <p:cSld name="Slide de título">
@@ -291,6 +735,7 @@
           <a:p>
             <a:fld id="{7BE08B6B-564C-4EB5-BE5C-0142EA1AA5D2}" type="datetimeFigureOut">
               <a:rPr lang="pt-BR" smtClean="0"/>
+              <a:pPr/>
               <a:t>05/11/2011</a:t>
             </a:fld>
             <a:endParaRPr lang="pt-BR"/>
@@ -338,6 +783,7 @@
           <a:p>
             <a:fld id="{B3F2399F-644D-4C01-A473-43138D341E14}" type="slidenum">
               <a:rPr lang="pt-BR" smtClean="0"/>
+              <a:pPr/>
               <a:t>‹nº›</a:t>
             </a:fld>
             <a:endParaRPr lang="pt-BR"/>
@@ -468,6 +914,7 @@
           <a:p>
             <a:fld id="{7BE08B6B-564C-4EB5-BE5C-0142EA1AA5D2}" type="datetimeFigureOut">
               <a:rPr lang="pt-BR" smtClean="0"/>
+              <a:pPr/>
               <a:t>05/11/2011</a:t>
             </a:fld>
             <a:endParaRPr lang="pt-BR"/>
@@ -510,6 +957,7 @@
           <a:p>
             <a:fld id="{B3F2399F-644D-4C01-A473-43138D341E14}" type="slidenum">
               <a:rPr lang="pt-BR" smtClean="0"/>
+              <a:pPr/>
               <a:t>‹nº›</a:t>
             </a:fld>
             <a:endParaRPr lang="pt-BR"/>
@@ -643,6 +1091,7 @@
           <a:p>
             <a:fld id="{7BE08B6B-564C-4EB5-BE5C-0142EA1AA5D2}" type="datetimeFigureOut">
               <a:rPr lang="pt-BR" smtClean="0"/>
+              <a:pPr/>
               <a:t>05/11/2011</a:t>
             </a:fld>
             <a:endParaRPr lang="pt-BR"/>
@@ -685,6 +1134,7 @@
           <a:p>
             <a:fld id="{B3F2399F-644D-4C01-A473-43138D341E14}" type="slidenum">
               <a:rPr lang="pt-BR" smtClean="0"/>
+              <a:pPr/>
               <a:t>‹nº›</a:t>
             </a:fld>
             <a:endParaRPr lang="pt-BR"/>
@@ -808,6 +1258,7 @@
           <a:p>
             <a:fld id="{7BE08B6B-564C-4EB5-BE5C-0142EA1AA5D2}" type="datetimeFigureOut">
               <a:rPr lang="pt-BR" smtClean="0"/>
+              <a:pPr/>
               <a:t>05/11/2011</a:t>
             </a:fld>
             <a:endParaRPr lang="pt-BR"/>
@@ -860,6 +1311,7 @@
           <a:p>
             <a:fld id="{B3F2399F-644D-4C01-A473-43138D341E14}" type="slidenum">
               <a:rPr lang="pt-BR" smtClean="0"/>
+              <a:pPr/>
               <a:t>‹nº›</a:t>
             </a:fld>
             <a:endParaRPr lang="pt-BR"/>
@@ -1049,6 +1501,7 @@
           <a:p>
             <a:fld id="{7BE08B6B-564C-4EB5-BE5C-0142EA1AA5D2}" type="datetimeFigureOut">
               <a:rPr lang="pt-BR" smtClean="0"/>
+              <a:pPr/>
               <a:t>05/11/2011</a:t>
             </a:fld>
             <a:endParaRPr lang="pt-BR"/>
@@ -1091,6 +1544,7 @@
           <a:p>
             <a:fld id="{B3F2399F-644D-4C01-A473-43138D341E14}" type="slidenum">
               <a:rPr lang="pt-BR" smtClean="0"/>
+              <a:pPr/>
               <a:t>‹nº›</a:t>
             </a:fld>
             <a:endParaRPr lang="pt-BR"/>
@@ -1345,6 +1799,7 @@
           <a:p>
             <a:fld id="{7BE08B6B-564C-4EB5-BE5C-0142EA1AA5D2}" type="datetimeFigureOut">
               <a:rPr lang="pt-BR" smtClean="0"/>
+              <a:pPr/>
               <a:t>05/11/2011</a:t>
             </a:fld>
             <a:endParaRPr lang="pt-BR"/>
@@ -1387,6 +1842,7 @@
           <a:p>
             <a:fld id="{B3F2399F-644D-4C01-A473-43138D341E14}" type="slidenum">
               <a:rPr lang="pt-BR" smtClean="0"/>
+              <a:pPr/>
               <a:t>‹nº›</a:t>
             </a:fld>
             <a:endParaRPr lang="pt-BR"/>
@@ -1729,6 +2185,7 @@
           <a:p>
             <a:fld id="{7BE08B6B-564C-4EB5-BE5C-0142EA1AA5D2}" type="datetimeFigureOut">
               <a:rPr lang="pt-BR" smtClean="0"/>
+              <a:pPr/>
               <a:t>05/11/2011</a:t>
             </a:fld>
             <a:endParaRPr lang="pt-BR"/>
@@ -1776,6 +2233,7 @@
           <a:p>
             <a:fld id="{B3F2399F-644D-4C01-A473-43138D341E14}" type="slidenum">
               <a:rPr lang="pt-BR" smtClean="0"/>
+              <a:pPr/>
               <a:t>‹nº›</a:t>
             </a:fld>
             <a:endParaRPr lang="pt-BR"/>
@@ -1902,6 +2360,7 @@
           <a:p>
             <a:fld id="{7BE08B6B-564C-4EB5-BE5C-0142EA1AA5D2}" type="datetimeFigureOut">
               <a:rPr lang="pt-BR" smtClean="0"/>
+              <a:pPr/>
               <a:t>05/11/2011</a:t>
             </a:fld>
             <a:endParaRPr lang="pt-BR"/>
@@ -1944,6 +2403,7 @@
           <a:p>
             <a:fld id="{B3F2399F-644D-4C01-A473-43138D341E14}" type="slidenum">
               <a:rPr lang="pt-BR" smtClean="0"/>
+              <a:pPr/>
               <a:t>‹nº›</a:t>
             </a:fld>
             <a:endParaRPr lang="pt-BR"/>
@@ -1992,6 +2452,7 @@
           <a:p>
             <a:fld id="{7BE08B6B-564C-4EB5-BE5C-0142EA1AA5D2}" type="datetimeFigureOut">
               <a:rPr lang="pt-BR" smtClean="0"/>
+              <a:pPr/>
               <a:t>05/11/2011</a:t>
             </a:fld>
             <a:endParaRPr lang="pt-BR"/>
@@ -2034,6 +2495,7 @@
           <a:p>
             <a:fld id="{B3F2399F-644D-4C01-A473-43138D341E14}" type="slidenum">
               <a:rPr lang="pt-BR" smtClean="0"/>
+              <a:pPr/>
               <a:t>‹nº›</a:t>
             </a:fld>
             <a:endParaRPr lang="pt-BR"/>
@@ -2297,6 +2759,7 @@
           <a:p>
             <a:fld id="{7BE08B6B-564C-4EB5-BE5C-0142EA1AA5D2}" type="datetimeFigureOut">
               <a:rPr lang="pt-BR" smtClean="0"/>
+              <a:pPr/>
               <a:t>05/11/2011</a:t>
             </a:fld>
             <a:endParaRPr lang="pt-BR"/>
@@ -2339,6 +2802,7 @@
           <a:p>
             <a:fld id="{B3F2399F-644D-4C01-A473-43138D341E14}" type="slidenum">
               <a:rPr lang="pt-BR" smtClean="0"/>
+              <a:pPr/>
               <a:t>‹nº›</a:t>
             </a:fld>
             <a:endParaRPr lang="pt-BR"/>
@@ -2431,6 +2895,7 @@
           <a:p>
             <a:fld id="{7BE08B6B-564C-4EB5-BE5C-0142EA1AA5D2}" type="datetimeFigureOut">
               <a:rPr lang="pt-BR" smtClean="0"/>
+              <a:pPr/>
               <a:t>05/11/2011</a:t>
             </a:fld>
             <a:endParaRPr lang="pt-BR"/>
@@ -2473,6 +2938,7 @@
           <a:p>
             <a:fld id="{B3F2399F-644D-4C01-A473-43138D341E14}" type="slidenum">
               <a:rPr lang="pt-BR" smtClean="0"/>
+              <a:pPr/>
               <a:t>‹nº›</a:t>
             </a:fld>
             <a:endParaRPr lang="pt-BR"/>
@@ -2734,6 +3200,7 @@
           <a:p>
             <a:fld id="{7BE08B6B-564C-4EB5-BE5C-0142EA1AA5D2}" type="datetimeFigureOut">
               <a:rPr lang="pt-BR" smtClean="0"/>
+              <a:pPr/>
               <a:t>05/11/2011</a:t>
             </a:fld>
             <a:endParaRPr lang="pt-BR"/>
@@ -2812,6 +3279,7 @@
           <a:p>
             <a:fld id="{B3F2399F-644D-4C01-A473-43138D341E14}" type="slidenum">
               <a:rPr lang="pt-BR" smtClean="0"/>
+              <a:pPr/>
               <a:t>‹nº›</a:t>
             </a:fld>
             <a:endParaRPr lang="pt-BR"/>
@@ -3404,7 +3872,1335 @@
           <a:p>
             <a:r>
               <a:rPr lang="pt-BR" dirty="0" smtClean="0"/>
-              <a:t>Análise Léxica</a:t>
+              <a:t>Definições de Erros</a:t>
+            </a:r>
+            <a:endParaRPr lang="pt-BR" dirty="0"/>
+          </a:p>
+        </p:txBody>
+      </p:sp>
+      <p:sp>
+        <p:nvSpPr>
+          <p:cNvPr id="3" name="Espaço Reservado para Conteúdo 2"/>
+          <p:cNvSpPr>
+            <a:spLocks noGrp="1"/>
+          </p:cNvSpPr>
+          <p:nvPr>
+            <p:ph idx="1"/>
+          </p:nvPr>
+        </p:nvSpPr>
+        <p:spPr/>
+        <p:txBody>
+          <a:bodyPr/>
+          <a:lstStyle/>
+          <a:p>
+            <a:r>
+              <a:rPr lang="pt-BR" dirty="0" smtClean="0"/>
+              <a:t>Antes de se iniciar a parte de análise, foi feito um arquivo com definições de parâmetros, tipos de </a:t>
+            </a:r>
+            <a:r>
+              <a:rPr lang="pt-BR" dirty="0" err="1" smtClean="0"/>
+              <a:t>tokens</a:t>
+            </a:r>
+            <a:r>
+              <a:rPr lang="pt-BR" dirty="0" smtClean="0"/>
+              <a:t> </a:t>
+            </a:r>
+            <a:r>
+              <a:rPr lang="pt-BR" dirty="0" smtClean="0"/>
+              <a:t>e</a:t>
+            </a:r>
+            <a:r>
+              <a:rPr lang="pt-BR" dirty="0" smtClean="0"/>
+              <a:t> possíveis erros,  definindo-os em valores numéricos para maior comodidade durante as análises.</a:t>
+            </a:r>
+            <a:endParaRPr lang="pt-BR" dirty="0"/>
+          </a:p>
+        </p:txBody>
+      </p:sp>
+    </p:spTree>
+  </p:cSld>
+  <p:clrMapOvr>
+    <a:masterClrMapping/>
+  </p:clrMapOvr>
+</p:sld>
+</file>
+
+<file path=ppt/slides/slide11.xml><?xml version="1.0" encoding="utf-8"?>
+<p:sld xmlns:a="http://schemas.openxmlformats.org/drawingml/2006/main" xmlns:r="http://schemas.openxmlformats.org/officeDocument/2006/relationships" xmlns:p="http://schemas.openxmlformats.org/presentationml/2006/main">
+  <p:cSld>
+    <p:spTree>
+      <p:nvGrpSpPr>
+        <p:cNvPr id="1" name=""/>
+        <p:cNvGrpSpPr/>
+        <p:nvPr/>
+      </p:nvGrpSpPr>
+      <p:grpSpPr>
+        <a:xfrm>
+          <a:off x="0" y="0"/>
+          <a:ext cx="0" cy="0"/>
+          <a:chOff x="0" y="0"/>
+          <a:chExt cx="0" cy="0"/>
+        </a:xfrm>
+      </p:grpSpPr>
+      <p:sp>
+        <p:nvSpPr>
+          <p:cNvPr id="2" name="Título 1"/>
+          <p:cNvSpPr>
+            <a:spLocks noGrp="1"/>
+          </p:cNvSpPr>
+          <p:nvPr>
+            <p:ph type="title"/>
+          </p:nvPr>
+        </p:nvSpPr>
+        <p:spPr/>
+        <p:txBody>
+          <a:bodyPr>
+            <a:normAutofit/>
+          </a:bodyPr>
+          <a:lstStyle/>
+          <a:p>
+            <a:r>
+              <a:rPr lang="pt-BR" dirty="0" smtClean="0"/>
+              <a:t>Alguns exemplos de definições</a:t>
+            </a:r>
+            <a:endParaRPr lang="pt-BR" dirty="0"/>
+          </a:p>
+        </p:txBody>
+      </p:sp>
+      <p:pic>
+        <p:nvPicPr>
+          <p:cNvPr id="1026" name="Picture 2"/>
+          <p:cNvPicPr>
+            <a:picLocks noGrp="1" noChangeAspect="1" noChangeArrowheads="1"/>
+          </p:cNvPicPr>
+          <p:nvPr>
+            <p:ph idx="1"/>
+          </p:nvPr>
+        </p:nvPicPr>
+        <p:blipFill>
+          <a:blip r:embed="rId3" cstate="print"/>
+          <a:srcRect/>
+          <a:stretch>
+            <a:fillRect/>
+          </a:stretch>
+        </p:blipFill>
+        <p:spPr bwMode="auto">
+          <a:xfrm>
+            <a:off x="312255" y="1484784"/>
+            <a:ext cx="8580225" cy="4752528"/>
+          </a:xfrm>
+          <a:prstGeom prst="rect">
+            <a:avLst/>
+          </a:prstGeom>
+          <a:noFill/>
+          <a:ln w="9525">
+            <a:noFill/>
+            <a:miter lim="800000"/>
+            <a:headEnd/>
+            <a:tailEnd/>
+          </a:ln>
+        </p:spPr>
+      </p:pic>
+    </p:spTree>
+  </p:cSld>
+  <p:clrMapOvr>
+    <a:masterClrMapping/>
+  </p:clrMapOvr>
+</p:sld>
+</file>
+
+<file path=ppt/slides/slide12.xml><?xml version="1.0" encoding="utf-8"?>
+<p:sld xmlns:a="http://schemas.openxmlformats.org/drawingml/2006/main" xmlns:r="http://schemas.openxmlformats.org/officeDocument/2006/relationships" xmlns:p="http://schemas.openxmlformats.org/presentationml/2006/main">
+  <p:cSld>
+    <p:spTree>
+      <p:nvGrpSpPr>
+        <p:cNvPr id="1" name=""/>
+        <p:cNvGrpSpPr/>
+        <p:nvPr/>
+      </p:nvGrpSpPr>
+      <p:grpSpPr>
+        <a:xfrm>
+          <a:off x="0" y="0"/>
+          <a:ext cx="0" cy="0"/>
+          <a:chOff x="0" y="0"/>
+          <a:chExt cx="0" cy="0"/>
+        </a:xfrm>
+      </p:grpSpPr>
+      <p:sp>
+        <p:nvSpPr>
+          <p:cNvPr id="2" name="Título 1"/>
+          <p:cNvSpPr>
+            <a:spLocks noGrp="1"/>
+          </p:cNvSpPr>
+          <p:nvPr>
+            <p:ph type="title"/>
+          </p:nvPr>
+        </p:nvSpPr>
+        <p:spPr/>
+        <p:txBody>
+          <a:bodyPr>
+            <a:normAutofit fontScale="90000"/>
+          </a:bodyPr>
+          <a:lstStyle/>
+          <a:p>
+            <a:r>
+              <a:rPr lang="pt-BR" dirty="0" smtClean="0"/>
+              <a:t>Alguns exemplos </a:t>
+            </a:r>
+            <a:r>
+              <a:rPr lang="pt-BR" dirty="0" smtClean="0"/>
+              <a:t>estruturas definidas</a:t>
+            </a:r>
+            <a:endParaRPr lang="pt-BR" dirty="0"/>
+          </a:p>
+        </p:txBody>
+      </p:sp>
+      <p:sp>
+        <p:nvSpPr>
+          <p:cNvPr id="3" name="Espaço Reservado para Conteúdo 2"/>
+          <p:cNvSpPr>
+            <a:spLocks noGrp="1"/>
+          </p:cNvSpPr>
+          <p:nvPr>
+            <p:ph idx="1"/>
+          </p:nvPr>
+        </p:nvSpPr>
+        <p:spPr/>
+        <p:txBody>
+          <a:bodyPr>
+            <a:normAutofit fontScale="70000" lnSpcReduction="20000"/>
+          </a:bodyPr>
+          <a:lstStyle/>
+          <a:p>
+            <a:pPr lvl="1"/>
+            <a:r>
+              <a:rPr lang="pt-BR" dirty="0" smtClean="0"/>
+              <a:t>Tabela de </a:t>
+            </a:r>
+            <a:r>
+              <a:rPr lang="pt-BR" dirty="0" err="1" smtClean="0"/>
+              <a:t>simbolos</a:t>
+            </a:r>
+            <a:endParaRPr lang="pt-BR" dirty="0" smtClean="0"/>
+          </a:p>
+          <a:p>
+            <a:pPr lvl="1"/>
+            <a:r>
+              <a:rPr lang="pt-BR" dirty="0" smtClean="0"/>
+              <a:t>“</a:t>
+            </a:r>
+            <a:r>
+              <a:rPr lang="en-US" dirty="0" err="1" smtClean="0"/>
+              <a:t>typedef</a:t>
+            </a:r>
+            <a:r>
+              <a:rPr lang="en-US" dirty="0" smtClean="0"/>
+              <a:t> </a:t>
+            </a:r>
+            <a:r>
+              <a:rPr lang="en-US" dirty="0" err="1" smtClean="0"/>
+              <a:t>struct</a:t>
+            </a:r>
+            <a:r>
+              <a:rPr lang="en-US" dirty="0" smtClean="0"/>
+              <a:t> </a:t>
+            </a:r>
+            <a:r>
+              <a:rPr lang="en-US" dirty="0" err="1" smtClean="0"/>
+              <a:t>symbols_table_st</a:t>
+            </a:r>
+            <a:r>
+              <a:rPr lang="en-US" dirty="0" smtClean="0"/>
+              <a:t> </a:t>
+            </a:r>
+            <a:r>
+              <a:rPr lang="en-US" dirty="0" smtClean="0"/>
+              <a:t>{</a:t>
+            </a:r>
+          </a:p>
+          <a:p>
+            <a:pPr lvl="1"/>
+            <a:r>
+              <a:rPr lang="en-US" dirty="0" smtClean="0"/>
+              <a:t>	char* symbol</a:t>
+            </a:r>
+            <a:r>
+              <a:rPr lang="en-US" dirty="0" smtClean="0"/>
+              <a:t>;</a:t>
+            </a:r>
+          </a:p>
+          <a:p>
+            <a:pPr lvl="1"/>
+            <a:r>
+              <a:rPr lang="en-US" dirty="0" smtClean="0"/>
+              <a:t>	uint32_t index</a:t>
+            </a:r>
+            <a:r>
+              <a:rPr lang="en-US" dirty="0" smtClean="0"/>
+              <a:t>;</a:t>
+            </a:r>
+          </a:p>
+          <a:p>
+            <a:pPr lvl="1"/>
+            <a:r>
+              <a:rPr lang="en-US" dirty="0" smtClean="0"/>
+              <a:t>	</a:t>
+            </a:r>
+            <a:r>
+              <a:rPr lang="en-US" dirty="0" err="1" smtClean="0"/>
+              <a:t>struct</a:t>
+            </a:r>
+            <a:r>
+              <a:rPr lang="en-US" dirty="0" smtClean="0"/>
+              <a:t> </a:t>
+            </a:r>
+            <a:r>
+              <a:rPr lang="en-US" dirty="0" err="1" smtClean="0"/>
+              <a:t>symbols_table_st</a:t>
+            </a:r>
+            <a:r>
+              <a:rPr lang="en-US" dirty="0" smtClean="0"/>
+              <a:t> * next</a:t>
+            </a:r>
+            <a:r>
+              <a:rPr lang="en-US" dirty="0" smtClean="0"/>
+              <a:t>;</a:t>
+            </a:r>
+          </a:p>
+          <a:p>
+            <a:pPr lvl="1"/>
+            <a:r>
+              <a:rPr lang="en-US" dirty="0" smtClean="0"/>
+              <a:t>} </a:t>
+            </a:r>
+            <a:r>
+              <a:rPr lang="en-US" dirty="0" err="1" smtClean="0"/>
+              <a:t>symbols_table</a:t>
+            </a:r>
+            <a:r>
+              <a:rPr lang="en-US" dirty="0" smtClean="0"/>
+              <a:t>;</a:t>
+            </a:r>
+            <a:r>
+              <a:rPr lang="pt-BR" dirty="0" smtClean="0"/>
+              <a:t>”</a:t>
+            </a:r>
+          </a:p>
+          <a:p>
+            <a:pPr lvl="1"/>
+            <a:endParaRPr lang="pt-BR" dirty="0" smtClean="0"/>
+          </a:p>
+          <a:p>
+            <a:pPr lvl="1"/>
+            <a:r>
+              <a:rPr lang="pt-BR" dirty="0" smtClean="0"/>
+              <a:t>Estrutura de </a:t>
+            </a:r>
+            <a:r>
+              <a:rPr lang="pt-BR" dirty="0" err="1" smtClean="0"/>
+              <a:t>Token</a:t>
+            </a:r>
+            <a:endParaRPr lang="pt-BR" dirty="0" smtClean="0"/>
+          </a:p>
+          <a:p>
+            <a:pPr lvl="1"/>
+            <a:r>
+              <a:rPr lang="pt-BR" dirty="0" smtClean="0"/>
+              <a:t>“</a:t>
+            </a:r>
+            <a:r>
+              <a:rPr lang="en-US" dirty="0" err="1" smtClean="0"/>
+              <a:t>typedef</a:t>
+            </a:r>
+            <a:r>
+              <a:rPr lang="en-US" dirty="0" smtClean="0"/>
+              <a:t> </a:t>
+            </a:r>
+            <a:r>
+              <a:rPr lang="en-US" dirty="0" err="1" smtClean="0"/>
+              <a:t>struct</a:t>
+            </a:r>
+            <a:r>
+              <a:rPr lang="en-US" dirty="0" smtClean="0"/>
+              <a:t> </a:t>
+            </a:r>
+            <a:r>
+              <a:rPr lang="en-US" dirty="0" err="1" smtClean="0"/>
+              <a:t>token_st</a:t>
+            </a:r>
+            <a:r>
+              <a:rPr lang="en-US" dirty="0" smtClean="0"/>
+              <a:t> </a:t>
+            </a:r>
+            <a:r>
+              <a:rPr lang="en-US" dirty="0" smtClean="0"/>
+              <a:t>{</a:t>
+            </a:r>
+          </a:p>
+          <a:p>
+            <a:pPr lvl="1"/>
+            <a:r>
+              <a:rPr lang="en-US" dirty="0" smtClean="0"/>
+              <a:t>    </a:t>
+            </a:r>
+            <a:r>
+              <a:rPr lang="en-US" dirty="0" smtClean="0"/>
+              <a:t>char* </a:t>
+            </a:r>
+            <a:r>
+              <a:rPr lang="en-US" dirty="0" err="1" smtClean="0"/>
+              <a:t>value_s</a:t>
+            </a:r>
+            <a:r>
+              <a:rPr lang="en-US" dirty="0" smtClean="0"/>
+              <a:t>;</a:t>
+            </a:r>
+          </a:p>
+          <a:p>
+            <a:pPr lvl="1"/>
+            <a:r>
+              <a:rPr lang="en-US" dirty="0" smtClean="0"/>
+              <a:t>    </a:t>
+            </a:r>
+            <a:r>
+              <a:rPr lang="en-US" dirty="0" smtClean="0"/>
+              <a:t>int32_t value</a:t>
+            </a:r>
+            <a:r>
+              <a:rPr lang="en-US" dirty="0" smtClean="0"/>
+              <a:t>;</a:t>
+            </a:r>
+          </a:p>
+          <a:p>
+            <a:pPr lvl="1"/>
+            <a:r>
+              <a:rPr lang="en-US" dirty="0" smtClean="0"/>
+              <a:t>    </a:t>
+            </a:r>
+            <a:r>
+              <a:rPr lang="en-US" dirty="0" smtClean="0"/>
+              <a:t>uint8_t </a:t>
+            </a:r>
+            <a:r>
+              <a:rPr lang="en-US" dirty="0" smtClean="0"/>
+              <a:t>type;</a:t>
+            </a:r>
+          </a:p>
+          <a:p>
+            <a:pPr lvl="1"/>
+            <a:r>
+              <a:rPr lang="en-US" dirty="0" smtClean="0"/>
+              <a:t>    </a:t>
+            </a:r>
+            <a:r>
+              <a:rPr lang="en-US" dirty="0" err="1" smtClean="0"/>
+              <a:t>struct</a:t>
+            </a:r>
+            <a:r>
+              <a:rPr lang="en-US" dirty="0" smtClean="0"/>
+              <a:t> </a:t>
+            </a:r>
+            <a:r>
+              <a:rPr lang="en-US" dirty="0" err="1" smtClean="0"/>
+              <a:t>token_st</a:t>
+            </a:r>
+            <a:r>
+              <a:rPr lang="en-US" dirty="0" smtClean="0"/>
+              <a:t> * next</a:t>
+            </a:r>
+            <a:r>
+              <a:rPr lang="en-US" dirty="0" smtClean="0"/>
+              <a:t>;</a:t>
+            </a:r>
+          </a:p>
+          <a:p>
+            <a:pPr lvl="1"/>
+            <a:r>
+              <a:rPr lang="en-US" dirty="0" smtClean="0"/>
+              <a:t>} </a:t>
+            </a:r>
+            <a:r>
+              <a:rPr lang="en-US" dirty="0" smtClean="0"/>
+              <a:t>token;</a:t>
+            </a:r>
+            <a:r>
+              <a:rPr lang="pt-BR" dirty="0" smtClean="0"/>
+              <a:t>”</a:t>
+            </a:r>
+            <a:endParaRPr lang="pt-BR" dirty="0"/>
+          </a:p>
+        </p:txBody>
+      </p:sp>
+    </p:spTree>
+  </p:cSld>
+  <p:clrMapOvr>
+    <a:masterClrMapping/>
+  </p:clrMapOvr>
+</p:sld>
+</file>
+
+<file path=ppt/slides/slide13.xml><?xml version="1.0" encoding="utf-8"?>
+<p:sld xmlns:a="http://schemas.openxmlformats.org/drawingml/2006/main" xmlns:r="http://schemas.openxmlformats.org/officeDocument/2006/relationships" xmlns:p="http://schemas.openxmlformats.org/presentationml/2006/main">
+  <p:cSld>
+    <p:spTree>
+      <p:nvGrpSpPr>
+        <p:cNvPr id="1" name=""/>
+        <p:cNvGrpSpPr/>
+        <p:nvPr/>
+      </p:nvGrpSpPr>
+      <p:grpSpPr>
+        <a:xfrm>
+          <a:off x="0" y="0"/>
+          <a:ext cx="0" cy="0"/>
+          <a:chOff x="0" y="0"/>
+          <a:chExt cx="0" cy="0"/>
+        </a:xfrm>
+      </p:grpSpPr>
+      <p:sp>
+        <p:nvSpPr>
+          <p:cNvPr id="2" name="Título 1"/>
+          <p:cNvSpPr>
+            <a:spLocks noGrp="1"/>
+          </p:cNvSpPr>
+          <p:nvPr>
+            <p:ph type="title"/>
+          </p:nvPr>
+        </p:nvSpPr>
+        <p:spPr/>
+        <p:txBody>
+          <a:bodyPr>
+            <a:normAutofit fontScale="90000"/>
+          </a:bodyPr>
+          <a:lstStyle/>
+          <a:p>
+            <a:r>
+              <a:rPr lang="pt-BR" dirty="0" smtClean="0"/>
+              <a:t>Alguns exemplos estruturas definidas</a:t>
+            </a:r>
+            <a:endParaRPr lang="pt-BR" dirty="0"/>
+          </a:p>
+        </p:txBody>
+      </p:sp>
+      <p:sp>
+        <p:nvSpPr>
+          <p:cNvPr id="3" name="Espaço Reservado para Conteúdo 2"/>
+          <p:cNvSpPr>
+            <a:spLocks noGrp="1"/>
+          </p:cNvSpPr>
+          <p:nvPr>
+            <p:ph idx="1"/>
+          </p:nvPr>
+        </p:nvSpPr>
+        <p:spPr/>
+        <p:txBody>
+          <a:bodyPr>
+            <a:normAutofit fontScale="55000" lnSpcReduction="20000"/>
+          </a:bodyPr>
+          <a:lstStyle/>
+          <a:p>
+            <a:pPr lvl="1"/>
+            <a:r>
+              <a:rPr lang="pt-BR" dirty="0" smtClean="0"/>
+              <a:t>Estrutura de Lista de </a:t>
+            </a:r>
+            <a:r>
+              <a:rPr lang="pt-BR" dirty="0" err="1" smtClean="0"/>
+              <a:t>Token</a:t>
+            </a:r>
+            <a:endParaRPr lang="pt-BR" dirty="0" smtClean="0"/>
+          </a:p>
+          <a:p>
+            <a:pPr lvl="1"/>
+            <a:r>
+              <a:rPr lang="pt-BR" dirty="0" smtClean="0"/>
+              <a:t>“</a:t>
+            </a:r>
+            <a:r>
+              <a:rPr lang="pt-BR" dirty="0" err="1" smtClean="0"/>
+              <a:t>typedef</a:t>
+            </a:r>
+            <a:r>
+              <a:rPr lang="pt-BR" dirty="0" smtClean="0"/>
+              <a:t> </a:t>
+            </a:r>
+            <a:r>
+              <a:rPr lang="pt-BR" dirty="0" err="1" smtClean="0"/>
+              <a:t>struct</a:t>
+            </a:r>
+            <a:r>
+              <a:rPr lang="pt-BR" dirty="0" smtClean="0"/>
+              <a:t> </a:t>
+            </a:r>
+            <a:r>
+              <a:rPr lang="pt-BR" dirty="0" err="1" smtClean="0"/>
+              <a:t>token_list_st</a:t>
+            </a:r>
+            <a:r>
+              <a:rPr lang="pt-BR" dirty="0" smtClean="0"/>
+              <a:t> </a:t>
+            </a:r>
+            <a:r>
+              <a:rPr lang="pt-BR" dirty="0" smtClean="0"/>
+              <a:t>{</a:t>
+            </a:r>
+          </a:p>
+          <a:p>
+            <a:pPr lvl="1"/>
+            <a:r>
+              <a:rPr lang="pt-BR" dirty="0" smtClean="0"/>
+              <a:t>    </a:t>
+            </a:r>
+            <a:r>
+              <a:rPr lang="pt-BR" dirty="0" smtClean="0"/>
+              <a:t>uint32_t </a:t>
+            </a:r>
+            <a:r>
+              <a:rPr lang="pt-BR" dirty="0" err="1" smtClean="0"/>
+              <a:t>index</a:t>
+            </a:r>
+            <a:r>
+              <a:rPr lang="pt-BR" dirty="0" smtClean="0"/>
+              <a:t>;</a:t>
+            </a:r>
+          </a:p>
+          <a:p>
+            <a:pPr lvl="1"/>
+            <a:r>
+              <a:rPr lang="pt-BR" dirty="0" smtClean="0"/>
+              <a:t>	uint32_t </a:t>
+            </a:r>
+            <a:r>
+              <a:rPr lang="pt-BR" dirty="0" err="1" smtClean="0"/>
+              <a:t>code_line</a:t>
+            </a:r>
+            <a:r>
+              <a:rPr lang="pt-BR" dirty="0" smtClean="0"/>
+              <a:t>;</a:t>
+            </a:r>
+          </a:p>
+          <a:p>
+            <a:pPr lvl="1"/>
+            <a:r>
+              <a:rPr lang="pt-BR" dirty="0" smtClean="0"/>
+              <a:t>    </a:t>
+            </a:r>
+            <a:r>
+              <a:rPr lang="pt-BR" dirty="0" err="1" smtClean="0"/>
+              <a:t>token</a:t>
+            </a:r>
+            <a:r>
+              <a:rPr lang="pt-BR" dirty="0" smtClean="0"/>
+              <a:t>* </a:t>
+            </a:r>
+            <a:r>
+              <a:rPr lang="pt-BR" dirty="0" err="1" smtClean="0"/>
+              <a:t>first_token</a:t>
+            </a:r>
+            <a:r>
+              <a:rPr lang="pt-BR" dirty="0" smtClean="0"/>
+              <a:t>;</a:t>
+            </a:r>
+          </a:p>
+          <a:p>
+            <a:pPr lvl="1"/>
+            <a:r>
+              <a:rPr lang="pt-BR" dirty="0" smtClean="0"/>
+              <a:t>    </a:t>
+            </a:r>
+            <a:r>
+              <a:rPr lang="pt-BR" dirty="0" err="1" smtClean="0"/>
+              <a:t>struct</a:t>
+            </a:r>
+            <a:r>
+              <a:rPr lang="pt-BR" dirty="0" smtClean="0"/>
+              <a:t> </a:t>
+            </a:r>
+            <a:r>
+              <a:rPr lang="pt-BR" dirty="0" err="1" smtClean="0"/>
+              <a:t>token_list_st</a:t>
+            </a:r>
+            <a:r>
+              <a:rPr lang="pt-BR" dirty="0" smtClean="0"/>
+              <a:t> * </a:t>
+            </a:r>
+            <a:r>
+              <a:rPr lang="pt-BR" dirty="0" err="1" smtClean="0"/>
+              <a:t>next</a:t>
+            </a:r>
+            <a:r>
+              <a:rPr lang="pt-BR" dirty="0" smtClean="0"/>
+              <a:t>;</a:t>
+            </a:r>
+          </a:p>
+          <a:p>
+            <a:pPr lvl="1"/>
+            <a:r>
+              <a:rPr lang="pt-BR" dirty="0" smtClean="0"/>
+              <a:t>} </a:t>
+            </a:r>
+            <a:r>
+              <a:rPr lang="pt-BR" dirty="0" err="1" smtClean="0"/>
+              <a:t>token_list</a:t>
+            </a:r>
+            <a:r>
+              <a:rPr lang="pt-BR" dirty="0" smtClean="0"/>
+              <a:t>;”</a:t>
+            </a:r>
+          </a:p>
+          <a:p>
+            <a:pPr lvl="1"/>
+            <a:endParaRPr lang="pt-BR" dirty="0" smtClean="0"/>
+          </a:p>
+          <a:p>
+            <a:pPr lvl="1"/>
+            <a:r>
+              <a:rPr lang="pt-BR" dirty="0" smtClean="0"/>
+              <a:t>Estrutura de Instruções</a:t>
+            </a:r>
+            <a:endParaRPr lang="pt-BR" dirty="0" smtClean="0"/>
+          </a:p>
+          <a:p>
+            <a:pPr lvl="1"/>
+            <a:r>
+              <a:rPr lang="pt-BR" dirty="0" smtClean="0"/>
+              <a:t>“</a:t>
+            </a:r>
+            <a:r>
+              <a:rPr lang="pt-BR" dirty="0" err="1" smtClean="0"/>
+              <a:t>typedef</a:t>
+            </a:r>
+            <a:r>
+              <a:rPr lang="pt-BR" dirty="0" smtClean="0"/>
+              <a:t> </a:t>
+            </a:r>
+            <a:r>
+              <a:rPr lang="pt-BR" dirty="0" err="1" smtClean="0"/>
+              <a:t>struct</a:t>
+            </a:r>
+            <a:r>
+              <a:rPr lang="pt-BR" dirty="0" smtClean="0"/>
+              <a:t> </a:t>
+            </a:r>
+            <a:r>
+              <a:rPr lang="pt-BR" dirty="0" smtClean="0"/>
+              <a:t>{</a:t>
+            </a:r>
+          </a:p>
+          <a:p>
+            <a:pPr lvl="1"/>
+            <a:r>
+              <a:rPr lang="pt-BR" dirty="0" smtClean="0"/>
+              <a:t>    </a:t>
+            </a:r>
+            <a:r>
+              <a:rPr lang="pt-BR" dirty="0" smtClean="0"/>
+              <a:t>uint8_t </a:t>
+            </a:r>
+            <a:r>
+              <a:rPr lang="pt-BR" dirty="0" err="1" smtClean="0"/>
+              <a:t>op</a:t>
+            </a:r>
+            <a:r>
+              <a:rPr lang="pt-BR" dirty="0" smtClean="0"/>
+              <a:t>;</a:t>
+            </a:r>
+          </a:p>
+          <a:p>
+            <a:pPr lvl="1"/>
+            <a:r>
+              <a:rPr lang="pt-BR" dirty="0" smtClean="0"/>
+              <a:t>    </a:t>
+            </a:r>
+            <a:r>
+              <a:rPr lang="pt-BR" dirty="0" smtClean="0"/>
+              <a:t>uint8_t </a:t>
+            </a:r>
+            <a:r>
+              <a:rPr lang="pt-BR" dirty="0" err="1" smtClean="0"/>
+              <a:t>rs</a:t>
+            </a:r>
+            <a:r>
+              <a:rPr lang="pt-BR" dirty="0" smtClean="0"/>
+              <a:t>;</a:t>
+            </a:r>
+          </a:p>
+          <a:p>
+            <a:pPr lvl="1"/>
+            <a:r>
+              <a:rPr lang="pt-BR" dirty="0" smtClean="0"/>
+              <a:t>    </a:t>
+            </a:r>
+            <a:r>
+              <a:rPr lang="pt-BR" dirty="0" smtClean="0"/>
+              <a:t>uint8_t </a:t>
+            </a:r>
+            <a:r>
+              <a:rPr lang="pt-BR" dirty="0" err="1" smtClean="0"/>
+              <a:t>rt</a:t>
+            </a:r>
+            <a:r>
+              <a:rPr lang="pt-BR" dirty="0" smtClean="0"/>
+              <a:t>;</a:t>
+            </a:r>
+          </a:p>
+          <a:p>
+            <a:pPr lvl="1"/>
+            <a:r>
+              <a:rPr lang="pt-BR" dirty="0" smtClean="0"/>
+              <a:t>    </a:t>
+            </a:r>
+            <a:r>
+              <a:rPr lang="pt-BR" dirty="0" smtClean="0"/>
+              <a:t>uint8_t </a:t>
+            </a:r>
+            <a:r>
+              <a:rPr lang="pt-BR" dirty="0" err="1" smtClean="0"/>
+              <a:t>rd</a:t>
+            </a:r>
+            <a:r>
+              <a:rPr lang="pt-BR" dirty="0" smtClean="0"/>
+              <a:t>;</a:t>
+            </a:r>
+          </a:p>
+          <a:p>
+            <a:pPr lvl="1"/>
+            <a:r>
+              <a:rPr lang="pt-BR" dirty="0" smtClean="0"/>
+              <a:t>    </a:t>
+            </a:r>
+            <a:r>
+              <a:rPr lang="pt-BR" dirty="0" smtClean="0"/>
+              <a:t>uint8_t </a:t>
+            </a:r>
+            <a:r>
+              <a:rPr lang="pt-BR" dirty="0" err="1" smtClean="0"/>
+              <a:t>funct</a:t>
+            </a:r>
+            <a:r>
+              <a:rPr lang="pt-BR" dirty="0" smtClean="0"/>
+              <a:t>;</a:t>
+            </a:r>
+          </a:p>
+          <a:p>
+            <a:pPr lvl="1"/>
+            <a:r>
+              <a:rPr lang="pt-BR" dirty="0" smtClean="0"/>
+              <a:t>    </a:t>
+            </a:r>
+            <a:r>
+              <a:rPr lang="pt-BR" dirty="0" smtClean="0"/>
+              <a:t>int32_t </a:t>
+            </a:r>
+            <a:r>
+              <a:rPr lang="pt-BR" dirty="0" err="1" smtClean="0"/>
+              <a:t>imm</a:t>
+            </a:r>
+            <a:r>
+              <a:rPr lang="pt-BR" dirty="0" smtClean="0"/>
+              <a:t>;</a:t>
+            </a:r>
+          </a:p>
+          <a:p>
+            <a:pPr lvl="1"/>
+            <a:r>
+              <a:rPr lang="pt-BR" dirty="0" smtClean="0"/>
+              <a:t>    </a:t>
+            </a:r>
+            <a:r>
+              <a:rPr lang="pt-BR" dirty="0" err="1" smtClean="0"/>
+              <a:t>char</a:t>
+            </a:r>
+            <a:r>
+              <a:rPr lang="pt-BR" dirty="0" smtClean="0"/>
+              <a:t> *</a:t>
+            </a:r>
+            <a:r>
+              <a:rPr lang="pt-BR" dirty="0" err="1" smtClean="0"/>
+              <a:t>symbol</a:t>
+            </a:r>
+            <a:r>
+              <a:rPr lang="pt-BR" dirty="0" smtClean="0"/>
+              <a:t>;</a:t>
+            </a:r>
+          </a:p>
+          <a:p>
+            <a:pPr lvl="1"/>
+            <a:r>
+              <a:rPr lang="pt-BR" dirty="0" smtClean="0"/>
+              <a:t>} </a:t>
+            </a:r>
+            <a:r>
+              <a:rPr lang="pt-BR" dirty="0" err="1" smtClean="0"/>
+              <a:t>inst</a:t>
+            </a:r>
+            <a:r>
+              <a:rPr lang="pt-BR" dirty="0" smtClean="0"/>
+              <a:t>;”</a:t>
+            </a:r>
+            <a:endParaRPr lang="pt-BR" dirty="0"/>
+          </a:p>
+        </p:txBody>
+      </p:sp>
+    </p:spTree>
+  </p:cSld>
+  <p:clrMapOvr>
+    <a:masterClrMapping/>
+  </p:clrMapOvr>
+</p:sld>
+</file>
+
+<file path=ppt/slides/slide14.xml><?xml version="1.0" encoding="utf-8"?>
+<p:sld xmlns:a="http://schemas.openxmlformats.org/drawingml/2006/main" xmlns:r="http://schemas.openxmlformats.org/officeDocument/2006/relationships" xmlns:p="http://schemas.openxmlformats.org/presentationml/2006/main">
+  <p:cSld>
+    <p:spTree>
+      <p:nvGrpSpPr>
+        <p:cNvPr id="1" name=""/>
+        <p:cNvGrpSpPr/>
+        <p:nvPr/>
+      </p:nvGrpSpPr>
+      <p:grpSpPr>
+        <a:xfrm>
+          <a:off x="0" y="0"/>
+          <a:ext cx="0" cy="0"/>
+          <a:chOff x="0" y="0"/>
+          <a:chExt cx="0" cy="0"/>
+        </a:xfrm>
+      </p:grpSpPr>
+      <p:sp>
+        <p:nvSpPr>
+          <p:cNvPr id="2" name="Título 1"/>
+          <p:cNvSpPr>
+            <a:spLocks noGrp="1"/>
+          </p:cNvSpPr>
+          <p:nvPr>
+            <p:ph type="title"/>
+          </p:nvPr>
+        </p:nvSpPr>
+        <p:spPr/>
+        <p:txBody>
+          <a:bodyPr>
+            <a:normAutofit fontScale="90000"/>
+          </a:bodyPr>
+          <a:lstStyle/>
+          <a:p>
+            <a:r>
+              <a:rPr lang="pt-BR" dirty="0" smtClean="0"/>
+              <a:t>Alguns exemplos estruturas </a:t>
+            </a:r>
+            <a:r>
+              <a:rPr lang="pt-BR" dirty="0" smtClean="0"/>
+              <a:t>definidas e funções para depuração</a:t>
+            </a:r>
+            <a:endParaRPr lang="pt-BR" dirty="0"/>
+          </a:p>
+        </p:txBody>
+      </p:sp>
+      <p:sp>
+        <p:nvSpPr>
+          <p:cNvPr id="3" name="Espaço Reservado para Conteúdo 2"/>
+          <p:cNvSpPr>
+            <a:spLocks noGrp="1"/>
+          </p:cNvSpPr>
+          <p:nvPr>
+            <p:ph idx="1"/>
+          </p:nvPr>
+        </p:nvSpPr>
+        <p:spPr>
+          <a:xfrm>
+            <a:off x="304800" y="1554162"/>
+            <a:ext cx="8686800" cy="5043190"/>
+          </a:xfrm>
+        </p:spPr>
+        <p:txBody>
+          <a:bodyPr>
+            <a:normAutofit fontScale="55000" lnSpcReduction="20000"/>
+          </a:bodyPr>
+          <a:lstStyle/>
+          <a:p>
+            <a:pPr lvl="1"/>
+            <a:r>
+              <a:rPr lang="pt-BR" dirty="0" smtClean="0"/>
+              <a:t>Lista de instrução</a:t>
+            </a:r>
+          </a:p>
+          <a:p>
+            <a:pPr lvl="1"/>
+            <a:r>
+              <a:rPr lang="pt-BR" dirty="0" smtClean="0"/>
+              <a:t>“</a:t>
+            </a:r>
+            <a:r>
+              <a:rPr lang="en-US" dirty="0" err="1" smtClean="0"/>
+              <a:t>typedef</a:t>
+            </a:r>
+            <a:r>
+              <a:rPr lang="en-US" dirty="0" smtClean="0"/>
+              <a:t> </a:t>
+            </a:r>
+            <a:r>
+              <a:rPr lang="en-US" dirty="0" err="1" smtClean="0"/>
+              <a:t>struct</a:t>
+            </a:r>
+            <a:r>
+              <a:rPr lang="en-US" dirty="0" smtClean="0"/>
+              <a:t> </a:t>
+            </a:r>
+            <a:r>
+              <a:rPr lang="en-US" dirty="0" err="1" smtClean="0"/>
+              <a:t>inst_list_st</a:t>
+            </a:r>
+            <a:r>
+              <a:rPr lang="en-US" dirty="0" smtClean="0"/>
+              <a:t> </a:t>
+            </a:r>
+            <a:r>
+              <a:rPr lang="en-US" dirty="0" smtClean="0"/>
+              <a:t>{</a:t>
+            </a:r>
+          </a:p>
+          <a:p>
+            <a:pPr lvl="1"/>
+            <a:r>
+              <a:rPr lang="en-US" dirty="0" smtClean="0"/>
+              <a:t>    </a:t>
+            </a:r>
+            <a:r>
+              <a:rPr lang="en-US" dirty="0" smtClean="0"/>
+              <a:t>uint32_t index</a:t>
+            </a:r>
+            <a:r>
+              <a:rPr lang="en-US" dirty="0" smtClean="0"/>
+              <a:t>;</a:t>
+            </a:r>
+          </a:p>
+          <a:p>
+            <a:pPr lvl="1"/>
+            <a:r>
+              <a:rPr lang="en-US" dirty="0" smtClean="0"/>
+              <a:t>    </a:t>
+            </a:r>
+            <a:r>
+              <a:rPr lang="en-US" dirty="0" smtClean="0"/>
+              <a:t>uint8_t type</a:t>
+            </a:r>
+            <a:r>
+              <a:rPr lang="en-US" dirty="0" smtClean="0"/>
+              <a:t>;</a:t>
+            </a:r>
+          </a:p>
+          <a:p>
+            <a:pPr lvl="1"/>
+            <a:r>
+              <a:rPr lang="en-US" dirty="0" smtClean="0"/>
+              <a:t>    </a:t>
+            </a:r>
+            <a:r>
+              <a:rPr lang="en-US" dirty="0" smtClean="0"/>
+              <a:t>inst values</a:t>
+            </a:r>
+            <a:r>
+              <a:rPr lang="en-US" dirty="0" smtClean="0"/>
+              <a:t>;</a:t>
+            </a:r>
+          </a:p>
+          <a:p>
+            <a:pPr lvl="1"/>
+            <a:r>
+              <a:rPr lang="en-US" dirty="0" smtClean="0"/>
+              <a:t>    </a:t>
+            </a:r>
+            <a:r>
+              <a:rPr lang="en-US" dirty="0" err="1" smtClean="0"/>
+              <a:t>struct</a:t>
+            </a:r>
+            <a:r>
+              <a:rPr lang="en-US" dirty="0" smtClean="0"/>
+              <a:t> </a:t>
+            </a:r>
+            <a:r>
+              <a:rPr lang="en-US" dirty="0" err="1" smtClean="0"/>
+              <a:t>inst_list_st</a:t>
+            </a:r>
+            <a:r>
+              <a:rPr lang="en-US" dirty="0" smtClean="0"/>
+              <a:t> *next</a:t>
+            </a:r>
+            <a:r>
+              <a:rPr lang="en-US" dirty="0" smtClean="0"/>
+              <a:t>;</a:t>
+            </a:r>
+          </a:p>
+          <a:p>
+            <a:pPr lvl="1"/>
+            <a:r>
+              <a:rPr lang="en-US" dirty="0" smtClean="0"/>
+              <a:t>} </a:t>
+            </a:r>
+            <a:r>
+              <a:rPr lang="en-US" dirty="0" err="1" smtClean="0"/>
+              <a:t>inst_list</a:t>
+            </a:r>
+            <a:r>
+              <a:rPr lang="en-US" dirty="0" smtClean="0"/>
+              <a:t>;</a:t>
+            </a:r>
+            <a:r>
+              <a:rPr lang="pt-BR" dirty="0" smtClean="0"/>
+              <a:t>” </a:t>
+            </a:r>
+          </a:p>
+          <a:p>
+            <a:pPr lvl="1"/>
+            <a:endParaRPr lang="pt-BR" dirty="0" smtClean="0"/>
+          </a:p>
+          <a:p>
+            <a:pPr lvl="1"/>
+            <a:r>
+              <a:rPr lang="pt-BR" dirty="0" smtClean="0"/>
+              <a:t>Funções para Depuração do código</a:t>
+            </a:r>
+            <a:endParaRPr lang="pt-BR" dirty="0" smtClean="0"/>
+          </a:p>
+          <a:p>
+            <a:pPr lvl="1"/>
+            <a:r>
+              <a:rPr lang="pt-BR" dirty="0" smtClean="0"/>
+              <a:t>Função para impressão de mensagem de erro</a:t>
+            </a:r>
+          </a:p>
+          <a:p>
+            <a:pPr lvl="1"/>
+            <a:r>
+              <a:rPr lang="pt-BR" dirty="0" smtClean="0"/>
+              <a:t>“</a:t>
+            </a:r>
+            <a:r>
+              <a:rPr lang="pt-BR" dirty="0" err="1" smtClean="0"/>
+              <a:t>void</a:t>
+            </a:r>
+            <a:r>
+              <a:rPr lang="pt-BR" dirty="0" smtClean="0"/>
+              <a:t> </a:t>
+            </a:r>
+            <a:r>
+              <a:rPr lang="pt-BR" dirty="0" err="1" smtClean="0"/>
+              <a:t>print_error_msg</a:t>
+            </a:r>
+            <a:r>
+              <a:rPr lang="pt-BR" dirty="0" smtClean="0"/>
+              <a:t>(uint32_t </a:t>
+            </a:r>
+            <a:r>
+              <a:rPr lang="pt-BR" dirty="0" err="1" smtClean="0"/>
+              <a:t>line</a:t>
+            </a:r>
+            <a:r>
+              <a:rPr lang="pt-BR" dirty="0" smtClean="0"/>
+              <a:t>, uint8_t </a:t>
+            </a:r>
+            <a:r>
+              <a:rPr lang="pt-BR" dirty="0" err="1" smtClean="0"/>
+              <a:t>error</a:t>
+            </a:r>
+            <a:r>
+              <a:rPr lang="pt-BR" dirty="0" smtClean="0"/>
+              <a:t>);”</a:t>
+            </a:r>
+          </a:p>
+          <a:p>
+            <a:pPr lvl="1"/>
+            <a:endParaRPr lang="pt-BR" dirty="0" smtClean="0"/>
+          </a:p>
+          <a:p>
+            <a:pPr lvl="1"/>
+            <a:r>
+              <a:rPr lang="pt-BR" dirty="0" smtClean="0"/>
+              <a:t>Função para impressão da estrutura do cabeçalho da lista de </a:t>
+            </a:r>
+            <a:r>
+              <a:rPr lang="pt-BR" dirty="0" err="1" smtClean="0"/>
+              <a:t>tokens</a:t>
+            </a:r>
+            <a:endParaRPr lang="pt-BR" dirty="0" smtClean="0"/>
+          </a:p>
+          <a:p>
+            <a:pPr lvl="1"/>
+            <a:r>
+              <a:rPr lang="pt-BR" dirty="0" smtClean="0"/>
+              <a:t>“</a:t>
+            </a:r>
+            <a:r>
+              <a:rPr lang="pt-BR" dirty="0" err="1" smtClean="0"/>
+              <a:t>void</a:t>
+            </a:r>
+            <a:r>
+              <a:rPr lang="pt-BR" dirty="0" smtClean="0"/>
+              <a:t> </a:t>
+            </a:r>
+            <a:r>
+              <a:rPr lang="pt-BR" dirty="0" err="1" smtClean="0"/>
+              <a:t>print_line_list</a:t>
+            </a:r>
+            <a:r>
+              <a:rPr lang="pt-BR" dirty="0" smtClean="0"/>
+              <a:t>(</a:t>
+            </a:r>
+            <a:r>
+              <a:rPr lang="pt-BR" dirty="0" err="1" smtClean="0"/>
+              <a:t>token_list</a:t>
+            </a:r>
+            <a:r>
+              <a:rPr lang="pt-BR" dirty="0" smtClean="0"/>
+              <a:t>*);”</a:t>
+            </a:r>
+          </a:p>
+          <a:p>
+            <a:pPr lvl="1"/>
+            <a:endParaRPr lang="pt-BR" dirty="0" smtClean="0"/>
+          </a:p>
+          <a:p>
+            <a:pPr lvl="1"/>
+            <a:r>
+              <a:rPr lang="pt-BR" dirty="0" smtClean="0"/>
+              <a:t>Função para impressão da estrutura da lista de </a:t>
+            </a:r>
+            <a:r>
+              <a:rPr lang="pt-BR" dirty="0" err="1" smtClean="0"/>
+              <a:t>tokens</a:t>
+            </a:r>
+            <a:endParaRPr lang="pt-BR" dirty="0" smtClean="0"/>
+          </a:p>
+          <a:p>
+            <a:pPr lvl="1"/>
+            <a:r>
+              <a:rPr lang="pt-BR" dirty="0" smtClean="0"/>
+              <a:t>“</a:t>
+            </a:r>
+            <a:r>
+              <a:rPr lang="pt-BR" dirty="0" err="1" smtClean="0"/>
+              <a:t>void</a:t>
+            </a:r>
+            <a:r>
+              <a:rPr lang="pt-BR" dirty="0" smtClean="0"/>
+              <a:t> </a:t>
+            </a:r>
+            <a:r>
+              <a:rPr lang="pt-BR" dirty="0" err="1" smtClean="0"/>
+              <a:t>print_token_list</a:t>
+            </a:r>
+            <a:r>
+              <a:rPr lang="pt-BR" dirty="0" smtClean="0"/>
+              <a:t>(</a:t>
+            </a:r>
+            <a:r>
+              <a:rPr lang="pt-BR" dirty="0" err="1" smtClean="0"/>
+              <a:t>token</a:t>
+            </a:r>
+            <a:r>
+              <a:rPr lang="pt-BR" dirty="0" smtClean="0"/>
+              <a:t>*);”</a:t>
+            </a:r>
+          </a:p>
+          <a:p>
+            <a:pPr lvl="1"/>
+            <a:endParaRPr lang="pt-BR" dirty="0" smtClean="0"/>
+          </a:p>
+          <a:p>
+            <a:pPr lvl="1"/>
+            <a:r>
+              <a:rPr lang="pt-BR" dirty="0" smtClean="0"/>
+              <a:t>Função para imprimir a tabela de </a:t>
+            </a:r>
+            <a:r>
+              <a:rPr lang="pt-BR" dirty="0" err="1" smtClean="0"/>
+              <a:t>simbolos</a:t>
+            </a:r>
+            <a:endParaRPr lang="pt-BR" dirty="0" smtClean="0"/>
+          </a:p>
+          <a:p>
+            <a:pPr lvl="1"/>
+            <a:r>
+              <a:rPr lang="pt-BR" dirty="0" smtClean="0"/>
+              <a:t>“</a:t>
+            </a:r>
+            <a:r>
+              <a:rPr lang="pt-BR" dirty="0" err="1" smtClean="0"/>
+              <a:t>void</a:t>
+            </a:r>
+            <a:r>
+              <a:rPr lang="pt-BR" dirty="0" smtClean="0"/>
+              <a:t> </a:t>
+            </a:r>
+            <a:r>
+              <a:rPr lang="pt-BR" dirty="0" err="1" smtClean="0"/>
+              <a:t>print_symbols_table</a:t>
+            </a:r>
+            <a:r>
+              <a:rPr lang="pt-BR" dirty="0" smtClean="0"/>
+              <a:t>(</a:t>
+            </a:r>
+            <a:r>
+              <a:rPr lang="pt-BR" dirty="0" err="1" smtClean="0"/>
+              <a:t>symbols_table</a:t>
+            </a:r>
+            <a:r>
+              <a:rPr lang="pt-BR" dirty="0" smtClean="0"/>
+              <a:t>*);”</a:t>
+            </a:r>
+            <a:endParaRPr lang="pt-BR" dirty="0"/>
+          </a:p>
+        </p:txBody>
+      </p:sp>
+    </p:spTree>
+  </p:cSld>
+  <p:clrMapOvr>
+    <a:masterClrMapping/>
+  </p:clrMapOvr>
+  <p:timing>
+    <p:tnLst>
+      <p:par>
+        <p:cTn id="1" dur="indefinite" restart="never" nodeType="tmRoot"/>
+      </p:par>
+    </p:tnLst>
+  </p:timing>
+</p:sld>
+</file>
+
+<file path=ppt/slides/slide15.xml><?xml version="1.0" encoding="utf-8"?>
+<p:sld xmlns:a="http://schemas.openxmlformats.org/drawingml/2006/main" xmlns:r="http://schemas.openxmlformats.org/officeDocument/2006/relationships" xmlns:p="http://schemas.openxmlformats.org/presentationml/2006/main">
+  <p:cSld>
+    <p:spTree>
+      <p:nvGrpSpPr>
+        <p:cNvPr id="1" name=""/>
+        <p:cNvGrpSpPr/>
+        <p:nvPr/>
+      </p:nvGrpSpPr>
+      <p:grpSpPr>
+        <a:xfrm>
+          <a:off x="0" y="0"/>
+          <a:ext cx="0" cy="0"/>
+          <a:chOff x="0" y="0"/>
+          <a:chExt cx="0" cy="0"/>
+        </a:xfrm>
+      </p:grpSpPr>
+      <p:sp>
+        <p:nvSpPr>
+          <p:cNvPr id="2" name="Título 1"/>
+          <p:cNvSpPr>
+            <a:spLocks noGrp="1"/>
+          </p:cNvSpPr>
+          <p:nvPr>
+            <p:ph type="title"/>
+          </p:nvPr>
+        </p:nvSpPr>
+        <p:spPr/>
+        <p:txBody>
+          <a:bodyPr/>
+          <a:lstStyle/>
+          <a:p>
+            <a:r>
+              <a:rPr lang="pt-BR" dirty="0" smtClean="0"/>
+              <a:t>Analisador Léxico</a:t>
             </a:r>
             <a:endParaRPr lang="pt-BR" dirty="0"/>
           </a:p>
@@ -3597,21 +5393,8 @@
           <a:p>
             <a:r>
               <a:rPr lang="pt-BR" dirty="0" smtClean="0"/>
-              <a:t>Segunda etapa, enfatizando </a:t>
-            </a:r>
-            <a:r>
-              <a:rPr lang="pt-BR" dirty="0" smtClean="0"/>
-              <a:t>a relação usuário </a:t>
-            </a:r>
-            <a:r>
-              <a:rPr lang="pt-BR" dirty="0" smtClean="0"/>
-              <a:t>programa</a:t>
-            </a:r>
-            <a:r>
-              <a:rPr lang="pt-BR" dirty="0" smtClean="0"/>
-              <a:t>:</a:t>
-            </a:r>
-            <a:endParaRPr lang="pt-BR" dirty="0" smtClean="0"/>
+              <a:t>Segunda etapa, enfatizando a relação usuário programa:</a:t>
+            </a:r>
           </a:p>
           <a:p>
             <a:pPr lvl="1"/>
@@ -3854,19 +5637,7 @@
             <a:pPr lvl="1"/>
             <a:r>
               <a:rPr lang="pt-BR" dirty="0" smtClean="0"/>
-              <a:t>“#DEFINE </a:t>
-            </a:r>
-            <a:r>
-              <a:rPr lang="pt-BR" dirty="0" smtClean="0"/>
-              <a:t>REG_1</a:t>
-            </a:r>
-            <a:r>
-              <a:rPr lang="pt-BR" dirty="0" smtClean="0"/>
-              <a:t>		</a:t>
-            </a:r>
-            <a:r>
-              <a:rPr lang="pt-BR" dirty="0" smtClean="0"/>
-              <a:t>(“$</a:t>
+              <a:t>“#DEFINE REG_1		(“$</a:t>
             </a:r>
             <a:r>
               <a:rPr lang="pt-BR" dirty="0" err="1" smtClean="0"/>
@@ -3997,11 +5768,7 @@
             </a:r>
             <a:r>
               <a:rPr lang="pt-BR" dirty="0" smtClean="0"/>
-              <a:t> </a:t>
-            </a:r>
-            <a:r>
-              <a:rPr lang="pt-BR" dirty="0" smtClean="0"/>
-              <a:t>{</a:t>
+              <a:t> {</a:t>
             </a:r>
           </a:p>
           <a:p>
@@ -4016,11 +5783,7 @@
             </a:r>
             <a:r>
               <a:rPr lang="pt-BR" dirty="0" smtClean="0"/>
-              <a:t>* name1</a:t>
-            </a:r>
-            <a:r>
-              <a:rPr lang="pt-BR" dirty="0" smtClean="0"/>
-              <a:t>;</a:t>
+              <a:t>* name1;</a:t>
             </a:r>
           </a:p>
           <a:p>
@@ -4035,11 +5798,7 @@
             </a:r>
             <a:r>
               <a:rPr lang="pt-BR" dirty="0" smtClean="0"/>
-              <a:t>* name2</a:t>
-            </a:r>
-            <a:r>
-              <a:rPr lang="pt-BR" dirty="0" smtClean="0"/>
-              <a:t>;</a:t>
+              <a:t>* name2;</a:t>
             </a:r>
           </a:p>
           <a:p>
@@ -4449,11 +6208,7 @@
             </a:r>
             <a:r>
               <a:rPr lang="pt-BR" dirty="0" smtClean="0"/>
-              <a:t> </a:t>
-            </a:r>
-            <a:r>
-              <a:rPr lang="pt-BR" dirty="0" smtClean="0"/>
-              <a:t>{</a:t>
+              <a:t> {</a:t>
             </a:r>
           </a:p>
           <a:p>
@@ -4483,11 +6238,7 @@
             <a:pPr lvl="1"/>
             <a:r>
               <a:rPr lang="pt-BR" dirty="0" smtClean="0"/>
-              <a:t>    </a:t>
-            </a:r>
-            <a:r>
-              <a:rPr lang="pt-BR" dirty="0" smtClean="0"/>
-              <a:t>uint8_t </a:t>
+              <a:t>    uint8_t </a:t>
             </a:r>
             <a:r>
               <a:rPr lang="pt-BR" dirty="0" err="1" smtClean="0"/>
@@ -4502,11 +6253,7 @@
             <a:pPr lvl="1"/>
             <a:r>
               <a:rPr lang="pt-BR" dirty="0" smtClean="0"/>
-              <a:t>    </a:t>
-            </a:r>
-            <a:r>
-              <a:rPr lang="pt-BR" dirty="0" smtClean="0"/>
-              <a:t>uint8_t </a:t>
+              <a:t>    uint8_t </a:t>
             </a:r>
             <a:r>
               <a:rPr lang="pt-BR" dirty="0" err="1" smtClean="0"/>
@@ -4521,11 +6268,7 @@
             <a:pPr lvl="1"/>
             <a:r>
               <a:rPr lang="pt-BR" dirty="0" smtClean="0"/>
-              <a:t>    </a:t>
-            </a:r>
-            <a:r>
-              <a:rPr lang="pt-BR" dirty="0" smtClean="0"/>
-              <a:t>uint8_t </a:t>
+              <a:t>    uint8_t </a:t>
             </a:r>
             <a:r>
               <a:rPr lang="pt-BR" dirty="0" err="1" smtClean="0"/>
@@ -4540,11 +6283,7 @@
             <a:pPr lvl="1"/>
             <a:r>
               <a:rPr lang="pt-BR" dirty="0" smtClean="0"/>
-              <a:t>    </a:t>
-            </a:r>
-            <a:r>
-              <a:rPr lang="pt-BR" dirty="0" smtClean="0"/>
-              <a:t>uint8_t </a:t>
+              <a:t>    uint8_t </a:t>
             </a:r>
             <a:r>
               <a:rPr lang="pt-BR" dirty="0" err="1" smtClean="0"/>
@@ -4889,4 +6628,287 @@
   <a:objectDefaults/>
   <a:extraClrSchemeLst/>
 </a:theme>
+</file>
+
+<file path=ppt/theme/theme2.xml><?xml version="1.0" encoding="utf-8"?>
+<a:theme xmlns:a="http://schemas.openxmlformats.org/drawingml/2006/main" name="Tema do Office">
+  <a:themeElements>
+    <a:clrScheme name="Escritório">
+      <a:dk1>
+        <a:sysClr val="windowText" lastClr="000000"/>
+      </a:dk1>
+      <a:lt1>
+        <a:sysClr val="window" lastClr="FFFFFF"/>
+      </a:lt1>
+      <a:dk2>
+        <a:srgbClr val="1F497D"/>
+      </a:dk2>
+      <a:lt2>
+        <a:srgbClr val="EEECE1"/>
+      </a:lt2>
+      <a:accent1>
+        <a:srgbClr val="4F81BD"/>
+      </a:accent1>
+      <a:accent2>
+        <a:srgbClr val="C0504D"/>
+      </a:accent2>
+      <a:accent3>
+        <a:srgbClr val="9BBB59"/>
+      </a:accent3>
+      <a:accent4>
+        <a:srgbClr val="8064A2"/>
+      </a:accent4>
+      <a:accent5>
+        <a:srgbClr val="4BACC6"/>
+      </a:accent5>
+      <a:accent6>
+        <a:srgbClr val="F79646"/>
+      </a:accent6>
+      <a:hlink>
+        <a:srgbClr val="0000FF"/>
+      </a:hlink>
+      <a:folHlink>
+        <a:srgbClr val="800080"/>
+      </a:folHlink>
+    </a:clrScheme>
+    <a:fontScheme name="Escritório">
+      <a:majorFont>
+        <a:latin typeface="Calibri"/>
+        <a:ea typeface=""/>
+        <a:cs typeface=""/>
+        <a:font script="Jpan" typeface="ＭＳ Ｐゴシック"/>
+        <a:font script="Hang" typeface="맑은 고딕"/>
+        <a:font script="Hans" typeface="宋体"/>
+        <a:font script="Hant" typeface="新細明體"/>
+        <a:font script="Arab" typeface="Times New Roman"/>
+        <a:font script="Hebr" typeface="Times New Roman"/>
+        <a:font script="Thai" typeface="Angsana New"/>
+        <a:font script="Ethi" typeface="Nyala"/>
+        <a:font script="Beng" typeface="Vrinda"/>
+        <a:font script="Gujr" typeface="Shruti"/>
+        <a:font script="Khmr" typeface="MoolBoran"/>
+        <a:font script="Knda" typeface="Tunga"/>
+        <a:font script="Guru" typeface="Raavi"/>
+        <a:font script="Cans" typeface="Euphemia"/>
+        <a:font script="Cher" typeface="Plantagenet Cherokee"/>
+        <a:font script="Yiii" typeface="Microsoft Yi Baiti"/>
+        <a:font script="Tibt" typeface="Microsoft Himalaya"/>
+        <a:font script="Thaa" typeface="MV Boli"/>
+        <a:font script="Deva" typeface="Mangal"/>
+        <a:font script="Telu" typeface="Gautami"/>
+        <a:font script="Taml" typeface="Latha"/>
+        <a:font script="Syrc" typeface="Estrangelo Edessa"/>
+        <a:font script="Orya" typeface="Kalinga"/>
+        <a:font script="Mlym" typeface="Kartika"/>
+        <a:font script="Laoo" typeface="DokChampa"/>
+        <a:font script="Sinh" typeface="Iskoola Pota"/>
+        <a:font script="Mong" typeface="Mongolian Baiti"/>
+        <a:font script="Viet" typeface="Times New Roman"/>
+        <a:font script="Uigh" typeface="Microsoft Uighur"/>
+      </a:majorFont>
+      <a:minorFont>
+        <a:latin typeface="Calibri"/>
+        <a:ea typeface=""/>
+        <a:cs typeface=""/>
+        <a:font script="Jpan" typeface="ＭＳ Ｐゴシック"/>
+        <a:font script="Hang" typeface="맑은 고딕"/>
+        <a:font script="Hans" typeface="宋体"/>
+        <a:font script="Hant" typeface="新細明體"/>
+        <a:font script="Arab" typeface="Arial"/>
+        <a:font script="Hebr" typeface="Arial"/>
+        <a:font script="Thai" typeface="Cordia New"/>
+        <a:font script="Ethi" typeface="Nyala"/>
+        <a:font script="Beng" typeface="Vrinda"/>
+        <a:font script="Gujr" typeface="Shruti"/>
+        <a:font script="Khmr" typeface="DaunPenh"/>
+        <a:font script="Knda" typeface="Tunga"/>
+        <a:font script="Guru" typeface="Raavi"/>
+        <a:font script="Cans" typeface="Euphemia"/>
+        <a:font script="Cher" typeface="Plantagenet Cherokee"/>
+        <a:font script="Yiii" typeface="Microsoft Yi Baiti"/>
+        <a:font script="Tibt" typeface="Microsoft Himalaya"/>
+        <a:font script="Thaa" typeface="MV Boli"/>
+        <a:font script="Deva" typeface="Mangal"/>
+        <a:font script="Telu" typeface="Gautami"/>
+        <a:font script="Taml" typeface="Latha"/>
+        <a:font script="Syrc" typeface="Estrangelo Edessa"/>
+        <a:font script="Orya" typeface="Kalinga"/>
+        <a:font script="Mlym" typeface="Kartika"/>
+        <a:font script="Laoo" typeface="DokChampa"/>
+        <a:font script="Sinh" typeface="Iskoola Pota"/>
+        <a:font script="Mong" typeface="Mongolian Baiti"/>
+        <a:font script="Viet" typeface="Arial"/>
+        <a:font script="Uigh" typeface="Microsoft Uighur"/>
+      </a:minorFont>
+    </a:fontScheme>
+    <a:fmtScheme name="Escritório">
+      <a:fillStyleLst>
+        <a:solidFill>
+          <a:schemeClr val="phClr"/>
+        </a:solidFill>
+        <a:gradFill rotWithShape="1">
+          <a:gsLst>
+            <a:gs pos="0">
+              <a:schemeClr val="phClr">
+                <a:tint val="50000"/>
+                <a:satMod val="300000"/>
+              </a:schemeClr>
+            </a:gs>
+            <a:gs pos="35000">
+              <a:schemeClr val="phClr">
+                <a:tint val="37000"/>
+                <a:satMod val="300000"/>
+              </a:schemeClr>
+            </a:gs>
+            <a:gs pos="100000">
+              <a:schemeClr val="phClr">
+                <a:tint val="15000"/>
+                <a:satMod val="350000"/>
+              </a:schemeClr>
+            </a:gs>
+          </a:gsLst>
+          <a:lin ang="16200000" scaled="1"/>
+        </a:gradFill>
+        <a:gradFill rotWithShape="1">
+          <a:gsLst>
+            <a:gs pos="0">
+              <a:schemeClr val="phClr">
+                <a:shade val="51000"/>
+                <a:satMod val="130000"/>
+              </a:schemeClr>
+            </a:gs>
+            <a:gs pos="80000">
+              <a:schemeClr val="phClr">
+                <a:shade val="93000"/>
+                <a:satMod val="130000"/>
+              </a:schemeClr>
+            </a:gs>
+            <a:gs pos="100000">
+              <a:schemeClr val="phClr">
+                <a:shade val="94000"/>
+                <a:satMod val="135000"/>
+              </a:schemeClr>
+            </a:gs>
+          </a:gsLst>
+          <a:lin ang="16200000" scaled="0"/>
+        </a:gradFill>
+      </a:fillStyleLst>
+      <a:lnStyleLst>
+        <a:ln w="9525" cap="flat" cmpd="sng" algn="ctr">
+          <a:solidFill>
+            <a:schemeClr val="phClr">
+              <a:shade val="95000"/>
+              <a:satMod val="105000"/>
+            </a:schemeClr>
+          </a:solidFill>
+          <a:prstDash val="solid"/>
+        </a:ln>
+        <a:ln w="25400" cap="flat" cmpd="sng" algn="ctr">
+          <a:solidFill>
+            <a:schemeClr val="phClr"/>
+          </a:solidFill>
+          <a:prstDash val="solid"/>
+        </a:ln>
+        <a:ln w="38100" cap="flat" cmpd="sng" algn="ctr">
+          <a:solidFill>
+            <a:schemeClr val="phClr"/>
+          </a:solidFill>
+          <a:prstDash val="solid"/>
+        </a:ln>
+      </a:lnStyleLst>
+      <a:effectStyleLst>
+        <a:effectStyle>
+          <a:effectLst>
+            <a:outerShdw blurRad="40000" dist="20000" dir="5400000" rotWithShape="0">
+              <a:srgbClr val="000000">
+                <a:alpha val="38000"/>
+              </a:srgbClr>
+            </a:outerShdw>
+          </a:effectLst>
+        </a:effectStyle>
+        <a:effectStyle>
+          <a:effectLst>
+            <a:outerShdw blurRad="40000" dist="23000" dir="5400000" rotWithShape="0">
+              <a:srgbClr val="000000">
+                <a:alpha val="35000"/>
+              </a:srgbClr>
+            </a:outerShdw>
+          </a:effectLst>
+        </a:effectStyle>
+        <a:effectStyle>
+          <a:effectLst>
+            <a:outerShdw blurRad="40000" dist="23000" dir="5400000" rotWithShape="0">
+              <a:srgbClr val="000000">
+                <a:alpha val="35000"/>
+              </a:srgbClr>
+            </a:outerShdw>
+          </a:effectLst>
+          <a:scene3d>
+            <a:camera prst="orthographicFront">
+              <a:rot lat="0" lon="0" rev="0"/>
+            </a:camera>
+            <a:lightRig rig="threePt" dir="t">
+              <a:rot lat="0" lon="0" rev="1200000"/>
+            </a:lightRig>
+          </a:scene3d>
+          <a:sp3d>
+            <a:bevelT w="63500" h="25400"/>
+          </a:sp3d>
+        </a:effectStyle>
+      </a:effectStyleLst>
+      <a:bgFillStyleLst>
+        <a:solidFill>
+          <a:schemeClr val="phClr"/>
+        </a:solidFill>
+        <a:gradFill rotWithShape="1">
+          <a:gsLst>
+            <a:gs pos="0">
+              <a:schemeClr val="phClr">
+                <a:tint val="40000"/>
+                <a:satMod val="350000"/>
+              </a:schemeClr>
+            </a:gs>
+            <a:gs pos="40000">
+              <a:schemeClr val="phClr">
+                <a:tint val="45000"/>
+                <a:shade val="99000"/>
+                <a:satMod val="350000"/>
+              </a:schemeClr>
+            </a:gs>
+            <a:gs pos="100000">
+              <a:schemeClr val="phClr">
+                <a:shade val="20000"/>
+                <a:satMod val="255000"/>
+              </a:schemeClr>
+            </a:gs>
+          </a:gsLst>
+          <a:path path="circle">
+            <a:fillToRect l="50000" t="-80000" r="50000" b="180000"/>
+          </a:path>
+        </a:gradFill>
+        <a:gradFill rotWithShape="1">
+          <a:gsLst>
+            <a:gs pos="0">
+              <a:schemeClr val="phClr">
+                <a:tint val="80000"/>
+                <a:satMod val="300000"/>
+              </a:schemeClr>
+            </a:gs>
+            <a:gs pos="100000">
+              <a:schemeClr val="phClr">
+                <a:shade val="30000"/>
+                <a:satMod val="200000"/>
+              </a:schemeClr>
+            </a:gs>
+          </a:gsLst>
+          <a:path path="circle">
+            <a:fillToRect l="50000" t="50000" r="50000" b="50000"/>
+          </a:path>
+        </a:gradFill>
+      </a:bgFillStyleLst>
+    </a:fmtScheme>
+  </a:themeElements>
+  <a:objectDefaults/>
+  <a:extraClrSchemeLst/>
+</a:theme>
 </file>
--- a/trunk/doc/Apresentação do GMAG – Software Básico.pptx
+++ b/trunk/doc/Apresentação do GMAG – Software Básico.pptx
@@ -5,7 +5,7 @@
     <p:sldMasterId id="2147483676" r:id="rId1"/>
   </p:sldMasterIdLst>
   <p:notesMasterIdLst>
-    <p:notesMasterId r:id="rId17"/>
+    <p:notesMasterId r:id="rId20"/>
   </p:notesMasterIdLst>
   <p:sldIdLst>
     <p:sldId id="256" r:id="rId2"/>
@@ -23,6 +23,9 @@
     <p:sldId id="270" r:id="rId14"/>
     <p:sldId id="271" r:id="rId15"/>
     <p:sldId id="272" r:id="rId16"/>
+    <p:sldId id="273" r:id="rId17"/>
+    <p:sldId id="274" r:id="rId18"/>
+    <p:sldId id="275" r:id="rId19"/>
   </p:sldIdLst>
   <p:sldSz cx="9144000" cy="6858000" type="screen4x3"/>
   <p:notesSz cx="6858000" cy="9144000"/>
@@ -206,7 +209,8 @@
           <a:p>
             <a:fld id="{0202AF00-0D92-4FB3-BF30-0E1262BA24CF}" type="datetimeFigureOut">
               <a:rPr lang="pt-BR" smtClean="0"/>
-              <a:t>05/11/2011</a:t>
+              <a:pPr/>
+              <a:t>08/11/2011</a:t>
             </a:fld>
             <a:endParaRPr lang="pt-BR"/>
           </a:p>
@@ -367,6 +371,7 @@
           <a:p>
             <a:fld id="{DA376F26-12D3-46DB-BEB2-9E56F06A0510}" type="slidenum">
               <a:rPr lang="pt-BR" smtClean="0"/>
+              <a:pPr/>
               <a:t>‹nº›</a:t>
             </a:fld>
             <a:endParaRPr lang="pt-BR"/>
@@ -546,6 +551,7 @@
           <a:p>
             <a:fld id="{DA376F26-12D3-46DB-BEB2-9E56F06A0510}" type="slidenum">
               <a:rPr lang="pt-BR" smtClean="0"/>
+              <a:pPr/>
               <a:t>11</a:t>
             </a:fld>
             <a:endParaRPr lang="pt-BR"/>
@@ -736,7 +742,7 @@
             <a:fld id="{7BE08B6B-564C-4EB5-BE5C-0142EA1AA5D2}" type="datetimeFigureOut">
               <a:rPr lang="pt-BR" smtClean="0"/>
               <a:pPr/>
-              <a:t>05/11/2011</a:t>
+              <a:t>08/11/2011</a:t>
             </a:fld>
             <a:endParaRPr lang="pt-BR"/>
           </a:p>
@@ -915,7 +921,7 @@
             <a:fld id="{7BE08B6B-564C-4EB5-BE5C-0142EA1AA5D2}" type="datetimeFigureOut">
               <a:rPr lang="pt-BR" smtClean="0"/>
               <a:pPr/>
-              <a:t>05/11/2011</a:t>
+              <a:t>08/11/2011</a:t>
             </a:fld>
             <a:endParaRPr lang="pt-BR"/>
           </a:p>
@@ -1092,7 +1098,7 @@
             <a:fld id="{7BE08B6B-564C-4EB5-BE5C-0142EA1AA5D2}" type="datetimeFigureOut">
               <a:rPr lang="pt-BR" smtClean="0"/>
               <a:pPr/>
-              <a:t>05/11/2011</a:t>
+              <a:t>08/11/2011</a:t>
             </a:fld>
             <a:endParaRPr lang="pt-BR"/>
           </a:p>
@@ -1259,7 +1265,7 @@
             <a:fld id="{7BE08B6B-564C-4EB5-BE5C-0142EA1AA5D2}" type="datetimeFigureOut">
               <a:rPr lang="pt-BR" smtClean="0"/>
               <a:pPr/>
-              <a:t>05/11/2011</a:t>
+              <a:t>08/11/2011</a:t>
             </a:fld>
             <a:endParaRPr lang="pt-BR"/>
           </a:p>
@@ -1502,7 +1508,7 @@
             <a:fld id="{7BE08B6B-564C-4EB5-BE5C-0142EA1AA5D2}" type="datetimeFigureOut">
               <a:rPr lang="pt-BR" smtClean="0"/>
               <a:pPr/>
-              <a:t>05/11/2011</a:t>
+              <a:t>08/11/2011</a:t>
             </a:fld>
             <a:endParaRPr lang="pt-BR"/>
           </a:p>
@@ -1800,7 +1806,7 @@
             <a:fld id="{7BE08B6B-564C-4EB5-BE5C-0142EA1AA5D2}" type="datetimeFigureOut">
               <a:rPr lang="pt-BR" smtClean="0"/>
               <a:pPr/>
-              <a:t>05/11/2011</a:t>
+              <a:t>08/11/2011</a:t>
             </a:fld>
             <a:endParaRPr lang="pt-BR"/>
           </a:p>
@@ -2186,7 +2192,7 @@
             <a:fld id="{7BE08B6B-564C-4EB5-BE5C-0142EA1AA5D2}" type="datetimeFigureOut">
               <a:rPr lang="pt-BR" smtClean="0"/>
               <a:pPr/>
-              <a:t>05/11/2011</a:t>
+              <a:t>08/11/2011</a:t>
             </a:fld>
             <a:endParaRPr lang="pt-BR"/>
           </a:p>
@@ -2361,7 +2367,7 @@
             <a:fld id="{7BE08B6B-564C-4EB5-BE5C-0142EA1AA5D2}" type="datetimeFigureOut">
               <a:rPr lang="pt-BR" smtClean="0"/>
               <a:pPr/>
-              <a:t>05/11/2011</a:t>
+              <a:t>08/11/2011</a:t>
             </a:fld>
             <a:endParaRPr lang="pt-BR"/>
           </a:p>
@@ -2453,7 +2459,7 @@
             <a:fld id="{7BE08B6B-564C-4EB5-BE5C-0142EA1AA5D2}" type="datetimeFigureOut">
               <a:rPr lang="pt-BR" smtClean="0"/>
               <a:pPr/>
-              <a:t>05/11/2011</a:t>
+              <a:t>08/11/2011</a:t>
             </a:fld>
             <a:endParaRPr lang="pt-BR"/>
           </a:p>
@@ -2760,7 +2766,7 @@
             <a:fld id="{7BE08B6B-564C-4EB5-BE5C-0142EA1AA5D2}" type="datetimeFigureOut">
               <a:rPr lang="pt-BR" smtClean="0"/>
               <a:pPr/>
-              <a:t>05/11/2011</a:t>
+              <a:t>08/11/2011</a:t>
             </a:fld>
             <a:endParaRPr lang="pt-BR"/>
           </a:p>
@@ -2896,7 +2902,7 @@
             <a:fld id="{7BE08B6B-564C-4EB5-BE5C-0142EA1AA5D2}" type="datetimeFigureOut">
               <a:rPr lang="pt-BR" smtClean="0"/>
               <a:pPr/>
-              <a:t>05/11/2011</a:t>
+              <a:t>08/11/2011</a:t>
             </a:fld>
             <a:endParaRPr lang="pt-BR"/>
           </a:p>
@@ -3201,7 +3207,7 @@
             <a:fld id="{7BE08B6B-564C-4EB5-BE5C-0142EA1AA5D2}" type="datetimeFigureOut">
               <a:rPr lang="pt-BR" smtClean="0"/>
               <a:pPr/>
-              <a:t>05/11/2011</a:t>
+              <a:t>08/11/2011</a:t>
             </a:fld>
             <a:endParaRPr lang="pt-BR"/>
           </a:p>
@@ -3903,15 +3909,7 @@
             </a:r>
             <a:r>
               <a:rPr lang="pt-BR" dirty="0" smtClean="0"/>
-              <a:t> </a:t>
-            </a:r>
-            <a:r>
-              <a:rPr lang="pt-BR" dirty="0" smtClean="0"/>
-              <a:t>e</a:t>
-            </a:r>
-            <a:r>
-              <a:rPr lang="pt-BR" dirty="0" smtClean="0"/>
-              <a:t> possíveis erros,  definindo-os em valores numéricos para maior comodidade durante as análises.</a:t>
+              <a:t> e possíveis erros,  definindo-os em valores numéricos para maior comodidade durante as análises.</a:t>
             </a:r>
             <a:endParaRPr lang="pt-BR" dirty="0"/>
           </a:p>
@@ -4045,11 +4043,7 @@
           <a:p>
             <a:r>
               <a:rPr lang="pt-BR" dirty="0" smtClean="0"/>
-              <a:t>Alguns exemplos </a:t>
-            </a:r>
-            <a:r>
-              <a:rPr lang="pt-BR" dirty="0" smtClean="0"/>
-              <a:t>estruturas definidas</a:t>
+              <a:t>Alguns exemplos estruturas definidas</a:t>
             </a:r>
             <a:endParaRPr lang="pt-BR" dirty="0"/>
           </a:p>
@@ -4111,29 +4105,121 @@
             </a:r>
             <a:r>
               <a:rPr lang="en-US" dirty="0" smtClean="0"/>
+              <a:t> {</a:t>
+            </a:r>
+          </a:p>
+          <a:p>
+            <a:pPr lvl="1"/>
+            <a:r>
+              <a:rPr lang="en-US" dirty="0" smtClean="0"/>
+              <a:t>	char* symbol;</a:t>
+            </a:r>
+          </a:p>
+          <a:p>
+            <a:pPr lvl="1"/>
+            <a:r>
+              <a:rPr lang="en-US" dirty="0" smtClean="0"/>
+              <a:t>	uint32_t index;</a:t>
+            </a:r>
+          </a:p>
+          <a:p>
+            <a:pPr lvl="1"/>
+            <a:r>
+              <a:rPr lang="en-US" dirty="0" smtClean="0"/>
+              <a:t>	</a:t>
+            </a:r>
+            <a:r>
+              <a:rPr lang="en-US" dirty="0" err="1" smtClean="0"/>
+              <a:t>struct</a:t>
+            </a:r>
+            <a:r>
+              <a:rPr lang="en-US" dirty="0" smtClean="0"/>
               <a:t> </a:t>
             </a:r>
             <a:r>
+              <a:rPr lang="en-US" dirty="0" err="1" smtClean="0"/>
+              <a:t>symbols_table_st</a:t>
+            </a:r>
+            <a:r>
               <a:rPr lang="en-US" dirty="0" smtClean="0"/>
-              <a:t>{</a:t>
+              <a:t> * next;</a:t>
             </a:r>
           </a:p>
           <a:p>
             <a:pPr lvl="1"/>
             <a:r>
               <a:rPr lang="en-US" dirty="0" smtClean="0"/>
-              <a:t>	char* symbol</a:t>
+              <a:t>} </a:t>
+            </a:r>
+            <a:r>
+              <a:rPr lang="en-US" dirty="0" err="1" smtClean="0"/>
+              <a:t>symbols_table</a:t>
             </a:r>
             <a:r>
               <a:rPr lang="en-US" dirty="0" smtClean="0"/>
               <a:t>;</a:t>
             </a:r>
-          </a:p>
-          <a:p>
-            <a:pPr lvl="1"/>
+            <a:r>
+              <a:rPr lang="pt-BR" dirty="0" smtClean="0"/>
+              <a:t>”</a:t>
+            </a:r>
+          </a:p>
+          <a:p>
+            <a:pPr lvl="1"/>
+            <a:endParaRPr lang="pt-BR" dirty="0" smtClean="0"/>
+          </a:p>
+          <a:p>
+            <a:pPr lvl="1"/>
+            <a:r>
+              <a:rPr lang="pt-BR" dirty="0" smtClean="0"/>
+              <a:t>Estrutura de </a:t>
+            </a:r>
+            <a:r>
+              <a:rPr lang="pt-BR" dirty="0" err="1" smtClean="0"/>
+              <a:t>Token</a:t>
+            </a:r>
+            <a:endParaRPr lang="pt-BR" dirty="0" smtClean="0"/>
+          </a:p>
+          <a:p>
+            <a:pPr lvl="1"/>
+            <a:r>
+              <a:rPr lang="pt-BR" dirty="0" smtClean="0"/>
+              <a:t>“</a:t>
+            </a:r>
+            <a:r>
+              <a:rPr lang="en-US" dirty="0" err="1" smtClean="0"/>
+              <a:t>typedef</a:t>
+            </a:r>
             <a:r>
               <a:rPr lang="en-US" dirty="0" smtClean="0"/>
-              <a:t>	uint32_t index</a:t>
+              <a:t> </a:t>
+            </a:r>
+            <a:r>
+              <a:rPr lang="en-US" dirty="0" err="1" smtClean="0"/>
+              <a:t>struct</a:t>
+            </a:r>
+            <a:r>
+              <a:rPr lang="en-US" dirty="0" smtClean="0"/>
+              <a:t> </a:t>
+            </a:r>
+            <a:r>
+              <a:rPr lang="en-US" dirty="0" err="1" smtClean="0"/>
+              <a:t>token_st</a:t>
+            </a:r>
+            <a:r>
+              <a:rPr lang="en-US" dirty="0" smtClean="0"/>
+              <a:t> {</a:t>
+            </a:r>
+          </a:p>
+          <a:p>
+            <a:pPr lvl="1"/>
+            <a:r>
+              <a:rPr lang="en-US" dirty="0" smtClean="0"/>
+              <a:t>    char* </a:t>
+            </a:r>
+            <a:r>
+              <a:rPr lang="en-US" dirty="0" err="1" smtClean="0"/>
+              <a:t>value_s</a:t>
             </a:r>
             <a:r>
               <a:rPr lang="en-US" dirty="0" smtClean="0"/>
@@ -4144,7 +4230,21 @@
             <a:pPr lvl="1"/>
             <a:r>
               <a:rPr lang="en-US" dirty="0" smtClean="0"/>
-              <a:t>	</a:t>
+              <a:t>    int32_t value;</a:t>
+            </a:r>
+          </a:p>
+          <a:p>
+            <a:pPr lvl="1"/>
+            <a:r>
+              <a:rPr lang="en-US" dirty="0" smtClean="0"/>
+              <a:t>    uint8_t type;</a:t>
+            </a:r>
+          </a:p>
+          <a:p>
+            <a:pPr lvl="1"/>
+            <a:r>
+              <a:rPr lang="en-US" dirty="0" smtClean="0"/>
+              <a:t>    </a:t>
             </a:r>
             <a:r>
               <a:rPr lang="en-US" dirty="0" err="1" smtClean="0"/>
@@ -4156,172 +4256,18 @@
             </a:r>
             <a:r>
               <a:rPr lang="en-US" dirty="0" err="1" smtClean="0"/>
-              <a:t>symbols_table_st</a:t>
+              <a:t>token_st</a:t>
             </a:r>
             <a:r>
               <a:rPr lang="en-US" dirty="0" smtClean="0"/>
-              <a:t> * next</a:t>
-            </a:r>
+              <a:t> * next;</a:t>
+            </a:r>
+          </a:p>
+          <a:p>
+            <a:pPr lvl="1"/>
             <a:r>
               <a:rPr lang="en-US" dirty="0" smtClean="0"/>
-              <a:t>;</a:t>
-            </a:r>
-          </a:p>
-          <a:p>
-            <a:pPr lvl="1"/>
-            <a:r>
-              <a:rPr lang="en-US" dirty="0" smtClean="0"/>
-              <a:t>} </a:t>
-            </a:r>
-            <a:r>
-              <a:rPr lang="en-US" dirty="0" err="1" smtClean="0"/>
-              <a:t>symbols_table</a:t>
-            </a:r>
-            <a:r>
-              <a:rPr lang="en-US" dirty="0" smtClean="0"/>
-              <a:t>;</a:t>
-            </a:r>
-            <a:r>
-              <a:rPr lang="pt-BR" dirty="0" smtClean="0"/>
-              <a:t>”</a:t>
-            </a:r>
-          </a:p>
-          <a:p>
-            <a:pPr lvl="1"/>
-            <a:endParaRPr lang="pt-BR" dirty="0" smtClean="0"/>
-          </a:p>
-          <a:p>
-            <a:pPr lvl="1"/>
-            <a:r>
-              <a:rPr lang="pt-BR" dirty="0" smtClean="0"/>
-              <a:t>Estrutura de </a:t>
-            </a:r>
-            <a:r>
-              <a:rPr lang="pt-BR" dirty="0" err="1" smtClean="0"/>
-              <a:t>Token</a:t>
-            </a:r>
-            <a:endParaRPr lang="pt-BR" dirty="0" smtClean="0"/>
-          </a:p>
-          <a:p>
-            <a:pPr lvl="1"/>
-            <a:r>
-              <a:rPr lang="pt-BR" dirty="0" smtClean="0"/>
-              <a:t>“</a:t>
-            </a:r>
-            <a:r>
-              <a:rPr lang="en-US" dirty="0" err="1" smtClean="0"/>
-              <a:t>typedef</a:t>
-            </a:r>
-            <a:r>
-              <a:rPr lang="en-US" dirty="0" smtClean="0"/>
-              <a:t> </a:t>
-            </a:r>
-            <a:r>
-              <a:rPr lang="en-US" dirty="0" err="1" smtClean="0"/>
-              <a:t>struct</a:t>
-            </a:r>
-            <a:r>
-              <a:rPr lang="en-US" dirty="0" smtClean="0"/>
-              <a:t> </a:t>
-            </a:r>
-            <a:r>
-              <a:rPr lang="en-US" dirty="0" err="1" smtClean="0"/>
-              <a:t>token_st</a:t>
-            </a:r>
-            <a:r>
-              <a:rPr lang="en-US" dirty="0" smtClean="0"/>
-              <a:t> </a:t>
-            </a:r>
-            <a:r>
-              <a:rPr lang="en-US" dirty="0" smtClean="0"/>
-              <a:t>{</a:t>
-            </a:r>
-          </a:p>
-          <a:p>
-            <a:pPr lvl="1"/>
-            <a:r>
-              <a:rPr lang="en-US" dirty="0" smtClean="0"/>
-              <a:t>    </a:t>
-            </a:r>
-            <a:r>
-              <a:rPr lang="en-US" dirty="0" smtClean="0"/>
-              <a:t>char* </a:t>
-            </a:r>
-            <a:r>
-              <a:rPr lang="en-US" dirty="0" err="1" smtClean="0"/>
-              <a:t>value_s</a:t>
-            </a:r>
-            <a:r>
-              <a:rPr lang="en-US" dirty="0" smtClean="0"/>
-              <a:t>;</a:t>
-            </a:r>
-          </a:p>
-          <a:p>
-            <a:pPr lvl="1"/>
-            <a:r>
-              <a:rPr lang="en-US" dirty="0" smtClean="0"/>
-              <a:t>    </a:t>
-            </a:r>
-            <a:r>
-              <a:rPr lang="en-US" dirty="0" smtClean="0"/>
-              <a:t>int32_t value</a:t>
-            </a:r>
-            <a:r>
-              <a:rPr lang="en-US" dirty="0" smtClean="0"/>
-              <a:t>;</a:t>
-            </a:r>
-          </a:p>
-          <a:p>
-            <a:pPr lvl="1"/>
-            <a:r>
-              <a:rPr lang="en-US" dirty="0" smtClean="0"/>
-              <a:t>    </a:t>
-            </a:r>
-            <a:r>
-              <a:rPr lang="en-US" dirty="0" smtClean="0"/>
-              <a:t>uint8_t </a:t>
-            </a:r>
-            <a:r>
-              <a:rPr lang="en-US" dirty="0" smtClean="0"/>
-              <a:t>type;</a:t>
-            </a:r>
-          </a:p>
-          <a:p>
-            <a:pPr lvl="1"/>
-            <a:r>
-              <a:rPr lang="en-US" dirty="0" smtClean="0"/>
-              <a:t>    </a:t>
-            </a:r>
-            <a:r>
-              <a:rPr lang="en-US" dirty="0" err="1" smtClean="0"/>
-              <a:t>struct</a:t>
-            </a:r>
-            <a:r>
-              <a:rPr lang="en-US" dirty="0" smtClean="0"/>
-              <a:t> </a:t>
-            </a:r>
-            <a:r>
-              <a:rPr lang="en-US" dirty="0" err="1" smtClean="0"/>
-              <a:t>token_st</a:t>
-            </a:r>
-            <a:r>
-              <a:rPr lang="en-US" dirty="0" smtClean="0"/>
-              <a:t> * next</a:t>
-            </a:r>
-            <a:r>
-              <a:rPr lang="en-US" dirty="0" smtClean="0"/>
-              <a:t>;</a:t>
-            </a:r>
-          </a:p>
-          <a:p>
-            <a:pPr lvl="1"/>
-            <a:r>
-              <a:rPr lang="en-US" dirty="0" smtClean="0"/>
-              <a:t>} </a:t>
-            </a:r>
-            <a:r>
-              <a:rPr lang="en-US" dirty="0" smtClean="0"/>
-              <a:t>token;</a:t>
+              <a:t>} token;</a:t>
             </a:r>
             <a:r>
               <a:rPr lang="pt-BR" dirty="0" smtClean="0"/>
@@ -4437,26 +4383,87 @@
             </a:r>
             <a:r>
               <a:rPr lang="pt-BR" dirty="0" smtClean="0"/>
+              <a:t> {</a:t>
+            </a:r>
+          </a:p>
+          <a:p>
+            <a:pPr lvl="1"/>
+            <a:r>
+              <a:rPr lang="pt-BR" dirty="0" smtClean="0"/>
+              <a:t>    uint32_t </a:t>
+            </a:r>
+            <a:r>
+              <a:rPr lang="pt-BR" dirty="0" err="1" smtClean="0"/>
+              <a:t>index</a:t>
+            </a:r>
+            <a:r>
+              <a:rPr lang="pt-BR" dirty="0" smtClean="0"/>
+              <a:t>;</a:t>
+            </a:r>
+          </a:p>
+          <a:p>
+            <a:pPr lvl="1"/>
+            <a:r>
+              <a:rPr lang="pt-BR" dirty="0" smtClean="0"/>
+              <a:t>	uint32_t </a:t>
+            </a:r>
+            <a:r>
+              <a:rPr lang="pt-BR" dirty="0" err="1" smtClean="0"/>
+              <a:t>code_line</a:t>
+            </a:r>
+            <a:r>
+              <a:rPr lang="pt-BR" dirty="0" smtClean="0"/>
+              <a:t>;</a:t>
+            </a:r>
+          </a:p>
+          <a:p>
+            <a:pPr lvl="1"/>
+            <a:r>
+              <a:rPr lang="pt-BR" dirty="0" smtClean="0"/>
+              <a:t>    </a:t>
+            </a:r>
+            <a:r>
+              <a:rPr lang="pt-BR" dirty="0" err="1" smtClean="0"/>
+              <a:t>token</a:t>
+            </a:r>
+            <a:r>
+              <a:rPr lang="pt-BR" dirty="0" smtClean="0"/>
+              <a:t>* </a:t>
+            </a:r>
+            <a:r>
+              <a:rPr lang="pt-BR" dirty="0" err="1" smtClean="0"/>
+              <a:t>first_token</a:t>
+            </a:r>
+            <a:r>
+              <a:rPr lang="pt-BR" dirty="0" smtClean="0"/>
+              <a:t>;</a:t>
+            </a:r>
+          </a:p>
+          <a:p>
+            <a:pPr lvl="1"/>
+            <a:r>
+              <a:rPr lang="pt-BR" dirty="0" smtClean="0"/>
+              <a:t>    </a:t>
+            </a:r>
+            <a:r>
+              <a:rPr lang="pt-BR" dirty="0" err="1" smtClean="0"/>
+              <a:t>struct</a:t>
+            </a:r>
+            <a:r>
+              <a:rPr lang="pt-BR" dirty="0" smtClean="0"/>
               <a:t> </a:t>
             </a:r>
             <a:r>
-              <a:rPr lang="pt-BR" dirty="0" smtClean="0"/>
-              <a:t>{</a:t>
-            </a:r>
-          </a:p>
-          <a:p>
-            <a:pPr lvl="1"/>
-            <a:r>
-              <a:rPr lang="pt-BR" dirty="0" smtClean="0"/>
-              <a:t>    </a:t>
-            </a:r>
-            <a:r>
-              <a:rPr lang="pt-BR" dirty="0" smtClean="0"/>
-              <a:t>uint32_t </a:t>
-            </a:r>
-            <a:r>
-              <a:rPr lang="pt-BR" dirty="0" err="1" smtClean="0"/>
-              <a:t>index</a:t>
+              <a:rPr lang="pt-BR" dirty="0" err="1" smtClean="0"/>
+              <a:t>token_list_st</a:t>
+            </a:r>
+            <a:r>
+              <a:rPr lang="pt-BR" dirty="0" smtClean="0"/>
+              <a:t> * </a:t>
+            </a:r>
+            <a:r>
+              <a:rPr lang="pt-BR" dirty="0" err="1" smtClean="0"/>
+              <a:t>next</a:t>
             </a:r>
             <a:r>
               <a:rPr lang="pt-BR" dirty="0" smtClean="0"/>
@@ -4467,11 +4474,60 @@
             <a:pPr lvl="1"/>
             <a:r>
               <a:rPr lang="pt-BR" dirty="0" smtClean="0"/>
-              <a:t>	uint32_t </a:t>
-            </a:r>
-            <a:r>
-              <a:rPr lang="pt-BR" dirty="0" err="1" smtClean="0"/>
-              <a:t>code_line</a:t>
+              <a:t>} </a:t>
+            </a:r>
+            <a:r>
+              <a:rPr lang="pt-BR" dirty="0" err="1" smtClean="0"/>
+              <a:t>token_list</a:t>
+            </a:r>
+            <a:r>
+              <a:rPr lang="pt-BR" dirty="0" smtClean="0"/>
+              <a:t>;”</a:t>
+            </a:r>
+          </a:p>
+          <a:p>
+            <a:pPr lvl="1"/>
+            <a:endParaRPr lang="pt-BR" dirty="0" smtClean="0"/>
+          </a:p>
+          <a:p>
+            <a:pPr lvl="1"/>
+            <a:r>
+              <a:rPr lang="pt-BR" dirty="0" smtClean="0"/>
+              <a:t>Estrutura de Instruções</a:t>
+            </a:r>
+          </a:p>
+          <a:p>
+            <a:pPr lvl="1"/>
+            <a:r>
+              <a:rPr lang="pt-BR" dirty="0" smtClean="0"/>
+              <a:t>“</a:t>
+            </a:r>
+            <a:r>
+              <a:rPr lang="pt-BR" dirty="0" err="1" smtClean="0"/>
+              <a:t>typedef</a:t>
+            </a:r>
+            <a:r>
+              <a:rPr lang="pt-BR" dirty="0" smtClean="0"/>
+              <a:t> </a:t>
+            </a:r>
+            <a:r>
+              <a:rPr lang="pt-BR" dirty="0" err="1" smtClean="0"/>
+              <a:t>struct</a:t>
+            </a:r>
+            <a:r>
+              <a:rPr lang="pt-BR" dirty="0" smtClean="0"/>
+              <a:t> {</a:t>
+            </a:r>
+          </a:p>
+          <a:p>
+            <a:pPr lvl="1"/>
+            <a:r>
+              <a:rPr lang="pt-BR" dirty="0" smtClean="0"/>
+              <a:t>    uint8_t </a:t>
+            </a:r>
+            <a:r>
+              <a:rPr lang="pt-BR" dirty="0" err="1" smtClean="0"/>
+              <a:t>op</a:t>
             </a:r>
             <a:r>
               <a:rPr lang="pt-BR" dirty="0" smtClean="0"/>
@@ -4482,19 +4538,11 @@
             <a:pPr lvl="1"/>
             <a:r>
               <a:rPr lang="pt-BR" dirty="0" smtClean="0"/>
-              <a:t>    </a:t>
-            </a:r>
-            <a:r>
-              <a:rPr lang="pt-BR" dirty="0" err="1" smtClean="0"/>
-              <a:t>token</a:t>
-            </a:r>
-            <a:r>
-              <a:rPr lang="pt-BR" dirty="0" smtClean="0"/>
-              <a:t>* </a:t>
-            </a:r>
-            <a:r>
-              <a:rPr lang="pt-BR" dirty="0" err="1" smtClean="0"/>
-              <a:t>first_token</a:t>
+              <a:t>    uint8_t </a:t>
+            </a:r>
+            <a:r>
+              <a:rPr lang="pt-BR" dirty="0" err="1" smtClean="0"/>
+              <a:t>rs</a:t>
             </a:r>
             <a:r>
               <a:rPr lang="pt-BR" dirty="0" smtClean="0"/>
@@ -4505,27 +4553,11 @@
             <a:pPr lvl="1"/>
             <a:r>
               <a:rPr lang="pt-BR" dirty="0" smtClean="0"/>
-              <a:t>    </a:t>
-            </a:r>
-            <a:r>
-              <a:rPr lang="pt-BR" dirty="0" err="1" smtClean="0"/>
-              <a:t>struct</a:t>
-            </a:r>
-            <a:r>
-              <a:rPr lang="pt-BR" dirty="0" smtClean="0"/>
-              <a:t> </a:t>
-            </a:r>
-            <a:r>
-              <a:rPr lang="pt-BR" dirty="0" err="1" smtClean="0"/>
-              <a:t>token_list_st</a:t>
-            </a:r>
-            <a:r>
-              <a:rPr lang="pt-BR" dirty="0" smtClean="0"/>
-              <a:t> * </a:t>
-            </a:r>
-            <a:r>
-              <a:rPr lang="pt-BR" dirty="0" err="1" smtClean="0"/>
-              <a:t>next</a:t>
+              <a:t>    uint8_t </a:t>
+            </a:r>
+            <a:r>
+              <a:rPr lang="pt-BR" dirty="0" err="1" smtClean="0"/>
+              <a:t>rt</a:t>
             </a:r>
             <a:r>
               <a:rPr lang="pt-BR" dirty="0" smtClean="0"/>
@@ -4536,69 +4568,11 @@
             <a:pPr lvl="1"/>
             <a:r>
               <a:rPr lang="pt-BR" dirty="0" smtClean="0"/>
-              <a:t>} </a:t>
-            </a:r>
-            <a:r>
-              <a:rPr lang="pt-BR" dirty="0" err="1" smtClean="0"/>
-              <a:t>token_list</a:t>
-            </a:r>
-            <a:r>
-              <a:rPr lang="pt-BR" dirty="0" smtClean="0"/>
-              <a:t>;”</a:t>
-            </a:r>
-          </a:p>
-          <a:p>
-            <a:pPr lvl="1"/>
-            <a:endParaRPr lang="pt-BR" dirty="0" smtClean="0"/>
-          </a:p>
-          <a:p>
-            <a:pPr lvl="1"/>
-            <a:r>
-              <a:rPr lang="pt-BR" dirty="0" smtClean="0"/>
-              <a:t>Estrutura de Instruções</a:t>
-            </a:r>
-            <a:endParaRPr lang="pt-BR" dirty="0" smtClean="0"/>
-          </a:p>
-          <a:p>
-            <a:pPr lvl="1"/>
-            <a:r>
-              <a:rPr lang="pt-BR" dirty="0" smtClean="0"/>
-              <a:t>“</a:t>
-            </a:r>
-            <a:r>
-              <a:rPr lang="pt-BR" dirty="0" err="1" smtClean="0"/>
-              <a:t>typedef</a:t>
-            </a:r>
-            <a:r>
-              <a:rPr lang="pt-BR" dirty="0" smtClean="0"/>
-              <a:t> </a:t>
-            </a:r>
-            <a:r>
-              <a:rPr lang="pt-BR" dirty="0" err="1" smtClean="0"/>
-              <a:t>struct</a:t>
-            </a:r>
-            <a:r>
-              <a:rPr lang="pt-BR" dirty="0" smtClean="0"/>
-              <a:t> </a:t>
-            </a:r>
-            <a:r>
-              <a:rPr lang="pt-BR" dirty="0" smtClean="0"/>
-              <a:t>{</a:t>
-            </a:r>
-          </a:p>
-          <a:p>
-            <a:pPr lvl="1"/>
-            <a:r>
-              <a:rPr lang="pt-BR" dirty="0" smtClean="0"/>
-              <a:t>    </a:t>
-            </a:r>
-            <a:r>
-              <a:rPr lang="pt-BR" dirty="0" smtClean="0"/>
-              <a:t>uint8_t </a:t>
-            </a:r>
-            <a:r>
-              <a:rPr lang="pt-BR" dirty="0" err="1" smtClean="0"/>
-              <a:t>op</a:t>
+              <a:t>    uint8_t </a:t>
+            </a:r>
+            <a:r>
+              <a:rPr lang="pt-BR" dirty="0" err="1" smtClean="0"/>
+              <a:t>rd</a:t>
             </a:r>
             <a:r>
               <a:rPr lang="pt-BR" dirty="0" smtClean="0"/>
@@ -4609,15 +4583,11 @@
             <a:pPr lvl="1"/>
             <a:r>
               <a:rPr lang="pt-BR" dirty="0" smtClean="0"/>
-              <a:t>    </a:t>
-            </a:r>
-            <a:r>
-              <a:rPr lang="pt-BR" dirty="0" smtClean="0"/>
-              <a:t>uint8_t </a:t>
-            </a:r>
-            <a:r>
-              <a:rPr lang="pt-BR" dirty="0" err="1" smtClean="0"/>
-              <a:t>rs</a:t>
+              <a:t>    uint8_t </a:t>
+            </a:r>
+            <a:r>
+              <a:rPr lang="pt-BR" dirty="0" err="1" smtClean="0"/>
+              <a:t>funct</a:t>
             </a:r>
             <a:r>
               <a:rPr lang="pt-BR" dirty="0" smtClean="0"/>
@@ -4628,68 +4598,7 @@
             <a:pPr lvl="1"/>
             <a:r>
               <a:rPr lang="pt-BR" dirty="0" smtClean="0"/>
-              <a:t>    </a:t>
-            </a:r>
-            <a:r>
-              <a:rPr lang="pt-BR" dirty="0" smtClean="0"/>
-              <a:t>uint8_t </a:t>
-            </a:r>
-            <a:r>
-              <a:rPr lang="pt-BR" dirty="0" err="1" smtClean="0"/>
-              <a:t>rt</a:t>
-            </a:r>
-            <a:r>
-              <a:rPr lang="pt-BR" dirty="0" smtClean="0"/>
-              <a:t>;</a:t>
-            </a:r>
-          </a:p>
-          <a:p>
-            <a:pPr lvl="1"/>
-            <a:r>
-              <a:rPr lang="pt-BR" dirty="0" smtClean="0"/>
-              <a:t>    </a:t>
-            </a:r>
-            <a:r>
-              <a:rPr lang="pt-BR" dirty="0" smtClean="0"/>
-              <a:t>uint8_t </a:t>
-            </a:r>
-            <a:r>
-              <a:rPr lang="pt-BR" dirty="0" err="1" smtClean="0"/>
-              <a:t>rd</a:t>
-            </a:r>
-            <a:r>
-              <a:rPr lang="pt-BR" dirty="0" smtClean="0"/>
-              <a:t>;</a:t>
-            </a:r>
-          </a:p>
-          <a:p>
-            <a:pPr lvl="1"/>
-            <a:r>
-              <a:rPr lang="pt-BR" dirty="0" smtClean="0"/>
-              <a:t>    </a:t>
-            </a:r>
-            <a:r>
-              <a:rPr lang="pt-BR" dirty="0" smtClean="0"/>
-              <a:t>uint8_t </a:t>
-            </a:r>
-            <a:r>
-              <a:rPr lang="pt-BR" dirty="0" err="1" smtClean="0"/>
-              <a:t>funct</a:t>
-            </a:r>
-            <a:r>
-              <a:rPr lang="pt-BR" dirty="0" smtClean="0"/>
-              <a:t>;</a:t>
-            </a:r>
-          </a:p>
-          <a:p>
-            <a:pPr lvl="1"/>
-            <a:r>
-              <a:rPr lang="pt-BR" dirty="0" smtClean="0"/>
-              <a:t>    </a:t>
-            </a:r>
-            <a:r>
-              <a:rPr lang="pt-BR" dirty="0" smtClean="0"/>
-              <a:t>int32_t </a:t>
+              <a:t>    int32_t </a:t>
             </a:r>
             <a:r>
               <a:rPr lang="pt-BR" dirty="0" err="1" smtClean="0"/>
@@ -4785,11 +4694,7 @@
           <a:p>
             <a:r>
               <a:rPr lang="pt-BR" dirty="0" smtClean="0"/>
-              <a:t>Alguns exemplos estruturas </a:t>
-            </a:r>
-            <a:r>
-              <a:rPr lang="pt-BR" dirty="0" smtClean="0"/>
-              <a:t>definidas e funções para depuração</a:t>
+              <a:t>Alguns exemplos estruturas definidas e funções para depuração</a:t>
             </a:r>
             <a:endParaRPr lang="pt-BR" dirty="0"/>
           </a:p>
@@ -4851,11 +4756,28 @@
             </a:r>
             <a:r>
               <a:rPr lang="en-US" dirty="0" smtClean="0"/>
-              <a:t> </a:t>
-            </a:r>
+              <a:t> {</a:t>
+            </a:r>
+          </a:p>
+          <a:p>
+            <a:pPr lvl="1"/>
             <a:r>
               <a:rPr lang="en-US" dirty="0" smtClean="0"/>
-              <a:t>{</a:t>
+              <a:t>    uint32_t index;</a:t>
+            </a:r>
+          </a:p>
+          <a:p>
+            <a:pPr lvl="1"/>
+            <a:r>
+              <a:rPr lang="en-US" dirty="0" smtClean="0"/>
+              <a:t>    uint8_t type;</a:t>
+            </a:r>
+          </a:p>
+          <a:p>
+            <a:pPr lvl="1"/>
+            <a:r>
+              <a:rPr lang="en-US" dirty="0" smtClean="0"/>
+              <a:t>    inst values;</a:t>
             </a:r>
           </a:p>
           <a:p>
@@ -4865,85 +4787,36 @@
               <a:t>    </a:t>
             </a:r>
             <a:r>
+              <a:rPr lang="en-US" dirty="0" err="1" smtClean="0"/>
+              <a:t>struct</a:t>
+            </a:r>
+            <a:r>
               <a:rPr lang="en-US" dirty="0" smtClean="0"/>
-              <a:t>uint32_t index</a:t>
+              <a:t> </a:t>
+            </a:r>
+            <a:r>
+              <a:rPr lang="en-US" dirty="0" err="1" smtClean="0"/>
+              <a:t>inst_list_st</a:t>
+            </a:r>
+            <a:r>
+              <a:rPr lang="en-US" dirty="0" smtClean="0"/>
+              <a:t> *next;</a:t>
+            </a:r>
+          </a:p>
+          <a:p>
+            <a:pPr lvl="1"/>
+            <a:r>
+              <a:rPr lang="en-US" dirty="0" smtClean="0"/>
+              <a:t>} </a:t>
+            </a:r>
+            <a:r>
+              <a:rPr lang="en-US" dirty="0" err="1" smtClean="0"/>
+              <a:t>inst_list</a:t>
             </a:r>
             <a:r>
               <a:rPr lang="en-US" dirty="0" smtClean="0"/>
               <a:t>;</a:t>
             </a:r>
-          </a:p>
-          <a:p>
-            <a:pPr lvl="1"/>
-            <a:r>
-              <a:rPr lang="en-US" dirty="0" smtClean="0"/>
-              <a:t>    </a:t>
-            </a:r>
-            <a:r>
-              <a:rPr lang="en-US" dirty="0" smtClean="0"/>
-              <a:t>uint8_t type</a:t>
-            </a:r>
-            <a:r>
-              <a:rPr lang="en-US" dirty="0" smtClean="0"/>
-              <a:t>;</a:t>
-            </a:r>
-          </a:p>
-          <a:p>
-            <a:pPr lvl="1"/>
-            <a:r>
-              <a:rPr lang="en-US" dirty="0" smtClean="0"/>
-              <a:t>    </a:t>
-            </a:r>
-            <a:r>
-              <a:rPr lang="en-US" dirty="0" smtClean="0"/>
-              <a:t>inst values</a:t>
-            </a:r>
-            <a:r>
-              <a:rPr lang="en-US" dirty="0" smtClean="0"/>
-              <a:t>;</a:t>
-            </a:r>
-          </a:p>
-          <a:p>
-            <a:pPr lvl="1"/>
-            <a:r>
-              <a:rPr lang="en-US" dirty="0" smtClean="0"/>
-              <a:t>    </a:t>
-            </a:r>
-            <a:r>
-              <a:rPr lang="en-US" dirty="0" err="1" smtClean="0"/>
-              <a:t>struct</a:t>
-            </a:r>
-            <a:r>
-              <a:rPr lang="en-US" dirty="0" smtClean="0"/>
-              <a:t> </a:t>
-            </a:r>
-            <a:r>
-              <a:rPr lang="en-US" dirty="0" err="1" smtClean="0"/>
-              <a:t>inst_list_st</a:t>
-            </a:r>
-            <a:r>
-              <a:rPr lang="en-US" dirty="0" smtClean="0"/>
-              <a:t> *next</a:t>
-            </a:r>
-            <a:r>
-              <a:rPr lang="en-US" dirty="0" smtClean="0"/>
-              <a:t>;</a:t>
-            </a:r>
-          </a:p>
-          <a:p>
-            <a:pPr lvl="1"/>
-            <a:r>
-              <a:rPr lang="en-US" dirty="0" smtClean="0"/>
-              <a:t>} </a:t>
-            </a:r>
-            <a:r>
-              <a:rPr lang="en-US" dirty="0" err="1" smtClean="0"/>
-              <a:t>inst_list</a:t>
-            </a:r>
-            <a:r>
-              <a:rPr lang="en-US" dirty="0" smtClean="0"/>
-              <a:t>;</a:t>
-            </a:r>
             <a:r>
               <a:rPr lang="pt-BR" dirty="0" smtClean="0"/>
               <a:t>” </a:t>
@@ -4959,7 +4832,6 @@
               <a:rPr lang="pt-BR" dirty="0" smtClean="0"/>
               <a:t>Funções para Depuração do código</a:t>
             </a:r>
-            <a:endParaRPr lang="pt-BR" dirty="0" smtClean="0"/>
           </a:p>
           <a:p>
             <a:pPr lvl="1"/>
@@ -5222,6 +5094,363 @@
           <a:lstStyle/>
           <a:p>
             <a:endParaRPr lang="pt-BR"/>
+          </a:p>
+        </p:txBody>
+      </p:sp>
+    </p:spTree>
+  </p:cSld>
+  <p:clrMapOvr>
+    <a:masterClrMapping/>
+  </p:clrMapOvr>
+</p:sld>
+</file>
+
+<file path=ppt/slides/slide16.xml><?xml version="1.0" encoding="utf-8"?>
+<p:sld xmlns:a="http://schemas.openxmlformats.org/drawingml/2006/main" xmlns:r="http://schemas.openxmlformats.org/officeDocument/2006/relationships" xmlns:p="http://schemas.openxmlformats.org/presentationml/2006/main">
+  <p:cSld>
+    <p:spTree>
+      <p:nvGrpSpPr>
+        <p:cNvPr id="1" name=""/>
+        <p:cNvGrpSpPr/>
+        <p:nvPr/>
+      </p:nvGrpSpPr>
+      <p:grpSpPr>
+        <a:xfrm>
+          <a:off x="0" y="0"/>
+          <a:ext cx="0" cy="0"/>
+          <a:chOff x="0" y="0"/>
+          <a:chExt cx="0" cy="0"/>
+        </a:xfrm>
+      </p:grpSpPr>
+      <p:sp>
+        <p:nvSpPr>
+          <p:cNvPr id="2" name="Título 1"/>
+          <p:cNvSpPr>
+            <a:spLocks noGrp="1"/>
+          </p:cNvSpPr>
+          <p:nvPr>
+            <p:ph type="title"/>
+          </p:nvPr>
+        </p:nvSpPr>
+        <p:spPr/>
+        <p:txBody>
+          <a:bodyPr/>
+          <a:lstStyle/>
+          <a:p>
+            <a:r>
+              <a:rPr lang="pt-BR" dirty="0" smtClean="0"/>
+              <a:t>Analisador </a:t>
+            </a:r>
+            <a:r>
+              <a:rPr lang="pt-BR" dirty="0" err="1" smtClean="0"/>
+              <a:t>Sinatático</a:t>
+            </a:r>
+            <a:endParaRPr lang="pt-BR" dirty="0"/>
+          </a:p>
+        </p:txBody>
+      </p:sp>
+      <p:sp>
+        <p:nvSpPr>
+          <p:cNvPr id="3" name="Espaço Reservado para Conteúdo 2"/>
+          <p:cNvSpPr>
+            <a:spLocks noGrp="1"/>
+          </p:cNvSpPr>
+          <p:nvPr>
+            <p:ph idx="1"/>
+          </p:nvPr>
+        </p:nvSpPr>
+        <p:spPr/>
+        <p:txBody>
+          <a:bodyPr>
+            <a:normAutofit lnSpcReduction="10000"/>
+          </a:bodyPr>
+          <a:lstStyle/>
+          <a:p>
+            <a:r>
+              <a:rPr lang="pt-BR" dirty="0" smtClean="0"/>
+              <a:t>Tem como variáveis de entrada a saída do analisador léxico:</a:t>
+            </a:r>
+          </a:p>
+          <a:p>
+            <a:pPr lvl="1"/>
+            <a:r>
+              <a:rPr lang="pt-BR" dirty="0" err="1" smtClean="0"/>
+              <a:t>token_list</a:t>
+            </a:r>
+            <a:r>
+              <a:rPr lang="pt-BR" dirty="0" smtClean="0"/>
+              <a:t> que é uma lista de </a:t>
+            </a:r>
+            <a:r>
+              <a:rPr lang="pt-BR" dirty="0" err="1" smtClean="0"/>
+              <a:t>structs</a:t>
+            </a:r>
+            <a:r>
+              <a:rPr lang="pt-BR" dirty="0" smtClean="0"/>
+              <a:t> composta por </a:t>
+            </a:r>
+            <a:r>
+              <a:rPr lang="pt-BR" dirty="0" err="1" smtClean="0"/>
+              <a:t>structs</a:t>
+            </a:r>
+            <a:r>
+              <a:rPr lang="pt-BR" dirty="0" smtClean="0"/>
+              <a:t> de </a:t>
+            </a:r>
+            <a:r>
+              <a:rPr lang="pt-BR" dirty="0" err="1" smtClean="0"/>
+              <a:t>tokens</a:t>
+            </a:r>
+            <a:r>
+              <a:rPr lang="pt-BR" dirty="0" smtClean="0"/>
+              <a:t>;</a:t>
+            </a:r>
+          </a:p>
+          <a:p>
+            <a:endParaRPr lang="pt-BR" dirty="0" smtClean="0"/>
+          </a:p>
+          <a:p>
+            <a:r>
+              <a:rPr lang="pt-BR" dirty="0" smtClean="0"/>
+              <a:t>A para cada instrução são feitas checagens de:</a:t>
+            </a:r>
+          </a:p>
+          <a:p>
+            <a:pPr lvl="1"/>
+            <a:r>
+              <a:rPr lang="pt-BR" dirty="0" err="1" smtClean="0"/>
+              <a:t>Label</a:t>
+            </a:r>
+            <a:r>
+              <a:rPr lang="pt-BR" dirty="0" smtClean="0"/>
+              <a:t> repetida;</a:t>
+            </a:r>
+          </a:p>
+          <a:p>
+            <a:pPr lvl="1"/>
+            <a:r>
+              <a:rPr lang="pt-BR" dirty="0" smtClean="0"/>
+              <a:t>Correta padronização das instruções (checando com a gramática;</a:t>
+            </a:r>
+          </a:p>
+          <a:p>
+            <a:pPr lvl="1"/>
+            <a:endParaRPr lang="pt-BR" dirty="0" smtClean="0"/>
+          </a:p>
+        </p:txBody>
+      </p:sp>
+    </p:spTree>
+  </p:cSld>
+  <p:clrMapOvr>
+    <a:masterClrMapping/>
+  </p:clrMapOvr>
+</p:sld>
+</file>
+
+<file path=ppt/slides/slide17.xml><?xml version="1.0" encoding="utf-8"?>
+<p:sld xmlns:a="http://schemas.openxmlformats.org/drawingml/2006/main" xmlns:r="http://schemas.openxmlformats.org/officeDocument/2006/relationships" xmlns:p="http://schemas.openxmlformats.org/presentationml/2006/main">
+  <p:cSld>
+    <p:spTree>
+      <p:nvGrpSpPr>
+        <p:cNvPr id="1" name=""/>
+        <p:cNvGrpSpPr/>
+        <p:nvPr/>
+      </p:nvGrpSpPr>
+      <p:grpSpPr>
+        <a:xfrm>
+          <a:off x="0" y="0"/>
+          <a:ext cx="0" cy="0"/>
+          <a:chOff x="0" y="0"/>
+          <a:chExt cx="0" cy="0"/>
+        </a:xfrm>
+      </p:grpSpPr>
+      <p:sp>
+        <p:nvSpPr>
+          <p:cNvPr id="2" name="Título 1"/>
+          <p:cNvSpPr>
+            <a:spLocks noGrp="1"/>
+          </p:cNvSpPr>
+          <p:nvPr>
+            <p:ph type="title"/>
+          </p:nvPr>
+        </p:nvSpPr>
+        <p:spPr/>
+        <p:txBody>
+          <a:bodyPr>
+            <a:normAutofit/>
+          </a:bodyPr>
+          <a:lstStyle/>
+          <a:p>
+            <a:r>
+              <a:rPr lang="pt-BR" dirty="0" smtClean="0"/>
+              <a:t>Analisador Sintático</a:t>
+            </a:r>
+            <a:endParaRPr lang="pt-BR" dirty="0"/>
+          </a:p>
+        </p:txBody>
+      </p:sp>
+      <p:sp>
+        <p:nvSpPr>
+          <p:cNvPr id="3" name="Espaço Reservado para Conteúdo 2"/>
+          <p:cNvSpPr>
+            <a:spLocks noGrp="1"/>
+          </p:cNvSpPr>
+          <p:nvPr>
+            <p:ph idx="1"/>
+          </p:nvPr>
+        </p:nvSpPr>
+        <p:spPr/>
+        <p:txBody>
+          <a:bodyPr>
+            <a:normAutofit/>
+          </a:bodyPr>
+          <a:lstStyle/>
+          <a:p>
+            <a:r>
+              <a:rPr lang="pt-BR" dirty="0" smtClean="0"/>
+              <a:t>Em seguida é feito uma análise dos registradores:</a:t>
+            </a:r>
+          </a:p>
+          <a:p>
+            <a:pPr lvl="1"/>
+            <a:r>
+              <a:rPr lang="pt-BR" dirty="0" smtClean="0"/>
+              <a:t>É verificado a quantidade de registradores na instrução;</a:t>
+            </a:r>
+          </a:p>
+          <a:p>
+            <a:pPr lvl="1"/>
+            <a:r>
+              <a:rPr lang="pt-BR" dirty="0" smtClean="0"/>
+              <a:t>Se os registradores estão no formato certo;</a:t>
+            </a:r>
+          </a:p>
+          <a:p>
+            <a:pPr lvl="1"/>
+            <a:r>
+              <a:rPr lang="pt-BR" dirty="0" smtClean="0"/>
+              <a:t>Se estão escritos da forma correta, ex: tem virgulas, colchetes;</a:t>
+            </a:r>
+          </a:p>
+          <a:p>
+            <a:pPr lvl="1"/>
+            <a:r>
+              <a:rPr lang="pt-BR" dirty="0" smtClean="0"/>
+              <a:t>Se os formatos encontrados estão de acordo com o formato esperado de cada instrução;</a:t>
+            </a:r>
+          </a:p>
+        </p:txBody>
+      </p:sp>
+    </p:spTree>
+  </p:cSld>
+  <p:clrMapOvr>
+    <a:masterClrMapping/>
+  </p:clrMapOvr>
+</p:sld>
+</file>
+
+<file path=ppt/slides/slide18.xml><?xml version="1.0" encoding="utf-8"?>
+<p:sld xmlns:a="http://schemas.openxmlformats.org/drawingml/2006/main" xmlns:r="http://schemas.openxmlformats.org/officeDocument/2006/relationships" xmlns:p="http://schemas.openxmlformats.org/presentationml/2006/main">
+  <p:cSld>
+    <p:spTree>
+      <p:nvGrpSpPr>
+        <p:cNvPr id="1" name=""/>
+        <p:cNvGrpSpPr/>
+        <p:nvPr/>
+      </p:nvGrpSpPr>
+      <p:grpSpPr>
+        <a:xfrm>
+          <a:off x="0" y="0"/>
+          <a:ext cx="0" cy="0"/>
+          <a:chOff x="0" y="0"/>
+          <a:chExt cx="0" cy="0"/>
+        </a:xfrm>
+      </p:grpSpPr>
+      <p:sp>
+        <p:nvSpPr>
+          <p:cNvPr id="2" name="Título 1"/>
+          <p:cNvSpPr>
+            <a:spLocks noGrp="1"/>
+          </p:cNvSpPr>
+          <p:nvPr>
+            <p:ph type="title"/>
+          </p:nvPr>
+        </p:nvSpPr>
+        <p:spPr/>
+        <p:txBody>
+          <a:bodyPr/>
+          <a:lstStyle/>
+          <a:p>
+            <a:r>
+              <a:rPr lang="pt-BR" dirty="0" smtClean="0"/>
+              <a:t>Analisador Sintático</a:t>
+            </a:r>
+            <a:endParaRPr lang="pt-BR" dirty="0"/>
+          </a:p>
+        </p:txBody>
+      </p:sp>
+      <p:sp>
+        <p:nvSpPr>
+          <p:cNvPr id="3" name="Espaço Reservado para Conteúdo 2"/>
+          <p:cNvSpPr>
+            <a:spLocks noGrp="1"/>
+          </p:cNvSpPr>
+          <p:nvPr>
+            <p:ph idx="1"/>
+          </p:nvPr>
+        </p:nvSpPr>
+        <p:spPr/>
+        <p:txBody>
+          <a:bodyPr/>
+          <a:lstStyle/>
+          <a:p>
+            <a:pPr marL="342900" lvl="1" indent="-342900">
+              <a:buFont typeface="Wingdings 2"/>
+              <a:buChar char=""/>
+            </a:pPr>
+            <a:r>
+              <a:rPr lang="pt-BR" dirty="0" smtClean="0"/>
+              <a:t>Caso </a:t>
+            </a:r>
+            <a:r>
+              <a:rPr lang="pt-BR" dirty="0" smtClean="0"/>
+              <a:t>toda a </a:t>
+            </a:r>
+            <a:r>
+              <a:rPr lang="pt-BR" dirty="0" err="1" smtClean="0"/>
+              <a:t>token_list</a:t>
+            </a:r>
+            <a:r>
+              <a:rPr lang="pt-BR" dirty="0" smtClean="0"/>
+              <a:t> </a:t>
+            </a:r>
+            <a:r>
+              <a:rPr lang="pt-BR" dirty="0" smtClean="0"/>
+              <a:t>passe ok, ele tem como saída o ponteiro </a:t>
+            </a:r>
+            <a:r>
+              <a:rPr lang="pt-BR" dirty="0" err="1" smtClean="0"/>
+              <a:t>il_out</a:t>
+            </a:r>
+            <a:r>
+              <a:rPr lang="pt-BR" dirty="0" smtClean="0"/>
+              <a:t>, </a:t>
+            </a:r>
+            <a:r>
+              <a:rPr lang="pt-BR" dirty="0" smtClean="0"/>
+              <a:t>que aponta para </a:t>
+            </a:r>
+            <a:r>
+              <a:rPr lang="pt-BR" smtClean="0"/>
+              <a:t>o início da lista de  </a:t>
+            </a:r>
+            <a:r>
+              <a:rPr lang="pt-BR" dirty="0" smtClean="0"/>
+              <a:t>entrada para o analisador semântico.</a:t>
+            </a:r>
+          </a:p>
+          <a:p>
+            <a:endParaRPr lang="pt-BR" dirty="0"/>
           </a:p>
         </p:txBody>
       </p:sp>

--- a/trunk/doc/Apresentação do GMAG – Software Básico.pptx
+++ b/trunk/doc/Apresentação do GMAG – Software Básico.pptx
@@ -5162,7 +5162,7 @@
         <p:spPr/>
         <p:txBody>
           <a:bodyPr>
-            <a:normAutofit lnSpcReduction="10000"/>
+            <a:normAutofit/>
           </a:bodyPr>
           <a:lstStyle/>
           <a:p>
@@ -5218,19 +5218,12 @@
           <a:p>
             <a:pPr lvl="1"/>
             <a:r>
-              <a:rPr lang="pt-BR" dirty="0" err="1" smtClean="0"/>
-              <a:t>Label</a:t>
-            </a:r>
-            <a:r>
-              <a:rPr lang="pt-BR" dirty="0" smtClean="0"/>
-              <a:t> repetida;</a:t>
-            </a:r>
-          </a:p>
-          <a:p>
-            <a:pPr lvl="1"/>
-            <a:r>
-              <a:rPr lang="pt-BR" dirty="0" smtClean="0"/>
-              <a:t>Correta padronização das instruções (checando com a gramática;</a:t>
+              <a:rPr lang="pt-BR" smtClean="0"/>
+              <a:t>Correta </a:t>
+            </a:r>
+            <a:r>
+              <a:rPr lang="pt-BR" dirty="0" smtClean="0"/>
+              <a:t>padronização das instruções (checando com a gramática;</a:t>
             </a:r>
           </a:p>
           <a:p>
@@ -5410,11 +5403,7 @@
             </a:pPr>
             <a:r>
               <a:rPr lang="pt-BR" dirty="0" smtClean="0"/>
-              <a:t>Caso </a:t>
-            </a:r>
-            <a:r>
-              <a:rPr lang="pt-BR" dirty="0" smtClean="0"/>
-              <a:t>toda a </a:t>
+              <a:t>Caso toda a </a:t>
             </a:r>
             <a:r>
               <a:rPr lang="pt-BR" dirty="0" err="1" smtClean="0"/>
@@ -5422,11 +5411,7 @@
             </a:r>
             <a:r>
               <a:rPr lang="pt-BR" dirty="0" smtClean="0"/>
-              <a:t> </a:t>
-            </a:r>
-            <a:r>
-              <a:rPr lang="pt-BR" dirty="0" smtClean="0"/>
-              <a:t>passe ok, ele tem como saída o ponteiro </a:t>
+              <a:t> passe ok, ele tem como saída o ponteiro </a:t>
             </a:r>
             <a:r>
               <a:rPr lang="pt-BR" dirty="0" err="1" smtClean="0"/>
@@ -5434,11 +5419,7 @@
             </a:r>
             <a:r>
               <a:rPr lang="pt-BR" dirty="0" smtClean="0"/>
-              <a:t>, </a:t>
-            </a:r>
-            <a:r>
-              <a:rPr lang="pt-BR" dirty="0" smtClean="0"/>
-              <a:t>que aponta para </a:t>
+              <a:t>, que aponta para </a:t>
             </a:r>
             <a:r>
               <a:rPr lang="pt-BR" smtClean="0"/>

--- a/trunk/doc/Apresentação do GMAG – Software Básico.pptx
+++ b/trunk/doc/Apresentação do GMAG – Software Básico.pptx
@@ -5,27 +5,29 @@
     <p:sldMasterId id="2147483676" r:id="rId1"/>
   </p:sldMasterIdLst>
   <p:notesMasterIdLst>
-    <p:notesMasterId r:id="rId20"/>
+    <p:notesMasterId r:id="rId22"/>
   </p:notesMasterIdLst>
   <p:sldIdLst>
     <p:sldId id="256" r:id="rId2"/>
-    <p:sldId id="257" r:id="rId3"/>
-    <p:sldId id="258" r:id="rId4"/>
-    <p:sldId id="260" r:id="rId5"/>
-    <p:sldId id="259" r:id="rId6"/>
-    <p:sldId id="265" r:id="rId7"/>
-    <p:sldId id="262" r:id="rId8"/>
-    <p:sldId id="264" r:id="rId9"/>
-    <p:sldId id="266" r:id="rId10"/>
-    <p:sldId id="267" r:id="rId11"/>
-    <p:sldId id="268" r:id="rId12"/>
-    <p:sldId id="269" r:id="rId13"/>
-    <p:sldId id="270" r:id="rId14"/>
-    <p:sldId id="271" r:id="rId15"/>
-    <p:sldId id="272" r:id="rId16"/>
-    <p:sldId id="273" r:id="rId17"/>
-    <p:sldId id="274" r:id="rId18"/>
-    <p:sldId id="275" r:id="rId19"/>
+    <p:sldId id="276" r:id="rId3"/>
+    <p:sldId id="283" r:id="rId4"/>
+    <p:sldId id="277" r:id="rId5"/>
+    <p:sldId id="278" r:id="rId6"/>
+    <p:sldId id="280" r:id="rId7"/>
+    <p:sldId id="279" r:id="rId8"/>
+    <p:sldId id="284" r:id="rId9"/>
+    <p:sldId id="258" r:id="rId10"/>
+    <p:sldId id="272" r:id="rId11"/>
+    <p:sldId id="273" r:id="rId12"/>
+    <p:sldId id="274" r:id="rId13"/>
+    <p:sldId id="275" r:id="rId14"/>
+    <p:sldId id="281" r:id="rId15"/>
+    <p:sldId id="282" r:id="rId16"/>
+    <p:sldId id="285" r:id="rId17"/>
+    <p:sldId id="286" r:id="rId18"/>
+    <p:sldId id="287" r:id="rId19"/>
+    <p:sldId id="288" r:id="rId20"/>
+    <p:sldId id="289" r:id="rId21"/>
   </p:sldIdLst>
   <p:sldSz cx="9144000" cy="6858000" type="screen4x3"/>
   <p:notesSz cx="6858000" cy="9144000"/>
@@ -372,13 +374,18 @@
             <a:fld id="{DA376F26-12D3-46DB-BEB2-9E56F06A0510}" type="slidenum">
               <a:rPr lang="pt-BR" smtClean="0"/>
               <a:pPr/>
-              <a:t>‹nº›</a:t>
+              <a:t>‹#›</a:t>
             </a:fld>
             <a:endParaRPr lang="pt-BR"/>
           </a:p>
         </p:txBody>
       </p:sp>
     </p:spTree>
+    <p:extLst>
+      <p:ext uri="{BB962C8B-B14F-4D97-AF65-F5344CB8AC3E}">
+        <p14:creationId xmlns:p14="http://schemas.microsoft.com/office/powerpoint/2010/main" val="3517328007"/>
+      </p:ext>
+    </p:extLst>
   </p:cSld>
   <p:clrMap bg1="lt1" tx1="dk1" bg2="lt2" tx2="dk2" accent1="accent1" accent2="accent2" accent3="accent3" accent4="accent4" accent5="accent5" accent6="accent6" hlink="hlink" folHlink="folHlink"/>
   <p:notesStyle>
@@ -476,96 +483,6 @@
 </p:notesMaster>
 </file>
 
-<file path=ppt/notesSlides/notesSlide1.xml><?xml version="1.0" encoding="utf-8"?>
-<p:notes xmlns:a="http://schemas.openxmlformats.org/drawingml/2006/main" xmlns:r="http://schemas.openxmlformats.org/officeDocument/2006/relationships" xmlns:p="http://schemas.openxmlformats.org/presentationml/2006/main">
-  <p:cSld>
-    <p:spTree>
-      <p:nvGrpSpPr>
-        <p:cNvPr id="1" name=""/>
-        <p:cNvGrpSpPr/>
-        <p:nvPr/>
-      </p:nvGrpSpPr>
-      <p:grpSpPr>
-        <a:xfrm>
-          <a:off x="0" y="0"/>
-          <a:ext cx="0" cy="0"/>
-          <a:chOff x="0" y="0"/>
-          <a:chExt cx="0" cy="0"/>
-        </a:xfrm>
-      </p:grpSpPr>
-      <p:sp>
-        <p:nvSpPr>
-          <p:cNvPr id="2" name="Espaço Reservado para Imagem de Slide 1"/>
-          <p:cNvSpPr>
-            <a:spLocks noGrp="1" noRot="1" noChangeAspect="1"/>
-          </p:cNvSpPr>
-          <p:nvPr>
-            <p:ph type="sldImg"/>
-          </p:nvPr>
-        </p:nvSpPr>
-        <p:spPr/>
-      </p:sp>
-      <p:sp>
-        <p:nvSpPr>
-          <p:cNvPr id="3" name="Espaço Reservado para Anotações 2"/>
-          <p:cNvSpPr>
-            <a:spLocks noGrp="1"/>
-          </p:cNvSpPr>
-          <p:nvPr>
-            <p:ph type="body" idx="1"/>
-          </p:nvPr>
-        </p:nvSpPr>
-        <p:spPr/>
-        <p:txBody>
-          <a:bodyPr>
-            <a:normAutofit/>
-          </a:bodyPr>
-          <a:lstStyle/>
-          <a:p>
-            <a:r>
-              <a:rPr lang="pt-BR" dirty="0" smtClean="0"/>
-              <a:t>Observando</a:t>
-            </a:r>
-            <a:r>
-              <a:rPr lang="pt-BR" baseline="0" dirty="0" smtClean="0"/>
-              <a:t> que não se encontra incluso todos os parâmetros usados.</a:t>
-            </a:r>
-            <a:endParaRPr lang="pt-BR" dirty="0"/>
-          </a:p>
-        </p:txBody>
-      </p:sp>
-      <p:sp>
-        <p:nvSpPr>
-          <p:cNvPr id="4" name="Espaço Reservado para Número de Slide 3"/>
-          <p:cNvSpPr>
-            <a:spLocks noGrp="1"/>
-          </p:cNvSpPr>
-          <p:nvPr>
-            <p:ph type="sldNum" sz="quarter" idx="10"/>
-          </p:nvPr>
-        </p:nvSpPr>
-        <p:spPr/>
-        <p:txBody>
-          <a:bodyPr/>
-          <a:lstStyle/>
-          <a:p>
-            <a:fld id="{DA376F26-12D3-46DB-BEB2-9E56F06A0510}" type="slidenum">
-              <a:rPr lang="pt-BR" smtClean="0"/>
-              <a:pPr/>
-              <a:t>11</a:t>
-            </a:fld>
-            <a:endParaRPr lang="pt-BR"/>
-          </a:p>
-        </p:txBody>
-      </p:sp>
-    </p:spTree>
-  </p:cSld>
-  <p:clrMapOvr>
-    <a:masterClrMapping/>
-  </p:clrMapOvr>
-</p:notes>
-</file>
-
 <file path=ppt/slideLayouts/slideLayout1.xml><?xml version="1.0" encoding="utf-8"?>
 <p:sldLayout xmlns:a="http://schemas.openxmlformats.org/drawingml/2006/main" xmlns:r="http://schemas.openxmlformats.org/officeDocument/2006/relationships" xmlns:p="http://schemas.openxmlformats.org/presentationml/2006/main" showMasterSp="0" type="title" preserve="1">
   <p:cSld name="Slide de título">
@@ -790,7 +707,7 @@
             <a:fld id="{B3F2399F-644D-4C01-A473-43138D341E14}" type="slidenum">
               <a:rPr lang="pt-BR" smtClean="0"/>
               <a:pPr/>
-              <a:t>‹nº›</a:t>
+              <a:t>‹#›</a:t>
             </a:fld>
             <a:endParaRPr lang="pt-BR"/>
           </a:p>
@@ -964,7 +881,7 @@
             <a:fld id="{B3F2399F-644D-4C01-A473-43138D341E14}" type="slidenum">
               <a:rPr lang="pt-BR" smtClean="0"/>
               <a:pPr/>
-              <a:t>‹nº›</a:t>
+              <a:t>‹#›</a:t>
             </a:fld>
             <a:endParaRPr lang="pt-BR"/>
           </a:p>
@@ -1141,7 +1058,7 @@
             <a:fld id="{B3F2399F-644D-4C01-A473-43138D341E14}" type="slidenum">
               <a:rPr lang="pt-BR" smtClean="0"/>
               <a:pPr/>
-              <a:t>‹nº›</a:t>
+              <a:t>‹#›</a:t>
             </a:fld>
             <a:endParaRPr lang="pt-BR"/>
           </a:p>
@@ -1318,7 +1235,7 @@
             <a:fld id="{B3F2399F-644D-4C01-A473-43138D341E14}" type="slidenum">
               <a:rPr lang="pt-BR" smtClean="0"/>
               <a:pPr/>
-              <a:t>‹nº›</a:t>
+              <a:t>‹#›</a:t>
             </a:fld>
             <a:endParaRPr lang="pt-BR"/>
           </a:p>
@@ -1551,7 +1468,7 @@
             <a:fld id="{B3F2399F-644D-4C01-A473-43138D341E14}" type="slidenum">
               <a:rPr lang="pt-BR" smtClean="0"/>
               <a:pPr/>
-              <a:t>‹nº›</a:t>
+              <a:t>‹#›</a:t>
             </a:fld>
             <a:endParaRPr lang="pt-BR"/>
           </a:p>
@@ -1849,7 +1766,7 @@
             <a:fld id="{B3F2399F-644D-4C01-A473-43138D341E14}" type="slidenum">
               <a:rPr lang="pt-BR" smtClean="0"/>
               <a:pPr/>
-              <a:t>‹nº›</a:t>
+              <a:t>‹#›</a:t>
             </a:fld>
             <a:endParaRPr lang="pt-BR"/>
           </a:p>
@@ -2240,7 +2157,7 @@
             <a:fld id="{B3F2399F-644D-4C01-A473-43138D341E14}" type="slidenum">
               <a:rPr lang="pt-BR" smtClean="0"/>
               <a:pPr/>
-              <a:t>‹nº›</a:t>
+              <a:t>‹#›</a:t>
             </a:fld>
             <a:endParaRPr lang="pt-BR"/>
           </a:p>
@@ -2410,7 +2327,7 @@
             <a:fld id="{B3F2399F-644D-4C01-A473-43138D341E14}" type="slidenum">
               <a:rPr lang="pt-BR" smtClean="0"/>
               <a:pPr/>
-              <a:t>‹nº›</a:t>
+              <a:t>‹#›</a:t>
             </a:fld>
             <a:endParaRPr lang="pt-BR"/>
           </a:p>
@@ -2502,7 +2419,7 @@
             <a:fld id="{B3F2399F-644D-4C01-A473-43138D341E14}" type="slidenum">
               <a:rPr lang="pt-BR" smtClean="0"/>
               <a:pPr/>
-              <a:t>‹nº›</a:t>
+              <a:t>‹#›</a:t>
             </a:fld>
             <a:endParaRPr lang="pt-BR"/>
           </a:p>
@@ -2809,7 +2726,7 @@
             <a:fld id="{B3F2399F-644D-4C01-A473-43138D341E14}" type="slidenum">
               <a:rPr lang="pt-BR" smtClean="0"/>
               <a:pPr/>
-              <a:t>‹nº›</a:t>
+              <a:t>‹#›</a:t>
             </a:fld>
             <a:endParaRPr lang="pt-BR"/>
           </a:p>
@@ -2945,7 +2862,7 @@
             <a:fld id="{B3F2399F-644D-4C01-A473-43138D341E14}" type="slidenum">
               <a:rPr lang="pt-BR" smtClean="0"/>
               <a:pPr/>
-              <a:t>‹nº›</a:t>
+              <a:t>‹#›</a:t>
             </a:fld>
             <a:endParaRPr lang="pt-BR"/>
           </a:p>
@@ -3286,7 +3203,7 @@
             <a:fld id="{B3F2399F-644D-4C01-A473-43138D341E14}" type="slidenum">
               <a:rPr lang="pt-BR" smtClean="0"/>
               <a:pPr/>
-              <a:t>‹nº›</a:t>
+              <a:t>‹#›</a:t>
             </a:fld>
             <a:endParaRPr lang="pt-BR"/>
           </a:p>
@@ -3772,6 +3689,7 @@
           <a:bodyPr/>
           <a:lstStyle/>
           <a:p>
+            <a:pPr algn="ctr"/>
             <a:r>
               <a:rPr lang="pt-BR" dirty="0" smtClean="0"/>
               <a:t>Montador – Software Básico</a:t>
@@ -3793,46 +3711,52 @@
         <p:spPr/>
         <p:txBody>
           <a:bodyPr>
-            <a:normAutofit fontScale="55000" lnSpcReduction="20000"/>
+            <a:noAutofit/>
           </a:bodyPr>
           <a:lstStyle/>
           <a:p>
             <a:r>
-              <a:rPr lang="pt-BR" dirty="0" smtClean="0"/>
+              <a:rPr lang="pt-BR" sz="2000" dirty="0" smtClean="0"/>
               <a:t>André </a:t>
             </a:r>
             <a:r>
-              <a:rPr lang="pt-BR" dirty="0" err="1" smtClean="0"/>
+              <a:rPr lang="pt-BR" sz="2000" dirty="0" err="1" smtClean="0"/>
               <a:t>Geraldes</a:t>
             </a:r>
-            <a:endParaRPr lang="pt-BR" dirty="0" smtClean="0"/>
-          </a:p>
-          <a:p>
-            <a:r>
-              <a:rPr lang="pt-BR" dirty="0" smtClean="0"/>
+            <a:endParaRPr lang="pt-BR" sz="2000" dirty="0" smtClean="0"/>
+          </a:p>
+          <a:p>
+            <a:r>
+              <a:rPr lang="pt-BR" sz="2000" dirty="0" smtClean="0"/>
               <a:t>Caio </a:t>
             </a:r>
             <a:r>
-              <a:rPr lang="pt-BR" dirty="0" err="1" smtClean="0"/>
+              <a:rPr lang="pt-BR" sz="2000" dirty="0" err="1" smtClean="0"/>
               <a:t>Angêlo</a:t>
             </a:r>
-            <a:endParaRPr lang="pt-BR" dirty="0" smtClean="0"/>
-          </a:p>
-          <a:p>
-            <a:r>
-              <a:rPr lang="pt-BR" dirty="0" err="1" smtClean="0"/>
+            <a:endParaRPr lang="pt-BR" sz="2000" dirty="0" smtClean="0"/>
+          </a:p>
+          <a:p>
+            <a:r>
+              <a:rPr lang="pt-BR" sz="2000" dirty="0" err="1" smtClean="0"/>
               <a:t>Djore</a:t>
             </a:r>
             <a:r>
-              <a:rPr lang="pt-BR" dirty="0" smtClean="0"/>
-              <a:t> Gouveia</a:t>
-            </a:r>
-          </a:p>
-          <a:p>
-            <a:r>
-              <a:rPr lang="pt-BR" dirty="0" smtClean="0"/>
-              <a:t>Ney Melo</a:t>
-            </a:r>
+              <a:rPr lang="pt-BR" sz="2000" dirty="0" smtClean="0"/>
+              <a:t> Gouveia					  	  Novembro 2011</a:t>
+            </a:r>
+            <a:endParaRPr lang="pt-BR" sz="2000" dirty="0" smtClean="0"/>
+          </a:p>
+          <a:p>
+            <a:r>
+              <a:rPr lang="pt-BR" sz="2000" dirty="0" smtClean="0"/>
+              <a:t>Ney </a:t>
+            </a:r>
+            <a:r>
+              <a:rPr lang="pt-BR" sz="2000" dirty="0" smtClean="0"/>
+              <a:t>Melo					   Universidade de Brasília</a:t>
+            </a:r>
+            <a:endParaRPr lang="pt-BR" sz="2000" dirty="0" smtClean="0"/>
           </a:p>
         </p:txBody>
       </p:sp>
@@ -3841,6 +3765,25 @@
   <p:clrMapOvr>
     <a:masterClrMapping/>
   </p:clrMapOvr>
+  <mc:AlternateContent xmlns:mc="http://schemas.openxmlformats.org/markup-compatibility/2006">
+    <mc:Choice xmlns:p14="http://schemas.microsoft.com/office/powerpoint/2010/main" Requires="p14">
+      <p:transition spd="med" p14:dur="700">
+        <p:fade/>
+      </p:transition>
+    </mc:Choice>
+    <mc:Fallback>
+      <p:transition spd="med">
+        <p:fade/>
+      </p:transition>
+    </mc:Fallback>
+  </mc:AlternateContent>
+  <p:timing>
+    <p:tnLst>
+      <p:par>
+        <p:cTn id="1" dur="indefinite" restart="never" nodeType="tmRoot"/>
+      </p:par>
+    </p:tnLst>
+  </p:timing>
 </p:sld>
 </file>
 
@@ -3878,7 +3821,7 @@
           <a:p>
             <a:r>
               <a:rPr lang="pt-BR" dirty="0" smtClean="0"/>
-              <a:t>Definições de Erros</a:t>
+              <a:t>Analisador Léxico</a:t>
             </a:r>
             <a:endParaRPr lang="pt-BR" dirty="0"/>
           </a:p>
@@ -3899,19 +3842,7 @@
           <a:bodyPr/>
           <a:lstStyle/>
           <a:p>
-            <a:r>
-              <a:rPr lang="pt-BR" dirty="0" smtClean="0"/>
-              <a:t>Antes de se iniciar a parte de análise, foi feito um arquivo com definições de parâmetros, tipos de </a:t>
-            </a:r>
-            <a:r>
-              <a:rPr lang="pt-BR" dirty="0" err="1" smtClean="0"/>
-              <a:t>tokens</a:t>
-            </a:r>
-            <a:r>
-              <a:rPr lang="pt-BR" dirty="0" smtClean="0"/>
-              <a:t> e possíveis erros,  definindo-os em valores numéricos para maior comodidade durante as análises.</a:t>
-            </a:r>
-            <a:endParaRPr lang="pt-BR" dirty="0"/>
+            <a:endParaRPr lang="pt-BR"/>
           </a:p>
         </p:txBody>
       </p:sp>
@@ -3920,6 +3851,13 @@
   <p:clrMapOvr>
     <a:masterClrMapping/>
   </p:clrMapOvr>
+  <p:timing>
+    <p:tnLst>
+      <p:par>
+        <p:cTn id="1" dur="indefinite" restart="never" nodeType="tmRoot"/>
+      </p:par>
+    </p:tnLst>
+  </p:timing>
 </p:sld>
 </file>
 
@@ -3952,58 +3890,128 @@
         </p:nvSpPr>
         <p:spPr/>
         <p:txBody>
-          <a:bodyPr>
-            <a:normAutofit/>
-          </a:bodyPr>
+          <a:bodyPr/>
           <a:lstStyle/>
           <a:p>
             <a:r>
               <a:rPr lang="pt-BR" dirty="0" smtClean="0"/>
-              <a:t>Alguns exemplos de definições</a:t>
+              <a:t>Analisador </a:t>
+            </a:r>
+            <a:r>
+              <a:rPr lang="pt-BR" dirty="0" smtClean="0"/>
+              <a:t>Sintático</a:t>
             </a:r>
             <a:endParaRPr lang="pt-BR" dirty="0"/>
           </a:p>
         </p:txBody>
       </p:sp>
-      <p:pic>
-        <p:nvPicPr>
-          <p:cNvPr id="1026" name="Picture 2"/>
-          <p:cNvPicPr>
-            <a:picLocks noGrp="1" noChangeAspect="1" noChangeArrowheads="1"/>
-          </p:cNvPicPr>
+      <p:sp>
+        <p:nvSpPr>
+          <p:cNvPr id="3" name="Espaço Reservado para Conteúdo 2"/>
+          <p:cNvSpPr>
+            <a:spLocks noGrp="1"/>
+          </p:cNvSpPr>
           <p:nvPr>
             <p:ph idx="1"/>
           </p:nvPr>
-        </p:nvPicPr>
-        <p:blipFill>
-          <a:blip r:embed="rId3" cstate="print"/>
-          <a:srcRect/>
-          <a:stretch>
-            <a:fillRect/>
-          </a:stretch>
-        </p:blipFill>
-        <p:spPr bwMode="auto">
-          <a:xfrm>
-            <a:off x="312255" y="1484784"/>
-            <a:ext cx="8580225" cy="4752528"/>
-          </a:xfrm>
-          <a:prstGeom prst="rect">
-            <a:avLst/>
-          </a:prstGeom>
-          <a:noFill/>
-          <a:ln w="9525">
-            <a:noFill/>
-            <a:miter lim="800000"/>
-            <a:headEnd/>
-            <a:tailEnd/>
-          </a:ln>
-        </p:spPr>
-      </p:pic>
+        </p:nvSpPr>
+        <p:spPr/>
+        <p:txBody>
+          <a:bodyPr>
+            <a:normAutofit lnSpcReduction="10000"/>
+          </a:bodyPr>
+          <a:lstStyle/>
+          <a:p>
+            <a:r>
+              <a:rPr lang="pt-BR" dirty="0" smtClean="0"/>
+              <a:t>Tem como variáveis de entrada a saída do analisador léxico:</a:t>
+            </a:r>
+          </a:p>
+          <a:p>
+            <a:pPr lvl="1"/>
+            <a:r>
+              <a:rPr lang="pt-BR" dirty="0" err="1" smtClean="0"/>
+              <a:t>token_list</a:t>
+            </a:r>
+            <a:r>
+              <a:rPr lang="pt-BR" dirty="0" smtClean="0"/>
+              <a:t> que é uma lista de </a:t>
+            </a:r>
+            <a:r>
+              <a:rPr lang="pt-BR" dirty="0" err="1" smtClean="0"/>
+              <a:t>structs</a:t>
+            </a:r>
+            <a:r>
+              <a:rPr lang="pt-BR" dirty="0" smtClean="0"/>
+              <a:t> composta por </a:t>
+            </a:r>
+            <a:r>
+              <a:rPr lang="pt-BR" dirty="0" err="1" smtClean="0"/>
+              <a:t>structs</a:t>
+            </a:r>
+            <a:r>
+              <a:rPr lang="pt-BR" dirty="0" smtClean="0"/>
+              <a:t> de </a:t>
+            </a:r>
+            <a:r>
+              <a:rPr lang="pt-BR" dirty="0" err="1" smtClean="0"/>
+              <a:t>tokens</a:t>
+            </a:r>
+            <a:r>
+              <a:rPr lang="pt-BR" dirty="0" smtClean="0"/>
+              <a:t>;</a:t>
+            </a:r>
+          </a:p>
+          <a:p>
+            <a:endParaRPr lang="pt-BR" dirty="0" smtClean="0"/>
+          </a:p>
+          <a:p>
+            <a:r>
+              <a:rPr lang="pt-BR" dirty="0" smtClean="0"/>
+              <a:t>A para cada instrução são feitas checagens de:</a:t>
+            </a:r>
+          </a:p>
+          <a:p>
+            <a:pPr lvl="1"/>
+            <a:r>
+              <a:rPr lang="pt-BR" dirty="0" smtClean="0"/>
+              <a:t>Correta </a:t>
+            </a:r>
+            <a:r>
+              <a:rPr lang="pt-BR" dirty="0" smtClean="0"/>
+              <a:t>padronização das instruções (checando com a gramática</a:t>
+            </a:r>
+            <a:r>
+              <a:rPr lang="pt-BR" dirty="0" smtClean="0"/>
+              <a:t>;</a:t>
+            </a:r>
+          </a:p>
+          <a:p>
+            <a:pPr lvl="1"/>
+            <a:r>
+              <a:rPr lang="pt-BR" dirty="0" smtClean="0"/>
+              <a:t>Tipos dos argumentos</a:t>
+            </a:r>
+            <a:endParaRPr lang="pt-BR" dirty="0" smtClean="0"/>
+          </a:p>
+          <a:p>
+            <a:pPr lvl="1"/>
+            <a:endParaRPr lang="pt-BR" dirty="0" smtClean="0"/>
+          </a:p>
+        </p:txBody>
+      </p:sp>
     </p:spTree>
   </p:cSld>
   <p:clrMapOvr>
     <a:masterClrMapping/>
   </p:clrMapOvr>
+  <p:timing>
+    <p:tnLst>
+      <p:par>
+        <p:cTn id="1" dur="indefinite" restart="never" nodeType="tmRoot"/>
+      </p:par>
+    </p:tnLst>
+  </p:timing>
 </p:sld>
 </file>
 
@@ -4037,13 +4045,13 @@
         <p:spPr/>
         <p:txBody>
           <a:bodyPr>
-            <a:normAutofit fontScale="90000"/>
+            <a:normAutofit/>
           </a:bodyPr>
           <a:lstStyle/>
           <a:p>
             <a:r>
               <a:rPr lang="pt-BR" dirty="0" smtClean="0"/>
-              <a:t>Alguns exemplos estruturas definidas</a:t>
+              <a:t>Analisador Sintático</a:t>
             </a:r>
             <a:endParaRPr lang="pt-BR" dirty="0"/>
           </a:p>
@@ -4062,218 +4070,42 @@
         <p:spPr/>
         <p:txBody>
           <a:bodyPr>
-            <a:normAutofit fontScale="70000" lnSpcReduction="20000"/>
+            <a:normAutofit/>
           </a:bodyPr>
           <a:lstStyle/>
           <a:p>
+            <a:r>
+              <a:rPr lang="pt-BR" dirty="0" smtClean="0"/>
+              <a:t>Em seguida é feito uma análise dos registradores:</a:t>
+            </a:r>
+          </a:p>
+          <a:p>
             <a:pPr lvl="1"/>
             <a:r>
               <a:rPr lang="pt-BR" dirty="0" smtClean="0"/>
-              <a:t>Tabela de </a:t>
-            </a:r>
-            <a:r>
-              <a:rPr lang="pt-BR" dirty="0" err="1" smtClean="0"/>
-              <a:t>simbolos</a:t>
-            </a:r>
-            <a:endParaRPr lang="pt-BR" dirty="0" smtClean="0"/>
+              <a:t>É verificado a quantidade de registradores na instrução;</a:t>
+            </a:r>
           </a:p>
           <a:p>
             <a:pPr lvl="1"/>
             <a:r>
               <a:rPr lang="pt-BR" dirty="0" smtClean="0"/>
-              <a:t>“</a:t>
-            </a:r>
-            <a:r>
-              <a:rPr lang="en-US" dirty="0" err="1" smtClean="0"/>
-              <a:t>typedef</a:t>
-            </a:r>
-            <a:r>
-              <a:rPr lang="en-US" dirty="0" smtClean="0"/>
-              <a:t> </a:t>
-            </a:r>
-            <a:r>
-              <a:rPr lang="en-US" dirty="0" err="1" smtClean="0"/>
-              <a:t>struct</a:t>
-            </a:r>
-            <a:r>
-              <a:rPr lang="en-US" dirty="0" smtClean="0"/>
-              <a:t> </a:t>
-            </a:r>
-            <a:r>
-              <a:rPr lang="en-US" dirty="0" err="1" smtClean="0"/>
-              <a:t>symbols_table_st</a:t>
-            </a:r>
-            <a:r>
-              <a:rPr lang="en-US" dirty="0" smtClean="0"/>
-              <a:t> {</a:t>
+              <a:t>Se os registradores estão no formato certo;</a:t>
             </a:r>
           </a:p>
           <a:p>
             <a:pPr lvl="1"/>
             <a:r>
-              <a:rPr lang="en-US" dirty="0" smtClean="0"/>
-              <a:t>	char* symbol;</a:t>
+              <a:rPr lang="pt-BR" dirty="0" smtClean="0"/>
+              <a:t>Se estão escritos da forma correta, ex: tem virgulas, colchetes;</a:t>
             </a:r>
           </a:p>
           <a:p>
             <a:pPr lvl="1"/>
             <a:r>
-              <a:rPr lang="en-US" dirty="0" smtClean="0"/>
-              <a:t>	uint32_t index;</a:t>
-            </a:r>
-          </a:p>
-          <a:p>
-            <a:pPr lvl="1"/>
-            <a:r>
-              <a:rPr lang="en-US" dirty="0" smtClean="0"/>
-              <a:t>	</a:t>
-            </a:r>
-            <a:r>
-              <a:rPr lang="en-US" dirty="0" err="1" smtClean="0"/>
-              <a:t>struct</a:t>
-            </a:r>
-            <a:r>
-              <a:rPr lang="en-US" dirty="0" smtClean="0"/>
-              <a:t> </a:t>
-            </a:r>
-            <a:r>
-              <a:rPr lang="en-US" dirty="0" err="1" smtClean="0"/>
-              <a:t>symbols_table_st</a:t>
-            </a:r>
-            <a:r>
-              <a:rPr lang="en-US" dirty="0" smtClean="0"/>
-              <a:t> * next;</a:t>
-            </a:r>
-          </a:p>
-          <a:p>
-            <a:pPr lvl="1"/>
-            <a:r>
-              <a:rPr lang="en-US" dirty="0" smtClean="0"/>
-              <a:t>} </a:t>
-            </a:r>
-            <a:r>
-              <a:rPr lang="en-US" dirty="0" err="1" smtClean="0"/>
-              <a:t>symbols_table</a:t>
-            </a:r>
-            <a:r>
-              <a:rPr lang="en-US" dirty="0" smtClean="0"/>
-              <a:t>;</a:t>
-            </a:r>
-            <a:r>
               <a:rPr lang="pt-BR" dirty="0" smtClean="0"/>
-              <a:t>”</a:t>
-            </a:r>
-          </a:p>
-          <a:p>
-            <a:pPr lvl="1"/>
-            <a:endParaRPr lang="pt-BR" dirty="0" smtClean="0"/>
-          </a:p>
-          <a:p>
-            <a:pPr lvl="1"/>
-            <a:r>
-              <a:rPr lang="pt-BR" dirty="0" smtClean="0"/>
-              <a:t>Estrutura de </a:t>
-            </a:r>
-            <a:r>
-              <a:rPr lang="pt-BR" dirty="0" err="1" smtClean="0"/>
-              <a:t>Token</a:t>
-            </a:r>
-            <a:endParaRPr lang="pt-BR" dirty="0" smtClean="0"/>
-          </a:p>
-          <a:p>
-            <a:pPr lvl="1"/>
-            <a:r>
-              <a:rPr lang="pt-BR" dirty="0" smtClean="0"/>
-              <a:t>“</a:t>
-            </a:r>
-            <a:r>
-              <a:rPr lang="en-US" dirty="0" err="1" smtClean="0"/>
-              <a:t>typedef</a:t>
-            </a:r>
-            <a:r>
-              <a:rPr lang="en-US" dirty="0" smtClean="0"/>
-              <a:t> </a:t>
-            </a:r>
-            <a:r>
-              <a:rPr lang="en-US" dirty="0" err="1" smtClean="0"/>
-              <a:t>struct</a:t>
-            </a:r>
-            <a:r>
-              <a:rPr lang="en-US" dirty="0" smtClean="0"/>
-              <a:t> </a:t>
-            </a:r>
-            <a:r>
-              <a:rPr lang="en-US" dirty="0" err="1" smtClean="0"/>
-              <a:t>token_st</a:t>
-            </a:r>
-            <a:r>
-              <a:rPr lang="en-US" dirty="0" smtClean="0"/>
-              <a:t> {</a:t>
-            </a:r>
-          </a:p>
-          <a:p>
-            <a:pPr lvl="1"/>
-            <a:r>
-              <a:rPr lang="en-US" dirty="0" smtClean="0"/>
-              <a:t>    char* </a:t>
-            </a:r>
-            <a:r>
-              <a:rPr lang="en-US" dirty="0" err="1" smtClean="0"/>
-              <a:t>value_s</a:t>
-            </a:r>
-            <a:r>
-              <a:rPr lang="en-US" dirty="0" smtClean="0"/>
-              <a:t>;</a:t>
-            </a:r>
-          </a:p>
-          <a:p>
-            <a:pPr lvl="1"/>
-            <a:r>
-              <a:rPr lang="en-US" dirty="0" smtClean="0"/>
-              <a:t>    int32_t value;</a:t>
-            </a:r>
-          </a:p>
-          <a:p>
-            <a:pPr lvl="1"/>
-            <a:r>
-              <a:rPr lang="en-US" dirty="0" smtClean="0"/>
-              <a:t>    uint8_t type;</a:t>
-            </a:r>
-          </a:p>
-          <a:p>
-            <a:pPr lvl="1"/>
-            <a:r>
-              <a:rPr lang="en-US" dirty="0" smtClean="0"/>
-              <a:t>    </a:t>
-            </a:r>
-            <a:r>
-              <a:rPr lang="en-US" dirty="0" err="1" smtClean="0"/>
-              <a:t>struct</a:t>
-            </a:r>
-            <a:r>
-              <a:rPr lang="en-US" dirty="0" smtClean="0"/>
-              <a:t> </a:t>
-            </a:r>
-            <a:r>
-              <a:rPr lang="en-US" dirty="0" err="1" smtClean="0"/>
-              <a:t>token_st</a:t>
-            </a:r>
-            <a:r>
-              <a:rPr lang="en-US" dirty="0" smtClean="0"/>
-              <a:t> * next;</a:t>
-            </a:r>
-          </a:p>
-          <a:p>
-            <a:pPr lvl="1"/>
-            <a:r>
-              <a:rPr lang="en-US" dirty="0" smtClean="0"/>
-              <a:t>} token;</a:t>
-            </a:r>
-            <a:r>
-              <a:rPr lang="pt-BR" dirty="0" smtClean="0"/>
-              <a:t>”</a:t>
-            </a:r>
-            <a:endParaRPr lang="pt-BR" dirty="0"/>
+              <a:t>Se os formatos encontrados estão de acordo com o formato esperado de cada instrução;</a:t>
+            </a:r>
           </a:p>
         </p:txBody>
       </p:sp>
@@ -4282,6 +4114,13 @@
   <p:clrMapOvr>
     <a:masterClrMapping/>
   </p:clrMapOvr>
+  <p:timing>
+    <p:tnLst>
+      <p:par>
+        <p:cTn id="1" dur="indefinite" restart="never" nodeType="tmRoot"/>
+      </p:par>
+    </p:tnLst>
+  </p:timing>
 </p:sld>
 </file>
 
@@ -4314,14 +4153,12 @@
         </p:nvSpPr>
         <p:spPr/>
         <p:txBody>
-          <a:bodyPr>
-            <a:normAutofit fontScale="90000"/>
-          </a:bodyPr>
+          <a:bodyPr/>
           <a:lstStyle/>
           <a:p>
             <a:r>
               <a:rPr lang="pt-BR" dirty="0" smtClean="0"/>
-              <a:t>Alguns exemplos estruturas definidas</a:t>
+              <a:t>Analisador Sintático</a:t>
             </a:r>
             <a:endParaRPr lang="pt-BR" dirty="0"/>
           </a:p>
@@ -4339,142 +4176,16 @@
         </p:nvSpPr>
         <p:spPr/>
         <p:txBody>
-          <a:bodyPr>
-            <a:normAutofit fontScale="55000" lnSpcReduction="20000"/>
-          </a:bodyPr>
+          <a:bodyPr/>
           <a:lstStyle/>
           <a:p>
-            <a:pPr lvl="1"/>
+            <a:pPr marL="342900" lvl="1" indent="-342900">
+              <a:buFont typeface="Wingdings 2"/>
+              <a:buChar char=""/>
+            </a:pPr>
             <a:r>
               <a:rPr lang="pt-BR" dirty="0" smtClean="0"/>
-              <a:t>Estrutura de Lista de </a:t>
-            </a:r>
-            <a:r>
-              <a:rPr lang="pt-BR" dirty="0" err="1" smtClean="0"/>
-              <a:t>Token</a:t>
-            </a:r>
-            <a:endParaRPr lang="pt-BR" dirty="0" smtClean="0"/>
-          </a:p>
-          <a:p>
-            <a:pPr lvl="1"/>
-            <a:r>
-              <a:rPr lang="pt-BR" dirty="0" smtClean="0"/>
-              <a:t>“</a:t>
-            </a:r>
-            <a:r>
-              <a:rPr lang="pt-BR" dirty="0" err="1" smtClean="0"/>
-              <a:t>typedef</a:t>
-            </a:r>
-            <a:r>
-              <a:rPr lang="pt-BR" dirty="0" smtClean="0"/>
-              <a:t> </a:t>
-            </a:r>
-            <a:r>
-              <a:rPr lang="pt-BR" dirty="0" err="1" smtClean="0"/>
-              <a:t>struct</a:t>
-            </a:r>
-            <a:r>
-              <a:rPr lang="pt-BR" dirty="0" smtClean="0"/>
-              <a:t> </a:t>
-            </a:r>
-            <a:r>
-              <a:rPr lang="pt-BR" dirty="0" err="1" smtClean="0"/>
-              <a:t>token_list_st</a:t>
-            </a:r>
-            <a:r>
-              <a:rPr lang="pt-BR" dirty="0" smtClean="0"/>
-              <a:t> {</a:t>
-            </a:r>
-          </a:p>
-          <a:p>
-            <a:pPr lvl="1"/>
-            <a:r>
-              <a:rPr lang="pt-BR" dirty="0" smtClean="0"/>
-              <a:t>    uint32_t </a:t>
-            </a:r>
-            <a:r>
-              <a:rPr lang="pt-BR" dirty="0" err="1" smtClean="0"/>
-              <a:t>index</a:t>
-            </a:r>
-            <a:r>
-              <a:rPr lang="pt-BR" dirty="0" smtClean="0"/>
-              <a:t>;</a:t>
-            </a:r>
-          </a:p>
-          <a:p>
-            <a:pPr lvl="1"/>
-            <a:r>
-              <a:rPr lang="pt-BR" dirty="0" smtClean="0"/>
-              <a:t>	uint32_t </a:t>
-            </a:r>
-            <a:r>
-              <a:rPr lang="pt-BR" dirty="0" err="1" smtClean="0"/>
-              <a:t>code_line</a:t>
-            </a:r>
-            <a:r>
-              <a:rPr lang="pt-BR" dirty="0" smtClean="0"/>
-              <a:t>;</a:t>
-            </a:r>
-          </a:p>
-          <a:p>
-            <a:pPr lvl="1"/>
-            <a:r>
-              <a:rPr lang="pt-BR" dirty="0" smtClean="0"/>
-              <a:t>    </a:t>
-            </a:r>
-            <a:r>
-              <a:rPr lang="pt-BR" dirty="0" err="1" smtClean="0"/>
-              <a:t>token</a:t>
-            </a:r>
-            <a:r>
-              <a:rPr lang="pt-BR" dirty="0" smtClean="0"/>
-              <a:t>* </a:t>
-            </a:r>
-            <a:r>
-              <a:rPr lang="pt-BR" dirty="0" err="1" smtClean="0"/>
-              <a:t>first_token</a:t>
-            </a:r>
-            <a:r>
-              <a:rPr lang="pt-BR" dirty="0" smtClean="0"/>
-              <a:t>;</a:t>
-            </a:r>
-          </a:p>
-          <a:p>
-            <a:pPr lvl="1"/>
-            <a:r>
-              <a:rPr lang="pt-BR" dirty="0" smtClean="0"/>
-              <a:t>    </a:t>
-            </a:r>
-            <a:r>
-              <a:rPr lang="pt-BR" dirty="0" err="1" smtClean="0"/>
-              <a:t>struct</a:t>
-            </a:r>
-            <a:r>
-              <a:rPr lang="pt-BR" dirty="0" smtClean="0"/>
-              <a:t> </a:t>
-            </a:r>
-            <a:r>
-              <a:rPr lang="pt-BR" dirty="0" err="1" smtClean="0"/>
-              <a:t>token_list_st</a:t>
-            </a:r>
-            <a:r>
-              <a:rPr lang="pt-BR" dirty="0" smtClean="0"/>
-              <a:t> * </a:t>
-            </a:r>
-            <a:r>
-              <a:rPr lang="pt-BR" dirty="0" err="1" smtClean="0"/>
-              <a:t>next</a:t>
-            </a:r>
-            <a:r>
-              <a:rPr lang="pt-BR" dirty="0" smtClean="0"/>
-              <a:t>;</a:t>
-            </a:r>
-          </a:p>
-          <a:p>
-            <a:pPr lvl="1"/>
-            <a:r>
-              <a:rPr lang="pt-BR" dirty="0" smtClean="0"/>
-              <a:t>} </a:t>
+              <a:t>Caso toda a </a:t>
             </a:r>
             <a:r>
               <a:rPr lang="pt-BR" dirty="0" err="1" smtClean="0"/>
@@ -4482,170 +4193,26 @@
             </a:r>
             <a:r>
               <a:rPr lang="pt-BR" dirty="0" smtClean="0"/>
-              <a:t>;”</a:t>
-            </a:r>
-          </a:p>
-          <a:p>
-            <a:pPr lvl="1"/>
-            <a:endParaRPr lang="pt-BR" dirty="0" smtClean="0"/>
-          </a:p>
-          <a:p>
-            <a:pPr lvl="1"/>
+              <a:t> passe ok, ele tem como saída o ponteiro </a:t>
+            </a:r>
+            <a:r>
+              <a:rPr lang="pt-BR" dirty="0" err="1" smtClean="0"/>
+              <a:t>il_out</a:t>
+            </a:r>
             <a:r>
               <a:rPr lang="pt-BR" dirty="0" smtClean="0"/>
-              <a:t>Estrutura de Instruções</a:t>
-            </a:r>
-          </a:p>
-          <a:p>
-            <a:pPr lvl="1"/>
+              <a:t>, que aponta para </a:t>
+            </a:r>
+            <a:r>
+              <a:rPr lang="pt-BR" smtClean="0"/>
+              <a:t>o início da lista de  </a:t>
+            </a:r>
             <a:r>
               <a:rPr lang="pt-BR" dirty="0" smtClean="0"/>
-              <a:t>“</a:t>
-            </a:r>
-            <a:r>
-              <a:rPr lang="pt-BR" dirty="0" err="1" smtClean="0"/>
-              <a:t>typedef</a:t>
-            </a:r>
-            <a:r>
-              <a:rPr lang="pt-BR" dirty="0" smtClean="0"/>
-              <a:t> </a:t>
-            </a:r>
-            <a:r>
-              <a:rPr lang="pt-BR" dirty="0" err="1" smtClean="0"/>
-              <a:t>struct</a:t>
-            </a:r>
-            <a:r>
-              <a:rPr lang="pt-BR" dirty="0" smtClean="0"/>
-              <a:t> {</a:t>
-            </a:r>
-          </a:p>
-          <a:p>
-            <a:pPr lvl="1"/>
-            <a:r>
-              <a:rPr lang="pt-BR" dirty="0" smtClean="0"/>
-              <a:t>    uint8_t </a:t>
-            </a:r>
-            <a:r>
-              <a:rPr lang="pt-BR" dirty="0" err="1" smtClean="0"/>
-              <a:t>op</a:t>
-            </a:r>
-            <a:r>
-              <a:rPr lang="pt-BR" dirty="0" smtClean="0"/>
-              <a:t>;</a:t>
-            </a:r>
-          </a:p>
-          <a:p>
-            <a:pPr lvl="1"/>
-            <a:r>
-              <a:rPr lang="pt-BR" dirty="0" smtClean="0"/>
-              <a:t>    uint8_t </a:t>
-            </a:r>
-            <a:r>
-              <a:rPr lang="pt-BR" dirty="0" err="1" smtClean="0"/>
-              <a:t>rs</a:t>
-            </a:r>
-            <a:r>
-              <a:rPr lang="pt-BR" dirty="0" smtClean="0"/>
-              <a:t>;</a:t>
-            </a:r>
-          </a:p>
-          <a:p>
-            <a:pPr lvl="1"/>
-            <a:r>
-              <a:rPr lang="pt-BR" dirty="0" smtClean="0"/>
-              <a:t>    uint8_t </a:t>
-            </a:r>
-            <a:r>
-              <a:rPr lang="pt-BR" dirty="0" err="1" smtClean="0"/>
-              <a:t>rt</a:t>
-            </a:r>
-            <a:r>
-              <a:rPr lang="pt-BR" dirty="0" smtClean="0"/>
-              <a:t>;</a:t>
-            </a:r>
-          </a:p>
-          <a:p>
-            <a:pPr lvl="1"/>
-            <a:r>
-              <a:rPr lang="pt-BR" dirty="0" smtClean="0"/>
-              <a:t>    uint8_t </a:t>
-            </a:r>
-            <a:r>
-              <a:rPr lang="pt-BR" dirty="0" err="1" smtClean="0"/>
-              <a:t>rd</a:t>
-            </a:r>
-            <a:r>
-              <a:rPr lang="pt-BR" dirty="0" smtClean="0"/>
-              <a:t>;</a:t>
-            </a:r>
-          </a:p>
-          <a:p>
-            <a:pPr lvl="1"/>
-            <a:r>
-              <a:rPr lang="pt-BR" dirty="0" smtClean="0"/>
-              <a:t>    uint8_t </a:t>
-            </a:r>
-            <a:r>
-              <a:rPr lang="pt-BR" dirty="0" err="1" smtClean="0"/>
-              <a:t>funct</a:t>
-            </a:r>
-            <a:r>
-              <a:rPr lang="pt-BR" dirty="0" smtClean="0"/>
-              <a:t>;</a:t>
-            </a:r>
-          </a:p>
-          <a:p>
-            <a:pPr lvl="1"/>
-            <a:r>
-              <a:rPr lang="pt-BR" dirty="0" smtClean="0"/>
-              <a:t>    int32_t </a:t>
-            </a:r>
-            <a:r>
-              <a:rPr lang="pt-BR" dirty="0" err="1" smtClean="0"/>
-              <a:t>imm</a:t>
-            </a:r>
-            <a:r>
-              <a:rPr lang="pt-BR" dirty="0" smtClean="0"/>
-              <a:t>;</a:t>
-            </a:r>
-          </a:p>
-          <a:p>
-            <a:pPr lvl="1"/>
-            <a:r>
-              <a:rPr lang="pt-BR" dirty="0" smtClean="0"/>
-              <a:t>    </a:t>
-            </a:r>
-            <a:r>
-              <a:rPr lang="pt-BR" dirty="0" err="1" smtClean="0"/>
-              <a:t>char</a:t>
-            </a:r>
-            <a:r>
-              <a:rPr lang="pt-BR" dirty="0" smtClean="0"/>
-              <a:t> *</a:t>
-            </a:r>
-            <a:r>
-              <a:rPr lang="pt-BR" dirty="0" err="1" smtClean="0"/>
-              <a:t>symbol</a:t>
-            </a:r>
-            <a:r>
-              <a:rPr lang="pt-BR" dirty="0" smtClean="0"/>
-              <a:t>;</a:t>
-            </a:r>
-          </a:p>
-          <a:p>
-            <a:pPr lvl="1"/>
-            <a:r>
-              <a:rPr lang="pt-BR" dirty="0" smtClean="0"/>
-              <a:t>} </a:t>
-            </a:r>
-            <a:r>
-              <a:rPr lang="pt-BR" dirty="0" err="1" smtClean="0"/>
-              <a:t>inst</a:t>
-            </a:r>
-            <a:r>
-              <a:rPr lang="pt-BR" dirty="0" smtClean="0"/>
-              <a:t>;”</a:t>
-            </a:r>
+              <a:t>entrada para o analisador semântico.</a:t>
+            </a:r>
+          </a:p>
+          <a:p>
             <a:endParaRPr lang="pt-BR" dirty="0"/>
           </a:p>
         </p:txBody>
@@ -4655,6 +4222,13 @@
   <p:clrMapOvr>
     <a:masterClrMapping/>
   </p:clrMapOvr>
+  <p:timing>
+    <p:tnLst>
+      <p:par>
+        <p:cTn id="1" dur="indefinite" restart="never" nodeType="tmRoot"/>
+      </p:par>
+    </p:tnLst>
+  </p:timing>
 </p:sld>
 </file>
 
@@ -4677,7 +4251,7 @@
       </p:grpSpPr>
       <p:sp>
         <p:nvSpPr>
-          <p:cNvPr id="2" name="Título 1"/>
+          <p:cNvPr id="2" name="Title 1"/>
           <p:cNvSpPr>
             <a:spLocks noGrp="1"/>
           </p:cNvSpPr>
@@ -4687,22 +4261,24 @@
         </p:nvSpPr>
         <p:spPr/>
         <p:txBody>
-          <a:bodyPr>
-            <a:normAutofit fontScale="90000"/>
-          </a:bodyPr>
+          <a:bodyPr/>
           <a:lstStyle/>
           <a:p>
             <a:r>
               <a:rPr lang="pt-BR" dirty="0" smtClean="0"/>
-              <a:t>Alguns exemplos estruturas definidas e funções para depuração</a:t>
-            </a:r>
-            <a:endParaRPr lang="pt-BR" dirty="0"/>
-          </a:p>
-        </p:txBody>
-      </p:sp>
-      <p:sp>
-        <p:nvSpPr>
-          <p:cNvPr id="3" name="Espaço Reservado para Conteúdo 2"/>
+              <a:t>Analisador </a:t>
+            </a:r>
+            <a:r>
+              <a:rPr lang="pt-BR" dirty="0" err="1" smtClean="0"/>
+              <a:t>semantico</a:t>
+            </a:r>
+            <a:endParaRPr lang="en-US" dirty="0"/>
+          </a:p>
+        </p:txBody>
+      </p:sp>
+      <p:sp>
+        <p:nvSpPr>
+          <p:cNvPr id="3" name="Content Placeholder 2"/>
           <p:cNvSpPr>
             <a:spLocks noGrp="1"/>
           </p:cNvSpPr>
@@ -4710,320 +4286,21 @@
             <p:ph idx="1"/>
           </p:nvPr>
         </p:nvSpPr>
-        <p:spPr>
-          <a:xfrm>
-            <a:off x="304800" y="1554162"/>
-            <a:ext cx="8686800" cy="5043190"/>
-          </a:xfrm>
-        </p:spPr>
-        <p:txBody>
-          <a:bodyPr>
-            <a:normAutofit fontScale="55000" lnSpcReduction="20000"/>
-          </a:bodyPr>
+        <p:spPr/>
+        <p:txBody>
+          <a:bodyPr/>
           <a:lstStyle/>
           <a:p>
-            <a:pPr lvl="1"/>
-            <a:r>
-              <a:rPr lang="pt-BR" dirty="0" smtClean="0"/>
-              <a:t>Lista de instrução</a:t>
-            </a:r>
-          </a:p>
-          <a:p>
-            <a:pPr lvl="1"/>
-            <a:r>
-              <a:rPr lang="pt-BR" dirty="0" smtClean="0"/>
-              <a:t>“</a:t>
-            </a:r>
-            <a:r>
-              <a:rPr lang="en-US" dirty="0" err="1" smtClean="0"/>
-              <a:t>typedef</a:t>
-            </a:r>
-            <a:r>
-              <a:rPr lang="en-US" dirty="0" smtClean="0"/>
-              <a:t> </a:t>
-            </a:r>
-            <a:r>
-              <a:rPr lang="en-US" dirty="0" err="1" smtClean="0"/>
-              <a:t>struct</a:t>
-            </a:r>
-            <a:r>
-              <a:rPr lang="en-US" dirty="0" smtClean="0"/>
-              <a:t> </a:t>
-            </a:r>
-            <a:r>
-              <a:rPr lang="en-US" dirty="0" err="1" smtClean="0"/>
-              <a:t>inst_list_st</a:t>
-            </a:r>
-            <a:r>
-              <a:rPr lang="en-US" dirty="0" smtClean="0"/>
-              <a:t> {</a:t>
-            </a:r>
-          </a:p>
-          <a:p>
-            <a:pPr lvl="1"/>
-            <a:r>
-              <a:rPr lang="en-US" dirty="0" smtClean="0"/>
-              <a:t>    uint32_t index;</a:t>
-            </a:r>
-          </a:p>
-          <a:p>
-            <a:pPr lvl="1"/>
-            <a:r>
-              <a:rPr lang="en-US" dirty="0" smtClean="0"/>
-              <a:t>    uint8_t type;</a:t>
-            </a:r>
-          </a:p>
-          <a:p>
-            <a:pPr lvl="1"/>
-            <a:r>
-              <a:rPr lang="en-US" dirty="0" smtClean="0"/>
-              <a:t>    inst values;</a:t>
-            </a:r>
-          </a:p>
-          <a:p>
-            <a:pPr lvl="1"/>
-            <a:r>
-              <a:rPr lang="en-US" dirty="0" smtClean="0"/>
-              <a:t>    </a:t>
-            </a:r>
-            <a:r>
-              <a:rPr lang="en-US" dirty="0" err="1" smtClean="0"/>
-              <a:t>struct</a:t>
-            </a:r>
-            <a:r>
-              <a:rPr lang="en-US" dirty="0" smtClean="0"/>
-              <a:t> </a:t>
-            </a:r>
-            <a:r>
-              <a:rPr lang="en-US" dirty="0" err="1" smtClean="0"/>
-              <a:t>inst_list_st</a:t>
-            </a:r>
-            <a:r>
-              <a:rPr lang="en-US" dirty="0" smtClean="0"/>
-              <a:t> *next;</a:t>
-            </a:r>
-          </a:p>
-          <a:p>
-            <a:pPr lvl="1"/>
-            <a:r>
-              <a:rPr lang="en-US" dirty="0" smtClean="0"/>
-              <a:t>} </a:t>
-            </a:r>
-            <a:r>
-              <a:rPr lang="en-US" dirty="0" err="1" smtClean="0"/>
-              <a:t>inst_list</a:t>
-            </a:r>
-            <a:r>
-              <a:rPr lang="en-US" dirty="0" smtClean="0"/>
-              <a:t>;</a:t>
-            </a:r>
-            <a:r>
-              <a:rPr lang="pt-BR" dirty="0" smtClean="0"/>
-              <a:t>” </a:t>
-            </a:r>
-          </a:p>
-          <a:p>
-            <a:pPr lvl="1"/>
-            <a:endParaRPr lang="pt-BR" dirty="0" smtClean="0"/>
-          </a:p>
-          <a:p>
-            <a:pPr lvl="1"/>
-            <a:r>
-              <a:rPr lang="pt-BR" dirty="0" smtClean="0"/>
-              <a:t>Funções para Depuração do código</a:t>
-            </a:r>
-          </a:p>
-          <a:p>
-            <a:pPr lvl="1"/>
-            <a:r>
-              <a:rPr lang="pt-BR" dirty="0" smtClean="0"/>
-              <a:t>Função para impressão de mensagem de erro</a:t>
-            </a:r>
-          </a:p>
-          <a:p>
-            <a:pPr lvl="1"/>
-            <a:r>
-              <a:rPr lang="pt-BR" dirty="0" smtClean="0"/>
-              <a:t>“</a:t>
-            </a:r>
-            <a:r>
-              <a:rPr lang="pt-BR" dirty="0" err="1" smtClean="0"/>
-              <a:t>void</a:t>
-            </a:r>
-            <a:r>
-              <a:rPr lang="pt-BR" dirty="0" smtClean="0"/>
-              <a:t> </a:t>
-            </a:r>
-            <a:r>
-              <a:rPr lang="pt-BR" dirty="0" err="1" smtClean="0"/>
-              <a:t>print_error_msg</a:t>
-            </a:r>
-            <a:r>
-              <a:rPr lang="pt-BR" dirty="0" smtClean="0"/>
-              <a:t>(uint32_t </a:t>
-            </a:r>
-            <a:r>
-              <a:rPr lang="pt-BR" dirty="0" err="1" smtClean="0"/>
-              <a:t>line</a:t>
-            </a:r>
-            <a:r>
-              <a:rPr lang="pt-BR" dirty="0" smtClean="0"/>
-              <a:t>, uint8_t </a:t>
-            </a:r>
-            <a:r>
-              <a:rPr lang="pt-BR" dirty="0" err="1" smtClean="0"/>
-              <a:t>error</a:t>
-            </a:r>
-            <a:r>
-              <a:rPr lang="pt-BR" dirty="0" smtClean="0"/>
-              <a:t>);”</a:t>
-            </a:r>
-          </a:p>
-          <a:p>
-            <a:pPr lvl="1"/>
-            <a:endParaRPr lang="pt-BR" dirty="0" smtClean="0"/>
-          </a:p>
-          <a:p>
-            <a:pPr lvl="1"/>
-            <a:r>
-              <a:rPr lang="pt-BR" dirty="0" smtClean="0"/>
-              <a:t>Função para impressão da estrutura do cabeçalho da lista de </a:t>
-            </a:r>
-            <a:r>
-              <a:rPr lang="pt-BR" dirty="0" err="1" smtClean="0"/>
-              <a:t>tokens</a:t>
-            </a:r>
-            <a:endParaRPr lang="pt-BR" dirty="0" smtClean="0"/>
-          </a:p>
-          <a:p>
-            <a:pPr lvl="1"/>
-            <a:r>
-              <a:rPr lang="pt-BR" dirty="0" smtClean="0"/>
-              <a:t>“</a:t>
-            </a:r>
-            <a:r>
-              <a:rPr lang="pt-BR" dirty="0" err="1" smtClean="0"/>
-              <a:t>void</a:t>
-            </a:r>
-            <a:r>
-              <a:rPr lang="pt-BR" dirty="0" smtClean="0"/>
-              <a:t> </a:t>
-            </a:r>
-            <a:r>
-              <a:rPr lang="pt-BR" dirty="0" err="1" smtClean="0"/>
-              <a:t>print_line_list</a:t>
-            </a:r>
-            <a:r>
-              <a:rPr lang="pt-BR" dirty="0" smtClean="0"/>
-              <a:t>(</a:t>
-            </a:r>
-            <a:r>
-              <a:rPr lang="pt-BR" dirty="0" err="1" smtClean="0"/>
-              <a:t>token_list</a:t>
-            </a:r>
-            <a:r>
-              <a:rPr lang="pt-BR" dirty="0" smtClean="0"/>
-              <a:t>*);”</a:t>
-            </a:r>
-          </a:p>
-          <a:p>
-            <a:pPr lvl="1"/>
-            <a:endParaRPr lang="pt-BR" dirty="0" smtClean="0"/>
-          </a:p>
-          <a:p>
-            <a:pPr lvl="1"/>
-            <a:r>
-              <a:rPr lang="pt-BR" dirty="0" smtClean="0"/>
-              <a:t>Função para impressão da estrutura da lista de </a:t>
-            </a:r>
-            <a:r>
-              <a:rPr lang="pt-BR" dirty="0" err="1" smtClean="0"/>
-              <a:t>tokens</a:t>
-            </a:r>
-            <a:endParaRPr lang="pt-BR" dirty="0" smtClean="0"/>
-          </a:p>
-          <a:p>
-            <a:pPr lvl="1"/>
-            <a:r>
-              <a:rPr lang="pt-BR" dirty="0" smtClean="0"/>
-              <a:t>“</a:t>
-            </a:r>
-            <a:r>
-              <a:rPr lang="pt-BR" dirty="0" err="1" smtClean="0"/>
-              <a:t>void</a:t>
-            </a:r>
-            <a:r>
-              <a:rPr lang="pt-BR" dirty="0" smtClean="0"/>
-              <a:t> </a:t>
-            </a:r>
-            <a:r>
-              <a:rPr lang="pt-BR" dirty="0" err="1" smtClean="0"/>
-              <a:t>print_token_list</a:t>
-            </a:r>
-            <a:r>
-              <a:rPr lang="pt-BR" dirty="0" smtClean="0"/>
-              <a:t>(</a:t>
-            </a:r>
-            <a:r>
-              <a:rPr lang="pt-BR" dirty="0" err="1" smtClean="0"/>
-              <a:t>token</a:t>
-            </a:r>
-            <a:r>
-              <a:rPr lang="pt-BR" dirty="0" smtClean="0"/>
-              <a:t>*);”</a:t>
-            </a:r>
-          </a:p>
-          <a:p>
-            <a:pPr lvl="1"/>
-            <a:endParaRPr lang="pt-BR" dirty="0" smtClean="0"/>
-          </a:p>
-          <a:p>
-            <a:pPr lvl="1"/>
-            <a:r>
-              <a:rPr lang="pt-BR" dirty="0" smtClean="0"/>
-              <a:t>Função para imprimir a tabela de </a:t>
-            </a:r>
-            <a:r>
-              <a:rPr lang="pt-BR" dirty="0" err="1" smtClean="0"/>
-              <a:t>simbolos</a:t>
-            </a:r>
-            <a:endParaRPr lang="pt-BR" dirty="0" smtClean="0"/>
-          </a:p>
-          <a:p>
-            <a:pPr lvl="1"/>
-            <a:r>
-              <a:rPr lang="pt-BR" dirty="0" smtClean="0"/>
-              <a:t>“</a:t>
-            </a:r>
-            <a:r>
-              <a:rPr lang="pt-BR" dirty="0" err="1" smtClean="0"/>
-              <a:t>void</a:t>
-            </a:r>
-            <a:r>
-              <a:rPr lang="pt-BR" dirty="0" smtClean="0"/>
-              <a:t> </a:t>
-            </a:r>
-            <a:r>
-              <a:rPr lang="pt-BR" dirty="0" err="1" smtClean="0"/>
-              <a:t>print_symbols_table</a:t>
-            </a:r>
-            <a:r>
-              <a:rPr lang="pt-BR" dirty="0" smtClean="0"/>
-              <a:t>(</a:t>
-            </a:r>
-            <a:r>
-              <a:rPr lang="pt-BR" dirty="0" err="1" smtClean="0"/>
-              <a:t>symbols_table</a:t>
-            </a:r>
-            <a:r>
-              <a:rPr lang="pt-BR" dirty="0" smtClean="0"/>
-              <a:t>*);”</a:t>
-            </a:r>
-            <a:endParaRPr lang="pt-BR" dirty="0"/>
+            <a:endParaRPr lang="en-US"/>
           </a:p>
         </p:txBody>
       </p:sp>
     </p:spTree>
+    <p:extLst>
+      <p:ext uri="{BB962C8B-B14F-4D97-AF65-F5344CB8AC3E}">
+        <p14:creationId xmlns:p14="http://schemas.microsoft.com/office/powerpoint/2010/main" val="1365045755"/>
+      </p:ext>
+    </p:extLst>
   </p:cSld>
   <p:clrMapOvr>
     <a:masterClrMapping/>
@@ -5057,7 +4334,7 @@
       </p:grpSpPr>
       <p:sp>
         <p:nvSpPr>
-          <p:cNvPr id="2" name="Título 1"/>
+          <p:cNvPr id="2" name="Title 1"/>
           <p:cNvSpPr>
             <a:spLocks noGrp="1"/>
           </p:cNvSpPr>
@@ -5072,15 +4349,23 @@
           <a:p>
             <a:r>
               <a:rPr lang="pt-BR" dirty="0" smtClean="0"/>
-              <a:t>Analisador Léxico</a:t>
-            </a:r>
-            <a:endParaRPr lang="pt-BR" dirty="0"/>
-          </a:p>
-        </p:txBody>
-      </p:sp>
-      <p:sp>
-        <p:nvSpPr>
-          <p:cNvPr id="3" name="Espaço Reservado para Conteúdo 2"/>
+              <a:t>Gerador de </a:t>
+            </a:r>
+            <a:r>
+              <a:rPr lang="pt-BR" dirty="0" err="1" smtClean="0"/>
+              <a:t>codigo</a:t>
+            </a:r>
+            <a:r>
+              <a:rPr lang="pt-BR" dirty="0" smtClean="0"/>
+              <a:t> objeto</a:t>
+            </a:r>
+            <a:endParaRPr lang="en-US" dirty="0"/>
+          </a:p>
+        </p:txBody>
+      </p:sp>
+      <p:sp>
+        <p:nvSpPr>
+          <p:cNvPr id="3" name="Content Placeholder 2"/>
           <p:cNvSpPr>
             <a:spLocks noGrp="1"/>
           </p:cNvSpPr>
@@ -5093,15 +4378,27 @@
           <a:bodyPr/>
           <a:lstStyle/>
           <a:p>
-            <a:endParaRPr lang="pt-BR"/>
+            <a:endParaRPr lang="en-US"/>
           </a:p>
         </p:txBody>
       </p:sp>
     </p:spTree>
+    <p:extLst>
+      <p:ext uri="{BB962C8B-B14F-4D97-AF65-F5344CB8AC3E}">
+        <p14:creationId xmlns:p14="http://schemas.microsoft.com/office/powerpoint/2010/main" val="3973497532"/>
+      </p:ext>
+    </p:extLst>
   </p:cSld>
   <p:clrMapOvr>
     <a:masterClrMapping/>
   </p:clrMapOvr>
+  <p:timing>
+    <p:tnLst>
+      <p:par>
+        <p:cTn id="1" dur="indefinite" restart="never" nodeType="tmRoot"/>
+      </p:par>
+    </p:tnLst>
+  </p:timing>
 </p:sld>
 </file>
 
@@ -5124,7 +4421,26 @@
       </p:grpSpPr>
       <p:sp>
         <p:nvSpPr>
-          <p:cNvPr id="2" name="Título 1"/>
+          <p:cNvPr id="2" name="Text Placeholder 1"/>
+          <p:cNvSpPr>
+            <a:spLocks noGrp="1"/>
+          </p:cNvSpPr>
+          <p:nvPr>
+            <p:ph type="body" idx="1"/>
+          </p:nvPr>
+        </p:nvSpPr>
+        <p:spPr/>
+        <p:txBody>
+          <a:bodyPr/>
+          <a:lstStyle/>
+          <a:p>
+            <a:endParaRPr lang="en-US"/>
+          </a:p>
+        </p:txBody>
+      </p:sp>
+      <p:sp>
+        <p:nvSpPr>
+          <p:cNvPr id="3" name="Title 2"/>
           <p:cNvSpPr>
             <a:spLocks noGrp="1"/>
           </p:cNvSpPr>
@@ -5137,106 +4453,32 @@
           <a:bodyPr/>
           <a:lstStyle/>
           <a:p>
+            <a:pPr algn="ctr"/>
             <a:r>
               <a:rPr lang="pt-BR" dirty="0" smtClean="0"/>
-              <a:t>Analisador </a:t>
-            </a:r>
-            <a:r>
-              <a:rPr lang="pt-BR" dirty="0" err="1" smtClean="0"/>
-              <a:t>Sinatático</a:t>
-            </a:r>
-            <a:endParaRPr lang="pt-BR" dirty="0"/>
-          </a:p>
-        </p:txBody>
-      </p:sp>
-      <p:sp>
-        <p:nvSpPr>
-          <p:cNvPr id="3" name="Espaço Reservado para Conteúdo 2"/>
-          <p:cNvSpPr>
-            <a:spLocks noGrp="1"/>
-          </p:cNvSpPr>
-          <p:nvPr>
-            <p:ph idx="1"/>
-          </p:nvPr>
-        </p:nvSpPr>
-        <p:spPr/>
-        <p:txBody>
-          <a:bodyPr>
-            <a:normAutofit/>
-          </a:bodyPr>
-          <a:lstStyle/>
-          <a:p>
-            <a:r>
-              <a:rPr lang="pt-BR" dirty="0" smtClean="0"/>
-              <a:t>Tem como variáveis de entrada a saída do analisador léxico:</a:t>
-            </a:r>
-          </a:p>
-          <a:p>
-            <a:pPr lvl="1"/>
-            <a:r>
-              <a:rPr lang="pt-BR" dirty="0" err="1" smtClean="0"/>
-              <a:t>token_list</a:t>
-            </a:r>
-            <a:r>
-              <a:rPr lang="pt-BR" dirty="0" smtClean="0"/>
-              <a:t> que é uma lista de </a:t>
-            </a:r>
-            <a:r>
-              <a:rPr lang="pt-BR" dirty="0" err="1" smtClean="0"/>
-              <a:t>structs</a:t>
-            </a:r>
-            <a:r>
-              <a:rPr lang="pt-BR" dirty="0" smtClean="0"/>
-              <a:t> composta por </a:t>
-            </a:r>
-            <a:r>
-              <a:rPr lang="pt-BR" dirty="0" err="1" smtClean="0"/>
-              <a:t>structs</a:t>
-            </a:r>
-            <a:r>
-              <a:rPr lang="pt-BR" dirty="0" smtClean="0"/>
-              <a:t> de </a:t>
-            </a:r>
-            <a:r>
-              <a:rPr lang="pt-BR" dirty="0" err="1" smtClean="0"/>
-              <a:t>tokens</a:t>
-            </a:r>
-            <a:r>
-              <a:rPr lang="pt-BR" dirty="0" smtClean="0"/>
-              <a:t>;</a:t>
-            </a:r>
-          </a:p>
-          <a:p>
-            <a:endParaRPr lang="pt-BR" dirty="0" smtClean="0"/>
-          </a:p>
-          <a:p>
-            <a:r>
-              <a:rPr lang="pt-BR" dirty="0" smtClean="0"/>
-              <a:t>A para cada instrução são feitas checagens de:</a:t>
-            </a:r>
-          </a:p>
-          <a:p>
-            <a:pPr lvl="1"/>
-            <a:r>
-              <a:rPr lang="pt-BR" smtClean="0"/>
-              <a:t>Correta </a:t>
-            </a:r>
-            <a:r>
-              <a:rPr lang="pt-BR" dirty="0" smtClean="0"/>
-              <a:t>padronização das instruções (checando com a gramática;</a:t>
-            </a:r>
-          </a:p>
-          <a:p>
-            <a:pPr lvl="1"/>
-            <a:endParaRPr lang="pt-BR" dirty="0" smtClean="0"/>
+              <a:t>conclusão</a:t>
+            </a:r>
+            <a:endParaRPr lang="en-US" dirty="0"/>
           </a:p>
         </p:txBody>
       </p:sp>
     </p:spTree>
+    <p:extLst>
+      <p:ext uri="{BB962C8B-B14F-4D97-AF65-F5344CB8AC3E}">
+        <p14:creationId xmlns:p14="http://schemas.microsoft.com/office/powerpoint/2010/main" val="2397060910"/>
+      </p:ext>
+    </p:extLst>
   </p:cSld>
   <p:clrMapOvr>
     <a:masterClrMapping/>
   </p:clrMapOvr>
+  <p:timing>
+    <p:tnLst>
+      <p:par>
+        <p:cTn id="1" dur="indefinite" restart="never" nodeType="tmRoot"/>
+      </p:par>
+    </p:tnLst>
+  </p:timing>
 </p:sld>
 </file>
 
@@ -5259,7 +4501,7 @@
       </p:grpSpPr>
       <p:sp>
         <p:nvSpPr>
-          <p:cNvPr id="2" name="Título 1"/>
+          <p:cNvPr id="2" name="Title 1"/>
           <p:cNvSpPr>
             <a:spLocks noGrp="1"/>
           </p:cNvSpPr>
@@ -5269,22 +4511,20 @@
         </p:nvSpPr>
         <p:spPr/>
         <p:txBody>
-          <a:bodyPr>
-            <a:normAutofit/>
-          </a:bodyPr>
+          <a:bodyPr/>
           <a:lstStyle/>
           <a:p>
             <a:r>
               <a:rPr lang="pt-BR" dirty="0" smtClean="0"/>
-              <a:t>Analisador Sintático</a:t>
-            </a:r>
-            <a:endParaRPr lang="pt-BR" dirty="0"/>
-          </a:p>
-        </p:txBody>
-      </p:sp>
-      <p:sp>
-        <p:nvSpPr>
-          <p:cNvPr id="3" name="Espaço Reservado para Conteúdo 2"/>
+              <a:t>Apresentação do software</a:t>
+            </a:r>
+            <a:endParaRPr lang="en-US" dirty="0"/>
+          </a:p>
+        </p:txBody>
+      </p:sp>
+      <p:sp>
+        <p:nvSpPr>
+          <p:cNvPr id="3" name="Content Placeholder 2"/>
           <p:cNvSpPr>
             <a:spLocks noGrp="1"/>
           </p:cNvSpPr>
@@ -5294,51 +4534,40 @@
         </p:nvSpPr>
         <p:spPr/>
         <p:txBody>
-          <a:bodyPr>
-            <a:normAutofit/>
-          </a:bodyPr>
+          <a:bodyPr/>
           <a:lstStyle/>
           <a:p>
             <a:r>
               <a:rPr lang="pt-BR" dirty="0" smtClean="0"/>
-              <a:t>Em seguida é feito uma análise dos registradores:</a:t>
-            </a:r>
-          </a:p>
-          <a:p>
-            <a:pPr lvl="1"/>
+              <a:t>(Analisador de diretivas)</a:t>
+            </a:r>
+          </a:p>
+          <a:p>
             <a:r>
               <a:rPr lang="pt-BR" dirty="0" smtClean="0"/>
-              <a:t>É verificado a quantidade de registradores na instrução;</a:t>
-            </a:r>
-          </a:p>
-          <a:p>
-            <a:pPr lvl="1"/>
-            <a:r>
-              <a:rPr lang="pt-BR" dirty="0" smtClean="0"/>
-              <a:t>Se os registradores estão no formato certo;</a:t>
-            </a:r>
-          </a:p>
-          <a:p>
-            <a:pPr lvl="1"/>
-            <a:r>
-              <a:rPr lang="pt-BR" dirty="0" smtClean="0"/>
-              <a:t>Se estão escritos da forma correta, ex: tem virgulas, colchetes;</a:t>
-            </a:r>
-          </a:p>
-          <a:p>
-            <a:pPr lvl="1"/>
-            <a:r>
-              <a:rPr lang="pt-BR" dirty="0" smtClean="0"/>
-              <a:t>Se os formatos encontrados estão de acordo com o formato esperado de cada instrução;</a:t>
-            </a:r>
+              <a:t>(foto do menu help)</a:t>
+            </a:r>
+            <a:endParaRPr lang="en-US" dirty="0"/>
           </a:p>
         </p:txBody>
       </p:sp>
     </p:spTree>
+    <p:extLst>
+      <p:ext uri="{BB962C8B-B14F-4D97-AF65-F5344CB8AC3E}">
+        <p14:creationId xmlns:p14="http://schemas.microsoft.com/office/powerpoint/2010/main" val="200452441"/>
+      </p:ext>
+    </p:extLst>
   </p:cSld>
   <p:clrMapOvr>
     <a:masterClrMapping/>
   </p:clrMapOvr>
+  <p:timing>
+    <p:tnLst>
+      <p:par>
+        <p:cTn id="1" dur="indefinite" restart="never" nodeType="tmRoot"/>
+      </p:par>
+    </p:tnLst>
+  </p:timing>
 </p:sld>
 </file>
 
@@ -5361,7 +4590,7 @@
       </p:grpSpPr>
       <p:sp>
         <p:nvSpPr>
-          <p:cNvPr id="2" name="Título 1"/>
+          <p:cNvPr id="2" name="Title 1"/>
           <p:cNvSpPr>
             <a:spLocks noGrp="1"/>
           </p:cNvSpPr>
@@ -5371,20 +4600,22 @@
         </p:nvSpPr>
         <p:spPr/>
         <p:txBody>
-          <a:bodyPr/>
+          <a:bodyPr>
+            <a:normAutofit/>
+          </a:bodyPr>
           <a:lstStyle/>
           <a:p>
             <a:r>
               <a:rPr lang="pt-BR" dirty="0" smtClean="0"/>
-              <a:t>Analisador Sintático</a:t>
-            </a:r>
-            <a:endParaRPr lang="pt-BR" dirty="0"/>
-          </a:p>
-        </p:txBody>
-      </p:sp>
-      <p:sp>
-        <p:nvSpPr>
-          <p:cNvPr id="3" name="Espaço Reservado para Conteúdo 2"/>
+              <a:t>Principais problemas</a:t>
+            </a:r>
+            <a:endParaRPr lang="en-US" dirty="0"/>
+          </a:p>
+        </p:txBody>
+      </p:sp>
+      <p:sp>
+        <p:nvSpPr>
+          <p:cNvPr id="3" name="Content Placeholder 2"/>
           <p:cNvSpPr>
             <a:spLocks noGrp="1"/>
           </p:cNvSpPr>
@@ -5397,49 +4628,106 @@
           <a:bodyPr/>
           <a:lstStyle/>
           <a:p>
-            <a:pPr marL="342900" lvl="1" indent="-342900">
-              <a:buFont typeface="Wingdings 2"/>
-              <a:buChar char=""/>
-            </a:pPr>
-            <a:r>
-              <a:rPr lang="pt-BR" dirty="0" smtClean="0"/>
-              <a:t>Caso toda a </a:t>
-            </a:r>
-            <a:r>
-              <a:rPr lang="pt-BR" dirty="0" err="1" smtClean="0"/>
-              <a:t>token_list</a:t>
-            </a:r>
-            <a:r>
-              <a:rPr lang="pt-BR" dirty="0" smtClean="0"/>
-              <a:t> passe ok, ele tem como saída o ponteiro </a:t>
-            </a:r>
-            <a:r>
-              <a:rPr lang="pt-BR" dirty="0" err="1" smtClean="0"/>
-              <a:t>il_out</a:t>
-            </a:r>
-            <a:r>
-              <a:rPr lang="pt-BR" dirty="0" smtClean="0"/>
-              <a:t>, que aponta para </a:t>
-            </a:r>
-            <a:r>
-              <a:rPr lang="pt-BR" smtClean="0"/>
-              <a:t>o início da lista de  </a:t>
-            </a:r>
-            <a:r>
-              <a:rPr lang="pt-BR" dirty="0" smtClean="0"/>
-              <a:t>entrada para o analisador semântico.</a:t>
-            </a:r>
-          </a:p>
-          <a:p>
-            <a:endParaRPr lang="pt-BR" dirty="0"/>
+            <a:endParaRPr lang="en-US" dirty="0"/>
           </a:p>
         </p:txBody>
       </p:sp>
     </p:spTree>
+    <p:extLst>
+      <p:ext uri="{BB962C8B-B14F-4D97-AF65-F5344CB8AC3E}">
+        <p14:creationId xmlns:p14="http://schemas.microsoft.com/office/powerpoint/2010/main" val="1766172292"/>
+      </p:ext>
+    </p:extLst>
   </p:cSld>
   <p:clrMapOvr>
     <a:masterClrMapping/>
   </p:clrMapOvr>
+  <p:timing>
+    <p:tnLst>
+      <p:par>
+        <p:cTn id="1" dur="indefinite" restart="never" nodeType="tmRoot"/>
+      </p:par>
+    </p:tnLst>
+  </p:timing>
+</p:sld>
+</file>
+
+<file path=ppt/slides/slide19.xml><?xml version="1.0" encoding="utf-8"?>
+<p:sld xmlns:a="http://schemas.openxmlformats.org/drawingml/2006/main" xmlns:r="http://schemas.openxmlformats.org/officeDocument/2006/relationships" xmlns:p="http://schemas.openxmlformats.org/presentationml/2006/main">
+  <p:cSld>
+    <p:spTree>
+      <p:nvGrpSpPr>
+        <p:cNvPr id="1" name=""/>
+        <p:cNvGrpSpPr/>
+        <p:nvPr/>
+      </p:nvGrpSpPr>
+      <p:grpSpPr>
+        <a:xfrm>
+          <a:off x="0" y="0"/>
+          <a:ext cx="0" cy="0"/>
+          <a:chOff x="0" y="0"/>
+          <a:chExt cx="0" cy="0"/>
+        </a:xfrm>
+      </p:grpSpPr>
+      <p:sp>
+        <p:nvSpPr>
+          <p:cNvPr id="2" name="Title 1"/>
+          <p:cNvSpPr>
+            <a:spLocks noGrp="1"/>
+          </p:cNvSpPr>
+          <p:nvPr>
+            <p:ph type="title"/>
+          </p:nvPr>
+        </p:nvSpPr>
+        <p:spPr/>
+        <p:txBody>
+          <a:bodyPr/>
+          <a:lstStyle/>
+          <a:p>
+            <a:r>
+              <a:rPr lang="pt-BR" dirty="0" smtClean="0"/>
+              <a:t>Próximos passos</a:t>
+            </a:r>
+            <a:endParaRPr lang="en-US" dirty="0"/>
+          </a:p>
+        </p:txBody>
+      </p:sp>
+      <p:sp>
+        <p:nvSpPr>
+          <p:cNvPr id="3" name="Content Placeholder 2"/>
+          <p:cNvSpPr>
+            <a:spLocks noGrp="1"/>
+          </p:cNvSpPr>
+          <p:nvPr>
+            <p:ph idx="1"/>
+          </p:nvPr>
+        </p:nvSpPr>
+        <p:spPr/>
+        <p:txBody>
+          <a:bodyPr/>
+          <a:lstStyle/>
+          <a:p>
+            <a:endParaRPr lang="en-US"/>
+          </a:p>
+        </p:txBody>
+      </p:sp>
+    </p:spTree>
+    <p:extLst>
+      <p:ext uri="{BB962C8B-B14F-4D97-AF65-F5344CB8AC3E}">
+        <p14:creationId xmlns:p14="http://schemas.microsoft.com/office/powerpoint/2010/main" val="2130451639"/>
+      </p:ext>
+    </p:extLst>
+  </p:cSld>
+  <p:clrMapOvr>
+    <a:masterClrMapping/>
+  </p:clrMapOvr>
+  <p:timing>
+    <p:tnLst>
+      <p:par>
+        <p:cTn id="1" dur="indefinite" restart="never" nodeType="tmRoot"/>
+      </p:par>
+    </p:tnLst>
+  </p:timing>
 </p:sld>
 </file>
 
@@ -5462,7 +4750,7 @@
       </p:grpSpPr>
       <p:sp>
         <p:nvSpPr>
-          <p:cNvPr id="2" name="Título 1"/>
+          <p:cNvPr id="2" name="Title 1"/>
           <p:cNvSpPr>
             <a:spLocks noGrp="1"/>
           </p:cNvSpPr>
@@ -5472,22 +4760,20 @@
         </p:nvSpPr>
         <p:spPr/>
         <p:txBody>
-          <a:bodyPr>
-            <a:normAutofit/>
-          </a:bodyPr>
+          <a:bodyPr/>
           <a:lstStyle/>
           <a:p>
             <a:r>
               <a:rPr lang="pt-BR" dirty="0" smtClean="0"/>
-              <a:t>Concepção do projeto – Duas Etapas</a:t>
-            </a:r>
-            <a:endParaRPr lang="pt-BR" dirty="0"/>
-          </a:p>
-        </p:txBody>
-      </p:sp>
-      <p:sp>
-        <p:nvSpPr>
-          <p:cNvPr id="3" name="Espaço Reservado para Conteúdo 2"/>
+              <a:t>Sumário</a:t>
+            </a:r>
+            <a:endParaRPr lang="en-US" dirty="0"/>
+          </a:p>
+        </p:txBody>
+      </p:sp>
+      <p:sp>
+        <p:nvSpPr>
+          <p:cNvPr id="3" name="Content Placeholder 2"/>
           <p:cNvSpPr>
             <a:spLocks noGrp="1"/>
           </p:cNvSpPr>
@@ -5497,50 +4783,615 @@
         </p:nvSpPr>
         <p:spPr/>
         <p:txBody>
-          <a:bodyPr/>
+          <a:bodyPr>
+            <a:normAutofit fontScale="77500" lnSpcReduction="20000"/>
+          </a:bodyPr>
           <a:lstStyle/>
           <a:p>
             <a:r>
               <a:rPr lang="pt-BR" dirty="0" smtClean="0"/>
-              <a:t>Primeira etapa:</a:t>
+              <a:t>1 - Introdução</a:t>
             </a:r>
           </a:p>
           <a:p>
             <a:pPr lvl="1"/>
             <a:r>
               <a:rPr lang="pt-BR" dirty="0" smtClean="0"/>
-              <a:t>Implementar as tabelas Instrução e Registradores;</a:t>
+              <a:t>Estratégia utilizada</a:t>
             </a:r>
           </a:p>
           <a:p>
             <a:pPr lvl="1"/>
+            <a:endParaRPr lang="pt-BR" dirty="0" smtClean="0"/>
+          </a:p>
+          <a:p>
             <a:r>
               <a:rPr lang="pt-BR" dirty="0" smtClean="0"/>
-              <a:t>Implementar a análise léxica;</a:t>
+              <a:t>2 - Módulos</a:t>
             </a:r>
           </a:p>
           <a:p>
             <a:pPr lvl="1"/>
             <a:r>
               <a:rPr lang="pt-BR" dirty="0" smtClean="0"/>
-              <a:t>Análise Sintática;</a:t>
+              <a:t>Análise léxica</a:t>
             </a:r>
           </a:p>
           <a:p>
             <a:pPr lvl="1"/>
             <a:r>
               <a:rPr lang="pt-BR" dirty="0" smtClean="0"/>
-              <a:t>Geração do código objeto;</a:t>
-            </a:r>
-            <a:endParaRPr lang="pt-BR" dirty="0"/>
+              <a:t>Análise sintática</a:t>
+            </a:r>
+          </a:p>
+          <a:p>
+            <a:pPr lvl="1"/>
+            <a:r>
+              <a:rPr lang="pt-BR" dirty="0" smtClean="0"/>
+              <a:t>Análise semântica</a:t>
+            </a:r>
+          </a:p>
+          <a:p>
+            <a:pPr lvl="1"/>
+            <a:r>
+              <a:rPr lang="pt-BR" dirty="0" smtClean="0"/>
+              <a:t>Gerador de código</a:t>
+            </a:r>
+          </a:p>
+          <a:p>
+            <a:pPr lvl="1"/>
+            <a:endParaRPr lang="pt-BR" dirty="0" smtClean="0"/>
+          </a:p>
+          <a:p>
+            <a:r>
+              <a:rPr lang="pt-BR" dirty="0" smtClean="0"/>
+              <a:t>3 – Conclusão</a:t>
+            </a:r>
+          </a:p>
+          <a:p>
+            <a:pPr lvl="1"/>
+            <a:r>
+              <a:rPr lang="pt-BR" dirty="0" smtClean="0"/>
+              <a:t>Apresentação do software – analisador de diretivas</a:t>
+            </a:r>
+          </a:p>
+          <a:p>
+            <a:pPr lvl="1"/>
+            <a:r>
+              <a:rPr lang="pt-BR" dirty="0" smtClean="0"/>
+              <a:t>Principais problemas e próximos passos</a:t>
+            </a:r>
+          </a:p>
+          <a:p>
+            <a:pPr lvl="1"/>
+            <a:endParaRPr lang="en-US" dirty="0"/>
           </a:p>
         </p:txBody>
       </p:sp>
     </p:spTree>
+    <p:extLst>
+      <p:ext uri="{BB962C8B-B14F-4D97-AF65-F5344CB8AC3E}">
+        <p14:creationId xmlns:p14="http://schemas.microsoft.com/office/powerpoint/2010/main" val="460233177"/>
+      </p:ext>
+    </p:extLst>
   </p:cSld>
   <p:clrMapOvr>
     <a:masterClrMapping/>
   </p:clrMapOvr>
+  <p:timing>
+    <p:tnLst>
+      <p:par>
+        <p:cTn id="1" dur="indefinite" restart="never" nodeType="tmRoot">
+          <p:childTnLst>
+            <p:seq concurrent="1" nextAc="seek">
+              <p:cTn id="2" dur="indefinite" nodeType="mainSeq">
+                <p:childTnLst>
+                  <p:par>
+                    <p:cTn id="3" fill="hold">
+                      <p:stCondLst>
+                        <p:cond delay="indefinite"/>
+                      </p:stCondLst>
+                      <p:childTnLst>
+                        <p:par>
+                          <p:cTn id="4" fill="hold">
+                            <p:stCondLst>
+                              <p:cond delay="0"/>
+                            </p:stCondLst>
+                            <p:childTnLst>
+                              <p:par>
+                                <p:cTn id="5" presetID="1" presetClass="entr" presetSubtype="0" fill="hold" nodeType="clickEffect">
+                                  <p:stCondLst>
+                                    <p:cond delay="0"/>
+                                  </p:stCondLst>
+                                  <p:childTnLst>
+                                    <p:set>
+                                      <p:cBhvr>
+                                        <p:cTn id="6" dur="1" fill="hold">
+                                          <p:stCondLst>
+                                            <p:cond delay="0"/>
+                                          </p:stCondLst>
+                                        </p:cTn>
+                                        <p:tgtEl>
+                                          <p:spTgt spid="3">
+                                            <p:txEl>
+                                              <p:pRg st="0" end="0"/>
+                                            </p:txEl>
+                                          </p:spTgt>
+                                        </p:tgtEl>
+                                        <p:attrNameLst>
+                                          <p:attrName>style.visibility</p:attrName>
+                                        </p:attrNameLst>
+                                      </p:cBhvr>
+                                      <p:to>
+                                        <p:strVal val="visible"/>
+                                      </p:to>
+                                    </p:set>
+                                  </p:childTnLst>
+                                </p:cTn>
+                              </p:par>
+                              <p:par>
+                                <p:cTn id="7" presetID="1" presetClass="entr" presetSubtype="0" fill="hold" nodeType="withEffect">
+                                  <p:stCondLst>
+                                    <p:cond delay="0"/>
+                                  </p:stCondLst>
+                                  <p:childTnLst>
+                                    <p:set>
+                                      <p:cBhvr>
+                                        <p:cTn id="8" dur="1" fill="hold">
+                                          <p:stCondLst>
+                                            <p:cond delay="0"/>
+                                          </p:stCondLst>
+                                        </p:cTn>
+                                        <p:tgtEl>
+                                          <p:spTgt spid="3">
+                                            <p:txEl>
+                                              <p:pRg st="1" end="1"/>
+                                            </p:txEl>
+                                          </p:spTgt>
+                                        </p:tgtEl>
+                                        <p:attrNameLst>
+                                          <p:attrName>style.visibility</p:attrName>
+                                        </p:attrNameLst>
+                                      </p:cBhvr>
+                                      <p:to>
+                                        <p:strVal val="visible"/>
+                                      </p:to>
+                                    </p:set>
+                                  </p:childTnLst>
+                                </p:cTn>
+                              </p:par>
+                            </p:childTnLst>
+                          </p:cTn>
+                        </p:par>
+                      </p:childTnLst>
+                    </p:cTn>
+                  </p:par>
+                  <p:par>
+                    <p:cTn id="9" fill="hold">
+                      <p:stCondLst>
+                        <p:cond delay="indefinite"/>
+                      </p:stCondLst>
+                      <p:childTnLst>
+                        <p:par>
+                          <p:cTn id="10" fill="hold">
+                            <p:stCondLst>
+                              <p:cond delay="0"/>
+                            </p:stCondLst>
+                            <p:childTnLst>
+                              <p:par>
+                                <p:cTn id="11" presetID="1" presetClass="entr" presetSubtype="0" fill="hold" nodeType="clickEffect">
+                                  <p:stCondLst>
+                                    <p:cond delay="0"/>
+                                  </p:stCondLst>
+                                  <p:childTnLst>
+                                    <p:set>
+                                      <p:cBhvr>
+                                        <p:cTn id="12" dur="1" fill="hold">
+                                          <p:stCondLst>
+                                            <p:cond delay="0"/>
+                                          </p:stCondLst>
+                                        </p:cTn>
+                                        <p:tgtEl>
+                                          <p:spTgt spid="3">
+                                            <p:txEl>
+                                              <p:pRg st="3" end="3"/>
+                                            </p:txEl>
+                                          </p:spTgt>
+                                        </p:tgtEl>
+                                        <p:attrNameLst>
+                                          <p:attrName>style.visibility</p:attrName>
+                                        </p:attrNameLst>
+                                      </p:cBhvr>
+                                      <p:to>
+                                        <p:strVal val="visible"/>
+                                      </p:to>
+                                    </p:set>
+                                  </p:childTnLst>
+                                </p:cTn>
+                              </p:par>
+                              <p:par>
+                                <p:cTn id="13" presetID="1" presetClass="entr" presetSubtype="0" fill="hold" nodeType="withEffect">
+                                  <p:stCondLst>
+                                    <p:cond delay="0"/>
+                                  </p:stCondLst>
+                                  <p:childTnLst>
+                                    <p:set>
+                                      <p:cBhvr>
+                                        <p:cTn id="14" dur="1" fill="hold">
+                                          <p:stCondLst>
+                                            <p:cond delay="0"/>
+                                          </p:stCondLst>
+                                        </p:cTn>
+                                        <p:tgtEl>
+                                          <p:spTgt spid="3">
+                                            <p:txEl>
+                                              <p:pRg st="4" end="4"/>
+                                            </p:txEl>
+                                          </p:spTgt>
+                                        </p:tgtEl>
+                                        <p:attrNameLst>
+                                          <p:attrName>style.visibility</p:attrName>
+                                        </p:attrNameLst>
+                                      </p:cBhvr>
+                                      <p:to>
+                                        <p:strVal val="visible"/>
+                                      </p:to>
+                                    </p:set>
+                                  </p:childTnLst>
+                                </p:cTn>
+                              </p:par>
+                              <p:par>
+                                <p:cTn id="15" presetID="1" presetClass="entr" presetSubtype="0" fill="hold" nodeType="withEffect">
+                                  <p:stCondLst>
+                                    <p:cond delay="0"/>
+                                  </p:stCondLst>
+                                  <p:childTnLst>
+                                    <p:set>
+                                      <p:cBhvr>
+                                        <p:cTn id="16" dur="1" fill="hold">
+                                          <p:stCondLst>
+                                            <p:cond delay="0"/>
+                                          </p:stCondLst>
+                                        </p:cTn>
+                                        <p:tgtEl>
+                                          <p:spTgt spid="3">
+                                            <p:txEl>
+                                              <p:pRg st="5" end="5"/>
+                                            </p:txEl>
+                                          </p:spTgt>
+                                        </p:tgtEl>
+                                        <p:attrNameLst>
+                                          <p:attrName>style.visibility</p:attrName>
+                                        </p:attrNameLst>
+                                      </p:cBhvr>
+                                      <p:to>
+                                        <p:strVal val="visible"/>
+                                      </p:to>
+                                    </p:set>
+                                  </p:childTnLst>
+                                </p:cTn>
+                              </p:par>
+                              <p:par>
+                                <p:cTn id="17" presetID="1" presetClass="entr" presetSubtype="0" fill="hold" nodeType="withEffect">
+                                  <p:stCondLst>
+                                    <p:cond delay="0"/>
+                                  </p:stCondLst>
+                                  <p:childTnLst>
+                                    <p:set>
+                                      <p:cBhvr>
+                                        <p:cTn id="18" dur="1" fill="hold">
+                                          <p:stCondLst>
+                                            <p:cond delay="0"/>
+                                          </p:stCondLst>
+                                        </p:cTn>
+                                        <p:tgtEl>
+                                          <p:spTgt spid="3">
+                                            <p:txEl>
+                                              <p:pRg st="6" end="6"/>
+                                            </p:txEl>
+                                          </p:spTgt>
+                                        </p:tgtEl>
+                                        <p:attrNameLst>
+                                          <p:attrName>style.visibility</p:attrName>
+                                        </p:attrNameLst>
+                                      </p:cBhvr>
+                                      <p:to>
+                                        <p:strVal val="visible"/>
+                                      </p:to>
+                                    </p:set>
+                                  </p:childTnLst>
+                                </p:cTn>
+                              </p:par>
+                              <p:par>
+                                <p:cTn id="19" presetID="1" presetClass="entr" presetSubtype="0" fill="hold" nodeType="withEffect">
+                                  <p:stCondLst>
+                                    <p:cond delay="0"/>
+                                  </p:stCondLst>
+                                  <p:childTnLst>
+                                    <p:set>
+                                      <p:cBhvr>
+                                        <p:cTn id="20" dur="1" fill="hold">
+                                          <p:stCondLst>
+                                            <p:cond delay="0"/>
+                                          </p:stCondLst>
+                                        </p:cTn>
+                                        <p:tgtEl>
+                                          <p:spTgt spid="3">
+                                            <p:txEl>
+                                              <p:pRg st="7" end="7"/>
+                                            </p:txEl>
+                                          </p:spTgt>
+                                        </p:tgtEl>
+                                        <p:attrNameLst>
+                                          <p:attrName>style.visibility</p:attrName>
+                                        </p:attrNameLst>
+                                      </p:cBhvr>
+                                      <p:to>
+                                        <p:strVal val="visible"/>
+                                      </p:to>
+                                    </p:set>
+                                  </p:childTnLst>
+                                </p:cTn>
+                              </p:par>
+                            </p:childTnLst>
+                          </p:cTn>
+                        </p:par>
+                      </p:childTnLst>
+                    </p:cTn>
+                  </p:par>
+                  <p:par>
+                    <p:cTn id="21" fill="hold">
+                      <p:stCondLst>
+                        <p:cond delay="indefinite"/>
+                      </p:stCondLst>
+                      <p:childTnLst>
+                        <p:par>
+                          <p:cTn id="22" fill="hold">
+                            <p:stCondLst>
+                              <p:cond delay="0"/>
+                            </p:stCondLst>
+                            <p:childTnLst>
+                              <p:par>
+                                <p:cTn id="23" presetID="1" presetClass="entr" presetSubtype="0" fill="hold" nodeType="clickEffect">
+                                  <p:stCondLst>
+                                    <p:cond delay="0"/>
+                                  </p:stCondLst>
+                                  <p:childTnLst>
+                                    <p:set>
+                                      <p:cBhvr>
+                                        <p:cTn id="24" dur="1" fill="hold">
+                                          <p:stCondLst>
+                                            <p:cond delay="0"/>
+                                          </p:stCondLst>
+                                        </p:cTn>
+                                        <p:tgtEl>
+                                          <p:spTgt spid="3">
+                                            <p:txEl>
+                                              <p:pRg st="9" end="9"/>
+                                            </p:txEl>
+                                          </p:spTgt>
+                                        </p:tgtEl>
+                                        <p:attrNameLst>
+                                          <p:attrName>style.visibility</p:attrName>
+                                        </p:attrNameLst>
+                                      </p:cBhvr>
+                                      <p:to>
+                                        <p:strVal val="visible"/>
+                                      </p:to>
+                                    </p:set>
+                                  </p:childTnLst>
+                                </p:cTn>
+                              </p:par>
+                              <p:par>
+                                <p:cTn id="25" presetID="1" presetClass="entr" presetSubtype="0" fill="hold" nodeType="withEffect">
+                                  <p:stCondLst>
+                                    <p:cond delay="0"/>
+                                  </p:stCondLst>
+                                  <p:childTnLst>
+                                    <p:set>
+                                      <p:cBhvr>
+                                        <p:cTn id="26" dur="1" fill="hold">
+                                          <p:stCondLst>
+                                            <p:cond delay="0"/>
+                                          </p:stCondLst>
+                                        </p:cTn>
+                                        <p:tgtEl>
+                                          <p:spTgt spid="3">
+                                            <p:txEl>
+                                              <p:pRg st="10" end="10"/>
+                                            </p:txEl>
+                                          </p:spTgt>
+                                        </p:tgtEl>
+                                        <p:attrNameLst>
+                                          <p:attrName>style.visibility</p:attrName>
+                                        </p:attrNameLst>
+                                      </p:cBhvr>
+                                      <p:to>
+                                        <p:strVal val="visible"/>
+                                      </p:to>
+                                    </p:set>
+                                  </p:childTnLst>
+                                </p:cTn>
+                              </p:par>
+                              <p:par>
+                                <p:cTn id="27" presetID="1" presetClass="entr" presetSubtype="0" fill="hold" nodeType="withEffect">
+                                  <p:stCondLst>
+                                    <p:cond delay="0"/>
+                                  </p:stCondLst>
+                                  <p:childTnLst>
+                                    <p:set>
+                                      <p:cBhvr>
+                                        <p:cTn id="28" dur="1" fill="hold">
+                                          <p:stCondLst>
+                                            <p:cond delay="0"/>
+                                          </p:stCondLst>
+                                        </p:cTn>
+                                        <p:tgtEl>
+                                          <p:spTgt spid="3">
+                                            <p:txEl>
+                                              <p:pRg st="11" end="11"/>
+                                            </p:txEl>
+                                          </p:spTgt>
+                                        </p:tgtEl>
+                                        <p:attrNameLst>
+                                          <p:attrName>style.visibility</p:attrName>
+                                        </p:attrNameLst>
+                                      </p:cBhvr>
+                                      <p:to>
+                                        <p:strVal val="visible"/>
+                                      </p:to>
+                                    </p:set>
+                                  </p:childTnLst>
+                                </p:cTn>
+                              </p:par>
+                            </p:childTnLst>
+                          </p:cTn>
+                        </p:par>
+                      </p:childTnLst>
+                    </p:cTn>
+                  </p:par>
+                </p:childTnLst>
+              </p:cTn>
+              <p:prevCondLst>
+                <p:cond evt="onPrev" delay="0">
+                  <p:tgtEl>
+                    <p:sldTgt/>
+                  </p:tgtEl>
+                </p:cond>
+              </p:prevCondLst>
+              <p:nextCondLst>
+                <p:cond evt="onNext" delay="0">
+                  <p:tgtEl>
+                    <p:sldTgt/>
+                  </p:tgtEl>
+                </p:cond>
+              </p:nextCondLst>
+            </p:seq>
+          </p:childTnLst>
+        </p:cTn>
+      </p:par>
+    </p:tnLst>
+  </p:timing>
+</p:sld>
+</file>
+
+<file path=ppt/slides/slide20.xml><?xml version="1.0" encoding="utf-8"?>
+<p:sld xmlns:a="http://schemas.openxmlformats.org/drawingml/2006/main" xmlns:r="http://schemas.openxmlformats.org/officeDocument/2006/relationships" xmlns:p="http://schemas.openxmlformats.org/presentationml/2006/main">
+  <p:cSld>
+    <p:spTree>
+      <p:nvGrpSpPr>
+        <p:cNvPr id="1" name=""/>
+        <p:cNvGrpSpPr/>
+        <p:nvPr/>
+      </p:nvGrpSpPr>
+      <p:grpSpPr>
+        <a:xfrm>
+          <a:off x="0" y="0"/>
+          <a:ext cx="0" cy="0"/>
+          <a:chOff x="0" y="0"/>
+          <a:chExt cx="0" cy="0"/>
+        </a:xfrm>
+      </p:grpSpPr>
+      <p:sp>
+        <p:nvSpPr>
+          <p:cNvPr id="2" name="Title 1"/>
+          <p:cNvSpPr>
+            <a:spLocks noGrp="1"/>
+          </p:cNvSpPr>
+          <p:nvPr>
+            <p:ph type="title"/>
+          </p:nvPr>
+        </p:nvSpPr>
+        <p:spPr/>
+        <p:txBody>
+          <a:bodyPr/>
+          <a:lstStyle/>
+          <a:p>
+            <a:r>
+              <a:rPr lang="pt-BR" dirty="0" smtClean="0"/>
+              <a:t>Perguntas</a:t>
+            </a:r>
+            <a:endParaRPr lang="en-US" dirty="0"/>
+          </a:p>
+        </p:txBody>
+      </p:sp>
+      <p:sp>
+        <p:nvSpPr>
+          <p:cNvPr id="3" name="Content Placeholder 2"/>
+          <p:cNvSpPr>
+            <a:spLocks noGrp="1"/>
+          </p:cNvSpPr>
+          <p:nvPr>
+            <p:ph idx="1"/>
+          </p:nvPr>
+        </p:nvSpPr>
+        <p:spPr/>
+        <p:txBody>
+          <a:bodyPr/>
+          <a:lstStyle/>
+          <a:p>
+            <a:endParaRPr lang="en-US"/>
+          </a:p>
+        </p:txBody>
+      </p:sp>
+      <p:pic>
+        <p:nvPicPr>
+          <p:cNvPr id="4098" name="Picture 2" descr="http://3.bp.blogspot.com/-fSkMFFUf_S0/Th2rIbKd_rI/AAAAAAAAAIw/4YVc3a7vYQQ/s1600/pergunta.jpg"/>
+          <p:cNvPicPr>
+            <a:picLocks noChangeAspect="1" noChangeArrowheads="1"/>
+          </p:cNvPicPr>
+          <p:nvPr/>
+        </p:nvPicPr>
+        <p:blipFill>
+          <a:blip r:embed="rId2">
+            <a:extLst>
+              <a:ext uri="{28A0092B-C50C-407E-A947-70E740481C1C}">
+                <a14:useLocalDpi xmlns:a14="http://schemas.microsoft.com/office/drawing/2010/main" val="0"/>
+              </a:ext>
+            </a:extLst>
+          </a:blip>
+          <a:srcRect/>
+          <a:stretch>
+            <a:fillRect/>
+          </a:stretch>
+        </p:blipFill>
+        <p:spPr bwMode="auto">
+          <a:xfrm>
+            <a:off x="2339751" y="1628800"/>
+            <a:ext cx="4694047" cy="4680520"/>
+          </a:xfrm>
+          <a:prstGeom prst="rect">
+            <a:avLst/>
+          </a:prstGeom>
+          <a:noFill/>
+          <a:extLst>
+            <a:ext uri="{909E8E84-426E-40DD-AFC4-6F175D3DCCD1}">
+              <a14:hiddenFill xmlns:a14="http://schemas.microsoft.com/office/drawing/2010/main">
+                <a:solidFill>
+                  <a:srgbClr val="FFFFFF"/>
+                </a:solidFill>
+              </a14:hiddenFill>
+            </a:ext>
+          </a:extLst>
+        </p:spPr>
+      </p:pic>
+    </p:spTree>
+    <p:extLst>
+      <p:ext uri="{BB962C8B-B14F-4D97-AF65-F5344CB8AC3E}">
+        <p14:creationId xmlns:p14="http://schemas.microsoft.com/office/powerpoint/2010/main" val="575131698"/>
+      </p:ext>
+    </p:extLst>
+  </p:cSld>
+  <p:clrMapOvr>
+    <a:masterClrMapping/>
+  </p:clrMapOvr>
+  <p:timing>
+    <p:tnLst>
+      <p:par>
+        <p:cTn id="1" dur="indefinite" restart="never" nodeType="tmRoot"/>
+      </p:par>
+    </p:tnLst>
+  </p:timing>
 </p:sld>
 </file>
 
@@ -5563,7 +5414,26 @@
       </p:grpSpPr>
       <p:sp>
         <p:nvSpPr>
-          <p:cNvPr id="2" name="Título 1"/>
+          <p:cNvPr id="2" name="Text Placeholder 1"/>
+          <p:cNvSpPr>
+            <a:spLocks noGrp="1"/>
+          </p:cNvSpPr>
+          <p:nvPr>
+            <p:ph type="body" idx="1"/>
+          </p:nvPr>
+        </p:nvSpPr>
+        <p:spPr/>
+        <p:txBody>
+          <a:bodyPr/>
+          <a:lstStyle/>
+          <a:p>
+            <a:endParaRPr lang="en-US"/>
+          </a:p>
+        </p:txBody>
+      </p:sp>
+      <p:sp>
+        <p:nvSpPr>
+          <p:cNvPr id="3" name="Title 2"/>
           <p:cNvSpPr>
             <a:spLocks noGrp="1"/>
           </p:cNvSpPr>
@@ -5573,75 +5443,35 @@
         </p:nvSpPr>
         <p:spPr/>
         <p:txBody>
-          <a:bodyPr>
-            <a:normAutofit/>
-          </a:bodyPr>
-          <a:lstStyle/>
-          <a:p>
-            <a:r>
-              <a:rPr lang="pt-BR" dirty="0" smtClean="0"/>
-              <a:t>Concepção do projeto – Duas Etapas</a:t>
-            </a:r>
-            <a:endParaRPr lang="pt-BR" dirty="0"/>
-          </a:p>
-        </p:txBody>
-      </p:sp>
-      <p:sp>
-        <p:nvSpPr>
-          <p:cNvPr id="3" name="Espaço Reservado para Conteúdo 2"/>
-          <p:cNvSpPr>
-            <a:spLocks noGrp="1"/>
-          </p:cNvSpPr>
-          <p:nvPr>
-            <p:ph idx="1"/>
-          </p:nvPr>
-        </p:nvSpPr>
-        <p:spPr/>
-        <p:txBody>
           <a:bodyPr/>
           <a:lstStyle/>
           <a:p>
+            <a:pPr algn="ctr"/>
             <a:r>
               <a:rPr lang="pt-BR" dirty="0" smtClean="0"/>
-              <a:t>Segunda etapa, enfatizando a relação usuário programa:</a:t>
-            </a:r>
-          </a:p>
-          <a:p>
-            <a:pPr lvl="1"/>
-            <a:r>
-              <a:rPr lang="pt-BR" dirty="0" smtClean="0"/>
-              <a:t>Implementar a Análise Semântica;</a:t>
-            </a:r>
-          </a:p>
-          <a:p>
-            <a:pPr lvl="1"/>
-            <a:r>
-              <a:rPr lang="pt-BR" dirty="0" smtClean="0"/>
-              <a:t>Criar diretivas de chamadas;</a:t>
-            </a:r>
-          </a:p>
-          <a:p>
-            <a:pPr lvl="1"/>
-            <a:r>
-              <a:rPr lang="pt-BR" dirty="0" smtClean="0"/>
-              <a:t>Definir quais Erros e </a:t>
-            </a:r>
-            <a:r>
-              <a:rPr lang="pt-BR" dirty="0" err="1" smtClean="0"/>
-              <a:t>Warnings</a:t>
-            </a:r>
-            <a:r>
-              <a:rPr lang="pt-BR" dirty="0" smtClean="0"/>
-              <a:t> vão aparecer;</a:t>
-            </a:r>
+              <a:t>introdução</a:t>
+            </a:r>
+            <a:endParaRPr lang="en-US" dirty="0"/>
           </a:p>
         </p:txBody>
       </p:sp>
     </p:spTree>
+    <p:extLst>
+      <p:ext uri="{BB962C8B-B14F-4D97-AF65-F5344CB8AC3E}">
+        <p14:creationId xmlns:p14="http://schemas.microsoft.com/office/powerpoint/2010/main" val="633787572"/>
+      </p:ext>
+    </p:extLst>
   </p:cSld>
   <p:clrMapOvr>
     <a:masterClrMapping/>
   </p:clrMapOvr>
+  <p:timing>
+    <p:tnLst>
+      <p:par>
+        <p:cTn id="1" dur="indefinite" restart="never" nodeType="tmRoot"/>
+      </p:par>
+    </p:tnLst>
+  </p:timing>
 </p:sld>
 </file>
 
@@ -5664,7 +5494,7 @@
       </p:grpSpPr>
       <p:sp>
         <p:nvSpPr>
-          <p:cNvPr id="2" name="Título 1"/>
+          <p:cNvPr id="2" name="Title 1"/>
           <p:cNvSpPr>
             <a:spLocks noGrp="1"/>
           </p:cNvSpPr>
@@ -5672,72 +5502,109 @@
             <p:ph type="title"/>
           </p:nvPr>
         </p:nvSpPr>
-        <p:spPr>
-          <a:xfrm>
-            <a:off x="457200" y="604044"/>
-            <a:ext cx="8458200" cy="520700"/>
-          </a:xfrm>
-        </p:spPr>
-        <p:txBody>
-          <a:bodyPr>
-            <a:noAutofit/>
-          </a:bodyPr>
+        <p:spPr/>
+        <p:txBody>
+          <a:bodyPr/>
           <a:lstStyle/>
           <a:p>
             <a:r>
-              <a:rPr lang="pt-BR" sz="3200" dirty="0" smtClean="0"/>
-              <a:t>Tabela de Registradores</a:t>
-            </a:r>
-            <a:r>
-              <a:rPr lang="pt-BR" sz="2400" dirty="0" smtClean="0"/>
-              <a:t>:</a:t>
-            </a:r>
-            <a:endParaRPr lang="pt-BR" sz="3200" dirty="0"/>
-          </a:p>
-        </p:txBody>
-      </p:sp>
-      <p:sp>
-        <p:nvSpPr>
-          <p:cNvPr id="3" name="Espaço Reservado para Texto 2"/>
+              <a:rPr lang="pt-BR" dirty="0" smtClean="0"/>
+              <a:t>Estratégia utilizada</a:t>
+            </a:r>
+            <a:endParaRPr lang="en-US" dirty="0"/>
+          </a:p>
+        </p:txBody>
+      </p:sp>
+      <p:sp>
+        <p:nvSpPr>
+          <p:cNvPr id="3" name="Content Placeholder 2"/>
           <p:cNvSpPr>
             <a:spLocks noGrp="1"/>
           </p:cNvSpPr>
           <p:nvPr>
-            <p:ph type="body" idx="2"/>
+            <p:ph idx="1"/>
           </p:nvPr>
         </p:nvSpPr>
-        <p:spPr>
-          <a:xfrm>
-            <a:off x="457200" y="1988840"/>
-            <a:ext cx="7787208" cy="2027312"/>
-          </a:xfrm>
-        </p:spPr>
+        <p:spPr/>
         <p:txBody>
           <a:bodyPr/>
           <a:lstStyle/>
           <a:p>
             <a:r>
-              <a:rPr lang="pt-BR" sz="2400" dirty="0" smtClean="0"/>
-              <a:t>A tabela de instruções foi definida como um vetor pré-definido:</a:t>
-            </a:r>
-          </a:p>
-          <a:p>
+              <a:rPr lang="pt-BR" dirty="0" smtClean="0"/>
+              <a:t>Objetivo do programa: montador MIPS</a:t>
+            </a:r>
+          </a:p>
+          <a:p>
+            <a:pPr lvl="1"/>
+            <a:r>
+              <a:rPr lang="pt-BR" dirty="0"/>
+              <a:t>Análises léxica, sintática, semântica e gerador de código </a:t>
+            </a:r>
+            <a:r>
+              <a:rPr lang="pt-BR" dirty="0" smtClean="0"/>
+              <a:t>objeto</a:t>
+            </a:r>
+          </a:p>
+          <a:p>
+            <a:pPr lvl="1"/>
+            <a:endParaRPr lang="pt-BR" dirty="0" smtClean="0"/>
+          </a:p>
+          <a:p>
+            <a:r>
+              <a:rPr lang="pt-BR" dirty="0" smtClean="0"/>
+              <a:t>Modularização:</a:t>
+            </a:r>
             <a:endParaRPr lang="pt-BR" dirty="0"/>
+          </a:p>
+          <a:p>
+            <a:pPr lvl="1"/>
+            <a:r>
+              <a:rPr lang="pt-BR" dirty="0" err="1" smtClean="0"/>
+              <a:t>Makefile</a:t>
+            </a:r>
+            <a:endParaRPr lang="pt-BR" dirty="0" smtClean="0"/>
+          </a:p>
+          <a:p>
+            <a:pPr lvl="1"/>
+            <a:r>
+              <a:rPr lang="pt-BR" dirty="0" smtClean="0"/>
+              <a:t>Controle de versão:</a:t>
+            </a:r>
+          </a:p>
+          <a:p>
+            <a:pPr lvl="2"/>
+            <a:r>
+              <a:rPr lang="pt-BR" dirty="0" smtClean="0"/>
+              <a:t>Google </a:t>
+            </a:r>
+            <a:r>
+              <a:rPr lang="pt-BR" dirty="0" err="1" smtClean="0"/>
+              <a:t>code</a:t>
+            </a:r>
+            <a:r>
+              <a:rPr lang="pt-BR" dirty="0" smtClean="0"/>
+              <a:t> + SVN</a:t>
+            </a:r>
           </a:p>
         </p:txBody>
       </p:sp>
       <p:pic>
         <p:nvPicPr>
-          <p:cNvPr id="2050" name="Picture 2"/>
+          <p:cNvPr id="1026" name="Picture 2" descr="http://tortoisesvn.googlecode.com/svn/trunk/doc/logo/sf-logo.png"/>
           <p:cNvPicPr>
-            <a:picLocks noGrp="1" noChangeAspect="1" noChangeArrowheads="1"/>
+            <a:picLocks noChangeAspect="1" noChangeArrowheads="1"/>
           </p:cNvPicPr>
-          <p:nvPr>
-            <p:ph sz="half" idx="1"/>
-          </p:nvPr>
+          <p:nvPr/>
         </p:nvPicPr>
         <p:blipFill>
-          <a:blip r:embed="rId2" cstate="print"/>
+          <a:blip r:embed="rId2" cstate="print">
+            <a:extLst>
+              <a:ext uri="{28A0092B-C50C-407E-A947-70E740481C1C}">
+                <a14:useLocalDpi xmlns:a14="http://schemas.microsoft.com/office/drawing/2010/main" val="0"/>
+              </a:ext>
+            </a:extLst>
+          </a:blip>
           <a:srcRect/>
           <a:stretch>
             <a:fillRect/>
@@ -5745,26 +5612,300 @@
         </p:blipFill>
         <p:spPr bwMode="auto">
           <a:xfrm>
-            <a:off x="1197874" y="2852937"/>
-            <a:ext cx="7717526" cy="2520280"/>
+            <a:off x="6084168" y="4437112"/>
+            <a:ext cx="1728192" cy="1296144"/>
           </a:xfrm>
           <a:prstGeom prst="rect">
             <a:avLst/>
           </a:prstGeom>
           <a:noFill/>
-          <a:ln w="9525">
-            <a:noFill/>
-            <a:miter lim="800000"/>
-            <a:headEnd/>
-            <a:tailEnd/>
-          </a:ln>
+          <a:extLst>
+            <a:ext uri="{909E8E84-426E-40DD-AFC4-6F175D3DCCD1}">
+              <a14:hiddenFill xmlns:a14="http://schemas.microsoft.com/office/drawing/2010/main">
+                <a:solidFill>
+                  <a:srgbClr val="FFFFFF"/>
+                </a:solidFill>
+              </a14:hiddenFill>
+            </a:ext>
+          </a:extLst>
         </p:spPr>
       </p:pic>
     </p:spTree>
+    <p:extLst>
+      <p:ext uri="{BB962C8B-B14F-4D97-AF65-F5344CB8AC3E}">
+        <p14:creationId xmlns:p14="http://schemas.microsoft.com/office/powerpoint/2010/main" val="121116843"/>
+      </p:ext>
+    </p:extLst>
   </p:cSld>
   <p:clrMapOvr>
     <a:masterClrMapping/>
   </p:clrMapOvr>
+  <p:timing>
+    <p:tnLst>
+      <p:par>
+        <p:cTn id="1" dur="indefinite" restart="never" nodeType="tmRoot">
+          <p:childTnLst>
+            <p:seq concurrent="1" nextAc="seek">
+              <p:cTn id="2" dur="indefinite" nodeType="mainSeq">
+                <p:childTnLst>
+                  <p:par>
+                    <p:cTn id="3" fill="hold">
+                      <p:stCondLst>
+                        <p:cond delay="indefinite"/>
+                      </p:stCondLst>
+                      <p:childTnLst>
+                        <p:par>
+                          <p:cTn id="4" fill="hold">
+                            <p:stCondLst>
+                              <p:cond delay="0"/>
+                            </p:stCondLst>
+                            <p:childTnLst>
+                              <p:par>
+                                <p:cTn id="5" presetID="1" presetClass="entr" presetSubtype="0" fill="hold" nodeType="clickEffect">
+                                  <p:stCondLst>
+                                    <p:cond delay="0"/>
+                                  </p:stCondLst>
+                                  <p:childTnLst>
+                                    <p:set>
+                                      <p:cBhvr>
+                                        <p:cTn id="6" dur="1" fill="hold">
+                                          <p:stCondLst>
+                                            <p:cond delay="0"/>
+                                          </p:stCondLst>
+                                        </p:cTn>
+                                        <p:tgtEl>
+                                          <p:spTgt spid="3">
+                                            <p:txEl>
+                                              <p:pRg st="1" end="1"/>
+                                            </p:txEl>
+                                          </p:spTgt>
+                                        </p:tgtEl>
+                                        <p:attrNameLst>
+                                          <p:attrName>style.visibility</p:attrName>
+                                        </p:attrNameLst>
+                                      </p:cBhvr>
+                                      <p:to>
+                                        <p:strVal val="visible"/>
+                                      </p:to>
+                                    </p:set>
+                                  </p:childTnLst>
+                                </p:cTn>
+                              </p:par>
+                            </p:childTnLst>
+                          </p:cTn>
+                        </p:par>
+                      </p:childTnLst>
+                    </p:cTn>
+                  </p:par>
+                  <p:par>
+                    <p:cTn id="7" fill="hold">
+                      <p:stCondLst>
+                        <p:cond delay="indefinite"/>
+                      </p:stCondLst>
+                      <p:childTnLst>
+                        <p:par>
+                          <p:cTn id="8" fill="hold">
+                            <p:stCondLst>
+                              <p:cond delay="0"/>
+                            </p:stCondLst>
+                            <p:childTnLst>
+                              <p:par>
+                                <p:cTn id="9" presetID="1" presetClass="entr" presetSubtype="0" fill="hold" nodeType="clickEffect">
+                                  <p:stCondLst>
+                                    <p:cond delay="0"/>
+                                  </p:stCondLst>
+                                  <p:childTnLst>
+                                    <p:set>
+                                      <p:cBhvr>
+                                        <p:cTn id="10" dur="1" fill="hold">
+                                          <p:stCondLst>
+                                            <p:cond delay="0"/>
+                                          </p:stCondLst>
+                                        </p:cTn>
+                                        <p:tgtEl>
+                                          <p:spTgt spid="3">
+                                            <p:txEl>
+                                              <p:pRg st="3" end="3"/>
+                                            </p:txEl>
+                                          </p:spTgt>
+                                        </p:tgtEl>
+                                        <p:attrNameLst>
+                                          <p:attrName>style.visibility</p:attrName>
+                                        </p:attrNameLst>
+                                      </p:cBhvr>
+                                      <p:to>
+                                        <p:strVal val="visible"/>
+                                      </p:to>
+                                    </p:set>
+                                  </p:childTnLst>
+                                </p:cTn>
+                              </p:par>
+                              <p:par>
+                                <p:cTn id="11" presetID="1" presetClass="entr" presetSubtype="0" fill="hold" nodeType="withEffect">
+                                  <p:stCondLst>
+                                    <p:cond delay="0"/>
+                                  </p:stCondLst>
+                                  <p:childTnLst>
+                                    <p:set>
+                                      <p:cBhvr>
+                                        <p:cTn id="12" dur="1" fill="hold">
+                                          <p:stCondLst>
+                                            <p:cond delay="0"/>
+                                          </p:stCondLst>
+                                        </p:cTn>
+                                        <p:tgtEl>
+                                          <p:spTgt spid="3">
+                                            <p:txEl>
+                                              <p:pRg st="4" end="4"/>
+                                            </p:txEl>
+                                          </p:spTgt>
+                                        </p:tgtEl>
+                                        <p:attrNameLst>
+                                          <p:attrName>style.visibility</p:attrName>
+                                        </p:attrNameLst>
+                                      </p:cBhvr>
+                                      <p:to>
+                                        <p:strVal val="visible"/>
+                                      </p:to>
+                                    </p:set>
+                                  </p:childTnLst>
+                                </p:cTn>
+                              </p:par>
+                            </p:childTnLst>
+                          </p:cTn>
+                        </p:par>
+                      </p:childTnLst>
+                    </p:cTn>
+                  </p:par>
+                  <p:par>
+                    <p:cTn id="13" fill="hold">
+                      <p:stCondLst>
+                        <p:cond delay="indefinite"/>
+                      </p:stCondLst>
+                      <p:childTnLst>
+                        <p:par>
+                          <p:cTn id="14" fill="hold">
+                            <p:stCondLst>
+                              <p:cond delay="0"/>
+                            </p:stCondLst>
+                            <p:childTnLst>
+                              <p:par>
+                                <p:cTn id="15" presetID="1" presetClass="entr" presetSubtype="0" fill="hold" nodeType="clickEffect">
+                                  <p:stCondLst>
+                                    <p:cond delay="0"/>
+                                  </p:stCondLst>
+                                  <p:childTnLst>
+                                    <p:set>
+                                      <p:cBhvr>
+                                        <p:cTn id="16" dur="1" fill="hold">
+                                          <p:stCondLst>
+                                            <p:cond delay="0"/>
+                                          </p:stCondLst>
+                                        </p:cTn>
+                                        <p:tgtEl>
+                                          <p:spTgt spid="3">
+                                            <p:txEl>
+                                              <p:pRg st="5" end="5"/>
+                                            </p:txEl>
+                                          </p:spTgt>
+                                        </p:tgtEl>
+                                        <p:attrNameLst>
+                                          <p:attrName>style.visibility</p:attrName>
+                                        </p:attrNameLst>
+                                      </p:cBhvr>
+                                      <p:to>
+                                        <p:strVal val="visible"/>
+                                      </p:to>
+                                    </p:set>
+                                  </p:childTnLst>
+                                </p:cTn>
+                              </p:par>
+                              <p:par>
+                                <p:cTn id="17" presetID="1" presetClass="entr" presetSubtype="0" fill="hold" nodeType="withEffect">
+                                  <p:stCondLst>
+                                    <p:cond delay="0"/>
+                                  </p:stCondLst>
+                                  <p:childTnLst>
+                                    <p:set>
+                                      <p:cBhvr>
+                                        <p:cTn id="18" dur="1" fill="hold">
+                                          <p:stCondLst>
+                                            <p:cond delay="0"/>
+                                          </p:stCondLst>
+                                        </p:cTn>
+                                        <p:tgtEl>
+                                          <p:spTgt spid="3">
+                                            <p:txEl>
+                                              <p:pRg st="6" end="6"/>
+                                            </p:txEl>
+                                          </p:spTgt>
+                                        </p:tgtEl>
+                                        <p:attrNameLst>
+                                          <p:attrName>style.visibility</p:attrName>
+                                        </p:attrNameLst>
+                                      </p:cBhvr>
+                                      <p:to>
+                                        <p:strVal val="visible"/>
+                                      </p:to>
+                                    </p:set>
+                                  </p:childTnLst>
+                                </p:cTn>
+                              </p:par>
+                              <p:par>
+                                <p:cTn id="19" presetID="1" presetClass="entr" presetSubtype="0" fill="hold" nodeType="withEffect">
+                                  <p:stCondLst>
+                                    <p:cond delay="0"/>
+                                  </p:stCondLst>
+                                  <p:childTnLst>
+                                    <p:set>
+                                      <p:cBhvr>
+                                        <p:cTn id="20" dur="1" fill="hold">
+                                          <p:stCondLst>
+                                            <p:cond delay="0"/>
+                                          </p:stCondLst>
+                                        </p:cTn>
+                                        <p:tgtEl>
+                                          <p:spTgt spid="1026"/>
+                                        </p:tgtEl>
+                                        <p:attrNameLst>
+                                          <p:attrName>style.visibility</p:attrName>
+                                        </p:attrNameLst>
+                                      </p:cBhvr>
+                                      <p:to>
+                                        <p:strVal val="visible"/>
+                                      </p:to>
+                                    </p:set>
+                                  </p:childTnLst>
+                                </p:cTn>
+                              </p:par>
+                            </p:childTnLst>
+                          </p:cTn>
+                        </p:par>
+                      </p:childTnLst>
+                    </p:cTn>
+                  </p:par>
+                </p:childTnLst>
+              </p:cTn>
+              <p:prevCondLst>
+                <p:cond evt="onPrev" delay="0">
+                  <p:tgtEl>
+                    <p:sldTgt/>
+                  </p:tgtEl>
+                </p:cond>
+              </p:prevCondLst>
+              <p:nextCondLst>
+                <p:cond evt="onNext" delay="0">
+                  <p:tgtEl>
+                    <p:sldTgt/>
+                  </p:tgtEl>
+                </p:cond>
+              </p:nextCondLst>
+            </p:seq>
+          </p:childTnLst>
+        </p:cTn>
+      </p:par>
+    </p:tnLst>
+  </p:timing>
 </p:sld>
 </file>
 
@@ -5787,7 +5928,7 @@
       </p:grpSpPr>
       <p:sp>
         <p:nvSpPr>
-          <p:cNvPr id="2" name="Título 1"/>
+          <p:cNvPr id="2" name="Title 1"/>
           <p:cNvSpPr>
             <a:spLocks noGrp="1"/>
           </p:cNvSpPr>
@@ -5802,91 +5943,1518 @@
           <a:p>
             <a:r>
               <a:rPr lang="pt-BR" dirty="0" smtClean="0"/>
-              <a:t>Tabela de Registradores</a:t>
-            </a:r>
-            <a:endParaRPr lang="pt-BR" dirty="0"/>
-          </a:p>
-        </p:txBody>
-      </p:sp>
-      <p:sp>
-        <p:nvSpPr>
-          <p:cNvPr id="3" name="Espaço Reservado para Conteúdo 2"/>
-          <p:cNvSpPr>
-            <a:spLocks noGrp="1"/>
-          </p:cNvSpPr>
-          <p:nvPr>
-            <p:ph idx="1"/>
-          </p:nvPr>
-        </p:nvSpPr>
-        <p:spPr/>
-        <p:txBody>
-          <a:bodyPr/>
+              <a:t>Estratégia utilizada</a:t>
+            </a:r>
+            <a:endParaRPr lang="en-US" dirty="0"/>
+          </a:p>
+        </p:txBody>
+      </p:sp>
+      <p:sp>
+        <p:nvSpPr>
+          <p:cNvPr id="4" name="Rounded Rectangle 3"/>
+          <p:cNvSpPr/>
+          <p:nvPr/>
+        </p:nvSpPr>
+        <p:spPr>
+          <a:xfrm>
+            <a:off x="2987824" y="2348880"/>
+            <a:ext cx="4896544" cy="360040"/>
+          </a:xfrm>
+          <a:prstGeom prst="roundRect">
+            <a:avLst/>
+          </a:prstGeom>
+          <a:ln/>
+        </p:spPr>
+        <p:style>
+          <a:lnRef idx="1">
+            <a:schemeClr val="accent1"/>
+          </a:lnRef>
+          <a:fillRef idx="2">
+            <a:schemeClr val="accent1"/>
+          </a:fillRef>
+          <a:effectRef idx="1">
+            <a:schemeClr val="accent1"/>
+          </a:effectRef>
+          <a:fontRef idx="minor">
+            <a:schemeClr val="dk1"/>
+          </a:fontRef>
+        </p:style>
+        <p:txBody>
+          <a:bodyPr rtlCol="0" anchor="ctr"/>
           <a:lstStyle/>
           <a:p>
+            <a:pPr algn="ctr"/>
             <a:r>
               <a:rPr lang="pt-BR" dirty="0" smtClean="0"/>
-              <a:t>E para cada valor, “REG_0, REG_1..., </a:t>
-            </a:r>
-            <a:r>
-              <a:rPr lang="pt-BR" dirty="0" err="1" smtClean="0"/>
-              <a:t>forão</a:t>
-            </a:r>
+              <a:t>Analisador Léxico</a:t>
+            </a:r>
+            <a:endParaRPr lang="en-US" dirty="0"/>
+          </a:p>
+        </p:txBody>
+      </p:sp>
+      <p:sp>
+        <p:nvSpPr>
+          <p:cNvPr id="5" name="Rounded Rectangle 4"/>
+          <p:cNvSpPr/>
+          <p:nvPr/>
+        </p:nvSpPr>
+        <p:spPr>
+          <a:xfrm>
+            <a:off x="2987824" y="3212976"/>
+            <a:ext cx="4896544" cy="360040"/>
+          </a:xfrm>
+          <a:prstGeom prst="roundRect">
+            <a:avLst/>
+          </a:prstGeom>
+        </p:spPr>
+        <p:style>
+          <a:lnRef idx="1">
+            <a:schemeClr val="accent1"/>
+          </a:lnRef>
+          <a:fillRef idx="2">
+            <a:schemeClr val="accent1"/>
+          </a:fillRef>
+          <a:effectRef idx="1">
+            <a:schemeClr val="accent1"/>
+          </a:effectRef>
+          <a:fontRef idx="minor">
+            <a:schemeClr val="dk1"/>
+          </a:fontRef>
+        </p:style>
+        <p:txBody>
+          <a:bodyPr rtlCol="0" anchor="ctr"/>
+          <a:lstStyle/>
+          <a:p>
+            <a:pPr algn="ctr"/>
             <a:r>
               <a:rPr lang="pt-BR" dirty="0" smtClean="0"/>
-              <a:t> pré definidos  como sendo o respectivo registrador:</a:t>
-            </a:r>
-          </a:p>
-          <a:p>
-            <a:pPr lvl="1"/>
+              <a:t>Analisador Sintático</a:t>
+            </a:r>
+            <a:endParaRPr lang="en-US" dirty="0"/>
+          </a:p>
+        </p:txBody>
+      </p:sp>
+      <p:sp>
+        <p:nvSpPr>
+          <p:cNvPr id="6" name="Rounded Rectangle 5"/>
+          <p:cNvSpPr/>
+          <p:nvPr/>
+        </p:nvSpPr>
+        <p:spPr>
+          <a:xfrm>
+            <a:off x="2987824" y="4149080"/>
+            <a:ext cx="4896544" cy="360040"/>
+          </a:xfrm>
+          <a:prstGeom prst="roundRect">
+            <a:avLst/>
+          </a:prstGeom>
+        </p:spPr>
+        <p:style>
+          <a:lnRef idx="1">
+            <a:schemeClr val="accent1"/>
+          </a:lnRef>
+          <a:fillRef idx="2">
+            <a:schemeClr val="accent1"/>
+          </a:fillRef>
+          <a:effectRef idx="1">
+            <a:schemeClr val="accent1"/>
+          </a:effectRef>
+          <a:fontRef idx="minor">
+            <a:schemeClr val="dk1"/>
+          </a:fontRef>
+        </p:style>
+        <p:txBody>
+          <a:bodyPr rtlCol="0" anchor="ctr"/>
+          <a:lstStyle/>
+          <a:p>
+            <a:pPr algn="ctr"/>
             <a:r>
               <a:rPr lang="pt-BR" dirty="0" smtClean="0"/>
-              <a:t>“#DEFINE REG_0		(“$zero”)”;</a:t>
-            </a:r>
-          </a:p>
-          <a:p>
-            <a:pPr lvl="1"/>
+              <a:t>Analisador Semântico</a:t>
+            </a:r>
+            <a:endParaRPr lang="en-US" dirty="0"/>
+          </a:p>
+        </p:txBody>
+      </p:sp>
+      <p:sp>
+        <p:nvSpPr>
+          <p:cNvPr id="7" name="Rounded Rectangle 6"/>
+          <p:cNvSpPr/>
+          <p:nvPr/>
+        </p:nvSpPr>
+        <p:spPr>
+          <a:xfrm>
+            <a:off x="2987824" y="5157192"/>
+            <a:ext cx="4896544" cy="360040"/>
+          </a:xfrm>
+          <a:prstGeom prst="roundRect">
+            <a:avLst/>
+          </a:prstGeom>
+        </p:spPr>
+        <p:style>
+          <a:lnRef idx="1">
+            <a:schemeClr val="accent1"/>
+          </a:lnRef>
+          <a:fillRef idx="2">
+            <a:schemeClr val="accent1"/>
+          </a:fillRef>
+          <a:effectRef idx="1">
+            <a:schemeClr val="accent1"/>
+          </a:effectRef>
+          <a:fontRef idx="minor">
+            <a:schemeClr val="dk1"/>
+          </a:fontRef>
+        </p:style>
+        <p:txBody>
+          <a:bodyPr rtlCol="0" anchor="ctr"/>
+          <a:lstStyle/>
+          <a:p>
+            <a:pPr algn="ctr"/>
             <a:r>
               <a:rPr lang="pt-BR" dirty="0" smtClean="0"/>
-              <a:t>“#DEFINE REG_1		(“$</a:t>
-            </a:r>
-            <a:r>
-              <a:rPr lang="pt-BR" dirty="0" err="1" smtClean="0"/>
-              <a:t>at</a:t>
-            </a:r>
-            <a:r>
-              <a:rPr lang="pt-BR" dirty="0" smtClean="0"/>
-              <a:t>”)”;</a:t>
-            </a:r>
-          </a:p>
-          <a:p>
-            <a:pPr lvl="1"/>
-            <a:r>
-              <a:rPr lang="pt-BR" dirty="0" smtClean="0"/>
-              <a:t>.</a:t>
-            </a:r>
-          </a:p>
-          <a:p>
-            <a:pPr lvl="1"/>
-            <a:r>
-              <a:rPr lang="pt-BR" dirty="0" smtClean="0"/>
-              <a:t>.</a:t>
-            </a:r>
-          </a:p>
-          <a:p>
-            <a:pPr lvl="1"/>
-            <a:r>
-              <a:rPr lang="pt-BR" dirty="0" smtClean="0"/>
-              <a:t>.</a:t>
-            </a:r>
-            <a:endParaRPr lang="pt-BR" dirty="0"/>
+              <a:t>Gerador de código-objeto</a:t>
+            </a:r>
+            <a:endParaRPr lang="en-US" dirty="0"/>
+          </a:p>
+        </p:txBody>
+      </p:sp>
+      <p:sp>
+        <p:nvSpPr>
+          <p:cNvPr id="9" name="TextBox 8"/>
+          <p:cNvSpPr txBox="1"/>
+          <p:nvPr/>
+        </p:nvSpPr>
+        <p:spPr>
+          <a:xfrm>
+            <a:off x="5004047" y="1474881"/>
+            <a:ext cx="864096" cy="369332"/>
+          </a:xfrm>
+          <a:prstGeom prst="rect">
+            <a:avLst/>
+          </a:prstGeom>
+          <a:noFill/>
+        </p:spPr>
+        <p:txBody>
+          <a:bodyPr wrap="square" rtlCol="0">
+            <a:spAutoFit/>
+          </a:bodyPr>
+          <a:lstStyle/>
+          <a:p>
+            <a:r>
+              <a:rPr lang="pt-BR" b="1" dirty="0" err="1" smtClean="0"/>
+              <a:t>Hello.s</a:t>
+            </a:r>
+            <a:endParaRPr lang="en-US" b="1" dirty="0"/>
+          </a:p>
+        </p:txBody>
+      </p:sp>
+      <p:sp>
+        <p:nvSpPr>
+          <p:cNvPr id="10" name="TextBox 9"/>
+          <p:cNvSpPr txBox="1"/>
+          <p:nvPr/>
+        </p:nvSpPr>
+        <p:spPr>
+          <a:xfrm>
+            <a:off x="2987824" y="2726891"/>
+            <a:ext cx="1800200" cy="369332"/>
+          </a:xfrm>
+          <a:prstGeom prst="rect">
+            <a:avLst/>
+          </a:prstGeom>
+          <a:noFill/>
+        </p:spPr>
+        <p:txBody>
+          <a:bodyPr wrap="square" rtlCol="0">
+            <a:spAutoFit/>
+          </a:bodyPr>
+          <a:lstStyle/>
+          <a:p>
+            <a:r>
+              <a:rPr lang="pt-BR" dirty="0" smtClean="0">
+                <a:solidFill>
+                  <a:srgbClr val="C00000"/>
+                </a:solidFill>
+              </a:rPr>
+              <a:t>Lista de </a:t>
+            </a:r>
+            <a:r>
+              <a:rPr lang="pt-BR" dirty="0" err="1" smtClean="0">
+                <a:solidFill>
+                  <a:srgbClr val="C00000"/>
+                </a:solidFill>
+              </a:rPr>
+              <a:t>tokens</a:t>
+            </a:r>
+            <a:endParaRPr lang="en-US" dirty="0">
+              <a:solidFill>
+                <a:srgbClr val="C00000"/>
+              </a:solidFill>
+            </a:endParaRPr>
+          </a:p>
+        </p:txBody>
+      </p:sp>
+      <p:sp>
+        <p:nvSpPr>
+          <p:cNvPr id="11" name="TextBox 10"/>
+          <p:cNvSpPr txBox="1"/>
+          <p:nvPr/>
+        </p:nvSpPr>
+        <p:spPr>
+          <a:xfrm>
+            <a:off x="5758368" y="2708920"/>
+            <a:ext cx="2126000" cy="369332"/>
+          </a:xfrm>
+          <a:prstGeom prst="rect">
+            <a:avLst/>
+          </a:prstGeom>
+          <a:noFill/>
+        </p:spPr>
+        <p:txBody>
+          <a:bodyPr wrap="square" rtlCol="0">
+            <a:spAutoFit/>
+          </a:bodyPr>
+          <a:lstStyle/>
+          <a:p>
+            <a:r>
+              <a:rPr lang="pt-BR" dirty="0" smtClean="0">
+                <a:solidFill>
+                  <a:srgbClr val="C00000"/>
+                </a:solidFill>
+              </a:rPr>
+              <a:t>Tabela de símbolos</a:t>
+            </a:r>
+            <a:endParaRPr lang="en-US" dirty="0">
+              <a:solidFill>
+                <a:srgbClr val="C00000"/>
+              </a:solidFill>
+            </a:endParaRPr>
+          </a:p>
+        </p:txBody>
+      </p:sp>
+      <p:sp>
+        <p:nvSpPr>
+          <p:cNvPr id="12" name="TextBox 11"/>
+          <p:cNvSpPr txBox="1"/>
+          <p:nvPr/>
+        </p:nvSpPr>
+        <p:spPr>
+          <a:xfrm>
+            <a:off x="3006931" y="3573016"/>
+            <a:ext cx="2088232" cy="369332"/>
+          </a:xfrm>
+          <a:prstGeom prst="rect">
+            <a:avLst/>
+          </a:prstGeom>
+          <a:noFill/>
+        </p:spPr>
+        <p:txBody>
+          <a:bodyPr wrap="square" rtlCol="0">
+            <a:spAutoFit/>
+          </a:bodyPr>
+          <a:lstStyle/>
+          <a:p>
+            <a:r>
+              <a:rPr lang="pt-BR" dirty="0" smtClean="0">
+                <a:solidFill>
+                  <a:srgbClr val="C00000"/>
+                </a:solidFill>
+              </a:rPr>
+              <a:t>Lista de instruções</a:t>
+            </a:r>
+            <a:endParaRPr lang="en-US" dirty="0">
+              <a:solidFill>
+                <a:srgbClr val="C00000"/>
+              </a:solidFill>
+            </a:endParaRPr>
+          </a:p>
+        </p:txBody>
+      </p:sp>
+      <p:sp>
+        <p:nvSpPr>
+          <p:cNvPr id="13" name="TextBox 12"/>
+          <p:cNvSpPr txBox="1"/>
+          <p:nvPr/>
+        </p:nvSpPr>
+        <p:spPr>
+          <a:xfrm>
+            <a:off x="2987823" y="4510861"/>
+            <a:ext cx="2016224" cy="646331"/>
+          </a:xfrm>
+          <a:prstGeom prst="rect">
+            <a:avLst/>
+          </a:prstGeom>
+          <a:noFill/>
+        </p:spPr>
+        <p:txBody>
+          <a:bodyPr wrap="square" rtlCol="0">
+            <a:spAutoFit/>
+          </a:bodyPr>
+          <a:lstStyle/>
+          <a:p>
+            <a:r>
+              <a:rPr lang="pt-BR" dirty="0" smtClean="0">
+                <a:solidFill>
+                  <a:srgbClr val="C00000"/>
+                </a:solidFill>
+              </a:rPr>
+              <a:t>Lista de instruções </a:t>
+            </a:r>
+          </a:p>
+          <a:p>
+            <a:pPr algn="ctr"/>
+            <a:r>
+              <a:rPr lang="pt-BR" dirty="0" smtClean="0">
+                <a:solidFill>
+                  <a:srgbClr val="C00000"/>
+                </a:solidFill>
+              </a:rPr>
+              <a:t>validada</a:t>
+            </a:r>
+            <a:endParaRPr lang="en-US" dirty="0">
+              <a:solidFill>
+                <a:srgbClr val="C00000"/>
+              </a:solidFill>
+            </a:endParaRPr>
+          </a:p>
+        </p:txBody>
+      </p:sp>
+      <p:sp>
+        <p:nvSpPr>
+          <p:cNvPr id="14" name="TextBox 13"/>
+          <p:cNvSpPr txBox="1"/>
+          <p:nvPr/>
+        </p:nvSpPr>
+        <p:spPr>
+          <a:xfrm>
+            <a:off x="4747953" y="5997953"/>
+            <a:ext cx="1376285" cy="369332"/>
+          </a:xfrm>
+          <a:prstGeom prst="rect">
+            <a:avLst/>
+          </a:prstGeom>
+          <a:noFill/>
+        </p:spPr>
+        <p:txBody>
+          <a:bodyPr wrap="square" rtlCol="0">
+            <a:spAutoFit/>
+          </a:bodyPr>
+          <a:lstStyle/>
+          <a:p>
+            <a:r>
+              <a:rPr lang="pt-BR" b="1" dirty="0" smtClean="0"/>
+              <a:t>Hello.bin.txt</a:t>
+            </a:r>
+            <a:endParaRPr lang="en-US" b="1" dirty="0"/>
+          </a:p>
+        </p:txBody>
+      </p:sp>
+      <p:cxnSp>
+        <p:nvCxnSpPr>
+          <p:cNvPr id="16" name="Straight Arrow Connector 15"/>
+          <p:cNvCxnSpPr>
+            <a:stCxn id="9" idx="2"/>
+            <a:endCxn id="4" idx="0"/>
+          </p:cNvCxnSpPr>
+          <p:nvPr/>
+        </p:nvCxnSpPr>
+        <p:spPr>
+          <a:xfrm>
+            <a:off x="5436095" y="1844213"/>
+            <a:ext cx="1" cy="504667"/>
+          </a:xfrm>
+          <a:prstGeom prst="straightConnector1">
+            <a:avLst/>
+          </a:prstGeom>
+          <a:ln w="38100">
+            <a:tailEnd type="arrow"/>
+          </a:ln>
+        </p:spPr>
+        <p:style>
+          <a:lnRef idx="1">
+            <a:schemeClr val="dk1"/>
+          </a:lnRef>
+          <a:fillRef idx="0">
+            <a:schemeClr val="dk1"/>
+          </a:fillRef>
+          <a:effectRef idx="0">
+            <a:schemeClr val="dk1"/>
+          </a:effectRef>
+          <a:fontRef idx="minor">
+            <a:schemeClr val="tx1"/>
+          </a:fontRef>
+        </p:style>
+      </p:cxnSp>
+      <p:cxnSp>
+        <p:nvCxnSpPr>
+          <p:cNvPr id="20" name="Straight Arrow Connector 19"/>
+          <p:cNvCxnSpPr>
+            <a:stCxn id="4" idx="2"/>
+            <a:endCxn id="5" idx="0"/>
+          </p:cNvCxnSpPr>
+          <p:nvPr/>
+        </p:nvCxnSpPr>
+        <p:spPr>
+          <a:xfrm>
+            <a:off x="5436096" y="2708920"/>
+            <a:ext cx="0" cy="504056"/>
+          </a:xfrm>
+          <a:prstGeom prst="straightConnector1">
+            <a:avLst/>
+          </a:prstGeom>
+          <a:ln w="38100">
+            <a:tailEnd type="arrow"/>
+          </a:ln>
+        </p:spPr>
+        <p:style>
+          <a:lnRef idx="1">
+            <a:schemeClr val="dk1"/>
+          </a:lnRef>
+          <a:fillRef idx="0">
+            <a:schemeClr val="dk1"/>
+          </a:fillRef>
+          <a:effectRef idx="0">
+            <a:schemeClr val="dk1"/>
+          </a:effectRef>
+          <a:fontRef idx="minor">
+            <a:schemeClr val="tx1"/>
+          </a:fontRef>
+        </p:style>
+      </p:cxnSp>
+      <p:cxnSp>
+        <p:nvCxnSpPr>
+          <p:cNvPr id="23" name="Straight Arrow Connector 22"/>
+          <p:cNvCxnSpPr>
+            <a:endCxn id="6" idx="0"/>
+          </p:cNvCxnSpPr>
+          <p:nvPr/>
+        </p:nvCxnSpPr>
+        <p:spPr>
+          <a:xfrm>
+            <a:off x="5436096" y="3573016"/>
+            <a:ext cx="0" cy="576064"/>
+          </a:xfrm>
+          <a:prstGeom prst="straightConnector1">
+            <a:avLst/>
+          </a:prstGeom>
+          <a:ln w="38100">
+            <a:tailEnd type="arrow"/>
+          </a:ln>
+        </p:spPr>
+        <p:style>
+          <a:lnRef idx="1">
+            <a:schemeClr val="dk1"/>
+          </a:lnRef>
+          <a:fillRef idx="0">
+            <a:schemeClr val="dk1"/>
+          </a:fillRef>
+          <a:effectRef idx="0">
+            <a:schemeClr val="dk1"/>
+          </a:effectRef>
+          <a:fontRef idx="minor">
+            <a:schemeClr val="tx1"/>
+          </a:fontRef>
+        </p:style>
+      </p:cxnSp>
+      <p:cxnSp>
+        <p:nvCxnSpPr>
+          <p:cNvPr id="24" name="Straight Arrow Connector 23"/>
+          <p:cNvCxnSpPr>
+            <a:stCxn id="6" idx="2"/>
+            <a:endCxn id="7" idx="0"/>
+          </p:cNvCxnSpPr>
+          <p:nvPr/>
+        </p:nvCxnSpPr>
+        <p:spPr>
+          <a:xfrm>
+            <a:off x="5436096" y="4509120"/>
+            <a:ext cx="0" cy="648072"/>
+          </a:xfrm>
+          <a:prstGeom prst="straightConnector1">
+            <a:avLst/>
+          </a:prstGeom>
+          <a:ln w="38100">
+            <a:tailEnd type="arrow"/>
+          </a:ln>
+        </p:spPr>
+        <p:style>
+          <a:lnRef idx="1">
+            <a:schemeClr val="dk1"/>
+          </a:lnRef>
+          <a:fillRef idx="0">
+            <a:schemeClr val="dk1"/>
+          </a:fillRef>
+          <a:effectRef idx="0">
+            <a:schemeClr val="dk1"/>
+          </a:effectRef>
+          <a:fontRef idx="minor">
+            <a:schemeClr val="tx1"/>
+          </a:fontRef>
+        </p:style>
+      </p:cxnSp>
+      <p:cxnSp>
+        <p:nvCxnSpPr>
+          <p:cNvPr id="28" name="Straight Arrow Connector 27"/>
+          <p:cNvCxnSpPr>
+            <a:stCxn id="7" idx="2"/>
+            <a:endCxn id="14" idx="0"/>
+          </p:cNvCxnSpPr>
+          <p:nvPr/>
+        </p:nvCxnSpPr>
+        <p:spPr>
+          <a:xfrm>
+            <a:off x="5436096" y="5517232"/>
+            <a:ext cx="0" cy="480721"/>
+          </a:xfrm>
+          <a:prstGeom prst="straightConnector1">
+            <a:avLst/>
+          </a:prstGeom>
+          <a:ln w="38100">
+            <a:tailEnd type="arrow"/>
+          </a:ln>
+        </p:spPr>
+        <p:style>
+          <a:lnRef idx="1">
+            <a:schemeClr val="dk1"/>
+          </a:lnRef>
+          <a:fillRef idx="0">
+            <a:schemeClr val="dk1"/>
+          </a:fillRef>
+          <a:effectRef idx="0">
+            <a:schemeClr val="dk1"/>
+          </a:effectRef>
+          <a:fontRef idx="minor">
+            <a:schemeClr val="tx1"/>
+          </a:fontRef>
+        </p:style>
+      </p:cxnSp>
+      <p:grpSp>
+        <p:nvGrpSpPr>
+          <p:cNvPr id="40" name="Group 39"/>
+          <p:cNvGrpSpPr/>
+          <p:nvPr/>
+        </p:nvGrpSpPr>
+        <p:grpSpPr>
+          <a:xfrm>
+            <a:off x="323528" y="2492896"/>
+            <a:ext cx="1666852" cy="2808312"/>
+            <a:chOff x="251520" y="2528900"/>
+            <a:chExt cx="1944216" cy="3228692"/>
+          </a:xfrm>
+        </p:grpSpPr>
+        <p:sp>
+          <p:nvSpPr>
+            <p:cNvPr id="36" name="Rounded Rectangle 35"/>
+            <p:cNvSpPr/>
+            <p:nvPr/>
+          </p:nvSpPr>
+          <p:spPr>
+            <a:xfrm>
+              <a:off x="395536" y="2738537"/>
+              <a:ext cx="1656184" cy="679430"/>
+            </a:xfrm>
+            <a:prstGeom prst="roundRect">
+              <a:avLst/>
+            </a:prstGeom>
+          </p:spPr>
+          <p:style>
+            <a:lnRef idx="1">
+              <a:schemeClr val="accent5"/>
+            </a:lnRef>
+            <a:fillRef idx="2">
+              <a:schemeClr val="accent5"/>
+            </a:fillRef>
+            <a:effectRef idx="1">
+              <a:schemeClr val="accent5"/>
+            </a:effectRef>
+            <a:fontRef idx="minor">
+              <a:schemeClr val="dk1"/>
+            </a:fontRef>
+          </p:style>
+          <p:txBody>
+            <a:bodyPr rtlCol="0" anchor="ctr"/>
+            <a:lstStyle/>
+            <a:p>
+              <a:pPr algn="ctr"/>
+              <a:r>
+                <a:rPr lang="pt-BR" sz="1400" b="1" dirty="0" smtClean="0"/>
+                <a:t>Tabela de Instruções</a:t>
+              </a:r>
+              <a:endParaRPr lang="en-US" sz="1400" b="1" dirty="0"/>
+            </a:p>
+          </p:txBody>
+        </p:sp>
+        <p:sp>
+          <p:nvSpPr>
+            <p:cNvPr id="37" name="Rounded Rectangle 36"/>
+            <p:cNvSpPr/>
+            <p:nvPr/>
+          </p:nvSpPr>
+          <p:spPr>
+            <a:xfrm>
+              <a:off x="395536" y="3809365"/>
+              <a:ext cx="1656184" cy="679430"/>
+            </a:xfrm>
+            <a:prstGeom prst="roundRect">
+              <a:avLst/>
+            </a:prstGeom>
+          </p:spPr>
+          <p:style>
+            <a:lnRef idx="1">
+              <a:schemeClr val="accent5"/>
+            </a:lnRef>
+            <a:fillRef idx="2">
+              <a:schemeClr val="accent5"/>
+            </a:fillRef>
+            <a:effectRef idx="1">
+              <a:schemeClr val="accent5"/>
+            </a:effectRef>
+            <a:fontRef idx="minor">
+              <a:schemeClr val="dk1"/>
+            </a:fontRef>
+          </p:style>
+          <p:txBody>
+            <a:bodyPr rtlCol="0" anchor="ctr"/>
+            <a:lstStyle/>
+            <a:p>
+              <a:pPr algn="ctr"/>
+              <a:r>
+                <a:rPr lang="pt-BR" sz="1400" b="1" dirty="0" smtClean="0"/>
+                <a:t>Tabela de Registradores</a:t>
+              </a:r>
+              <a:endParaRPr lang="en-US" sz="1400" b="1" dirty="0"/>
+            </a:p>
+          </p:txBody>
+        </p:sp>
+        <p:sp>
+          <p:nvSpPr>
+            <p:cNvPr id="38" name="Rounded Rectangle 37"/>
+            <p:cNvSpPr/>
+            <p:nvPr/>
+          </p:nvSpPr>
+          <p:spPr>
+            <a:xfrm>
+              <a:off x="395536" y="4841521"/>
+              <a:ext cx="1656184" cy="679430"/>
+            </a:xfrm>
+            <a:prstGeom prst="roundRect">
+              <a:avLst/>
+            </a:prstGeom>
+          </p:spPr>
+          <p:style>
+            <a:lnRef idx="1">
+              <a:schemeClr val="accent5"/>
+            </a:lnRef>
+            <a:fillRef idx="2">
+              <a:schemeClr val="accent5"/>
+            </a:fillRef>
+            <a:effectRef idx="1">
+              <a:schemeClr val="accent5"/>
+            </a:effectRef>
+            <a:fontRef idx="minor">
+              <a:schemeClr val="dk1"/>
+            </a:fontRef>
+          </p:style>
+          <p:txBody>
+            <a:bodyPr rtlCol="0" anchor="ctr"/>
+            <a:lstStyle/>
+            <a:p>
+              <a:pPr algn="ctr"/>
+              <a:r>
+                <a:rPr lang="pt-BR" sz="1400" b="1" dirty="0" smtClean="0"/>
+                <a:t>Gramática</a:t>
+              </a:r>
+              <a:endParaRPr lang="en-US" b="1" dirty="0"/>
+            </a:p>
+          </p:txBody>
+        </p:sp>
+        <p:sp>
+          <p:nvSpPr>
+            <p:cNvPr id="39" name="Rounded Rectangle 38"/>
+            <p:cNvSpPr/>
+            <p:nvPr/>
+          </p:nvSpPr>
+          <p:spPr>
+            <a:xfrm>
+              <a:off x="251520" y="2528900"/>
+              <a:ext cx="1944216" cy="3228692"/>
+            </a:xfrm>
+            <a:prstGeom prst="roundRect">
+              <a:avLst/>
+            </a:prstGeom>
+            <a:noFill/>
+            <a:ln w="57150">
+              <a:solidFill>
+                <a:schemeClr val="bg1">
+                  <a:lumMod val="50000"/>
+                </a:schemeClr>
+              </a:solidFill>
+            </a:ln>
+          </p:spPr>
+          <p:style>
+            <a:lnRef idx="2">
+              <a:schemeClr val="accent1">
+                <a:shade val="50000"/>
+              </a:schemeClr>
+            </a:lnRef>
+            <a:fillRef idx="1">
+              <a:schemeClr val="accent1"/>
+            </a:fillRef>
+            <a:effectRef idx="0">
+              <a:schemeClr val="accent1"/>
+            </a:effectRef>
+            <a:fontRef idx="minor">
+              <a:schemeClr val="lt1"/>
+            </a:fontRef>
+          </p:style>
+          <p:txBody>
+            <a:bodyPr rtlCol="0" anchor="ctr"/>
+            <a:lstStyle/>
+            <a:p>
+              <a:pPr algn="ctr"/>
+              <a:endParaRPr lang="en-US"/>
+            </a:p>
+          </p:txBody>
+        </p:sp>
+      </p:grpSp>
+      <p:sp>
+        <p:nvSpPr>
+          <p:cNvPr id="41" name="Right Arrow 40"/>
+          <p:cNvSpPr/>
+          <p:nvPr/>
+        </p:nvSpPr>
+        <p:spPr>
+          <a:xfrm>
+            <a:off x="2195736" y="3691174"/>
+            <a:ext cx="504056" cy="339747"/>
+          </a:xfrm>
+          <a:prstGeom prst="rightArrow">
+            <a:avLst/>
+          </a:prstGeom>
+          <a:solidFill>
+            <a:schemeClr val="bg1"/>
+          </a:solidFill>
+          <a:ln>
+            <a:solidFill>
+              <a:schemeClr val="tx1"/>
+            </a:solidFill>
+          </a:ln>
+        </p:spPr>
+        <p:style>
+          <a:lnRef idx="3">
+            <a:schemeClr val="lt1"/>
+          </a:lnRef>
+          <a:fillRef idx="1">
+            <a:schemeClr val="dk1"/>
+          </a:fillRef>
+          <a:effectRef idx="1">
+            <a:schemeClr val="dk1"/>
+          </a:effectRef>
+          <a:fontRef idx="minor">
+            <a:schemeClr val="lt1"/>
+          </a:fontRef>
+        </p:style>
+        <p:txBody>
+          <a:bodyPr rtlCol="0" anchor="ctr"/>
+          <a:lstStyle/>
+          <a:p>
+            <a:pPr algn="ctr"/>
+            <a:endParaRPr lang="en-US"/>
           </a:p>
         </p:txBody>
       </p:sp>
     </p:spTree>
+    <p:extLst>
+      <p:ext uri="{BB962C8B-B14F-4D97-AF65-F5344CB8AC3E}">
+        <p14:creationId xmlns:p14="http://schemas.microsoft.com/office/powerpoint/2010/main" val="1581472481"/>
+      </p:ext>
+    </p:extLst>
   </p:cSld>
   <p:clrMapOvr>
     <a:masterClrMapping/>
   </p:clrMapOvr>
+  <p:timing>
+    <p:tnLst>
+      <p:par>
+        <p:cTn id="1" dur="indefinite" restart="never" nodeType="tmRoot">
+          <p:childTnLst>
+            <p:seq concurrent="1" nextAc="seek">
+              <p:cTn id="2" dur="indefinite" nodeType="mainSeq">
+                <p:childTnLst>
+                  <p:par>
+                    <p:cTn id="3" fill="hold">
+                      <p:stCondLst>
+                        <p:cond delay="indefinite"/>
+                      </p:stCondLst>
+                      <p:childTnLst>
+                        <p:par>
+                          <p:cTn id="4" fill="hold">
+                            <p:stCondLst>
+                              <p:cond delay="0"/>
+                            </p:stCondLst>
+                            <p:childTnLst>
+                              <p:par>
+                                <p:cTn id="5" presetID="1" presetClass="entr" presetSubtype="0" fill="hold" grpId="0" nodeType="clickEffect">
+                                  <p:stCondLst>
+                                    <p:cond delay="0"/>
+                                  </p:stCondLst>
+                                  <p:childTnLst>
+                                    <p:set>
+                                      <p:cBhvr>
+                                        <p:cTn id="6" dur="1" fill="hold">
+                                          <p:stCondLst>
+                                            <p:cond delay="0"/>
+                                          </p:stCondLst>
+                                        </p:cTn>
+                                        <p:tgtEl>
+                                          <p:spTgt spid="9"/>
+                                        </p:tgtEl>
+                                        <p:attrNameLst>
+                                          <p:attrName>style.visibility</p:attrName>
+                                        </p:attrNameLst>
+                                      </p:cBhvr>
+                                      <p:to>
+                                        <p:strVal val="visible"/>
+                                      </p:to>
+                                    </p:set>
+                                  </p:childTnLst>
+                                </p:cTn>
+                              </p:par>
+                            </p:childTnLst>
+                          </p:cTn>
+                        </p:par>
+                      </p:childTnLst>
+                    </p:cTn>
+                  </p:par>
+                  <p:par>
+                    <p:cTn id="7" fill="hold">
+                      <p:stCondLst>
+                        <p:cond delay="indefinite"/>
+                      </p:stCondLst>
+                      <p:childTnLst>
+                        <p:par>
+                          <p:cTn id="8" fill="hold">
+                            <p:stCondLst>
+                              <p:cond delay="0"/>
+                            </p:stCondLst>
+                            <p:childTnLst>
+                              <p:par>
+                                <p:cTn id="9" presetID="1" presetClass="entr" presetSubtype="0" fill="hold" nodeType="clickEffect">
+                                  <p:stCondLst>
+                                    <p:cond delay="0"/>
+                                  </p:stCondLst>
+                                  <p:childTnLst>
+                                    <p:set>
+                                      <p:cBhvr>
+                                        <p:cTn id="10" dur="1" fill="hold">
+                                          <p:stCondLst>
+                                            <p:cond delay="0"/>
+                                          </p:stCondLst>
+                                        </p:cTn>
+                                        <p:tgtEl>
+                                          <p:spTgt spid="16"/>
+                                        </p:tgtEl>
+                                        <p:attrNameLst>
+                                          <p:attrName>style.visibility</p:attrName>
+                                        </p:attrNameLst>
+                                      </p:cBhvr>
+                                      <p:to>
+                                        <p:strVal val="visible"/>
+                                      </p:to>
+                                    </p:set>
+                                  </p:childTnLst>
+                                </p:cTn>
+                              </p:par>
+                              <p:par>
+                                <p:cTn id="11" presetID="1" presetClass="entr" presetSubtype="0" fill="hold" grpId="0" nodeType="withEffect">
+                                  <p:stCondLst>
+                                    <p:cond delay="0"/>
+                                  </p:stCondLst>
+                                  <p:childTnLst>
+                                    <p:set>
+                                      <p:cBhvr>
+                                        <p:cTn id="12" dur="1" fill="hold">
+                                          <p:stCondLst>
+                                            <p:cond delay="0"/>
+                                          </p:stCondLst>
+                                        </p:cTn>
+                                        <p:tgtEl>
+                                          <p:spTgt spid="4"/>
+                                        </p:tgtEl>
+                                        <p:attrNameLst>
+                                          <p:attrName>style.visibility</p:attrName>
+                                        </p:attrNameLst>
+                                      </p:cBhvr>
+                                      <p:to>
+                                        <p:strVal val="visible"/>
+                                      </p:to>
+                                    </p:set>
+                                  </p:childTnLst>
+                                </p:cTn>
+                              </p:par>
+                            </p:childTnLst>
+                          </p:cTn>
+                        </p:par>
+                      </p:childTnLst>
+                    </p:cTn>
+                  </p:par>
+                  <p:par>
+                    <p:cTn id="13" fill="hold">
+                      <p:stCondLst>
+                        <p:cond delay="indefinite"/>
+                      </p:stCondLst>
+                      <p:childTnLst>
+                        <p:par>
+                          <p:cTn id="14" fill="hold">
+                            <p:stCondLst>
+                              <p:cond delay="0"/>
+                            </p:stCondLst>
+                            <p:childTnLst>
+                              <p:par>
+                                <p:cTn id="15" presetID="1" presetClass="entr" presetSubtype="0" fill="hold" grpId="0" nodeType="clickEffect">
+                                  <p:stCondLst>
+                                    <p:cond delay="0"/>
+                                  </p:stCondLst>
+                                  <p:childTnLst>
+                                    <p:set>
+                                      <p:cBhvr>
+                                        <p:cTn id="16" dur="1" fill="hold">
+                                          <p:stCondLst>
+                                            <p:cond delay="0"/>
+                                          </p:stCondLst>
+                                        </p:cTn>
+                                        <p:tgtEl>
+                                          <p:spTgt spid="11"/>
+                                        </p:tgtEl>
+                                        <p:attrNameLst>
+                                          <p:attrName>style.visibility</p:attrName>
+                                        </p:attrNameLst>
+                                      </p:cBhvr>
+                                      <p:to>
+                                        <p:strVal val="visible"/>
+                                      </p:to>
+                                    </p:set>
+                                  </p:childTnLst>
+                                </p:cTn>
+                              </p:par>
+                              <p:par>
+                                <p:cTn id="17" presetID="1" presetClass="entr" presetSubtype="0" fill="hold" grpId="0" nodeType="withEffect">
+                                  <p:stCondLst>
+                                    <p:cond delay="0"/>
+                                  </p:stCondLst>
+                                  <p:childTnLst>
+                                    <p:set>
+                                      <p:cBhvr>
+                                        <p:cTn id="18" dur="1" fill="hold">
+                                          <p:stCondLst>
+                                            <p:cond delay="0"/>
+                                          </p:stCondLst>
+                                        </p:cTn>
+                                        <p:tgtEl>
+                                          <p:spTgt spid="10"/>
+                                        </p:tgtEl>
+                                        <p:attrNameLst>
+                                          <p:attrName>style.visibility</p:attrName>
+                                        </p:attrNameLst>
+                                      </p:cBhvr>
+                                      <p:to>
+                                        <p:strVal val="visible"/>
+                                      </p:to>
+                                    </p:set>
+                                  </p:childTnLst>
+                                </p:cTn>
+                              </p:par>
+                            </p:childTnLst>
+                          </p:cTn>
+                        </p:par>
+                      </p:childTnLst>
+                    </p:cTn>
+                  </p:par>
+                  <p:par>
+                    <p:cTn id="19" fill="hold">
+                      <p:stCondLst>
+                        <p:cond delay="indefinite"/>
+                      </p:stCondLst>
+                      <p:childTnLst>
+                        <p:par>
+                          <p:cTn id="20" fill="hold">
+                            <p:stCondLst>
+                              <p:cond delay="0"/>
+                            </p:stCondLst>
+                            <p:childTnLst>
+                              <p:par>
+                                <p:cTn id="21" presetID="1" presetClass="entr" presetSubtype="0" fill="hold" nodeType="clickEffect">
+                                  <p:stCondLst>
+                                    <p:cond delay="0"/>
+                                  </p:stCondLst>
+                                  <p:childTnLst>
+                                    <p:set>
+                                      <p:cBhvr>
+                                        <p:cTn id="22" dur="1" fill="hold">
+                                          <p:stCondLst>
+                                            <p:cond delay="0"/>
+                                          </p:stCondLst>
+                                        </p:cTn>
+                                        <p:tgtEl>
+                                          <p:spTgt spid="20"/>
+                                        </p:tgtEl>
+                                        <p:attrNameLst>
+                                          <p:attrName>style.visibility</p:attrName>
+                                        </p:attrNameLst>
+                                      </p:cBhvr>
+                                      <p:to>
+                                        <p:strVal val="visible"/>
+                                      </p:to>
+                                    </p:set>
+                                  </p:childTnLst>
+                                </p:cTn>
+                              </p:par>
+                              <p:par>
+                                <p:cTn id="23" presetID="1" presetClass="entr" presetSubtype="0" fill="hold" grpId="0" nodeType="withEffect">
+                                  <p:stCondLst>
+                                    <p:cond delay="0"/>
+                                  </p:stCondLst>
+                                  <p:childTnLst>
+                                    <p:set>
+                                      <p:cBhvr>
+                                        <p:cTn id="24" dur="1" fill="hold">
+                                          <p:stCondLst>
+                                            <p:cond delay="0"/>
+                                          </p:stCondLst>
+                                        </p:cTn>
+                                        <p:tgtEl>
+                                          <p:spTgt spid="5"/>
+                                        </p:tgtEl>
+                                        <p:attrNameLst>
+                                          <p:attrName>style.visibility</p:attrName>
+                                        </p:attrNameLst>
+                                      </p:cBhvr>
+                                      <p:to>
+                                        <p:strVal val="visible"/>
+                                      </p:to>
+                                    </p:set>
+                                  </p:childTnLst>
+                                </p:cTn>
+                              </p:par>
+                            </p:childTnLst>
+                          </p:cTn>
+                        </p:par>
+                      </p:childTnLst>
+                    </p:cTn>
+                  </p:par>
+                  <p:par>
+                    <p:cTn id="25" fill="hold">
+                      <p:stCondLst>
+                        <p:cond delay="indefinite"/>
+                      </p:stCondLst>
+                      <p:childTnLst>
+                        <p:par>
+                          <p:cTn id="26" fill="hold">
+                            <p:stCondLst>
+                              <p:cond delay="0"/>
+                            </p:stCondLst>
+                            <p:childTnLst>
+                              <p:par>
+                                <p:cTn id="27" presetID="1" presetClass="entr" presetSubtype="0" fill="hold" grpId="0" nodeType="clickEffect">
+                                  <p:stCondLst>
+                                    <p:cond delay="0"/>
+                                  </p:stCondLst>
+                                  <p:childTnLst>
+                                    <p:set>
+                                      <p:cBhvr>
+                                        <p:cTn id="28" dur="1" fill="hold">
+                                          <p:stCondLst>
+                                            <p:cond delay="0"/>
+                                          </p:stCondLst>
+                                        </p:cTn>
+                                        <p:tgtEl>
+                                          <p:spTgt spid="12"/>
+                                        </p:tgtEl>
+                                        <p:attrNameLst>
+                                          <p:attrName>style.visibility</p:attrName>
+                                        </p:attrNameLst>
+                                      </p:cBhvr>
+                                      <p:to>
+                                        <p:strVal val="visible"/>
+                                      </p:to>
+                                    </p:set>
+                                  </p:childTnLst>
+                                </p:cTn>
+                              </p:par>
+                            </p:childTnLst>
+                          </p:cTn>
+                        </p:par>
+                      </p:childTnLst>
+                    </p:cTn>
+                  </p:par>
+                  <p:par>
+                    <p:cTn id="29" fill="hold">
+                      <p:stCondLst>
+                        <p:cond delay="indefinite"/>
+                      </p:stCondLst>
+                      <p:childTnLst>
+                        <p:par>
+                          <p:cTn id="30" fill="hold">
+                            <p:stCondLst>
+                              <p:cond delay="0"/>
+                            </p:stCondLst>
+                            <p:childTnLst>
+                              <p:par>
+                                <p:cTn id="31" presetID="1" presetClass="entr" presetSubtype="0" fill="hold" nodeType="clickEffect">
+                                  <p:stCondLst>
+                                    <p:cond delay="0"/>
+                                  </p:stCondLst>
+                                  <p:childTnLst>
+                                    <p:set>
+                                      <p:cBhvr>
+                                        <p:cTn id="32" dur="1" fill="hold">
+                                          <p:stCondLst>
+                                            <p:cond delay="0"/>
+                                          </p:stCondLst>
+                                        </p:cTn>
+                                        <p:tgtEl>
+                                          <p:spTgt spid="23"/>
+                                        </p:tgtEl>
+                                        <p:attrNameLst>
+                                          <p:attrName>style.visibility</p:attrName>
+                                        </p:attrNameLst>
+                                      </p:cBhvr>
+                                      <p:to>
+                                        <p:strVal val="visible"/>
+                                      </p:to>
+                                    </p:set>
+                                  </p:childTnLst>
+                                </p:cTn>
+                              </p:par>
+                              <p:par>
+                                <p:cTn id="33" presetID="1" presetClass="entr" presetSubtype="0" fill="hold" grpId="0" nodeType="withEffect">
+                                  <p:stCondLst>
+                                    <p:cond delay="0"/>
+                                  </p:stCondLst>
+                                  <p:childTnLst>
+                                    <p:set>
+                                      <p:cBhvr>
+                                        <p:cTn id="34" dur="1" fill="hold">
+                                          <p:stCondLst>
+                                            <p:cond delay="0"/>
+                                          </p:stCondLst>
+                                        </p:cTn>
+                                        <p:tgtEl>
+                                          <p:spTgt spid="6"/>
+                                        </p:tgtEl>
+                                        <p:attrNameLst>
+                                          <p:attrName>style.visibility</p:attrName>
+                                        </p:attrNameLst>
+                                      </p:cBhvr>
+                                      <p:to>
+                                        <p:strVal val="visible"/>
+                                      </p:to>
+                                    </p:set>
+                                  </p:childTnLst>
+                                </p:cTn>
+                              </p:par>
+                            </p:childTnLst>
+                          </p:cTn>
+                        </p:par>
+                      </p:childTnLst>
+                    </p:cTn>
+                  </p:par>
+                  <p:par>
+                    <p:cTn id="35" fill="hold">
+                      <p:stCondLst>
+                        <p:cond delay="indefinite"/>
+                      </p:stCondLst>
+                      <p:childTnLst>
+                        <p:par>
+                          <p:cTn id="36" fill="hold">
+                            <p:stCondLst>
+                              <p:cond delay="0"/>
+                            </p:stCondLst>
+                            <p:childTnLst>
+                              <p:par>
+                                <p:cTn id="37" presetID="1" presetClass="entr" presetSubtype="0" fill="hold" grpId="0" nodeType="clickEffect">
+                                  <p:stCondLst>
+                                    <p:cond delay="0"/>
+                                  </p:stCondLst>
+                                  <p:childTnLst>
+                                    <p:set>
+                                      <p:cBhvr>
+                                        <p:cTn id="38" dur="1" fill="hold">
+                                          <p:stCondLst>
+                                            <p:cond delay="0"/>
+                                          </p:stCondLst>
+                                        </p:cTn>
+                                        <p:tgtEl>
+                                          <p:spTgt spid="13"/>
+                                        </p:tgtEl>
+                                        <p:attrNameLst>
+                                          <p:attrName>style.visibility</p:attrName>
+                                        </p:attrNameLst>
+                                      </p:cBhvr>
+                                      <p:to>
+                                        <p:strVal val="visible"/>
+                                      </p:to>
+                                    </p:set>
+                                  </p:childTnLst>
+                                </p:cTn>
+                              </p:par>
+                            </p:childTnLst>
+                          </p:cTn>
+                        </p:par>
+                      </p:childTnLst>
+                    </p:cTn>
+                  </p:par>
+                  <p:par>
+                    <p:cTn id="39" fill="hold">
+                      <p:stCondLst>
+                        <p:cond delay="indefinite"/>
+                      </p:stCondLst>
+                      <p:childTnLst>
+                        <p:par>
+                          <p:cTn id="40" fill="hold">
+                            <p:stCondLst>
+                              <p:cond delay="0"/>
+                            </p:stCondLst>
+                            <p:childTnLst>
+                              <p:par>
+                                <p:cTn id="41" presetID="1" presetClass="entr" presetSubtype="0" fill="hold" nodeType="clickEffect">
+                                  <p:stCondLst>
+                                    <p:cond delay="0"/>
+                                  </p:stCondLst>
+                                  <p:childTnLst>
+                                    <p:set>
+                                      <p:cBhvr>
+                                        <p:cTn id="42" dur="1" fill="hold">
+                                          <p:stCondLst>
+                                            <p:cond delay="0"/>
+                                          </p:stCondLst>
+                                        </p:cTn>
+                                        <p:tgtEl>
+                                          <p:spTgt spid="24"/>
+                                        </p:tgtEl>
+                                        <p:attrNameLst>
+                                          <p:attrName>style.visibility</p:attrName>
+                                        </p:attrNameLst>
+                                      </p:cBhvr>
+                                      <p:to>
+                                        <p:strVal val="visible"/>
+                                      </p:to>
+                                    </p:set>
+                                  </p:childTnLst>
+                                </p:cTn>
+                              </p:par>
+                              <p:par>
+                                <p:cTn id="43" presetID="1" presetClass="entr" presetSubtype="0" fill="hold" grpId="0" nodeType="withEffect">
+                                  <p:stCondLst>
+                                    <p:cond delay="0"/>
+                                  </p:stCondLst>
+                                  <p:childTnLst>
+                                    <p:set>
+                                      <p:cBhvr>
+                                        <p:cTn id="44" dur="1" fill="hold">
+                                          <p:stCondLst>
+                                            <p:cond delay="0"/>
+                                          </p:stCondLst>
+                                        </p:cTn>
+                                        <p:tgtEl>
+                                          <p:spTgt spid="7"/>
+                                        </p:tgtEl>
+                                        <p:attrNameLst>
+                                          <p:attrName>style.visibility</p:attrName>
+                                        </p:attrNameLst>
+                                      </p:cBhvr>
+                                      <p:to>
+                                        <p:strVal val="visible"/>
+                                      </p:to>
+                                    </p:set>
+                                  </p:childTnLst>
+                                </p:cTn>
+                              </p:par>
+                            </p:childTnLst>
+                          </p:cTn>
+                        </p:par>
+                      </p:childTnLst>
+                    </p:cTn>
+                  </p:par>
+                  <p:par>
+                    <p:cTn id="45" fill="hold">
+                      <p:stCondLst>
+                        <p:cond delay="indefinite"/>
+                      </p:stCondLst>
+                      <p:childTnLst>
+                        <p:par>
+                          <p:cTn id="46" fill="hold">
+                            <p:stCondLst>
+                              <p:cond delay="0"/>
+                            </p:stCondLst>
+                            <p:childTnLst>
+                              <p:par>
+                                <p:cTn id="47" presetID="1" presetClass="entr" presetSubtype="0" fill="hold" nodeType="clickEffect">
+                                  <p:stCondLst>
+                                    <p:cond delay="0"/>
+                                  </p:stCondLst>
+                                  <p:childTnLst>
+                                    <p:set>
+                                      <p:cBhvr>
+                                        <p:cTn id="48" dur="1" fill="hold">
+                                          <p:stCondLst>
+                                            <p:cond delay="0"/>
+                                          </p:stCondLst>
+                                        </p:cTn>
+                                        <p:tgtEl>
+                                          <p:spTgt spid="28"/>
+                                        </p:tgtEl>
+                                        <p:attrNameLst>
+                                          <p:attrName>style.visibility</p:attrName>
+                                        </p:attrNameLst>
+                                      </p:cBhvr>
+                                      <p:to>
+                                        <p:strVal val="visible"/>
+                                      </p:to>
+                                    </p:set>
+                                  </p:childTnLst>
+                                </p:cTn>
+                              </p:par>
+                              <p:par>
+                                <p:cTn id="49" presetID="1" presetClass="entr" presetSubtype="0" fill="hold" grpId="0" nodeType="withEffect">
+                                  <p:stCondLst>
+                                    <p:cond delay="0"/>
+                                  </p:stCondLst>
+                                  <p:childTnLst>
+                                    <p:set>
+                                      <p:cBhvr>
+                                        <p:cTn id="50" dur="1" fill="hold">
+                                          <p:stCondLst>
+                                            <p:cond delay="0"/>
+                                          </p:stCondLst>
+                                        </p:cTn>
+                                        <p:tgtEl>
+                                          <p:spTgt spid="14"/>
+                                        </p:tgtEl>
+                                        <p:attrNameLst>
+                                          <p:attrName>style.visibility</p:attrName>
+                                        </p:attrNameLst>
+                                      </p:cBhvr>
+                                      <p:to>
+                                        <p:strVal val="visible"/>
+                                      </p:to>
+                                    </p:set>
+                                  </p:childTnLst>
+                                </p:cTn>
+                              </p:par>
+                            </p:childTnLst>
+                          </p:cTn>
+                        </p:par>
+                      </p:childTnLst>
+                    </p:cTn>
+                  </p:par>
+                  <p:par>
+                    <p:cTn id="51" fill="hold">
+                      <p:stCondLst>
+                        <p:cond delay="indefinite"/>
+                      </p:stCondLst>
+                      <p:childTnLst>
+                        <p:par>
+                          <p:cTn id="52" fill="hold">
+                            <p:stCondLst>
+                              <p:cond delay="0"/>
+                            </p:stCondLst>
+                            <p:childTnLst>
+                              <p:par>
+                                <p:cTn id="53" presetID="1" presetClass="entr" presetSubtype="0" fill="hold" grpId="0" nodeType="clickEffect">
+                                  <p:stCondLst>
+                                    <p:cond delay="0"/>
+                                  </p:stCondLst>
+                                  <p:childTnLst>
+                                    <p:set>
+                                      <p:cBhvr>
+                                        <p:cTn id="54" dur="1" fill="hold">
+                                          <p:stCondLst>
+                                            <p:cond delay="0"/>
+                                          </p:stCondLst>
+                                        </p:cTn>
+                                        <p:tgtEl>
+                                          <p:spTgt spid="41"/>
+                                        </p:tgtEl>
+                                        <p:attrNameLst>
+                                          <p:attrName>style.visibility</p:attrName>
+                                        </p:attrNameLst>
+                                      </p:cBhvr>
+                                      <p:to>
+                                        <p:strVal val="visible"/>
+                                      </p:to>
+                                    </p:set>
+                                  </p:childTnLst>
+                                </p:cTn>
+                              </p:par>
+                              <p:par>
+                                <p:cTn id="55" presetID="1" presetClass="entr" presetSubtype="0" fill="hold" nodeType="withEffect">
+                                  <p:stCondLst>
+                                    <p:cond delay="0"/>
+                                  </p:stCondLst>
+                                  <p:childTnLst>
+                                    <p:set>
+                                      <p:cBhvr>
+                                        <p:cTn id="56" dur="1" fill="hold">
+                                          <p:stCondLst>
+                                            <p:cond delay="0"/>
+                                          </p:stCondLst>
+                                        </p:cTn>
+                                        <p:tgtEl>
+                                          <p:spTgt spid="40"/>
+                                        </p:tgtEl>
+                                        <p:attrNameLst>
+                                          <p:attrName>style.visibility</p:attrName>
+                                        </p:attrNameLst>
+                                      </p:cBhvr>
+                                      <p:to>
+                                        <p:strVal val="visible"/>
+                                      </p:to>
+                                    </p:set>
+                                  </p:childTnLst>
+                                </p:cTn>
+                              </p:par>
+                            </p:childTnLst>
+                          </p:cTn>
+                        </p:par>
+                      </p:childTnLst>
+                    </p:cTn>
+                  </p:par>
+                </p:childTnLst>
+              </p:cTn>
+              <p:prevCondLst>
+                <p:cond evt="onPrev" delay="0">
+                  <p:tgtEl>
+                    <p:sldTgt/>
+                  </p:tgtEl>
+                </p:cond>
+              </p:prevCondLst>
+              <p:nextCondLst>
+                <p:cond evt="onNext" delay="0">
+                  <p:tgtEl>
+                    <p:sldTgt/>
+                  </p:tgtEl>
+                </p:cond>
+              </p:nextCondLst>
+            </p:seq>
+          </p:childTnLst>
+        </p:cTn>
+      </p:par>
+    </p:tnLst>
+    <p:bldLst>
+      <p:bldP spid="4" grpId="0" animBg="1"/>
+      <p:bldP spid="5" grpId="0" animBg="1"/>
+      <p:bldP spid="6" grpId="0" animBg="1"/>
+      <p:bldP spid="7" grpId="0" animBg="1"/>
+      <p:bldP spid="9" grpId="0"/>
+      <p:bldP spid="10" grpId="0"/>
+      <p:bldP spid="11" grpId="0"/>
+      <p:bldP spid="12" grpId="0"/>
+      <p:bldP spid="13" grpId="0"/>
+      <p:bldP spid="14" grpId="0"/>
+      <p:bldP spid="41" grpId="0" animBg="1"/>
+    </p:bldLst>
+  </p:timing>
 </p:sld>
 </file>
 
@@ -5909,7 +7477,7 @@
       </p:grpSpPr>
       <p:sp>
         <p:nvSpPr>
-          <p:cNvPr id="2" name="Título 1"/>
+          <p:cNvPr id="2" name="Title 1"/>
           <p:cNvSpPr>
             <a:spLocks noGrp="1"/>
           </p:cNvSpPr>
@@ -5924,116 +7492,2392 @@
           <a:p>
             <a:r>
               <a:rPr lang="pt-BR" dirty="0" smtClean="0"/>
-              <a:t>Tabela de Registradores</a:t>
-            </a:r>
-            <a:endParaRPr lang="pt-BR" dirty="0"/>
-          </a:p>
-        </p:txBody>
-      </p:sp>
-      <p:sp>
-        <p:nvSpPr>
-          <p:cNvPr id="3" name="Espaço Reservado para Conteúdo 2"/>
-          <p:cNvSpPr>
-            <a:spLocks noGrp="1"/>
-          </p:cNvSpPr>
-          <p:nvPr>
-            <p:ph idx="1"/>
-          </p:nvPr>
-        </p:nvSpPr>
-        <p:spPr/>
-        <p:txBody>
-          <a:bodyPr/>
+              <a:t>Lista de </a:t>
+            </a:r>
+            <a:r>
+              <a:rPr lang="pt-BR" dirty="0" err="1" smtClean="0"/>
+              <a:t>tokens</a:t>
+            </a:r>
+            <a:endParaRPr lang="en-US" dirty="0"/>
+          </a:p>
+        </p:txBody>
+      </p:sp>
+      <p:grpSp>
+        <p:nvGrpSpPr>
+          <p:cNvPr id="39" name="Group 38"/>
+          <p:cNvGrpSpPr/>
+          <p:nvPr/>
+        </p:nvGrpSpPr>
+        <p:grpSpPr>
+          <a:xfrm>
+            <a:off x="367856" y="4420053"/>
+            <a:ext cx="1719415" cy="648072"/>
+            <a:chOff x="4450987" y="3429000"/>
+            <a:chExt cx="1719415" cy="648072"/>
+          </a:xfrm>
+        </p:grpSpPr>
+        <p:sp>
+          <p:nvSpPr>
+            <p:cNvPr id="36" name="Rounded Rectangle 35"/>
+            <p:cNvSpPr/>
+            <p:nvPr/>
+          </p:nvSpPr>
+          <p:spPr>
+            <a:xfrm>
+              <a:off x="4450987" y="3429000"/>
+              <a:ext cx="1719415" cy="648072"/>
+            </a:xfrm>
+            <a:prstGeom prst="roundRect">
+              <a:avLst/>
+            </a:prstGeom>
+            <a:solidFill>
+              <a:schemeClr val="bg1"/>
+            </a:solidFill>
+            <a:ln>
+              <a:solidFill>
+                <a:schemeClr val="tx1"/>
+              </a:solidFill>
+            </a:ln>
+          </p:spPr>
+          <p:style>
+            <a:lnRef idx="2">
+              <a:schemeClr val="accent1">
+                <a:shade val="50000"/>
+              </a:schemeClr>
+            </a:lnRef>
+            <a:fillRef idx="1">
+              <a:schemeClr val="accent1"/>
+            </a:fillRef>
+            <a:effectRef idx="0">
+              <a:schemeClr val="accent1"/>
+            </a:effectRef>
+            <a:fontRef idx="minor">
+              <a:schemeClr val="lt1"/>
+            </a:fontRef>
+          </p:style>
+          <p:txBody>
+            <a:bodyPr rtlCol="0" anchor="ctr"/>
+            <a:lstStyle/>
+            <a:p>
+              <a:pPr algn="ctr"/>
+              <a:endParaRPr lang="en-US"/>
+            </a:p>
+          </p:txBody>
+        </p:sp>
+        <p:sp>
+          <p:nvSpPr>
+            <p:cNvPr id="37" name="Rounded Rectangle 36"/>
+            <p:cNvSpPr/>
+            <p:nvPr/>
+          </p:nvSpPr>
+          <p:spPr>
+            <a:xfrm>
+              <a:off x="4572000" y="3501008"/>
+              <a:ext cx="590290" cy="504056"/>
+            </a:xfrm>
+            <a:prstGeom prst="roundRect">
+              <a:avLst/>
+            </a:prstGeom>
+            <a:solidFill>
+              <a:schemeClr val="bg1"/>
+            </a:solidFill>
+            <a:ln>
+              <a:solidFill>
+                <a:schemeClr val="tx1"/>
+              </a:solidFill>
+            </a:ln>
+          </p:spPr>
+          <p:style>
+            <a:lnRef idx="2">
+              <a:schemeClr val="accent6"/>
+            </a:lnRef>
+            <a:fillRef idx="1">
+              <a:schemeClr val="lt1"/>
+            </a:fillRef>
+            <a:effectRef idx="0">
+              <a:schemeClr val="accent6"/>
+            </a:effectRef>
+            <a:fontRef idx="minor">
+              <a:schemeClr val="dk1"/>
+            </a:fontRef>
+          </p:style>
+          <p:txBody>
+            <a:bodyPr rtlCol="0" anchor="ctr"/>
+            <a:lstStyle/>
+            <a:p>
+              <a:pPr algn="ctr"/>
+              <a:r>
+                <a:rPr lang="pt-BR" sz="1200" dirty="0" err="1" smtClean="0"/>
+                <a:t>addi</a:t>
+              </a:r>
+              <a:endParaRPr lang="en-US" sz="1200" dirty="0"/>
+            </a:p>
+          </p:txBody>
+        </p:sp>
+        <p:sp>
+          <p:nvSpPr>
+            <p:cNvPr id="38" name="Rounded Rectangle 37"/>
+            <p:cNvSpPr/>
+            <p:nvPr/>
+          </p:nvSpPr>
+          <p:spPr>
+            <a:xfrm>
+              <a:off x="5162290" y="3501008"/>
+              <a:ext cx="792088" cy="504056"/>
+            </a:xfrm>
+            <a:prstGeom prst="roundRect">
+              <a:avLst/>
+            </a:prstGeom>
+            <a:solidFill>
+              <a:schemeClr val="bg1"/>
+            </a:solidFill>
+            <a:ln>
+              <a:solidFill>
+                <a:schemeClr val="tx1"/>
+              </a:solidFill>
+            </a:ln>
+          </p:spPr>
+          <p:style>
+            <a:lnRef idx="2">
+              <a:schemeClr val="accent6"/>
+            </a:lnRef>
+            <a:fillRef idx="1">
+              <a:schemeClr val="lt1"/>
+            </a:fillRef>
+            <a:effectRef idx="0">
+              <a:schemeClr val="accent6"/>
+            </a:effectRef>
+            <a:fontRef idx="minor">
+              <a:schemeClr val="dk1"/>
+            </a:fontRef>
+          </p:style>
+          <p:txBody>
+            <a:bodyPr rtlCol="0" anchor="ctr"/>
+            <a:lstStyle/>
+            <a:p>
+              <a:pPr algn="ctr"/>
+              <a:r>
+                <a:rPr lang="pt-BR" sz="1200" dirty="0" smtClean="0"/>
+                <a:t>TK_INST</a:t>
+              </a:r>
+              <a:endParaRPr lang="en-US" sz="1200" dirty="0"/>
+            </a:p>
+          </p:txBody>
+        </p:sp>
+      </p:grpSp>
+      <p:grpSp>
+        <p:nvGrpSpPr>
+          <p:cNvPr id="40" name="Group 39"/>
+          <p:cNvGrpSpPr/>
+          <p:nvPr/>
+        </p:nvGrpSpPr>
+        <p:grpSpPr>
+          <a:xfrm>
+            <a:off x="2335528" y="4420053"/>
+            <a:ext cx="1719415" cy="648072"/>
+            <a:chOff x="4450987" y="3429000"/>
+            <a:chExt cx="1719415" cy="648072"/>
+          </a:xfrm>
+        </p:grpSpPr>
+        <p:sp>
+          <p:nvSpPr>
+            <p:cNvPr id="41" name="Rounded Rectangle 40"/>
+            <p:cNvSpPr/>
+            <p:nvPr/>
+          </p:nvSpPr>
+          <p:spPr>
+            <a:xfrm>
+              <a:off x="4450987" y="3429000"/>
+              <a:ext cx="1719415" cy="648072"/>
+            </a:xfrm>
+            <a:prstGeom prst="roundRect">
+              <a:avLst/>
+            </a:prstGeom>
+            <a:solidFill>
+              <a:schemeClr val="bg1"/>
+            </a:solidFill>
+            <a:ln>
+              <a:solidFill>
+                <a:schemeClr val="tx1"/>
+              </a:solidFill>
+            </a:ln>
+          </p:spPr>
+          <p:style>
+            <a:lnRef idx="2">
+              <a:schemeClr val="accent1">
+                <a:shade val="50000"/>
+              </a:schemeClr>
+            </a:lnRef>
+            <a:fillRef idx="1">
+              <a:schemeClr val="accent1"/>
+            </a:fillRef>
+            <a:effectRef idx="0">
+              <a:schemeClr val="accent1"/>
+            </a:effectRef>
+            <a:fontRef idx="minor">
+              <a:schemeClr val="lt1"/>
+            </a:fontRef>
+          </p:style>
+          <p:txBody>
+            <a:bodyPr rtlCol="0" anchor="ctr"/>
+            <a:lstStyle/>
+            <a:p>
+              <a:pPr algn="ctr"/>
+              <a:endParaRPr lang="en-US"/>
+            </a:p>
+          </p:txBody>
+        </p:sp>
+        <p:sp>
+          <p:nvSpPr>
+            <p:cNvPr id="42" name="Rounded Rectangle 41"/>
+            <p:cNvSpPr/>
+            <p:nvPr/>
+          </p:nvSpPr>
+          <p:spPr>
+            <a:xfrm>
+              <a:off x="4572000" y="3501008"/>
+              <a:ext cx="590290" cy="504056"/>
+            </a:xfrm>
+            <a:prstGeom prst="roundRect">
+              <a:avLst/>
+            </a:prstGeom>
+            <a:solidFill>
+              <a:schemeClr val="bg1"/>
+            </a:solidFill>
+            <a:ln>
+              <a:solidFill>
+                <a:schemeClr val="tx1"/>
+              </a:solidFill>
+            </a:ln>
+          </p:spPr>
+          <p:style>
+            <a:lnRef idx="2">
+              <a:schemeClr val="accent6"/>
+            </a:lnRef>
+            <a:fillRef idx="1">
+              <a:schemeClr val="lt1"/>
+            </a:fillRef>
+            <a:effectRef idx="0">
+              <a:schemeClr val="accent6"/>
+            </a:effectRef>
+            <a:fontRef idx="minor">
+              <a:schemeClr val="dk1"/>
+            </a:fontRef>
+          </p:style>
+          <p:txBody>
+            <a:bodyPr rtlCol="0" anchor="ctr"/>
+            <a:lstStyle/>
+            <a:p>
+              <a:pPr algn="ctr"/>
+              <a:r>
+                <a:rPr lang="pt-BR" sz="1200" dirty="0" smtClean="0"/>
+                <a:t>$t0</a:t>
+              </a:r>
+              <a:endParaRPr lang="en-US" sz="1200" dirty="0"/>
+            </a:p>
+          </p:txBody>
+        </p:sp>
+        <p:sp>
+          <p:nvSpPr>
+            <p:cNvPr id="43" name="Rounded Rectangle 42"/>
+            <p:cNvSpPr/>
+            <p:nvPr/>
+          </p:nvSpPr>
+          <p:spPr>
+            <a:xfrm>
+              <a:off x="5162290" y="3501008"/>
+              <a:ext cx="792088" cy="504056"/>
+            </a:xfrm>
+            <a:prstGeom prst="roundRect">
+              <a:avLst/>
+            </a:prstGeom>
+            <a:solidFill>
+              <a:schemeClr val="bg1"/>
+            </a:solidFill>
+            <a:ln>
+              <a:solidFill>
+                <a:schemeClr val="tx1"/>
+              </a:solidFill>
+            </a:ln>
+          </p:spPr>
+          <p:style>
+            <a:lnRef idx="2">
+              <a:schemeClr val="accent6"/>
+            </a:lnRef>
+            <a:fillRef idx="1">
+              <a:schemeClr val="lt1"/>
+            </a:fillRef>
+            <a:effectRef idx="0">
+              <a:schemeClr val="accent6"/>
+            </a:effectRef>
+            <a:fontRef idx="minor">
+              <a:schemeClr val="dk1"/>
+            </a:fontRef>
+          </p:style>
+          <p:txBody>
+            <a:bodyPr rtlCol="0" anchor="ctr"/>
+            <a:lstStyle/>
+            <a:p>
+              <a:pPr algn="ctr"/>
+              <a:r>
+                <a:rPr lang="pt-BR" sz="1200" dirty="0" smtClean="0"/>
+                <a:t>TK_REG</a:t>
+              </a:r>
+              <a:endParaRPr lang="en-US" sz="1200" dirty="0"/>
+            </a:p>
+          </p:txBody>
+        </p:sp>
+      </p:grpSp>
+      <p:grpSp>
+        <p:nvGrpSpPr>
+          <p:cNvPr id="44" name="Group 43"/>
+          <p:cNvGrpSpPr/>
+          <p:nvPr/>
+        </p:nvGrpSpPr>
+        <p:grpSpPr>
+          <a:xfrm>
+            <a:off x="4310094" y="4420053"/>
+            <a:ext cx="1719415" cy="648072"/>
+            <a:chOff x="4450987" y="3429000"/>
+            <a:chExt cx="1719415" cy="648072"/>
+          </a:xfrm>
+        </p:grpSpPr>
+        <p:sp>
+          <p:nvSpPr>
+            <p:cNvPr id="45" name="Rounded Rectangle 44"/>
+            <p:cNvSpPr/>
+            <p:nvPr/>
+          </p:nvSpPr>
+          <p:spPr>
+            <a:xfrm>
+              <a:off x="4450987" y="3429000"/>
+              <a:ext cx="1719415" cy="648072"/>
+            </a:xfrm>
+            <a:prstGeom prst="roundRect">
+              <a:avLst/>
+            </a:prstGeom>
+            <a:solidFill>
+              <a:schemeClr val="bg1"/>
+            </a:solidFill>
+            <a:ln>
+              <a:solidFill>
+                <a:schemeClr val="tx1"/>
+              </a:solidFill>
+            </a:ln>
+          </p:spPr>
+          <p:style>
+            <a:lnRef idx="2">
+              <a:schemeClr val="accent1">
+                <a:shade val="50000"/>
+              </a:schemeClr>
+            </a:lnRef>
+            <a:fillRef idx="1">
+              <a:schemeClr val="accent1"/>
+            </a:fillRef>
+            <a:effectRef idx="0">
+              <a:schemeClr val="accent1"/>
+            </a:effectRef>
+            <a:fontRef idx="minor">
+              <a:schemeClr val="lt1"/>
+            </a:fontRef>
+          </p:style>
+          <p:txBody>
+            <a:bodyPr rtlCol="0" anchor="ctr"/>
+            <a:lstStyle/>
+            <a:p>
+              <a:pPr algn="ctr"/>
+              <a:endParaRPr lang="en-US"/>
+            </a:p>
+          </p:txBody>
+        </p:sp>
+        <p:sp>
+          <p:nvSpPr>
+            <p:cNvPr id="46" name="Rounded Rectangle 45"/>
+            <p:cNvSpPr/>
+            <p:nvPr/>
+          </p:nvSpPr>
+          <p:spPr>
+            <a:xfrm>
+              <a:off x="4572000" y="3501008"/>
+              <a:ext cx="590290" cy="504056"/>
+            </a:xfrm>
+            <a:prstGeom prst="roundRect">
+              <a:avLst/>
+            </a:prstGeom>
+            <a:solidFill>
+              <a:schemeClr val="bg1"/>
+            </a:solidFill>
+            <a:ln>
+              <a:solidFill>
+                <a:schemeClr val="tx1"/>
+              </a:solidFill>
+            </a:ln>
+          </p:spPr>
+          <p:style>
+            <a:lnRef idx="2">
+              <a:schemeClr val="accent6"/>
+            </a:lnRef>
+            <a:fillRef idx="1">
+              <a:schemeClr val="lt1"/>
+            </a:fillRef>
+            <a:effectRef idx="0">
+              <a:schemeClr val="accent6"/>
+            </a:effectRef>
+            <a:fontRef idx="minor">
+              <a:schemeClr val="dk1"/>
+            </a:fontRef>
+          </p:style>
+          <p:txBody>
+            <a:bodyPr rtlCol="0" anchor="ctr"/>
+            <a:lstStyle/>
+            <a:p>
+              <a:pPr algn="ctr"/>
+              <a:r>
+                <a:rPr lang="pt-BR" sz="1200" dirty="0" smtClean="0"/>
+                <a:t>$t2</a:t>
+              </a:r>
+              <a:endParaRPr lang="en-US" sz="1200" dirty="0"/>
+            </a:p>
+          </p:txBody>
+        </p:sp>
+        <p:sp>
+          <p:nvSpPr>
+            <p:cNvPr id="47" name="Rounded Rectangle 46"/>
+            <p:cNvSpPr/>
+            <p:nvPr/>
+          </p:nvSpPr>
+          <p:spPr>
+            <a:xfrm>
+              <a:off x="5162290" y="3501008"/>
+              <a:ext cx="792088" cy="504056"/>
+            </a:xfrm>
+            <a:prstGeom prst="roundRect">
+              <a:avLst/>
+            </a:prstGeom>
+            <a:solidFill>
+              <a:schemeClr val="bg1"/>
+            </a:solidFill>
+            <a:ln>
+              <a:solidFill>
+                <a:schemeClr val="tx1"/>
+              </a:solidFill>
+            </a:ln>
+          </p:spPr>
+          <p:style>
+            <a:lnRef idx="2">
+              <a:schemeClr val="accent6"/>
+            </a:lnRef>
+            <a:fillRef idx="1">
+              <a:schemeClr val="lt1"/>
+            </a:fillRef>
+            <a:effectRef idx="0">
+              <a:schemeClr val="accent6"/>
+            </a:effectRef>
+            <a:fontRef idx="minor">
+              <a:schemeClr val="dk1"/>
+            </a:fontRef>
+          </p:style>
+          <p:txBody>
+            <a:bodyPr rtlCol="0" anchor="ctr"/>
+            <a:lstStyle/>
+            <a:p>
+              <a:pPr algn="ctr"/>
+              <a:r>
+                <a:rPr lang="pt-BR" sz="1200" dirty="0" smtClean="0"/>
+                <a:t>TK_REG</a:t>
+              </a:r>
+              <a:endParaRPr lang="en-US" sz="1200" dirty="0"/>
+            </a:p>
+          </p:txBody>
+        </p:sp>
+      </p:grpSp>
+      <p:grpSp>
+        <p:nvGrpSpPr>
+          <p:cNvPr id="48" name="Group 47"/>
+          <p:cNvGrpSpPr/>
+          <p:nvPr/>
+        </p:nvGrpSpPr>
+        <p:grpSpPr>
+          <a:xfrm>
+            <a:off x="6289303" y="4420053"/>
+            <a:ext cx="1719415" cy="648072"/>
+            <a:chOff x="4450987" y="3429000"/>
+            <a:chExt cx="1719415" cy="648072"/>
+          </a:xfrm>
+        </p:grpSpPr>
+        <p:sp>
+          <p:nvSpPr>
+            <p:cNvPr id="49" name="Rounded Rectangle 48"/>
+            <p:cNvSpPr/>
+            <p:nvPr/>
+          </p:nvSpPr>
+          <p:spPr>
+            <a:xfrm>
+              <a:off x="4450987" y="3429000"/>
+              <a:ext cx="1719415" cy="648072"/>
+            </a:xfrm>
+            <a:prstGeom prst="roundRect">
+              <a:avLst/>
+            </a:prstGeom>
+            <a:solidFill>
+              <a:schemeClr val="bg1"/>
+            </a:solidFill>
+            <a:ln>
+              <a:solidFill>
+                <a:schemeClr val="tx1"/>
+              </a:solidFill>
+            </a:ln>
+          </p:spPr>
+          <p:style>
+            <a:lnRef idx="2">
+              <a:schemeClr val="accent1">
+                <a:shade val="50000"/>
+              </a:schemeClr>
+            </a:lnRef>
+            <a:fillRef idx="1">
+              <a:schemeClr val="accent1"/>
+            </a:fillRef>
+            <a:effectRef idx="0">
+              <a:schemeClr val="accent1"/>
+            </a:effectRef>
+            <a:fontRef idx="minor">
+              <a:schemeClr val="lt1"/>
+            </a:fontRef>
+          </p:style>
+          <p:txBody>
+            <a:bodyPr rtlCol="0" anchor="ctr"/>
+            <a:lstStyle/>
+            <a:p>
+              <a:pPr algn="ctr"/>
+              <a:endParaRPr lang="en-US"/>
+            </a:p>
+          </p:txBody>
+        </p:sp>
+        <p:sp>
+          <p:nvSpPr>
+            <p:cNvPr id="50" name="Rounded Rectangle 49"/>
+            <p:cNvSpPr/>
+            <p:nvPr/>
+          </p:nvSpPr>
+          <p:spPr>
+            <a:xfrm>
+              <a:off x="4572000" y="3501008"/>
+              <a:ext cx="590290" cy="504056"/>
+            </a:xfrm>
+            <a:prstGeom prst="roundRect">
+              <a:avLst/>
+            </a:prstGeom>
+            <a:solidFill>
+              <a:schemeClr val="bg1"/>
+            </a:solidFill>
+            <a:ln>
+              <a:solidFill>
+                <a:schemeClr val="tx1"/>
+              </a:solidFill>
+            </a:ln>
+          </p:spPr>
+          <p:style>
+            <a:lnRef idx="2">
+              <a:schemeClr val="accent6"/>
+            </a:lnRef>
+            <a:fillRef idx="1">
+              <a:schemeClr val="lt1"/>
+            </a:fillRef>
+            <a:effectRef idx="0">
+              <a:schemeClr val="accent6"/>
+            </a:effectRef>
+            <a:fontRef idx="minor">
+              <a:schemeClr val="dk1"/>
+            </a:fontRef>
+          </p:style>
+          <p:txBody>
+            <a:bodyPr rtlCol="0" anchor="ctr"/>
+            <a:lstStyle/>
+            <a:p>
+              <a:pPr algn="ctr"/>
+              <a:r>
+                <a:rPr lang="pt-BR" sz="1200" dirty="0" smtClean="0"/>
+                <a:t>4</a:t>
+              </a:r>
+              <a:endParaRPr lang="en-US" sz="1200" dirty="0"/>
+            </a:p>
+          </p:txBody>
+        </p:sp>
+        <p:sp>
+          <p:nvSpPr>
+            <p:cNvPr id="51" name="Rounded Rectangle 50"/>
+            <p:cNvSpPr/>
+            <p:nvPr/>
+          </p:nvSpPr>
+          <p:spPr>
+            <a:xfrm>
+              <a:off x="5162290" y="3501008"/>
+              <a:ext cx="792088" cy="504056"/>
+            </a:xfrm>
+            <a:prstGeom prst="roundRect">
+              <a:avLst/>
+            </a:prstGeom>
+            <a:solidFill>
+              <a:schemeClr val="bg1"/>
+            </a:solidFill>
+            <a:ln>
+              <a:solidFill>
+                <a:schemeClr val="tx1"/>
+              </a:solidFill>
+            </a:ln>
+          </p:spPr>
+          <p:style>
+            <a:lnRef idx="2">
+              <a:schemeClr val="accent6"/>
+            </a:lnRef>
+            <a:fillRef idx="1">
+              <a:schemeClr val="lt1"/>
+            </a:fillRef>
+            <a:effectRef idx="0">
+              <a:schemeClr val="accent6"/>
+            </a:effectRef>
+            <a:fontRef idx="minor">
+              <a:schemeClr val="dk1"/>
+            </a:fontRef>
+          </p:style>
+          <p:txBody>
+            <a:bodyPr rtlCol="0" anchor="ctr"/>
+            <a:lstStyle/>
+            <a:p>
+              <a:pPr algn="ctr"/>
+              <a:r>
+                <a:rPr lang="pt-BR" sz="1200" dirty="0" smtClean="0"/>
+                <a:t>TK_IMM</a:t>
+              </a:r>
+              <a:endParaRPr lang="en-US" sz="1200" dirty="0"/>
+            </a:p>
+          </p:txBody>
+        </p:sp>
+      </p:grpSp>
+      <p:cxnSp>
+        <p:nvCxnSpPr>
+          <p:cNvPr id="53" name="Straight Arrow Connector 52"/>
+          <p:cNvCxnSpPr/>
+          <p:nvPr/>
+        </p:nvCxnSpPr>
+        <p:spPr>
+          <a:xfrm>
+            <a:off x="1981961" y="4761148"/>
+            <a:ext cx="355816" cy="0"/>
+          </a:xfrm>
+          <a:prstGeom prst="straightConnector1">
+            <a:avLst/>
+          </a:prstGeom>
+          <a:ln w="28575">
+            <a:solidFill>
+              <a:schemeClr val="tx1"/>
+            </a:solidFill>
+            <a:tailEnd type="arrow"/>
+          </a:ln>
+        </p:spPr>
+        <p:style>
+          <a:lnRef idx="1">
+            <a:schemeClr val="accent1"/>
+          </a:lnRef>
+          <a:fillRef idx="0">
+            <a:schemeClr val="accent1"/>
+          </a:fillRef>
+          <a:effectRef idx="0">
+            <a:schemeClr val="accent1"/>
+          </a:effectRef>
+          <a:fontRef idx="minor">
+            <a:schemeClr val="tx1"/>
+          </a:fontRef>
+        </p:style>
+      </p:cxnSp>
+      <p:cxnSp>
+        <p:nvCxnSpPr>
+          <p:cNvPr id="56" name="Straight Arrow Connector 55"/>
+          <p:cNvCxnSpPr/>
+          <p:nvPr/>
+        </p:nvCxnSpPr>
+        <p:spPr>
+          <a:xfrm>
+            <a:off x="3947908" y="4753967"/>
+            <a:ext cx="355816" cy="0"/>
+          </a:xfrm>
+          <a:prstGeom prst="straightConnector1">
+            <a:avLst/>
+          </a:prstGeom>
+          <a:ln w="28575">
+            <a:solidFill>
+              <a:schemeClr val="tx1"/>
+            </a:solidFill>
+            <a:tailEnd type="arrow"/>
+          </a:ln>
+        </p:spPr>
+        <p:style>
+          <a:lnRef idx="1">
+            <a:schemeClr val="accent1"/>
+          </a:lnRef>
+          <a:fillRef idx="0">
+            <a:schemeClr val="accent1"/>
+          </a:fillRef>
+          <a:effectRef idx="0">
+            <a:schemeClr val="accent1"/>
+          </a:effectRef>
+          <a:fontRef idx="minor">
+            <a:schemeClr val="tx1"/>
+          </a:fontRef>
+        </p:style>
+      </p:cxnSp>
+      <p:cxnSp>
+        <p:nvCxnSpPr>
+          <p:cNvPr id="57" name="Straight Arrow Connector 56"/>
+          <p:cNvCxnSpPr/>
+          <p:nvPr/>
+        </p:nvCxnSpPr>
+        <p:spPr>
+          <a:xfrm>
+            <a:off x="5933487" y="4753967"/>
+            <a:ext cx="355816" cy="0"/>
+          </a:xfrm>
+          <a:prstGeom prst="straightConnector1">
+            <a:avLst/>
+          </a:prstGeom>
+          <a:ln w="28575">
+            <a:solidFill>
+              <a:schemeClr val="tx1"/>
+            </a:solidFill>
+            <a:tailEnd type="arrow"/>
+          </a:ln>
+        </p:spPr>
+        <p:style>
+          <a:lnRef idx="1">
+            <a:schemeClr val="accent1"/>
+          </a:lnRef>
+          <a:fillRef idx="0">
+            <a:schemeClr val="accent1"/>
+          </a:fillRef>
+          <a:effectRef idx="0">
+            <a:schemeClr val="accent1"/>
+          </a:effectRef>
+          <a:fontRef idx="minor">
+            <a:schemeClr val="tx1"/>
+          </a:fontRef>
+        </p:style>
+      </p:cxnSp>
+      <p:cxnSp>
+        <p:nvCxnSpPr>
+          <p:cNvPr id="58" name="Straight Arrow Connector 57"/>
+          <p:cNvCxnSpPr/>
+          <p:nvPr/>
+        </p:nvCxnSpPr>
+        <p:spPr>
+          <a:xfrm>
+            <a:off x="7888592" y="4744089"/>
+            <a:ext cx="355816" cy="0"/>
+          </a:xfrm>
+          <a:prstGeom prst="straightConnector1">
+            <a:avLst/>
+          </a:prstGeom>
+          <a:ln w="28575">
+            <a:solidFill>
+              <a:schemeClr val="tx1"/>
+            </a:solidFill>
+            <a:tailEnd type="arrow"/>
+          </a:ln>
+        </p:spPr>
+        <p:style>
+          <a:lnRef idx="1">
+            <a:schemeClr val="accent1"/>
+          </a:lnRef>
+          <a:fillRef idx="0">
+            <a:schemeClr val="accent1"/>
+          </a:fillRef>
+          <a:effectRef idx="0">
+            <a:schemeClr val="accent1"/>
+          </a:effectRef>
+          <a:fontRef idx="minor">
+            <a:schemeClr val="tx1"/>
+          </a:fontRef>
+        </p:style>
+      </p:cxnSp>
+      <p:sp>
+        <p:nvSpPr>
+          <p:cNvPr id="59" name="TextBox 58"/>
+          <p:cNvSpPr txBox="1"/>
+          <p:nvPr/>
+        </p:nvSpPr>
+        <p:spPr>
+          <a:xfrm>
+            <a:off x="8244408" y="4607259"/>
+            <a:ext cx="720080" cy="307777"/>
+          </a:xfrm>
+          <a:prstGeom prst="rect">
+            <a:avLst/>
+          </a:prstGeom>
+          <a:noFill/>
+        </p:spPr>
+        <p:txBody>
+          <a:bodyPr wrap="square" rtlCol="0">
+            <a:spAutoFit/>
+          </a:bodyPr>
           <a:lstStyle/>
           <a:p>
             <a:r>
-              <a:rPr lang="pt-BR" dirty="0" smtClean="0"/>
-              <a:t>Para poder trabalhar com estas definições em forma de vetor, foi atribuído a cada elemento do vetor uma </a:t>
-            </a:r>
-            <a:r>
-              <a:rPr lang="pt-BR" dirty="0" err="1" smtClean="0"/>
-              <a:t>struct</a:t>
-            </a:r>
-            <a:r>
-              <a:rPr lang="pt-BR" dirty="0" smtClean="0"/>
-              <a:t>:</a:t>
-            </a:r>
-          </a:p>
-          <a:p>
-            <a:pPr lvl="1"/>
-            <a:r>
-              <a:rPr lang="pt-BR" dirty="0" smtClean="0"/>
-              <a:t>“</a:t>
-            </a:r>
-            <a:r>
-              <a:rPr lang="pt-BR" dirty="0" err="1" smtClean="0"/>
-              <a:t>typedef</a:t>
-            </a:r>
-            <a:r>
-              <a:rPr lang="pt-BR" dirty="0" smtClean="0"/>
-              <a:t> </a:t>
-            </a:r>
-            <a:r>
-              <a:rPr lang="pt-BR" dirty="0" err="1" smtClean="0"/>
-              <a:t>struct</a:t>
-            </a:r>
-            <a:r>
-              <a:rPr lang="pt-BR" dirty="0" smtClean="0"/>
-              <a:t> {</a:t>
-            </a:r>
-          </a:p>
-          <a:p>
-            <a:pPr lvl="1"/>
-            <a:r>
-              <a:rPr lang="pt-BR" dirty="0" smtClean="0"/>
-              <a:t>	</a:t>
-            </a:r>
-            <a:r>
-              <a:rPr lang="pt-BR" dirty="0" err="1" smtClean="0"/>
-              <a:t>char</a:t>
-            </a:r>
-            <a:r>
-              <a:rPr lang="pt-BR" dirty="0" smtClean="0"/>
-              <a:t>* name1;</a:t>
-            </a:r>
-          </a:p>
-          <a:p>
-            <a:pPr lvl="1"/>
-            <a:r>
-              <a:rPr lang="pt-BR" dirty="0" smtClean="0"/>
-              <a:t>	</a:t>
-            </a:r>
-            <a:r>
-              <a:rPr lang="pt-BR" dirty="0" err="1" smtClean="0"/>
-              <a:t>char</a:t>
-            </a:r>
-            <a:r>
-              <a:rPr lang="pt-BR" dirty="0" smtClean="0"/>
-              <a:t>* name2;</a:t>
-            </a:r>
-          </a:p>
-          <a:p>
-            <a:pPr lvl="1"/>
-            <a:r>
-              <a:rPr lang="pt-BR" dirty="0" smtClean="0"/>
-              <a:t>} </a:t>
-            </a:r>
-            <a:r>
-              <a:rPr lang="pt-BR" dirty="0" err="1" smtClean="0"/>
-              <a:t>register_name</a:t>
-            </a:r>
-            <a:r>
-              <a:rPr lang="pt-BR" dirty="0" smtClean="0"/>
-              <a:t>;”</a:t>
-            </a:r>
-            <a:endParaRPr lang="pt-BR" dirty="0"/>
-          </a:p>
-        </p:txBody>
-      </p:sp>
+              <a:rPr lang="pt-BR" sz="1400" b="1" dirty="0" smtClean="0"/>
+              <a:t>NULL</a:t>
+            </a:r>
+            <a:endParaRPr lang="en-US" sz="1400" b="1" dirty="0"/>
+          </a:p>
+        </p:txBody>
+      </p:sp>
+      <p:grpSp>
+        <p:nvGrpSpPr>
+          <p:cNvPr id="64" name="Group 63"/>
+          <p:cNvGrpSpPr/>
+          <p:nvPr/>
+        </p:nvGrpSpPr>
+        <p:grpSpPr>
+          <a:xfrm>
+            <a:off x="323528" y="5661248"/>
+            <a:ext cx="1719415" cy="648072"/>
+            <a:chOff x="4450987" y="3429000"/>
+            <a:chExt cx="1719415" cy="648072"/>
+          </a:xfrm>
+        </p:grpSpPr>
+        <p:sp>
+          <p:nvSpPr>
+            <p:cNvPr id="65" name="Rounded Rectangle 64"/>
+            <p:cNvSpPr/>
+            <p:nvPr/>
+          </p:nvSpPr>
+          <p:spPr>
+            <a:xfrm>
+              <a:off x="4450987" y="3429000"/>
+              <a:ext cx="1719415" cy="648072"/>
+            </a:xfrm>
+            <a:prstGeom prst="roundRect">
+              <a:avLst/>
+            </a:prstGeom>
+            <a:solidFill>
+              <a:schemeClr val="bg1"/>
+            </a:solidFill>
+            <a:ln>
+              <a:solidFill>
+                <a:schemeClr val="tx1"/>
+              </a:solidFill>
+            </a:ln>
+          </p:spPr>
+          <p:style>
+            <a:lnRef idx="2">
+              <a:schemeClr val="accent1">
+                <a:shade val="50000"/>
+              </a:schemeClr>
+            </a:lnRef>
+            <a:fillRef idx="1">
+              <a:schemeClr val="accent1"/>
+            </a:fillRef>
+            <a:effectRef idx="0">
+              <a:schemeClr val="accent1"/>
+            </a:effectRef>
+            <a:fontRef idx="minor">
+              <a:schemeClr val="lt1"/>
+            </a:fontRef>
+          </p:style>
+          <p:txBody>
+            <a:bodyPr rtlCol="0" anchor="ctr"/>
+            <a:lstStyle/>
+            <a:p>
+              <a:pPr algn="ctr"/>
+              <a:endParaRPr lang="en-US"/>
+            </a:p>
+          </p:txBody>
+        </p:sp>
+        <p:sp>
+          <p:nvSpPr>
+            <p:cNvPr id="66" name="Rounded Rectangle 65"/>
+            <p:cNvSpPr/>
+            <p:nvPr/>
+          </p:nvSpPr>
+          <p:spPr>
+            <a:xfrm>
+              <a:off x="4572000" y="3501008"/>
+              <a:ext cx="590290" cy="504056"/>
+            </a:xfrm>
+            <a:prstGeom prst="roundRect">
+              <a:avLst/>
+            </a:prstGeom>
+            <a:solidFill>
+              <a:schemeClr val="bg1"/>
+            </a:solidFill>
+            <a:ln>
+              <a:solidFill>
+                <a:schemeClr val="tx1"/>
+              </a:solidFill>
+            </a:ln>
+          </p:spPr>
+          <p:style>
+            <a:lnRef idx="2">
+              <a:schemeClr val="accent6"/>
+            </a:lnRef>
+            <a:fillRef idx="1">
+              <a:schemeClr val="lt1"/>
+            </a:fillRef>
+            <a:effectRef idx="0">
+              <a:schemeClr val="accent6"/>
+            </a:effectRef>
+            <a:fontRef idx="minor">
+              <a:schemeClr val="dk1"/>
+            </a:fontRef>
+          </p:style>
+          <p:txBody>
+            <a:bodyPr rtlCol="0" anchor="ctr"/>
+            <a:lstStyle/>
+            <a:p>
+              <a:pPr algn="ctr"/>
+              <a:r>
+                <a:rPr lang="pt-BR" sz="1200" dirty="0" err="1" smtClean="0"/>
+                <a:t>End</a:t>
+              </a:r>
+              <a:endParaRPr lang="en-US" sz="1200" dirty="0"/>
+            </a:p>
+          </p:txBody>
+        </p:sp>
+        <p:sp>
+          <p:nvSpPr>
+            <p:cNvPr id="67" name="Rounded Rectangle 66"/>
+            <p:cNvSpPr/>
+            <p:nvPr/>
+          </p:nvSpPr>
+          <p:spPr>
+            <a:xfrm>
+              <a:off x="5162290" y="3501008"/>
+              <a:ext cx="792088" cy="504056"/>
+            </a:xfrm>
+            <a:prstGeom prst="roundRect">
+              <a:avLst/>
+            </a:prstGeom>
+            <a:solidFill>
+              <a:schemeClr val="bg1"/>
+            </a:solidFill>
+            <a:ln>
+              <a:solidFill>
+                <a:schemeClr val="tx1"/>
+              </a:solidFill>
+            </a:ln>
+          </p:spPr>
+          <p:style>
+            <a:lnRef idx="2">
+              <a:schemeClr val="accent6"/>
+            </a:lnRef>
+            <a:fillRef idx="1">
+              <a:schemeClr val="lt1"/>
+            </a:fillRef>
+            <a:effectRef idx="0">
+              <a:schemeClr val="accent6"/>
+            </a:effectRef>
+            <a:fontRef idx="minor">
+              <a:schemeClr val="dk1"/>
+            </a:fontRef>
+          </p:style>
+          <p:txBody>
+            <a:bodyPr rtlCol="0" anchor="ctr"/>
+            <a:lstStyle/>
+            <a:p>
+              <a:pPr algn="ctr"/>
+              <a:r>
+                <a:rPr lang="pt-BR" sz="1200" dirty="0" smtClean="0"/>
+                <a:t>TK_LAB</a:t>
+              </a:r>
+              <a:endParaRPr lang="en-US" sz="1200" dirty="0"/>
+            </a:p>
+          </p:txBody>
+        </p:sp>
+      </p:grpSp>
+      <p:grpSp>
+        <p:nvGrpSpPr>
+          <p:cNvPr id="68" name="Group 67"/>
+          <p:cNvGrpSpPr/>
+          <p:nvPr/>
+        </p:nvGrpSpPr>
+        <p:grpSpPr>
+          <a:xfrm>
+            <a:off x="2298094" y="5661248"/>
+            <a:ext cx="1719415" cy="648072"/>
+            <a:chOff x="4450987" y="3429000"/>
+            <a:chExt cx="1719415" cy="648072"/>
+          </a:xfrm>
+        </p:grpSpPr>
+        <p:sp>
+          <p:nvSpPr>
+            <p:cNvPr id="69" name="Rounded Rectangle 68"/>
+            <p:cNvSpPr/>
+            <p:nvPr/>
+          </p:nvSpPr>
+          <p:spPr>
+            <a:xfrm>
+              <a:off x="4450987" y="3429000"/>
+              <a:ext cx="1719415" cy="648072"/>
+            </a:xfrm>
+            <a:prstGeom prst="roundRect">
+              <a:avLst/>
+            </a:prstGeom>
+            <a:solidFill>
+              <a:schemeClr val="bg1"/>
+            </a:solidFill>
+            <a:ln>
+              <a:solidFill>
+                <a:schemeClr val="tx1"/>
+              </a:solidFill>
+            </a:ln>
+          </p:spPr>
+          <p:style>
+            <a:lnRef idx="2">
+              <a:schemeClr val="accent1">
+                <a:shade val="50000"/>
+              </a:schemeClr>
+            </a:lnRef>
+            <a:fillRef idx="1">
+              <a:schemeClr val="accent1"/>
+            </a:fillRef>
+            <a:effectRef idx="0">
+              <a:schemeClr val="accent1"/>
+            </a:effectRef>
+            <a:fontRef idx="minor">
+              <a:schemeClr val="lt1"/>
+            </a:fontRef>
+          </p:style>
+          <p:txBody>
+            <a:bodyPr rtlCol="0" anchor="ctr"/>
+            <a:lstStyle/>
+            <a:p>
+              <a:pPr algn="ctr"/>
+              <a:endParaRPr lang="en-US"/>
+            </a:p>
+          </p:txBody>
+        </p:sp>
+        <p:sp>
+          <p:nvSpPr>
+            <p:cNvPr id="70" name="Rounded Rectangle 69"/>
+            <p:cNvSpPr/>
+            <p:nvPr/>
+          </p:nvSpPr>
+          <p:spPr>
+            <a:xfrm>
+              <a:off x="4572000" y="3501008"/>
+              <a:ext cx="590290" cy="504056"/>
+            </a:xfrm>
+            <a:prstGeom prst="roundRect">
+              <a:avLst/>
+            </a:prstGeom>
+            <a:solidFill>
+              <a:schemeClr val="bg1"/>
+            </a:solidFill>
+            <a:ln>
+              <a:solidFill>
+                <a:schemeClr val="tx1"/>
+              </a:solidFill>
+            </a:ln>
+          </p:spPr>
+          <p:style>
+            <a:lnRef idx="2">
+              <a:schemeClr val="accent6"/>
+            </a:lnRef>
+            <a:fillRef idx="1">
+              <a:schemeClr val="lt1"/>
+            </a:fillRef>
+            <a:effectRef idx="0">
+              <a:schemeClr val="accent6"/>
+            </a:effectRef>
+            <a:fontRef idx="minor">
+              <a:schemeClr val="dk1"/>
+            </a:fontRef>
+          </p:style>
+          <p:txBody>
+            <a:bodyPr rtlCol="0" anchor="ctr"/>
+            <a:lstStyle/>
+            <a:p>
+              <a:pPr algn="ctr"/>
+              <a:r>
+                <a:rPr lang="pt-BR" sz="1200" dirty="0" smtClean="0"/>
+                <a:t>j</a:t>
+              </a:r>
+              <a:endParaRPr lang="en-US" sz="1200" dirty="0"/>
+            </a:p>
+          </p:txBody>
+        </p:sp>
+        <p:sp>
+          <p:nvSpPr>
+            <p:cNvPr id="71" name="Rounded Rectangle 70"/>
+            <p:cNvSpPr/>
+            <p:nvPr/>
+          </p:nvSpPr>
+          <p:spPr>
+            <a:xfrm>
+              <a:off x="5162290" y="3501008"/>
+              <a:ext cx="792088" cy="504056"/>
+            </a:xfrm>
+            <a:prstGeom prst="roundRect">
+              <a:avLst/>
+            </a:prstGeom>
+            <a:solidFill>
+              <a:schemeClr val="bg1"/>
+            </a:solidFill>
+            <a:ln>
+              <a:solidFill>
+                <a:schemeClr val="tx1"/>
+              </a:solidFill>
+            </a:ln>
+          </p:spPr>
+          <p:style>
+            <a:lnRef idx="2">
+              <a:schemeClr val="accent6"/>
+            </a:lnRef>
+            <a:fillRef idx="1">
+              <a:schemeClr val="lt1"/>
+            </a:fillRef>
+            <a:effectRef idx="0">
+              <a:schemeClr val="accent6"/>
+            </a:effectRef>
+            <a:fontRef idx="minor">
+              <a:schemeClr val="dk1"/>
+            </a:fontRef>
+          </p:style>
+          <p:txBody>
+            <a:bodyPr rtlCol="0" anchor="ctr"/>
+            <a:lstStyle/>
+            <a:p>
+              <a:pPr algn="ctr"/>
+              <a:r>
+                <a:rPr lang="pt-BR" sz="1200" dirty="0" smtClean="0"/>
+                <a:t>TK_INST</a:t>
+              </a:r>
+              <a:endParaRPr lang="en-US" sz="1200" dirty="0"/>
+            </a:p>
+          </p:txBody>
+        </p:sp>
+      </p:grpSp>
+      <p:grpSp>
+        <p:nvGrpSpPr>
+          <p:cNvPr id="72" name="Group 71"/>
+          <p:cNvGrpSpPr/>
+          <p:nvPr/>
+        </p:nvGrpSpPr>
+        <p:grpSpPr>
+          <a:xfrm>
+            <a:off x="4277303" y="5661248"/>
+            <a:ext cx="1719415" cy="648072"/>
+            <a:chOff x="4450987" y="3429000"/>
+            <a:chExt cx="1719415" cy="648072"/>
+          </a:xfrm>
+        </p:grpSpPr>
+        <p:sp>
+          <p:nvSpPr>
+            <p:cNvPr id="73" name="Rounded Rectangle 72"/>
+            <p:cNvSpPr/>
+            <p:nvPr/>
+          </p:nvSpPr>
+          <p:spPr>
+            <a:xfrm>
+              <a:off x="4450987" y="3429000"/>
+              <a:ext cx="1719415" cy="648072"/>
+            </a:xfrm>
+            <a:prstGeom prst="roundRect">
+              <a:avLst/>
+            </a:prstGeom>
+            <a:solidFill>
+              <a:schemeClr val="bg1"/>
+            </a:solidFill>
+            <a:ln>
+              <a:solidFill>
+                <a:schemeClr val="tx1"/>
+              </a:solidFill>
+            </a:ln>
+          </p:spPr>
+          <p:style>
+            <a:lnRef idx="2">
+              <a:schemeClr val="accent1">
+                <a:shade val="50000"/>
+              </a:schemeClr>
+            </a:lnRef>
+            <a:fillRef idx="1">
+              <a:schemeClr val="accent1"/>
+            </a:fillRef>
+            <a:effectRef idx="0">
+              <a:schemeClr val="accent1"/>
+            </a:effectRef>
+            <a:fontRef idx="minor">
+              <a:schemeClr val="lt1"/>
+            </a:fontRef>
+          </p:style>
+          <p:txBody>
+            <a:bodyPr rtlCol="0" anchor="ctr"/>
+            <a:lstStyle/>
+            <a:p>
+              <a:pPr algn="ctr"/>
+              <a:endParaRPr lang="en-US"/>
+            </a:p>
+          </p:txBody>
+        </p:sp>
+        <p:sp>
+          <p:nvSpPr>
+            <p:cNvPr id="74" name="Rounded Rectangle 73"/>
+            <p:cNvSpPr/>
+            <p:nvPr/>
+          </p:nvSpPr>
+          <p:spPr>
+            <a:xfrm>
+              <a:off x="4572000" y="3501008"/>
+              <a:ext cx="590290" cy="504056"/>
+            </a:xfrm>
+            <a:prstGeom prst="roundRect">
+              <a:avLst/>
+            </a:prstGeom>
+            <a:solidFill>
+              <a:schemeClr val="bg1"/>
+            </a:solidFill>
+            <a:ln>
+              <a:solidFill>
+                <a:schemeClr val="tx1"/>
+              </a:solidFill>
+            </a:ln>
+          </p:spPr>
+          <p:style>
+            <a:lnRef idx="2">
+              <a:schemeClr val="accent6"/>
+            </a:lnRef>
+            <a:fillRef idx="1">
+              <a:schemeClr val="lt1"/>
+            </a:fillRef>
+            <a:effectRef idx="0">
+              <a:schemeClr val="accent6"/>
+            </a:effectRef>
+            <a:fontRef idx="minor">
+              <a:schemeClr val="dk1"/>
+            </a:fontRef>
+          </p:style>
+          <p:txBody>
+            <a:bodyPr rtlCol="0" anchor="ctr"/>
+            <a:lstStyle/>
+            <a:p>
+              <a:pPr algn="ctr"/>
+              <a:r>
+                <a:rPr lang="pt-BR" sz="1200" dirty="0" err="1" smtClean="0"/>
+                <a:t>End</a:t>
+              </a:r>
+              <a:endParaRPr lang="en-US" sz="1200" dirty="0"/>
+            </a:p>
+          </p:txBody>
+        </p:sp>
+        <p:sp>
+          <p:nvSpPr>
+            <p:cNvPr id="75" name="Rounded Rectangle 74"/>
+            <p:cNvSpPr/>
+            <p:nvPr/>
+          </p:nvSpPr>
+          <p:spPr>
+            <a:xfrm>
+              <a:off x="5162290" y="3501008"/>
+              <a:ext cx="792088" cy="504056"/>
+            </a:xfrm>
+            <a:prstGeom prst="roundRect">
+              <a:avLst/>
+            </a:prstGeom>
+            <a:solidFill>
+              <a:schemeClr val="bg1"/>
+            </a:solidFill>
+            <a:ln>
+              <a:solidFill>
+                <a:schemeClr val="tx1"/>
+              </a:solidFill>
+            </a:ln>
+          </p:spPr>
+          <p:style>
+            <a:lnRef idx="2">
+              <a:schemeClr val="accent6"/>
+            </a:lnRef>
+            <a:fillRef idx="1">
+              <a:schemeClr val="lt1"/>
+            </a:fillRef>
+            <a:effectRef idx="0">
+              <a:schemeClr val="accent6"/>
+            </a:effectRef>
+            <a:fontRef idx="minor">
+              <a:schemeClr val="dk1"/>
+            </a:fontRef>
+          </p:style>
+          <p:txBody>
+            <a:bodyPr rtlCol="0" anchor="ctr"/>
+            <a:lstStyle/>
+            <a:p>
+              <a:pPr algn="ctr"/>
+              <a:r>
+                <a:rPr lang="pt-BR" sz="1200" dirty="0" smtClean="0"/>
+                <a:t>TK_SYM</a:t>
+              </a:r>
+              <a:endParaRPr lang="en-US" sz="1200" dirty="0"/>
+            </a:p>
+          </p:txBody>
+        </p:sp>
+      </p:grpSp>
+      <p:cxnSp>
+        <p:nvCxnSpPr>
+          <p:cNvPr id="77" name="Straight Arrow Connector 76"/>
+          <p:cNvCxnSpPr/>
+          <p:nvPr/>
+        </p:nvCxnSpPr>
+        <p:spPr>
+          <a:xfrm>
+            <a:off x="1935908" y="5995162"/>
+            <a:ext cx="355816" cy="0"/>
+          </a:xfrm>
+          <a:prstGeom prst="straightConnector1">
+            <a:avLst/>
+          </a:prstGeom>
+          <a:ln w="28575">
+            <a:solidFill>
+              <a:schemeClr val="tx1"/>
+            </a:solidFill>
+            <a:tailEnd type="arrow"/>
+          </a:ln>
+        </p:spPr>
+        <p:style>
+          <a:lnRef idx="1">
+            <a:schemeClr val="accent1"/>
+          </a:lnRef>
+          <a:fillRef idx="0">
+            <a:schemeClr val="accent1"/>
+          </a:fillRef>
+          <a:effectRef idx="0">
+            <a:schemeClr val="accent1"/>
+          </a:effectRef>
+          <a:fontRef idx="minor">
+            <a:schemeClr val="tx1"/>
+          </a:fontRef>
+        </p:style>
+      </p:cxnSp>
+      <p:cxnSp>
+        <p:nvCxnSpPr>
+          <p:cNvPr id="78" name="Straight Arrow Connector 77"/>
+          <p:cNvCxnSpPr/>
+          <p:nvPr/>
+        </p:nvCxnSpPr>
+        <p:spPr>
+          <a:xfrm>
+            <a:off x="3921487" y="5995162"/>
+            <a:ext cx="355816" cy="0"/>
+          </a:xfrm>
+          <a:prstGeom prst="straightConnector1">
+            <a:avLst/>
+          </a:prstGeom>
+          <a:ln w="28575">
+            <a:solidFill>
+              <a:schemeClr val="tx1"/>
+            </a:solidFill>
+            <a:tailEnd type="arrow"/>
+          </a:ln>
+        </p:spPr>
+        <p:style>
+          <a:lnRef idx="1">
+            <a:schemeClr val="accent1"/>
+          </a:lnRef>
+          <a:fillRef idx="0">
+            <a:schemeClr val="accent1"/>
+          </a:fillRef>
+          <a:effectRef idx="0">
+            <a:schemeClr val="accent1"/>
+          </a:effectRef>
+          <a:fontRef idx="minor">
+            <a:schemeClr val="tx1"/>
+          </a:fontRef>
+        </p:style>
+      </p:cxnSp>
+      <p:cxnSp>
+        <p:nvCxnSpPr>
+          <p:cNvPr id="79" name="Straight Arrow Connector 78"/>
+          <p:cNvCxnSpPr/>
+          <p:nvPr/>
+        </p:nvCxnSpPr>
+        <p:spPr>
+          <a:xfrm>
+            <a:off x="5876592" y="5985284"/>
+            <a:ext cx="355816" cy="0"/>
+          </a:xfrm>
+          <a:prstGeom prst="straightConnector1">
+            <a:avLst/>
+          </a:prstGeom>
+          <a:ln w="28575">
+            <a:solidFill>
+              <a:schemeClr val="tx1"/>
+            </a:solidFill>
+            <a:tailEnd type="arrow"/>
+          </a:ln>
+        </p:spPr>
+        <p:style>
+          <a:lnRef idx="1">
+            <a:schemeClr val="accent1"/>
+          </a:lnRef>
+          <a:fillRef idx="0">
+            <a:schemeClr val="accent1"/>
+          </a:fillRef>
+          <a:effectRef idx="0">
+            <a:schemeClr val="accent1"/>
+          </a:effectRef>
+          <a:fontRef idx="minor">
+            <a:schemeClr val="tx1"/>
+          </a:fontRef>
+        </p:style>
+      </p:cxnSp>
+      <p:sp>
+        <p:nvSpPr>
+          <p:cNvPr id="80" name="TextBox 79"/>
+          <p:cNvSpPr txBox="1"/>
+          <p:nvPr/>
+        </p:nvSpPr>
+        <p:spPr>
+          <a:xfrm>
+            <a:off x="6232408" y="5848454"/>
+            <a:ext cx="720080" cy="307777"/>
+          </a:xfrm>
+          <a:prstGeom prst="rect">
+            <a:avLst/>
+          </a:prstGeom>
+          <a:noFill/>
+        </p:spPr>
+        <p:txBody>
+          <a:bodyPr wrap="square" rtlCol="0">
+            <a:spAutoFit/>
+          </a:bodyPr>
+          <a:lstStyle/>
+          <a:p>
+            <a:r>
+              <a:rPr lang="pt-BR" sz="1400" b="1" dirty="0" smtClean="0"/>
+              <a:t>NULL</a:t>
+            </a:r>
+            <a:endParaRPr lang="en-US" sz="1400" b="1" dirty="0"/>
+          </a:p>
+        </p:txBody>
+      </p:sp>
+      <p:sp>
+        <p:nvSpPr>
+          <p:cNvPr id="81" name="Rounded Rectangle 80"/>
+          <p:cNvSpPr/>
+          <p:nvPr/>
+        </p:nvSpPr>
+        <p:spPr>
+          <a:xfrm>
+            <a:off x="251520" y="5517232"/>
+            <a:ext cx="6700968" cy="936104"/>
+          </a:xfrm>
+          <a:prstGeom prst="roundRect">
+            <a:avLst/>
+          </a:prstGeom>
+          <a:noFill/>
+          <a:ln w="28575">
+            <a:solidFill>
+              <a:schemeClr val="tx1"/>
+            </a:solidFill>
+          </a:ln>
+        </p:spPr>
+        <p:style>
+          <a:lnRef idx="2">
+            <a:schemeClr val="accent1">
+              <a:shade val="50000"/>
+            </a:schemeClr>
+          </a:lnRef>
+          <a:fillRef idx="1">
+            <a:schemeClr val="accent1"/>
+          </a:fillRef>
+          <a:effectRef idx="0">
+            <a:schemeClr val="accent1"/>
+          </a:effectRef>
+          <a:fontRef idx="minor">
+            <a:schemeClr val="lt1"/>
+          </a:fontRef>
+        </p:style>
+        <p:txBody>
+          <a:bodyPr rtlCol="0" anchor="ctr"/>
+          <a:lstStyle/>
+          <a:p>
+            <a:pPr algn="ctr"/>
+            <a:endParaRPr lang="en-US"/>
+          </a:p>
+        </p:txBody>
+      </p:sp>
+      <p:sp>
+        <p:nvSpPr>
+          <p:cNvPr id="82" name="Rounded Rectangle 81"/>
+          <p:cNvSpPr/>
+          <p:nvPr/>
+        </p:nvSpPr>
+        <p:spPr>
+          <a:xfrm>
+            <a:off x="251520" y="4293096"/>
+            <a:ext cx="8640960" cy="936104"/>
+          </a:xfrm>
+          <a:prstGeom prst="roundRect">
+            <a:avLst/>
+          </a:prstGeom>
+          <a:noFill/>
+          <a:ln w="28575">
+            <a:solidFill>
+              <a:schemeClr val="tx1"/>
+            </a:solidFill>
+          </a:ln>
+        </p:spPr>
+        <p:style>
+          <a:lnRef idx="2">
+            <a:schemeClr val="accent1">
+              <a:shade val="50000"/>
+            </a:schemeClr>
+          </a:lnRef>
+          <a:fillRef idx="1">
+            <a:schemeClr val="accent1"/>
+          </a:fillRef>
+          <a:effectRef idx="0">
+            <a:schemeClr val="accent1"/>
+          </a:effectRef>
+          <a:fontRef idx="minor">
+            <a:schemeClr val="lt1"/>
+          </a:fontRef>
+        </p:style>
+        <p:txBody>
+          <a:bodyPr rtlCol="0" anchor="ctr"/>
+          <a:lstStyle/>
+          <a:p>
+            <a:pPr algn="ctr"/>
+            <a:endParaRPr lang="en-US"/>
+          </a:p>
+        </p:txBody>
+      </p:sp>
+      <p:cxnSp>
+        <p:nvCxnSpPr>
+          <p:cNvPr id="84" name="Straight Arrow Connector 83"/>
+          <p:cNvCxnSpPr/>
+          <p:nvPr/>
+        </p:nvCxnSpPr>
+        <p:spPr>
+          <a:xfrm>
+            <a:off x="1079159" y="5229200"/>
+            <a:ext cx="0" cy="288032"/>
+          </a:xfrm>
+          <a:prstGeom prst="straightConnector1">
+            <a:avLst/>
+          </a:prstGeom>
+          <a:ln w="28575">
+            <a:solidFill>
+              <a:schemeClr val="tx1"/>
+            </a:solidFill>
+            <a:tailEnd type="arrow"/>
+          </a:ln>
+        </p:spPr>
+        <p:style>
+          <a:lnRef idx="1">
+            <a:schemeClr val="accent1"/>
+          </a:lnRef>
+          <a:fillRef idx="0">
+            <a:schemeClr val="accent1"/>
+          </a:fillRef>
+          <a:effectRef idx="0">
+            <a:schemeClr val="accent1"/>
+          </a:effectRef>
+          <a:fontRef idx="minor">
+            <a:schemeClr val="tx1"/>
+          </a:fontRef>
+        </p:style>
+      </p:cxnSp>
+      <p:pic>
+        <p:nvPicPr>
+          <p:cNvPr id="3074" name="Picture 2"/>
+          <p:cNvPicPr>
+            <a:picLocks noChangeAspect="1" noChangeArrowheads="1"/>
+          </p:cNvPicPr>
+          <p:nvPr/>
+        </p:nvPicPr>
+        <p:blipFill>
+          <a:blip r:embed="rId2">
+            <a:extLst>
+              <a:ext uri="{28A0092B-C50C-407E-A947-70E740481C1C}">
+                <a14:useLocalDpi xmlns:a14="http://schemas.microsoft.com/office/drawing/2010/main" val="0"/>
+              </a:ext>
+            </a:extLst>
+          </a:blip>
+          <a:srcRect/>
+          <a:stretch>
+            <a:fillRect/>
+          </a:stretch>
+        </p:blipFill>
+        <p:spPr bwMode="auto">
+          <a:xfrm>
+            <a:off x="2871681" y="3284984"/>
+            <a:ext cx="2852447" cy="517202"/>
+          </a:xfrm>
+          <a:prstGeom prst="rect">
+            <a:avLst/>
+          </a:prstGeom>
+          <a:noFill/>
+          <a:ln>
+            <a:noFill/>
+          </a:ln>
+          <a:effectLst/>
+          <a:extLst>
+            <a:ext uri="{909E8E84-426E-40DD-AFC4-6F175D3DCCD1}">
+              <a14:hiddenFill xmlns:a14="http://schemas.microsoft.com/office/drawing/2010/main">
+                <a:solidFill>
+                  <a:schemeClr val="accent1"/>
+                </a:solidFill>
+              </a14:hiddenFill>
+            </a:ext>
+            <a:ext uri="{91240B29-F687-4F45-9708-019B960494DF}">
+              <a14:hiddenLine xmlns:a14="http://schemas.microsoft.com/office/drawing/2010/main" w="9525">
+                <a:solidFill>
+                  <a:schemeClr val="tx1"/>
+                </a:solidFill>
+                <a:miter lim="800000"/>
+                <a:headEnd/>
+                <a:tailEnd/>
+              </a14:hiddenLine>
+            </a:ext>
+            <a:ext uri="{AF507438-7753-43E0-B8FC-AC1667EBCBE1}">
+              <a14:hiddenEffects xmlns:a14="http://schemas.microsoft.com/office/drawing/2010/main">
+                <a:effectLst>
+                  <a:outerShdw dist="35921" dir="2700000" algn="ctr" rotWithShape="0">
+                    <a:schemeClr val="bg2"/>
+                  </a:outerShdw>
+                </a:effectLst>
+              </a14:hiddenEffects>
+            </a:ext>
+          </a:extLst>
+        </p:spPr>
+      </p:pic>
+      <p:pic>
+        <p:nvPicPr>
+          <p:cNvPr id="3075" name="Picture 3"/>
+          <p:cNvPicPr>
+            <a:picLocks noChangeAspect="1" noChangeArrowheads="1"/>
+          </p:cNvPicPr>
+          <p:nvPr/>
+        </p:nvPicPr>
+        <p:blipFill>
+          <a:blip r:embed="rId3">
+            <a:extLst>
+              <a:ext uri="{28A0092B-C50C-407E-A947-70E740481C1C}">
+                <a14:useLocalDpi xmlns:a14="http://schemas.microsoft.com/office/drawing/2010/main" val="0"/>
+              </a:ext>
+            </a:extLst>
+          </a:blip>
+          <a:srcRect/>
+          <a:stretch>
+            <a:fillRect/>
+          </a:stretch>
+        </p:blipFill>
+        <p:spPr bwMode="auto">
+          <a:xfrm>
+            <a:off x="1363761" y="1340768"/>
+            <a:ext cx="5724270" cy="1369690"/>
+          </a:xfrm>
+          <a:prstGeom prst="rect">
+            <a:avLst/>
+          </a:prstGeom>
+          <a:noFill/>
+          <a:ln>
+            <a:noFill/>
+          </a:ln>
+          <a:effectLst/>
+          <a:extLst>
+            <a:ext uri="{909E8E84-426E-40DD-AFC4-6F175D3DCCD1}">
+              <a14:hiddenFill xmlns:a14="http://schemas.microsoft.com/office/drawing/2010/main">
+                <a:solidFill>
+                  <a:schemeClr val="accent1"/>
+                </a:solidFill>
+              </a14:hiddenFill>
+            </a:ext>
+            <a:ext uri="{91240B29-F687-4F45-9708-019B960494DF}">
+              <a14:hiddenLine xmlns:a14="http://schemas.microsoft.com/office/drawing/2010/main" w="9525">
+                <a:solidFill>
+                  <a:schemeClr val="tx1"/>
+                </a:solidFill>
+                <a:miter lim="800000"/>
+                <a:headEnd/>
+                <a:tailEnd/>
+              </a14:hiddenLine>
+            </a:ext>
+            <a:ext uri="{AF507438-7753-43E0-B8FC-AC1667EBCBE1}">
+              <a14:hiddenEffects xmlns:a14="http://schemas.microsoft.com/office/drawing/2010/main">
+                <a:effectLst>
+                  <a:outerShdw dist="35921" dir="2700000" algn="ctr" rotWithShape="0">
+                    <a:schemeClr val="bg2"/>
+                  </a:outerShdw>
+                </a:effectLst>
+              </a14:hiddenEffects>
+            </a:ext>
+          </a:extLst>
+        </p:spPr>
+      </p:pic>
     </p:spTree>
+    <p:extLst>
+      <p:ext uri="{BB962C8B-B14F-4D97-AF65-F5344CB8AC3E}">
+        <p14:creationId xmlns:p14="http://schemas.microsoft.com/office/powerpoint/2010/main" val="2418237388"/>
+      </p:ext>
+    </p:extLst>
   </p:cSld>
   <p:clrMapOvr>
     <a:masterClrMapping/>
   </p:clrMapOvr>
+  <p:timing>
+    <p:tnLst>
+      <p:par>
+        <p:cTn id="1" dur="indefinite" restart="never" nodeType="tmRoot">
+          <p:childTnLst>
+            <p:seq concurrent="1" nextAc="seek">
+              <p:cTn id="2" dur="indefinite" nodeType="mainSeq">
+                <p:childTnLst>
+                  <p:par>
+                    <p:cTn id="3" fill="hold">
+                      <p:stCondLst>
+                        <p:cond delay="indefinite"/>
+                      </p:stCondLst>
+                      <p:childTnLst>
+                        <p:par>
+                          <p:cTn id="4" fill="hold">
+                            <p:stCondLst>
+                              <p:cond delay="0"/>
+                            </p:stCondLst>
+                            <p:childTnLst>
+                              <p:par>
+                                <p:cTn id="5" presetID="1" presetClass="entr" presetSubtype="0" fill="hold" nodeType="clickEffect">
+                                  <p:stCondLst>
+                                    <p:cond delay="0"/>
+                                  </p:stCondLst>
+                                  <p:childTnLst>
+                                    <p:set>
+                                      <p:cBhvr>
+                                        <p:cTn id="6" dur="1" fill="hold">
+                                          <p:stCondLst>
+                                            <p:cond delay="0"/>
+                                          </p:stCondLst>
+                                        </p:cTn>
+                                        <p:tgtEl>
+                                          <p:spTgt spid="3075"/>
+                                        </p:tgtEl>
+                                        <p:attrNameLst>
+                                          <p:attrName>style.visibility</p:attrName>
+                                        </p:attrNameLst>
+                                      </p:cBhvr>
+                                      <p:to>
+                                        <p:strVal val="visible"/>
+                                      </p:to>
+                                    </p:set>
+                                  </p:childTnLst>
+                                </p:cTn>
+                              </p:par>
+                            </p:childTnLst>
+                          </p:cTn>
+                        </p:par>
+                      </p:childTnLst>
+                    </p:cTn>
+                  </p:par>
+                  <p:par>
+                    <p:cTn id="7" fill="hold">
+                      <p:stCondLst>
+                        <p:cond delay="indefinite"/>
+                      </p:stCondLst>
+                      <p:childTnLst>
+                        <p:par>
+                          <p:cTn id="8" fill="hold">
+                            <p:stCondLst>
+                              <p:cond delay="0"/>
+                            </p:stCondLst>
+                            <p:childTnLst>
+                              <p:par>
+                                <p:cTn id="9" presetID="1" presetClass="entr" presetSubtype="0" fill="hold" nodeType="clickEffect">
+                                  <p:stCondLst>
+                                    <p:cond delay="0"/>
+                                  </p:stCondLst>
+                                  <p:childTnLst>
+                                    <p:set>
+                                      <p:cBhvr>
+                                        <p:cTn id="10" dur="1" fill="hold">
+                                          <p:stCondLst>
+                                            <p:cond delay="0"/>
+                                          </p:stCondLst>
+                                        </p:cTn>
+                                        <p:tgtEl>
+                                          <p:spTgt spid="3074"/>
+                                        </p:tgtEl>
+                                        <p:attrNameLst>
+                                          <p:attrName>style.visibility</p:attrName>
+                                        </p:attrNameLst>
+                                      </p:cBhvr>
+                                      <p:to>
+                                        <p:strVal val="visible"/>
+                                      </p:to>
+                                    </p:set>
+                                  </p:childTnLst>
+                                </p:cTn>
+                              </p:par>
+                            </p:childTnLst>
+                          </p:cTn>
+                        </p:par>
+                      </p:childTnLst>
+                    </p:cTn>
+                  </p:par>
+                  <p:par>
+                    <p:cTn id="11" fill="hold">
+                      <p:stCondLst>
+                        <p:cond delay="indefinite"/>
+                      </p:stCondLst>
+                      <p:childTnLst>
+                        <p:par>
+                          <p:cTn id="12" fill="hold">
+                            <p:stCondLst>
+                              <p:cond delay="0"/>
+                            </p:stCondLst>
+                            <p:childTnLst>
+                              <p:par>
+                                <p:cTn id="13" presetID="1" presetClass="entr" presetSubtype="0" fill="hold" nodeType="clickEffect">
+                                  <p:stCondLst>
+                                    <p:cond delay="0"/>
+                                  </p:stCondLst>
+                                  <p:childTnLst>
+                                    <p:set>
+                                      <p:cBhvr>
+                                        <p:cTn id="14" dur="1" fill="hold">
+                                          <p:stCondLst>
+                                            <p:cond delay="0"/>
+                                          </p:stCondLst>
+                                        </p:cTn>
+                                        <p:tgtEl>
+                                          <p:spTgt spid="39"/>
+                                        </p:tgtEl>
+                                        <p:attrNameLst>
+                                          <p:attrName>style.visibility</p:attrName>
+                                        </p:attrNameLst>
+                                      </p:cBhvr>
+                                      <p:to>
+                                        <p:strVal val="visible"/>
+                                      </p:to>
+                                    </p:set>
+                                  </p:childTnLst>
+                                </p:cTn>
+                              </p:par>
+                              <p:par>
+                                <p:cTn id="15" presetID="1" presetClass="entr" presetSubtype="0" fill="hold" nodeType="withEffect">
+                                  <p:stCondLst>
+                                    <p:cond delay="0"/>
+                                  </p:stCondLst>
+                                  <p:childTnLst>
+                                    <p:set>
+                                      <p:cBhvr>
+                                        <p:cTn id="16" dur="1" fill="hold">
+                                          <p:stCondLst>
+                                            <p:cond delay="0"/>
+                                          </p:stCondLst>
+                                        </p:cTn>
+                                        <p:tgtEl>
+                                          <p:spTgt spid="40"/>
+                                        </p:tgtEl>
+                                        <p:attrNameLst>
+                                          <p:attrName>style.visibility</p:attrName>
+                                        </p:attrNameLst>
+                                      </p:cBhvr>
+                                      <p:to>
+                                        <p:strVal val="visible"/>
+                                      </p:to>
+                                    </p:set>
+                                  </p:childTnLst>
+                                </p:cTn>
+                              </p:par>
+                              <p:par>
+                                <p:cTn id="17" presetID="1" presetClass="entr" presetSubtype="0" fill="hold" nodeType="withEffect">
+                                  <p:stCondLst>
+                                    <p:cond delay="0"/>
+                                  </p:stCondLst>
+                                  <p:childTnLst>
+                                    <p:set>
+                                      <p:cBhvr>
+                                        <p:cTn id="18" dur="1" fill="hold">
+                                          <p:stCondLst>
+                                            <p:cond delay="0"/>
+                                          </p:stCondLst>
+                                        </p:cTn>
+                                        <p:tgtEl>
+                                          <p:spTgt spid="44"/>
+                                        </p:tgtEl>
+                                        <p:attrNameLst>
+                                          <p:attrName>style.visibility</p:attrName>
+                                        </p:attrNameLst>
+                                      </p:cBhvr>
+                                      <p:to>
+                                        <p:strVal val="visible"/>
+                                      </p:to>
+                                    </p:set>
+                                  </p:childTnLst>
+                                </p:cTn>
+                              </p:par>
+                              <p:par>
+                                <p:cTn id="19" presetID="1" presetClass="entr" presetSubtype="0" fill="hold" nodeType="withEffect">
+                                  <p:stCondLst>
+                                    <p:cond delay="0"/>
+                                  </p:stCondLst>
+                                  <p:childTnLst>
+                                    <p:set>
+                                      <p:cBhvr>
+                                        <p:cTn id="20" dur="1" fill="hold">
+                                          <p:stCondLst>
+                                            <p:cond delay="0"/>
+                                          </p:stCondLst>
+                                        </p:cTn>
+                                        <p:tgtEl>
+                                          <p:spTgt spid="48"/>
+                                        </p:tgtEl>
+                                        <p:attrNameLst>
+                                          <p:attrName>style.visibility</p:attrName>
+                                        </p:attrNameLst>
+                                      </p:cBhvr>
+                                      <p:to>
+                                        <p:strVal val="visible"/>
+                                      </p:to>
+                                    </p:set>
+                                  </p:childTnLst>
+                                </p:cTn>
+                              </p:par>
+                              <p:par>
+                                <p:cTn id="21" presetID="1" presetClass="entr" presetSubtype="0" fill="hold" nodeType="withEffect">
+                                  <p:stCondLst>
+                                    <p:cond delay="0"/>
+                                  </p:stCondLst>
+                                  <p:childTnLst>
+                                    <p:set>
+                                      <p:cBhvr>
+                                        <p:cTn id="22" dur="1" fill="hold">
+                                          <p:stCondLst>
+                                            <p:cond delay="0"/>
+                                          </p:stCondLst>
+                                        </p:cTn>
+                                        <p:tgtEl>
+                                          <p:spTgt spid="53"/>
+                                        </p:tgtEl>
+                                        <p:attrNameLst>
+                                          <p:attrName>style.visibility</p:attrName>
+                                        </p:attrNameLst>
+                                      </p:cBhvr>
+                                      <p:to>
+                                        <p:strVal val="visible"/>
+                                      </p:to>
+                                    </p:set>
+                                  </p:childTnLst>
+                                </p:cTn>
+                              </p:par>
+                              <p:par>
+                                <p:cTn id="23" presetID="1" presetClass="entr" presetSubtype="0" fill="hold" nodeType="withEffect">
+                                  <p:stCondLst>
+                                    <p:cond delay="0"/>
+                                  </p:stCondLst>
+                                  <p:childTnLst>
+                                    <p:set>
+                                      <p:cBhvr>
+                                        <p:cTn id="24" dur="1" fill="hold">
+                                          <p:stCondLst>
+                                            <p:cond delay="0"/>
+                                          </p:stCondLst>
+                                        </p:cTn>
+                                        <p:tgtEl>
+                                          <p:spTgt spid="56"/>
+                                        </p:tgtEl>
+                                        <p:attrNameLst>
+                                          <p:attrName>style.visibility</p:attrName>
+                                        </p:attrNameLst>
+                                      </p:cBhvr>
+                                      <p:to>
+                                        <p:strVal val="visible"/>
+                                      </p:to>
+                                    </p:set>
+                                  </p:childTnLst>
+                                </p:cTn>
+                              </p:par>
+                              <p:par>
+                                <p:cTn id="25" presetID="1" presetClass="entr" presetSubtype="0" fill="hold" nodeType="withEffect">
+                                  <p:stCondLst>
+                                    <p:cond delay="0"/>
+                                  </p:stCondLst>
+                                  <p:childTnLst>
+                                    <p:set>
+                                      <p:cBhvr>
+                                        <p:cTn id="26" dur="1" fill="hold">
+                                          <p:stCondLst>
+                                            <p:cond delay="0"/>
+                                          </p:stCondLst>
+                                        </p:cTn>
+                                        <p:tgtEl>
+                                          <p:spTgt spid="57"/>
+                                        </p:tgtEl>
+                                        <p:attrNameLst>
+                                          <p:attrName>style.visibility</p:attrName>
+                                        </p:attrNameLst>
+                                      </p:cBhvr>
+                                      <p:to>
+                                        <p:strVal val="visible"/>
+                                      </p:to>
+                                    </p:set>
+                                  </p:childTnLst>
+                                </p:cTn>
+                              </p:par>
+                              <p:par>
+                                <p:cTn id="27" presetID="1" presetClass="entr" presetSubtype="0" fill="hold" nodeType="withEffect">
+                                  <p:stCondLst>
+                                    <p:cond delay="0"/>
+                                  </p:stCondLst>
+                                  <p:childTnLst>
+                                    <p:set>
+                                      <p:cBhvr>
+                                        <p:cTn id="28" dur="1" fill="hold">
+                                          <p:stCondLst>
+                                            <p:cond delay="0"/>
+                                          </p:stCondLst>
+                                        </p:cTn>
+                                        <p:tgtEl>
+                                          <p:spTgt spid="58"/>
+                                        </p:tgtEl>
+                                        <p:attrNameLst>
+                                          <p:attrName>style.visibility</p:attrName>
+                                        </p:attrNameLst>
+                                      </p:cBhvr>
+                                      <p:to>
+                                        <p:strVal val="visible"/>
+                                      </p:to>
+                                    </p:set>
+                                  </p:childTnLst>
+                                </p:cTn>
+                              </p:par>
+                              <p:par>
+                                <p:cTn id="29" presetID="1" presetClass="entr" presetSubtype="0" fill="hold" grpId="0" nodeType="withEffect">
+                                  <p:stCondLst>
+                                    <p:cond delay="0"/>
+                                  </p:stCondLst>
+                                  <p:childTnLst>
+                                    <p:set>
+                                      <p:cBhvr>
+                                        <p:cTn id="30" dur="1" fill="hold">
+                                          <p:stCondLst>
+                                            <p:cond delay="0"/>
+                                          </p:stCondLst>
+                                        </p:cTn>
+                                        <p:tgtEl>
+                                          <p:spTgt spid="59"/>
+                                        </p:tgtEl>
+                                        <p:attrNameLst>
+                                          <p:attrName>style.visibility</p:attrName>
+                                        </p:attrNameLst>
+                                      </p:cBhvr>
+                                      <p:to>
+                                        <p:strVal val="visible"/>
+                                      </p:to>
+                                    </p:set>
+                                  </p:childTnLst>
+                                </p:cTn>
+                              </p:par>
+                              <p:par>
+                                <p:cTn id="31" presetID="1" presetClass="entr" presetSubtype="0" fill="hold" nodeType="withEffect">
+                                  <p:stCondLst>
+                                    <p:cond delay="0"/>
+                                  </p:stCondLst>
+                                  <p:childTnLst>
+                                    <p:set>
+                                      <p:cBhvr>
+                                        <p:cTn id="32" dur="1" fill="hold">
+                                          <p:stCondLst>
+                                            <p:cond delay="0"/>
+                                          </p:stCondLst>
+                                        </p:cTn>
+                                        <p:tgtEl>
+                                          <p:spTgt spid="64"/>
+                                        </p:tgtEl>
+                                        <p:attrNameLst>
+                                          <p:attrName>style.visibility</p:attrName>
+                                        </p:attrNameLst>
+                                      </p:cBhvr>
+                                      <p:to>
+                                        <p:strVal val="visible"/>
+                                      </p:to>
+                                    </p:set>
+                                  </p:childTnLst>
+                                </p:cTn>
+                              </p:par>
+                              <p:par>
+                                <p:cTn id="33" presetID="1" presetClass="entr" presetSubtype="0" fill="hold" nodeType="withEffect">
+                                  <p:stCondLst>
+                                    <p:cond delay="0"/>
+                                  </p:stCondLst>
+                                  <p:childTnLst>
+                                    <p:set>
+                                      <p:cBhvr>
+                                        <p:cTn id="34" dur="1" fill="hold">
+                                          <p:stCondLst>
+                                            <p:cond delay="0"/>
+                                          </p:stCondLst>
+                                        </p:cTn>
+                                        <p:tgtEl>
+                                          <p:spTgt spid="68"/>
+                                        </p:tgtEl>
+                                        <p:attrNameLst>
+                                          <p:attrName>style.visibility</p:attrName>
+                                        </p:attrNameLst>
+                                      </p:cBhvr>
+                                      <p:to>
+                                        <p:strVal val="visible"/>
+                                      </p:to>
+                                    </p:set>
+                                  </p:childTnLst>
+                                </p:cTn>
+                              </p:par>
+                              <p:par>
+                                <p:cTn id="35" presetID="1" presetClass="entr" presetSubtype="0" fill="hold" nodeType="withEffect">
+                                  <p:stCondLst>
+                                    <p:cond delay="0"/>
+                                  </p:stCondLst>
+                                  <p:childTnLst>
+                                    <p:set>
+                                      <p:cBhvr>
+                                        <p:cTn id="36" dur="1" fill="hold">
+                                          <p:stCondLst>
+                                            <p:cond delay="0"/>
+                                          </p:stCondLst>
+                                        </p:cTn>
+                                        <p:tgtEl>
+                                          <p:spTgt spid="72"/>
+                                        </p:tgtEl>
+                                        <p:attrNameLst>
+                                          <p:attrName>style.visibility</p:attrName>
+                                        </p:attrNameLst>
+                                      </p:cBhvr>
+                                      <p:to>
+                                        <p:strVal val="visible"/>
+                                      </p:to>
+                                    </p:set>
+                                  </p:childTnLst>
+                                </p:cTn>
+                              </p:par>
+                              <p:par>
+                                <p:cTn id="37" presetID="1" presetClass="entr" presetSubtype="0" fill="hold" nodeType="withEffect">
+                                  <p:stCondLst>
+                                    <p:cond delay="0"/>
+                                  </p:stCondLst>
+                                  <p:childTnLst>
+                                    <p:set>
+                                      <p:cBhvr>
+                                        <p:cTn id="38" dur="1" fill="hold">
+                                          <p:stCondLst>
+                                            <p:cond delay="0"/>
+                                          </p:stCondLst>
+                                        </p:cTn>
+                                        <p:tgtEl>
+                                          <p:spTgt spid="77"/>
+                                        </p:tgtEl>
+                                        <p:attrNameLst>
+                                          <p:attrName>style.visibility</p:attrName>
+                                        </p:attrNameLst>
+                                      </p:cBhvr>
+                                      <p:to>
+                                        <p:strVal val="visible"/>
+                                      </p:to>
+                                    </p:set>
+                                  </p:childTnLst>
+                                </p:cTn>
+                              </p:par>
+                              <p:par>
+                                <p:cTn id="39" presetID="1" presetClass="entr" presetSubtype="0" fill="hold" nodeType="withEffect">
+                                  <p:stCondLst>
+                                    <p:cond delay="0"/>
+                                  </p:stCondLst>
+                                  <p:childTnLst>
+                                    <p:set>
+                                      <p:cBhvr>
+                                        <p:cTn id="40" dur="1" fill="hold">
+                                          <p:stCondLst>
+                                            <p:cond delay="0"/>
+                                          </p:stCondLst>
+                                        </p:cTn>
+                                        <p:tgtEl>
+                                          <p:spTgt spid="78"/>
+                                        </p:tgtEl>
+                                        <p:attrNameLst>
+                                          <p:attrName>style.visibility</p:attrName>
+                                        </p:attrNameLst>
+                                      </p:cBhvr>
+                                      <p:to>
+                                        <p:strVal val="visible"/>
+                                      </p:to>
+                                    </p:set>
+                                  </p:childTnLst>
+                                </p:cTn>
+                              </p:par>
+                              <p:par>
+                                <p:cTn id="41" presetID="1" presetClass="entr" presetSubtype="0" fill="hold" nodeType="withEffect">
+                                  <p:stCondLst>
+                                    <p:cond delay="0"/>
+                                  </p:stCondLst>
+                                  <p:childTnLst>
+                                    <p:set>
+                                      <p:cBhvr>
+                                        <p:cTn id="42" dur="1" fill="hold">
+                                          <p:stCondLst>
+                                            <p:cond delay="0"/>
+                                          </p:stCondLst>
+                                        </p:cTn>
+                                        <p:tgtEl>
+                                          <p:spTgt spid="79"/>
+                                        </p:tgtEl>
+                                        <p:attrNameLst>
+                                          <p:attrName>style.visibility</p:attrName>
+                                        </p:attrNameLst>
+                                      </p:cBhvr>
+                                      <p:to>
+                                        <p:strVal val="visible"/>
+                                      </p:to>
+                                    </p:set>
+                                  </p:childTnLst>
+                                </p:cTn>
+                              </p:par>
+                              <p:par>
+                                <p:cTn id="43" presetID="1" presetClass="entr" presetSubtype="0" fill="hold" grpId="0" nodeType="withEffect">
+                                  <p:stCondLst>
+                                    <p:cond delay="0"/>
+                                  </p:stCondLst>
+                                  <p:childTnLst>
+                                    <p:set>
+                                      <p:cBhvr>
+                                        <p:cTn id="44" dur="1" fill="hold">
+                                          <p:stCondLst>
+                                            <p:cond delay="0"/>
+                                          </p:stCondLst>
+                                        </p:cTn>
+                                        <p:tgtEl>
+                                          <p:spTgt spid="80"/>
+                                        </p:tgtEl>
+                                        <p:attrNameLst>
+                                          <p:attrName>style.visibility</p:attrName>
+                                        </p:attrNameLst>
+                                      </p:cBhvr>
+                                      <p:to>
+                                        <p:strVal val="visible"/>
+                                      </p:to>
+                                    </p:set>
+                                  </p:childTnLst>
+                                </p:cTn>
+                              </p:par>
+                              <p:par>
+                                <p:cTn id="45" presetID="1" presetClass="entr" presetSubtype="0" fill="hold" grpId="0" nodeType="withEffect">
+                                  <p:stCondLst>
+                                    <p:cond delay="0"/>
+                                  </p:stCondLst>
+                                  <p:childTnLst>
+                                    <p:set>
+                                      <p:cBhvr>
+                                        <p:cTn id="46" dur="1" fill="hold">
+                                          <p:stCondLst>
+                                            <p:cond delay="0"/>
+                                          </p:stCondLst>
+                                        </p:cTn>
+                                        <p:tgtEl>
+                                          <p:spTgt spid="81"/>
+                                        </p:tgtEl>
+                                        <p:attrNameLst>
+                                          <p:attrName>style.visibility</p:attrName>
+                                        </p:attrNameLst>
+                                      </p:cBhvr>
+                                      <p:to>
+                                        <p:strVal val="visible"/>
+                                      </p:to>
+                                    </p:set>
+                                  </p:childTnLst>
+                                </p:cTn>
+                              </p:par>
+                              <p:par>
+                                <p:cTn id="47" presetID="1" presetClass="entr" presetSubtype="0" fill="hold" grpId="0" nodeType="withEffect">
+                                  <p:stCondLst>
+                                    <p:cond delay="0"/>
+                                  </p:stCondLst>
+                                  <p:childTnLst>
+                                    <p:set>
+                                      <p:cBhvr>
+                                        <p:cTn id="48" dur="1" fill="hold">
+                                          <p:stCondLst>
+                                            <p:cond delay="0"/>
+                                          </p:stCondLst>
+                                        </p:cTn>
+                                        <p:tgtEl>
+                                          <p:spTgt spid="82"/>
+                                        </p:tgtEl>
+                                        <p:attrNameLst>
+                                          <p:attrName>style.visibility</p:attrName>
+                                        </p:attrNameLst>
+                                      </p:cBhvr>
+                                      <p:to>
+                                        <p:strVal val="visible"/>
+                                      </p:to>
+                                    </p:set>
+                                  </p:childTnLst>
+                                </p:cTn>
+                              </p:par>
+                              <p:par>
+                                <p:cTn id="49" presetID="1" presetClass="entr" presetSubtype="0" fill="hold" nodeType="withEffect">
+                                  <p:stCondLst>
+                                    <p:cond delay="0"/>
+                                  </p:stCondLst>
+                                  <p:childTnLst>
+                                    <p:set>
+                                      <p:cBhvr>
+                                        <p:cTn id="50" dur="1" fill="hold">
+                                          <p:stCondLst>
+                                            <p:cond delay="0"/>
+                                          </p:stCondLst>
+                                        </p:cTn>
+                                        <p:tgtEl>
+                                          <p:spTgt spid="84"/>
+                                        </p:tgtEl>
+                                        <p:attrNameLst>
+                                          <p:attrName>style.visibility</p:attrName>
+                                        </p:attrNameLst>
+                                      </p:cBhvr>
+                                      <p:to>
+                                        <p:strVal val="visible"/>
+                                      </p:to>
+                                    </p:set>
+                                  </p:childTnLst>
+                                </p:cTn>
+                              </p:par>
+                            </p:childTnLst>
+                          </p:cTn>
+                        </p:par>
+                      </p:childTnLst>
+                    </p:cTn>
+                  </p:par>
+                </p:childTnLst>
+              </p:cTn>
+              <p:prevCondLst>
+                <p:cond evt="onPrev" delay="0">
+                  <p:tgtEl>
+                    <p:sldTgt/>
+                  </p:tgtEl>
+                </p:cond>
+              </p:prevCondLst>
+              <p:nextCondLst>
+                <p:cond evt="onNext" delay="0">
+                  <p:tgtEl>
+                    <p:sldTgt/>
+                  </p:tgtEl>
+                </p:cond>
+              </p:nextCondLst>
+            </p:seq>
+          </p:childTnLst>
+        </p:cTn>
+      </p:par>
+    </p:tnLst>
+    <p:bldLst>
+      <p:bldP spid="59" grpId="0"/>
+      <p:bldP spid="80" grpId="0"/>
+      <p:bldP spid="81" grpId="0" animBg="1"/>
+      <p:bldP spid="82" grpId="0" animBg="1"/>
+    </p:bldLst>
+  </p:timing>
 </p:sld>
 </file>
 
@@ -6056,7 +9900,7 @@
       </p:grpSpPr>
       <p:sp>
         <p:nvSpPr>
-          <p:cNvPr id="2" name="Título 1"/>
+          <p:cNvPr id="2" name="Title 1"/>
           <p:cNvSpPr>
             <a:spLocks noGrp="1"/>
           </p:cNvSpPr>
@@ -6071,54 +9915,324 @@
           <a:p>
             <a:r>
               <a:rPr lang="pt-BR" dirty="0" smtClean="0"/>
-              <a:t>Tabela de Instruções</a:t>
-            </a:r>
-            <a:endParaRPr lang="pt-BR" dirty="0"/>
-          </a:p>
-        </p:txBody>
-      </p:sp>
-      <p:sp>
-        <p:nvSpPr>
-          <p:cNvPr id="3" name="Espaço Reservado para Conteúdo 2"/>
-          <p:cNvSpPr>
-            <a:spLocks noGrp="1"/>
-          </p:cNvSpPr>
+              <a:t>Lista de instruções</a:t>
+            </a:r>
+            <a:endParaRPr lang="en-US" dirty="0"/>
+          </a:p>
+        </p:txBody>
+      </p:sp>
+      <p:graphicFrame>
+        <p:nvGraphicFramePr>
+          <p:cNvPr id="5" name="Table 4"/>
+          <p:cNvGraphicFramePr>
+            <a:graphicFrameLocks noGrp="1"/>
+          </p:cNvGraphicFramePr>
           <p:nvPr>
-            <p:ph sz="half" idx="1"/>
+            <p:extLst>
+              <p:ext uri="{D42A27DB-BD31-4B8C-83A1-F6EECF244321}">
+                <p14:modId xmlns:p14="http://schemas.microsoft.com/office/powerpoint/2010/main" val="522092319"/>
+              </p:ext>
+            </p:extLst>
           </p:nvPr>
-        </p:nvSpPr>
-        <p:spPr>
-          <a:xfrm>
-            <a:off x="304800" y="1600200"/>
-            <a:ext cx="8371656" cy="1396752"/>
-          </a:xfrm>
-        </p:spPr>
-        <p:txBody>
-          <a:bodyPr/>
-          <a:lstStyle/>
-          <a:p>
-            <a:r>
-              <a:rPr lang="pt-BR" dirty="0" smtClean="0"/>
-              <a:t>Usando a mesma ideia da tabela de Registradores, foi definido um vetor com todas as instruções que seriam usadas:</a:t>
-            </a:r>
-          </a:p>
-          <a:p>
-            <a:endParaRPr lang="pt-BR" dirty="0"/>
-          </a:p>
-        </p:txBody>
-      </p:sp>
+        </p:nvGraphicFramePr>
+        <p:xfrm>
+          <a:off x="1403648" y="5301208"/>
+          <a:ext cx="6480720" cy="741680"/>
+        </p:xfrm>
+        <a:graphic>
+          <a:graphicData uri="http://schemas.openxmlformats.org/drawingml/2006/table">
+            <a:tbl>
+              <a:tblPr firstRow="1" bandRow="1">
+                <a:effectLst>
+                  <a:outerShdw blurRad="50800" dist="38100" dir="8100000" algn="tr" rotWithShape="0">
+                    <a:prstClr val="black">
+                      <a:alpha val="40000"/>
+                    </a:prstClr>
+                  </a:outerShdw>
+                </a:effectLst>
+                <a:tableStyleId>{5940675A-B579-460E-94D1-54222C63F5DA}</a:tableStyleId>
+              </a:tblPr>
+              <a:tblGrid>
+                <a:gridCol w="1016000"/>
+                <a:gridCol w="508000"/>
+                <a:gridCol w="508000"/>
+                <a:gridCol w="1016000"/>
+                <a:gridCol w="1524000"/>
+                <a:gridCol w="1908720"/>
+              </a:tblGrid>
+              <a:tr h="370840">
+                <a:tc gridSpan="2">
+                  <a:txBody>
+                    <a:bodyPr/>
+                    <a:lstStyle/>
+                    <a:p>
+                      <a:r>
+                        <a:rPr lang="pt-BR" dirty="0" smtClean="0"/>
+                        <a:t>index = 0</a:t>
+                      </a:r>
+                      <a:endParaRPr lang="en-US" dirty="0"/>
+                    </a:p>
+                  </a:txBody>
+                  <a:tcPr>
+                    <a:solidFill>
+                      <a:schemeClr val="bg1"/>
+                    </a:solidFill>
+                  </a:tcPr>
+                </a:tc>
+                <a:tc hMerge="1">
+                  <a:txBody>
+                    <a:bodyPr/>
+                    <a:lstStyle/>
+                    <a:p>
+                      <a:endParaRPr lang="en-US"/>
+                    </a:p>
+                  </a:txBody>
+                  <a:tcPr/>
+                </a:tc>
+                <a:tc gridSpan="2">
+                  <a:txBody>
+                    <a:bodyPr/>
+                    <a:lstStyle/>
+                    <a:p>
+                      <a:pPr marL="0" marR="0" indent="0" algn="l" defTabSz="914400" rtl="0" eaLnBrk="1" fontAlgn="auto" latinLnBrk="0" hangingPunct="1">
+                        <a:lnSpc>
+                          <a:spcPct val="100000"/>
+                        </a:lnSpc>
+                        <a:spcBef>
+                          <a:spcPts val="0"/>
+                        </a:spcBef>
+                        <a:spcAft>
+                          <a:spcPts val="0"/>
+                        </a:spcAft>
+                        <a:buClrTx/>
+                        <a:buSzTx/>
+                        <a:buFontTx/>
+                        <a:buNone/>
+                        <a:tabLst/>
+                        <a:defRPr/>
+                      </a:pPr>
+                      <a:r>
+                        <a:rPr lang="pt-BR" dirty="0" err="1" smtClean="0"/>
+                        <a:t>type</a:t>
+                      </a:r>
+                      <a:r>
+                        <a:rPr lang="pt-BR" dirty="0" smtClean="0"/>
+                        <a:t> = TYPE_I</a:t>
+                      </a:r>
+                      <a:endParaRPr lang="en-US" dirty="0" smtClean="0"/>
+                    </a:p>
+                  </a:txBody>
+                  <a:tcPr>
+                    <a:solidFill>
+                      <a:schemeClr val="bg1"/>
+                    </a:solidFill>
+                  </a:tcPr>
+                </a:tc>
+                <a:tc hMerge="1">
+                  <a:txBody>
+                    <a:bodyPr/>
+                    <a:lstStyle/>
+                    <a:p>
+                      <a:endParaRPr lang="en-US"/>
+                    </a:p>
+                  </a:txBody>
+                  <a:tcPr/>
+                </a:tc>
+                <a:tc>
+                  <a:txBody>
+                    <a:bodyPr/>
+                    <a:lstStyle/>
+                    <a:p>
+                      <a:r>
+                        <a:rPr lang="pt-BR" dirty="0" err="1" smtClean="0"/>
+                        <a:t>opcode</a:t>
+                      </a:r>
+                      <a:r>
+                        <a:rPr lang="pt-BR" dirty="0" smtClean="0"/>
+                        <a:t> = 8</a:t>
+                      </a:r>
+                      <a:endParaRPr lang="en-US" dirty="0"/>
+                    </a:p>
+                  </a:txBody>
+                  <a:tcPr>
+                    <a:solidFill>
+                      <a:schemeClr val="bg1"/>
+                    </a:solidFill>
+                  </a:tcPr>
+                </a:tc>
+                <a:tc>
+                  <a:txBody>
+                    <a:bodyPr/>
+                    <a:lstStyle/>
+                    <a:p>
+                      <a:r>
+                        <a:rPr lang="pt-BR" dirty="0" err="1" smtClean="0"/>
+                        <a:t>funct</a:t>
+                      </a:r>
+                      <a:r>
+                        <a:rPr lang="pt-BR" dirty="0" smtClean="0"/>
+                        <a:t> = 0</a:t>
+                      </a:r>
+                      <a:endParaRPr lang="en-US" dirty="0"/>
+                    </a:p>
+                  </a:txBody>
+                  <a:tcPr>
+                    <a:solidFill>
+                      <a:schemeClr val="bg1"/>
+                    </a:solidFill>
+                  </a:tcPr>
+                </a:tc>
+              </a:tr>
+              <a:tr h="370840">
+                <a:tc>
+                  <a:txBody>
+                    <a:bodyPr/>
+                    <a:lstStyle/>
+                    <a:p>
+                      <a:r>
+                        <a:rPr lang="pt-BR" dirty="0" err="1" smtClean="0"/>
+                        <a:t>rs</a:t>
+                      </a:r>
+                      <a:r>
+                        <a:rPr lang="pt-BR" dirty="0" smtClean="0"/>
+                        <a:t> = 8</a:t>
+                      </a:r>
+                      <a:endParaRPr lang="en-US" dirty="0"/>
+                    </a:p>
+                  </a:txBody>
+                  <a:tcPr>
+                    <a:solidFill>
+                      <a:schemeClr val="bg1"/>
+                    </a:solidFill>
+                  </a:tcPr>
+                </a:tc>
+                <a:tc gridSpan="2">
+                  <a:txBody>
+                    <a:bodyPr/>
+                    <a:lstStyle/>
+                    <a:p>
+                      <a:r>
+                        <a:rPr lang="pt-BR" dirty="0" smtClean="0"/>
+                        <a:t>rd =</a:t>
+                      </a:r>
+                      <a:r>
+                        <a:rPr lang="pt-BR" baseline="0" dirty="0" smtClean="0"/>
+                        <a:t> 0</a:t>
+                      </a:r>
+                      <a:endParaRPr lang="en-US" dirty="0"/>
+                    </a:p>
+                  </a:txBody>
+                  <a:tcPr>
+                    <a:solidFill>
+                      <a:schemeClr val="bg1"/>
+                    </a:solidFill>
+                  </a:tcPr>
+                </a:tc>
+                <a:tc hMerge="1">
+                  <a:txBody>
+                    <a:bodyPr/>
+                    <a:lstStyle/>
+                    <a:p>
+                      <a:endParaRPr lang="en-US" dirty="0"/>
+                    </a:p>
+                  </a:txBody>
+                  <a:tcPr>
+                    <a:solidFill>
+                      <a:schemeClr val="bg1"/>
+                    </a:solidFill>
+                  </a:tcPr>
+                </a:tc>
+                <a:tc>
+                  <a:txBody>
+                    <a:bodyPr/>
+                    <a:lstStyle/>
+                    <a:p>
+                      <a:r>
+                        <a:rPr lang="pt-BR" dirty="0" err="1" smtClean="0"/>
+                        <a:t>rt</a:t>
+                      </a:r>
+                      <a:r>
+                        <a:rPr lang="pt-BR" dirty="0" smtClean="0"/>
+                        <a:t> = 10</a:t>
+                      </a:r>
+                      <a:endParaRPr lang="en-US" dirty="0"/>
+                    </a:p>
+                  </a:txBody>
+                  <a:tcPr>
+                    <a:solidFill>
+                      <a:schemeClr val="bg1"/>
+                    </a:solidFill>
+                  </a:tcPr>
+                </a:tc>
+                <a:tc>
+                  <a:txBody>
+                    <a:bodyPr/>
+                    <a:lstStyle/>
+                    <a:p>
+                      <a:r>
+                        <a:rPr lang="pt-BR" dirty="0" err="1" smtClean="0"/>
+                        <a:t>imm</a:t>
+                      </a:r>
+                      <a:r>
+                        <a:rPr lang="pt-BR" dirty="0" smtClean="0"/>
+                        <a:t> =  4</a:t>
+                      </a:r>
+                      <a:endParaRPr lang="en-US" dirty="0"/>
+                    </a:p>
+                  </a:txBody>
+                  <a:tcPr>
+                    <a:solidFill>
+                      <a:schemeClr val="bg1"/>
+                    </a:solidFill>
+                  </a:tcPr>
+                </a:tc>
+                <a:tc>
+                  <a:txBody>
+                    <a:bodyPr/>
+                    <a:lstStyle/>
+                    <a:p>
+                      <a:r>
+                        <a:rPr lang="pt-BR" dirty="0" err="1" smtClean="0"/>
+                        <a:t>symbol</a:t>
+                      </a:r>
+                      <a:r>
+                        <a:rPr lang="pt-BR" dirty="0" smtClean="0"/>
+                        <a:t> = </a:t>
+                      </a:r>
+                      <a:r>
+                        <a:rPr lang="pt-BR" baseline="0" dirty="0" smtClean="0"/>
+                        <a:t> NULL</a:t>
+                      </a:r>
+                      <a:endParaRPr lang="en-US" dirty="0"/>
+                    </a:p>
+                  </a:txBody>
+                  <a:tcPr>
+                    <a:solidFill>
+                      <a:schemeClr val="bg1"/>
+                    </a:solidFill>
+                  </a:tcPr>
+                </a:tc>
+              </a:tr>
+            </a:tbl>
+          </a:graphicData>
+        </a:graphic>
+      </p:graphicFrame>
       <p:pic>
         <p:nvPicPr>
-          <p:cNvPr id="3074" name="Picture 2"/>
+          <p:cNvPr id="2051" name="Picture 3"/>
           <p:cNvPicPr>
-            <a:picLocks noGrp="1" noChangeAspect="1" noChangeArrowheads="1"/>
+            <a:picLocks noChangeAspect="1" noChangeArrowheads="1"/>
           </p:cNvPicPr>
-          <p:nvPr>
-            <p:ph sz="half" idx="2"/>
-          </p:nvPr>
+          <p:nvPr/>
         </p:nvPicPr>
         <p:blipFill>
-          <a:blip r:embed="rId2" cstate="print"/>
+          <a:blip r:embed="rId2">
+            <a:extLst>
+              <a:ext uri="{28A0092B-C50C-407E-A947-70E740481C1C}">
+                <a14:useLocalDpi xmlns:a14="http://schemas.microsoft.com/office/drawing/2010/main" val="0"/>
+              </a:ext>
+            </a:extLst>
+          </a:blip>
           <a:srcRect/>
           <a:stretch>
             <a:fillRect/>
@@ -6126,26 +10240,1341 @@
         </p:blipFill>
         <p:spPr bwMode="auto">
           <a:xfrm>
-            <a:off x="539552" y="3140968"/>
-            <a:ext cx="8163248" cy="2880320"/>
+            <a:off x="1979712" y="1412776"/>
+            <a:ext cx="5335532" cy="2160240"/>
           </a:xfrm>
           <a:prstGeom prst="rect">
             <a:avLst/>
           </a:prstGeom>
           <a:noFill/>
-          <a:ln w="9525">
+          <a:ln>
             <a:noFill/>
-            <a:miter lim="800000"/>
-            <a:headEnd/>
-            <a:tailEnd/>
+          </a:ln>
+          <a:effectLst/>
+          <a:extLst>
+            <a:ext uri="{909E8E84-426E-40DD-AFC4-6F175D3DCCD1}">
+              <a14:hiddenFill xmlns:a14="http://schemas.microsoft.com/office/drawing/2010/main">
+                <a:solidFill>
+                  <a:schemeClr val="accent1"/>
+                </a:solidFill>
+              </a14:hiddenFill>
+            </a:ext>
+            <a:ext uri="{91240B29-F687-4F45-9708-019B960494DF}">
+              <a14:hiddenLine xmlns:a14="http://schemas.microsoft.com/office/drawing/2010/main" w="9525">
+                <a:solidFill>
+                  <a:schemeClr val="tx1"/>
+                </a:solidFill>
+                <a:miter lim="800000"/>
+                <a:headEnd/>
+                <a:tailEnd/>
+              </a14:hiddenLine>
+            </a:ext>
+            <a:ext uri="{AF507438-7753-43E0-B8FC-AC1667EBCBE1}">
+              <a14:hiddenEffects xmlns:a14="http://schemas.microsoft.com/office/drawing/2010/main">
+                <a:effectLst>
+                  <a:outerShdw dist="35921" dir="2700000" algn="ctr" rotWithShape="0">
+                    <a:schemeClr val="bg2"/>
+                  </a:outerShdw>
+                </a:effectLst>
+              </a14:hiddenEffects>
+            </a:ext>
+          </a:extLst>
+        </p:spPr>
+      </p:pic>
+      <p:grpSp>
+        <p:nvGrpSpPr>
+          <p:cNvPr id="8" name="Group 7"/>
+          <p:cNvGrpSpPr/>
+          <p:nvPr/>
+        </p:nvGrpSpPr>
+        <p:grpSpPr>
+          <a:xfrm>
+            <a:off x="511872" y="3988005"/>
+            <a:ext cx="1719415" cy="648072"/>
+            <a:chOff x="4450987" y="3429000"/>
+            <a:chExt cx="1719415" cy="648072"/>
+          </a:xfrm>
+        </p:grpSpPr>
+        <p:sp>
+          <p:nvSpPr>
+            <p:cNvPr id="9" name="Rounded Rectangle 8"/>
+            <p:cNvSpPr/>
+            <p:nvPr/>
+          </p:nvSpPr>
+          <p:spPr>
+            <a:xfrm>
+              <a:off x="4450987" y="3429000"/>
+              <a:ext cx="1719415" cy="648072"/>
+            </a:xfrm>
+            <a:prstGeom prst="roundRect">
+              <a:avLst/>
+            </a:prstGeom>
+            <a:solidFill>
+              <a:schemeClr val="bg1"/>
+            </a:solidFill>
+            <a:ln>
+              <a:solidFill>
+                <a:schemeClr val="tx1"/>
+              </a:solidFill>
+            </a:ln>
+          </p:spPr>
+          <p:style>
+            <a:lnRef idx="2">
+              <a:schemeClr val="accent1">
+                <a:shade val="50000"/>
+              </a:schemeClr>
+            </a:lnRef>
+            <a:fillRef idx="1">
+              <a:schemeClr val="accent1"/>
+            </a:fillRef>
+            <a:effectRef idx="0">
+              <a:schemeClr val="accent1"/>
+            </a:effectRef>
+            <a:fontRef idx="minor">
+              <a:schemeClr val="lt1"/>
+            </a:fontRef>
+          </p:style>
+          <p:txBody>
+            <a:bodyPr rtlCol="0" anchor="ctr"/>
+            <a:lstStyle/>
+            <a:p>
+              <a:pPr algn="ctr"/>
+              <a:endParaRPr lang="en-US"/>
+            </a:p>
+          </p:txBody>
+        </p:sp>
+        <p:sp>
+          <p:nvSpPr>
+            <p:cNvPr id="10" name="Rounded Rectangle 9"/>
+            <p:cNvSpPr/>
+            <p:nvPr/>
+          </p:nvSpPr>
+          <p:spPr>
+            <a:xfrm>
+              <a:off x="4572000" y="3501008"/>
+              <a:ext cx="590290" cy="504056"/>
+            </a:xfrm>
+            <a:prstGeom prst="roundRect">
+              <a:avLst/>
+            </a:prstGeom>
+            <a:solidFill>
+              <a:schemeClr val="bg1"/>
+            </a:solidFill>
+            <a:ln>
+              <a:solidFill>
+                <a:schemeClr val="tx1"/>
+              </a:solidFill>
+            </a:ln>
+          </p:spPr>
+          <p:style>
+            <a:lnRef idx="2">
+              <a:schemeClr val="accent6"/>
+            </a:lnRef>
+            <a:fillRef idx="1">
+              <a:schemeClr val="lt1"/>
+            </a:fillRef>
+            <a:effectRef idx="0">
+              <a:schemeClr val="accent6"/>
+            </a:effectRef>
+            <a:fontRef idx="minor">
+              <a:schemeClr val="dk1"/>
+            </a:fontRef>
+          </p:style>
+          <p:txBody>
+            <a:bodyPr rtlCol="0" anchor="ctr"/>
+            <a:lstStyle/>
+            <a:p>
+              <a:pPr algn="ctr"/>
+              <a:r>
+                <a:rPr lang="pt-BR" sz="1200" dirty="0" err="1" smtClean="0"/>
+                <a:t>addi</a:t>
+              </a:r>
+              <a:endParaRPr lang="en-US" sz="1200" dirty="0"/>
+            </a:p>
+          </p:txBody>
+        </p:sp>
+        <p:sp>
+          <p:nvSpPr>
+            <p:cNvPr id="11" name="Rounded Rectangle 10"/>
+            <p:cNvSpPr/>
+            <p:nvPr/>
+          </p:nvSpPr>
+          <p:spPr>
+            <a:xfrm>
+              <a:off x="5162290" y="3501008"/>
+              <a:ext cx="792088" cy="504056"/>
+            </a:xfrm>
+            <a:prstGeom prst="roundRect">
+              <a:avLst/>
+            </a:prstGeom>
+            <a:solidFill>
+              <a:schemeClr val="bg1"/>
+            </a:solidFill>
+            <a:ln>
+              <a:solidFill>
+                <a:schemeClr val="tx1"/>
+              </a:solidFill>
+            </a:ln>
+          </p:spPr>
+          <p:style>
+            <a:lnRef idx="2">
+              <a:schemeClr val="accent6"/>
+            </a:lnRef>
+            <a:fillRef idx="1">
+              <a:schemeClr val="lt1"/>
+            </a:fillRef>
+            <a:effectRef idx="0">
+              <a:schemeClr val="accent6"/>
+            </a:effectRef>
+            <a:fontRef idx="minor">
+              <a:schemeClr val="dk1"/>
+            </a:fontRef>
+          </p:style>
+          <p:txBody>
+            <a:bodyPr rtlCol="0" anchor="ctr"/>
+            <a:lstStyle/>
+            <a:p>
+              <a:pPr algn="ctr"/>
+              <a:r>
+                <a:rPr lang="pt-BR" sz="1200" dirty="0" smtClean="0"/>
+                <a:t>TK_INST</a:t>
+              </a:r>
+              <a:endParaRPr lang="en-US" sz="1200" dirty="0"/>
+            </a:p>
+          </p:txBody>
+        </p:sp>
+      </p:grpSp>
+      <p:grpSp>
+        <p:nvGrpSpPr>
+          <p:cNvPr id="12" name="Group 11"/>
+          <p:cNvGrpSpPr/>
+          <p:nvPr/>
+        </p:nvGrpSpPr>
+        <p:grpSpPr>
+          <a:xfrm>
+            <a:off x="2479544" y="3988005"/>
+            <a:ext cx="1719415" cy="648072"/>
+            <a:chOff x="4450987" y="3429000"/>
+            <a:chExt cx="1719415" cy="648072"/>
+          </a:xfrm>
+        </p:grpSpPr>
+        <p:sp>
+          <p:nvSpPr>
+            <p:cNvPr id="13" name="Rounded Rectangle 12"/>
+            <p:cNvSpPr/>
+            <p:nvPr/>
+          </p:nvSpPr>
+          <p:spPr>
+            <a:xfrm>
+              <a:off x="4450987" y="3429000"/>
+              <a:ext cx="1719415" cy="648072"/>
+            </a:xfrm>
+            <a:prstGeom prst="roundRect">
+              <a:avLst/>
+            </a:prstGeom>
+            <a:solidFill>
+              <a:schemeClr val="bg1"/>
+            </a:solidFill>
+            <a:ln>
+              <a:solidFill>
+                <a:schemeClr val="tx1"/>
+              </a:solidFill>
+            </a:ln>
+          </p:spPr>
+          <p:style>
+            <a:lnRef idx="2">
+              <a:schemeClr val="accent1">
+                <a:shade val="50000"/>
+              </a:schemeClr>
+            </a:lnRef>
+            <a:fillRef idx="1">
+              <a:schemeClr val="accent1"/>
+            </a:fillRef>
+            <a:effectRef idx="0">
+              <a:schemeClr val="accent1"/>
+            </a:effectRef>
+            <a:fontRef idx="minor">
+              <a:schemeClr val="lt1"/>
+            </a:fontRef>
+          </p:style>
+          <p:txBody>
+            <a:bodyPr rtlCol="0" anchor="ctr"/>
+            <a:lstStyle/>
+            <a:p>
+              <a:pPr algn="ctr"/>
+              <a:endParaRPr lang="en-US"/>
+            </a:p>
+          </p:txBody>
+        </p:sp>
+        <p:sp>
+          <p:nvSpPr>
+            <p:cNvPr id="14" name="Rounded Rectangle 13"/>
+            <p:cNvSpPr/>
+            <p:nvPr/>
+          </p:nvSpPr>
+          <p:spPr>
+            <a:xfrm>
+              <a:off x="4572000" y="3501008"/>
+              <a:ext cx="590290" cy="504056"/>
+            </a:xfrm>
+            <a:prstGeom prst="roundRect">
+              <a:avLst/>
+            </a:prstGeom>
+            <a:solidFill>
+              <a:schemeClr val="bg1"/>
+            </a:solidFill>
+            <a:ln>
+              <a:solidFill>
+                <a:schemeClr val="tx1"/>
+              </a:solidFill>
+            </a:ln>
+          </p:spPr>
+          <p:style>
+            <a:lnRef idx="2">
+              <a:schemeClr val="accent6"/>
+            </a:lnRef>
+            <a:fillRef idx="1">
+              <a:schemeClr val="lt1"/>
+            </a:fillRef>
+            <a:effectRef idx="0">
+              <a:schemeClr val="accent6"/>
+            </a:effectRef>
+            <a:fontRef idx="minor">
+              <a:schemeClr val="dk1"/>
+            </a:fontRef>
+          </p:style>
+          <p:txBody>
+            <a:bodyPr rtlCol="0" anchor="ctr"/>
+            <a:lstStyle/>
+            <a:p>
+              <a:pPr algn="ctr"/>
+              <a:r>
+                <a:rPr lang="pt-BR" sz="1200" dirty="0" smtClean="0"/>
+                <a:t>$t0</a:t>
+              </a:r>
+              <a:endParaRPr lang="en-US" sz="1200" dirty="0"/>
+            </a:p>
+          </p:txBody>
+        </p:sp>
+        <p:sp>
+          <p:nvSpPr>
+            <p:cNvPr id="15" name="Rounded Rectangle 14"/>
+            <p:cNvSpPr/>
+            <p:nvPr/>
+          </p:nvSpPr>
+          <p:spPr>
+            <a:xfrm>
+              <a:off x="5162290" y="3501008"/>
+              <a:ext cx="792088" cy="504056"/>
+            </a:xfrm>
+            <a:prstGeom prst="roundRect">
+              <a:avLst/>
+            </a:prstGeom>
+            <a:solidFill>
+              <a:schemeClr val="bg1"/>
+            </a:solidFill>
+            <a:ln>
+              <a:solidFill>
+                <a:schemeClr val="tx1"/>
+              </a:solidFill>
+            </a:ln>
+          </p:spPr>
+          <p:style>
+            <a:lnRef idx="2">
+              <a:schemeClr val="accent6"/>
+            </a:lnRef>
+            <a:fillRef idx="1">
+              <a:schemeClr val="lt1"/>
+            </a:fillRef>
+            <a:effectRef idx="0">
+              <a:schemeClr val="accent6"/>
+            </a:effectRef>
+            <a:fontRef idx="minor">
+              <a:schemeClr val="dk1"/>
+            </a:fontRef>
+          </p:style>
+          <p:txBody>
+            <a:bodyPr rtlCol="0" anchor="ctr"/>
+            <a:lstStyle/>
+            <a:p>
+              <a:pPr algn="ctr"/>
+              <a:r>
+                <a:rPr lang="pt-BR" sz="1200" dirty="0" smtClean="0"/>
+                <a:t>TK_REG</a:t>
+              </a:r>
+              <a:endParaRPr lang="en-US" sz="1200" dirty="0"/>
+            </a:p>
+          </p:txBody>
+        </p:sp>
+      </p:grpSp>
+      <p:grpSp>
+        <p:nvGrpSpPr>
+          <p:cNvPr id="16" name="Group 15"/>
+          <p:cNvGrpSpPr/>
+          <p:nvPr/>
+        </p:nvGrpSpPr>
+        <p:grpSpPr>
+          <a:xfrm>
+            <a:off x="4454110" y="3988005"/>
+            <a:ext cx="1719415" cy="648072"/>
+            <a:chOff x="4450987" y="3429000"/>
+            <a:chExt cx="1719415" cy="648072"/>
+          </a:xfrm>
+        </p:grpSpPr>
+        <p:sp>
+          <p:nvSpPr>
+            <p:cNvPr id="17" name="Rounded Rectangle 16"/>
+            <p:cNvSpPr/>
+            <p:nvPr/>
+          </p:nvSpPr>
+          <p:spPr>
+            <a:xfrm>
+              <a:off x="4450987" y="3429000"/>
+              <a:ext cx="1719415" cy="648072"/>
+            </a:xfrm>
+            <a:prstGeom prst="roundRect">
+              <a:avLst/>
+            </a:prstGeom>
+            <a:solidFill>
+              <a:schemeClr val="bg1"/>
+            </a:solidFill>
+            <a:ln>
+              <a:solidFill>
+                <a:schemeClr val="tx1"/>
+              </a:solidFill>
+            </a:ln>
+          </p:spPr>
+          <p:style>
+            <a:lnRef idx="2">
+              <a:schemeClr val="accent1">
+                <a:shade val="50000"/>
+              </a:schemeClr>
+            </a:lnRef>
+            <a:fillRef idx="1">
+              <a:schemeClr val="accent1"/>
+            </a:fillRef>
+            <a:effectRef idx="0">
+              <a:schemeClr val="accent1"/>
+            </a:effectRef>
+            <a:fontRef idx="minor">
+              <a:schemeClr val="lt1"/>
+            </a:fontRef>
+          </p:style>
+          <p:txBody>
+            <a:bodyPr rtlCol="0" anchor="ctr"/>
+            <a:lstStyle/>
+            <a:p>
+              <a:pPr algn="ctr"/>
+              <a:endParaRPr lang="en-US"/>
+            </a:p>
+          </p:txBody>
+        </p:sp>
+        <p:sp>
+          <p:nvSpPr>
+            <p:cNvPr id="18" name="Rounded Rectangle 17"/>
+            <p:cNvSpPr/>
+            <p:nvPr/>
+          </p:nvSpPr>
+          <p:spPr>
+            <a:xfrm>
+              <a:off x="4572000" y="3501008"/>
+              <a:ext cx="590290" cy="504056"/>
+            </a:xfrm>
+            <a:prstGeom prst="roundRect">
+              <a:avLst/>
+            </a:prstGeom>
+            <a:solidFill>
+              <a:schemeClr val="bg1"/>
+            </a:solidFill>
+            <a:ln>
+              <a:solidFill>
+                <a:schemeClr val="tx1"/>
+              </a:solidFill>
+            </a:ln>
+          </p:spPr>
+          <p:style>
+            <a:lnRef idx="2">
+              <a:schemeClr val="accent6"/>
+            </a:lnRef>
+            <a:fillRef idx="1">
+              <a:schemeClr val="lt1"/>
+            </a:fillRef>
+            <a:effectRef idx="0">
+              <a:schemeClr val="accent6"/>
+            </a:effectRef>
+            <a:fontRef idx="minor">
+              <a:schemeClr val="dk1"/>
+            </a:fontRef>
+          </p:style>
+          <p:txBody>
+            <a:bodyPr rtlCol="0" anchor="ctr"/>
+            <a:lstStyle/>
+            <a:p>
+              <a:pPr algn="ctr"/>
+              <a:r>
+                <a:rPr lang="pt-BR" sz="1200" dirty="0" smtClean="0"/>
+                <a:t>$t2</a:t>
+              </a:r>
+              <a:endParaRPr lang="en-US" sz="1200" dirty="0"/>
+            </a:p>
+          </p:txBody>
+        </p:sp>
+        <p:sp>
+          <p:nvSpPr>
+            <p:cNvPr id="19" name="Rounded Rectangle 18"/>
+            <p:cNvSpPr/>
+            <p:nvPr/>
+          </p:nvSpPr>
+          <p:spPr>
+            <a:xfrm>
+              <a:off x="5162290" y="3501008"/>
+              <a:ext cx="792088" cy="504056"/>
+            </a:xfrm>
+            <a:prstGeom prst="roundRect">
+              <a:avLst/>
+            </a:prstGeom>
+            <a:solidFill>
+              <a:schemeClr val="bg1"/>
+            </a:solidFill>
+            <a:ln>
+              <a:solidFill>
+                <a:schemeClr val="tx1"/>
+              </a:solidFill>
+            </a:ln>
+          </p:spPr>
+          <p:style>
+            <a:lnRef idx="2">
+              <a:schemeClr val="accent6"/>
+            </a:lnRef>
+            <a:fillRef idx="1">
+              <a:schemeClr val="lt1"/>
+            </a:fillRef>
+            <a:effectRef idx="0">
+              <a:schemeClr val="accent6"/>
+            </a:effectRef>
+            <a:fontRef idx="minor">
+              <a:schemeClr val="dk1"/>
+            </a:fontRef>
+          </p:style>
+          <p:txBody>
+            <a:bodyPr rtlCol="0" anchor="ctr"/>
+            <a:lstStyle/>
+            <a:p>
+              <a:pPr algn="ctr"/>
+              <a:r>
+                <a:rPr lang="pt-BR" sz="1200" dirty="0" smtClean="0"/>
+                <a:t>TK_REG</a:t>
+              </a:r>
+              <a:endParaRPr lang="en-US" sz="1200" dirty="0"/>
+            </a:p>
+          </p:txBody>
+        </p:sp>
+      </p:grpSp>
+      <p:grpSp>
+        <p:nvGrpSpPr>
+          <p:cNvPr id="20" name="Group 19"/>
+          <p:cNvGrpSpPr/>
+          <p:nvPr/>
+        </p:nvGrpSpPr>
+        <p:grpSpPr>
+          <a:xfrm>
+            <a:off x="6433319" y="3988005"/>
+            <a:ext cx="1719415" cy="648072"/>
+            <a:chOff x="4450987" y="3429000"/>
+            <a:chExt cx="1719415" cy="648072"/>
+          </a:xfrm>
+        </p:grpSpPr>
+        <p:sp>
+          <p:nvSpPr>
+            <p:cNvPr id="21" name="Rounded Rectangle 20"/>
+            <p:cNvSpPr/>
+            <p:nvPr/>
+          </p:nvSpPr>
+          <p:spPr>
+            <a:xfrm>
+              <a:off x="4450987" y="3429000"/>
+              <a:ext cx="1719415" cy="648072"/>
+            </a:xfrm>
+            <a:prstGeom prst="roundRect">
+              <a:avLst/>
+            </a:prstGeom>
+            <a:solidFill>
+              <a:schemeClr val="bg1"/>
+            </a:solidFill>
+            <a:ln>
+              <a:solidFill>
+                <a:schemeClr val="tx1"/>
+              </a:solidFill>
+            </a:ln>
+          </p:spPr>
+          <p:style>
+            <a:lnRef idx="2">
+              <a:schemeClr val="accent1">
+                <a:shade val="50000"/>
+              </a:schemeClr>
+            </a:lnRef>
+            <a:fillRef idx="1">
+              <a:schemeClr val="accent1"/>
+            </a:fillRef>
+            <a:effectRef idx="0">
+              <a:schemeClr val="accent1"/>
+            </a:effectRef>
+            <a:fontRef idx="minor">
+              <a:schemeClr val="lt1"/>
+            </a:fontRef>
+          </p:style>
+          <p:txBody>
+            <a:bodyPr rtlCol="0" anchor="ctr"/>
+            <a:lstStyle/>
+            <a:p>
+              <a:pPr algn="ctr"/>
+              <a:endParaRPr lang="en-US"/>
+            </a:p>
+          </p:txBody>
+        </p:sp>
+        <p:sp>
+          <p:nvSpPr>
+            <p:cNvPr id="22" name="Rounded Rectangle 21"/>
+            <p:cNvSpPr/>
+            <p:nvPr/>
+          </p:nvSpPr>
+          <p:spPr>
+            <a:xfrm>
+              <a:off x="4572000" y="3501008"/>
+              <a:ext cx="590290" cy="504056"/>
+            </a:xfrm>
+            <a:prstGeom prst="roundRect">
+              <a:avLst/>
+            </a:prstGeom>
+            <a:solidFill>
+              <a:schemeClr val="bg1"/>
+            </a:solidFill>
+            <a:ln>
+              <a:solidFill>
+                <a:schemeClr val="tx1"/>
+              </a:solidFill>
+            </a:ln>
+          </p:spPr>
+          <p:style>
+            <a:lnRef idx="2">
+              <a:schemeClr val="accent6"/>
+            </a:lnRef>
+            <a:fillRef idx="1">
+              <a:schemeClr val="lt1"/>
+            </a:fillRef>
+            <a:effectRef idx="0">
+              <a:schemeClr val="accent6"/>
+            </a:effectRef>
+            <a:fontRef idx="minor">
+              <a:schemeClr val="dk1"/>
+            </a:fontRef>
+          </p:style>
+          <p:txBody>
+            <a:bodyPr rtlCol="0" anchor="ctr"/>
+            <a:lstStyle/>
+            <a:p>
+              <a:pPr algn="ctr"/>
+              <a:r>
+                <a:rPr lang="pt-BR" sz="1200" dirty="0" smtClean="0"/>
+                <a:t>4</a:t>
+              </a:r>
+              <a:endParaRPr lang="en-US" sz="1200" dirty="0"/>
+            </a:p>
+          </p:txBody>
+        </p:sp>
+        <p:sp>
+          <p:nvSpPr>
+            <p:cNvPr id="23" name="Rounded Rectangle 22"/>
+            <p:cNvSpPr/>
+            <p:nvPr/>
+          </p:nvSpPr>
+          <p:spPr>
+            <a:xfrm>
+              <a:off x="5162290" y="3501008"/>
+              <a:ext cx="792088" cy="504056"/>
+            </a:xfrm>
+            <a:prstGeom prst="roundRect">
+              <a:avLst/>
+            </a:prstGeom>
+            <a:solidFill>
+              <a:schemeClr val="bg1"/>
+            </a:solidFill>
+            <a:ln>
+              <a:solidFill>
+                <a:schemeClr val="tx1"/>
+              </a:solidFill>
+            </a:ln>
+          </p:spPr>
+          <p:style>
+            <a:lnRef idx="2">
+              <a:schemeClr val="accent6"/>
+            </a:lnRef>
+            <a:fillRef idx="1">
+              <a:schemeClr val="lt1"/>
+            </a:fillRef>
+            <a:effectRef idx="0">
+              <a:schemeClr val="accent6"/>
+            </a:effectRef>
+            <a:fontRef idx="minor">
+              <a:schemeClr val="dk1"/>
+            </a:fontRef>
+          </p:style>
+          <p:txBody>
+            <a:bodyPr rtlCol="0" anchor="ctr"/>
+            <a:lstStyle/>
+            <a:p>
+              <a:pPr algn="ctr"/>
+              <a:r>
+                <a:rPr lang="pt-BR" sz="1200" dirty="0" smtClean="0"/>
+                <a:t>TK_IMM</a:t>
+              </a:r>
+              <a:endParaRPr lang="en-US" sz="1200" dirty="0"/>
+            </a:p>
+          </p:txBody>
+        </p:sp>
+      </p:grpSp>
+      <p:cxnSp>
+        <p:nvCxnSpPr>
+          <p:cNvPr id="24" name="Straight Arrow Connector 23"/>
+          <p:cNvCxnSpPr/>
+          <p:nvPr/>
+        </p:nvCxnSpPr>
+        <p:spPr>
+          <a:xfrm>
+            <a:off x="2125977" y="4329100"/>
+            <a:ext cx="355816" cy="0"/>
+          </a:xfrm>
+          <a:prstGeom prst="straightConnector1">
+            <a:avLst/>
+          </a:prstGeom>
+          <a:ln w="28575">
+            <a:solidFill>
+              <a:schemeClr val="tx1"/>
+            </a:solidFill>
+            <a:tailEnd type="arrow"/>
           </a:ln>
         </p:spPr>
-      </p:pic>
+        <p:style>
+          <a:lnRef idx="1">
+            <a:schemeClr val="accent1"/>
+          </a:lnRef>
+          <a:fillRef idx="0">
+            <a:schemeClr val="accent1"/>
+          </a:fillRef>
+          <a:effectRef idx="0">
+            <a:schemeClr val="accent1"/>
+          </a:effectRef>
+          <a:fontRef idx="minor">
+            <a:schemeClr val="tx1"/>
+          </a:fontRef>
+        </p:style>
+      </p:cxnSp>
+      <p:cxnSp>
+        <p:nvCxnSpPr>
+          <p:cNvPr id="25" name="Straight Arrow Connector 24"/>
+          <p:cNvCxnSpPr/>
+          <p:nvPr/>
+        </p:nvCxnSpPr>
+        <p:spPr>
+          <a:xfrm>
+            <a:off x="4091924" y="4321919"/>
+            <a:ext cx="355816" cy="0"/>
+          </a:xfrm>
+          <a:prstGeom prst="straightConnector1">
+            <a:avLst/>
+          </a:prstGeom>
+          <a:ln w="28575">
+            <a:solidFill>
+              <a:schemeClr val="tx1"/>
+            </a:solidFill>
+            <a:tailEnd type="arrow"/>
+          </a:ln>
+        </p:spPr>
+        <p:style>
+          <a:lnRef idx="1">
+            <a:schemeClr val="accent1"/>
+          </a:lnRef>
+          <a:fillRef idx="0">
+            <a:schemeClr val="accent1"/>
+          </a:fillRef>
+          <a:effectRef idx="0">
+            <a:schemeClr val="accent1"/>
+          </a:effectRef>
+          <a:fontRef idx="minor">
+            <a:schemeClr val="tx1"/>
+          </a:fontRef>
+        </p:style>
+      </p:cxnSp>
+      <p:cxnSp>
+        <p:nvCxnSpPr>
+          <p:cNvPr id="26" name="Straight Arrow Connector 25"/>
+          <p:cNvCxnSpPr/>
+          <p:nvPr/>
+        </p:nvCxnSpPr>
+        <p:spPr>
+          <a:xfrm>
+            <a:off x="6077503" y="4321919"/>
+            <a:ext cx="355816" cy="0"/>
+          </a:xfrm>
+          <a:prstGeom prst="straightConnector1">
+            <a:avLst/>
+          </a:prstGeom>
+          <a:ln w="28575">
+            <a:solidFill>
+              <a:schemeClr val="tx1"/>
+            </a:solidFill>
+            <a:tailEnd type="arrow"/>
+          </a:ln>
+        </p:spPr>
+        <p:style>
+          <a:lnRef idx="1">
+            <a:schemeClr val="accent1"/>
+          </a:lnRef>
+          <a:fillRef idx="0">
+            <a:schemeClr val="accent1"/>
+          </a:fillRef>
+          <a:effectRef idx="0">
+            <a:schemeClr val="accent1"/>
+          </a:effectRef>
+          <a:fontRef idx="minor">
+            <a:schemeClr val="tx1"/>
+          </a:fontRef>
+        </p:style>
+      </p:cxnSp>
+      <p:cxnSp>
+        <p:nvCxnSpPr>
+          <p:cNvPr id="27" name="Straight Arrow Connector 26"/>
+          <p:cNvCxnSpPr/>
+          <p:nvPr/>
+        </p:nvCxnSpPr>
+        <p:spPr>
+          <a:xfrm>
+            <a:off x="8032608" y="4312041"/>
+            <a:ext cx="355816" cy="0"/>
+          </a:xfrm>
+          <a:prstGeom prst="straightConnector1">
+            <a:avLst/>
+          </a:prstGeom>
+          <a:ln w="28575">
+            <a:solidFill>
+              <a:schemeClr val="tx1"/>
+            </a:solidFill>
+            <a:tailEnd type="arrow"/>
+          </a:ln>
+        </p:spPr>
+        <p:style>
+          <a:lnRef idx="1">
+            <a:schemeClr val="accent1"/>
+          </a:lnRef>
+          <a:fillRef idx="0">
+            <a:schemeClr val="accent1"/>
+          </a:fillRef>
+          <a:effectRef idx="0">
+            <a:schemeClr val="accent1"/>
+          </a:effectRef>
+          <a:fontRef idx="minor">
+            <a:schemeClr val="tx1"/>
+          </a:fontRef>
+        </p:style>
+      </p:cxnSp>
+      <p:sp>
+        <p:nvSpPr>
+          <p:cNvPr id="28" name="TextBox 27"/>
+          <p:cNvSpPr txBox="1"/>
+          <p:nvPr/>
+        </p:nvSpPr>
+        <p:spPr>
+          <a:xfrm>
+            <a:off x="8388424" y="4175211"/>
+            <a:ext cx="720080" cy="307777"/>
+          </a:xfrm>
+          <a:prstGeom prst="rect">
+            <a:avLst/>
+          </a:prstGeom>
+          <a:noFill/>
+        </p:spPr>
+        <p:txBody>
+          <a:bodyPr wrap="square" rtlCol="0">
+            <a:spAutoFit/>
+          </a:bodyPr>
+          <a:lstStyle/>
+          <a:p>
+            <a:r>
+              <a:rPr lang="pt-BR" sz="1400" b="1" dirty="0" smtClean="0"/>
+              <a:t>NULL</a:t>
+            </a:r>
+            <a:endParaRPr lang="en-US" sz="1400" b="1" dirty="0"/>
+          </a:p>
+        </p:txBody>
+      </p:sp>
+      <p:sp>
+        <p:nvSpPr>
+          <p:cNvPr id="29" name="Rounded Rectangle 28"/>
+          <p:cNvSpPr/>
+          <p:nvPr/>
+        </p:nvSpPr>
+        <p:spPr>
+          <a:xfrm>
+            <a:off x="395536" y="3861048"/>
+            <a:ext cx="8640960" cy="936104"/>
+          </a:xfrm>
+          <a:prstGeom prst="roundRect">
+            <a:avLst/>
+          </a:prstGeom>
+          <a:noFill/>
+          <a:ln w="28575">
+            <a:solidFill>
+              <a:schemeClr val="tx1"/>
+            </a:solidFill>
+          </a:ln>
+        </p:spPr>
+        <p:style>
+          <a:lnRef idx="2">
+            <a:schemeClr val="accent1">
+              <a:shade val="50000"/>
+            </a:schemeClr>
+          </a:lnRef>
+          <a:fillRef idx="1">
+            <a:schemeClr val="accent1"/>
+          </a:fillRef>
+          <a:effectRef idx="0">
+            <a:schemeClr val="accent1"/>
+          </a:effectRef>
+          <a:fontRef idx="minor">
+            <a:schemeClr val="lt1"/>
+          </a:fontRef>
+        </p:style>
+        <p:txBody>
+          <a:bodyPr rtlCol="0" anchor="ctr"/>
+          <a:lstStyle/>
+          <a:p>
+            <a:pPr algn="ctr"/>
+            <a:endParaRPr lang="en-US"/>
+          </a:p>
+        </p:txBody>
+      </p:sp>
     </p:spTree>
+    <p:extLst>
+      <p:ext uri="{BB962C8B-B14F-4D97-AF65-F5344CB8AC3E}">
+        <p14:creationId xmlns:p14="http://schemas.microsoft.com/office/powerpoint/2010/main" val="1958372402"/>
+      </p:ext>
+    </p:extLst>
   </p:cSld>
   <p:clrMapOvr>
     <a:masterClrMapping/>
   </p:clrMapOvr>
+  <p:timing>
+    <p:tnLst>
+      <p:par>
+        <p:cTn id="1" dur="indefinite" restart="never" nodeType="tmRoot">
+          <p:childTnLst>
+            <p:seq concurrent="1" nextAc="seek">
+              <p:cTn id="2" dur="indefinite" nodeType="mainSeq">
+                <p:childTnLst>
+                  <p:par>
+                    <p:cTn id="3" fill="hold">
+                      <p:stCondLst>
+                        <p:cond delay="indefinite"/>
+                      </p:stCondLst>
+                      <p:childTnLst>
+                        <p:par>
+                          <p:cTn id="4" fill="hold">
+                            <p:stCondLst>
+                              <p:cond delay="0"/>
+                            </p:stCondLst>
+                            <p:childTnLst>
+                              <p:par>
+                                <p:cTn id="5" presetID="1" presetClass="entr" presetSubtype="0" fill="hold" nodeType="clickEffect">
+                                  <p:stCondLst>
+                                    <p:cond delay="0"/>
+                                  </p:stCondLst>
+                                  <p:childTnLst>
+                                    <p:set>
+                                      <p:cBhvr>
+                                        <p:cTn id="6" dur="1" fill="hold">
+                                          <p:stCondLst>
+                                            <p:cond delay="0"/>
+                                          </p:stCondLst>
+                                        </p:cTn>
+                                        <p:tgtEl>
+                                          <p:spTgt spid="2051"/>
+                                        </p:tgtEl>
+                                        <p:attrNameLst>
+                                          <p:attrName>style.visibility</p:attrName>
+                                        </p:attrNameLst>
+                                      </p:cBhvr>
+                                      <p:to>
+                                        <p:strVal val="visible"/>
+                                      </p:to>
+                                    </p:set>
+                                  </p:childTnLst>
+                                </p:cTn>
+                              </p:par>
+                            </p:childTnLst>
+                          </p:cTn>
+                        </p:par>
+                      </p:childTnLst>
+                    </p:cTn>
+                  </p:par>
+                  <p:par>
+                    <p:cTn id="7" fill="hold">
+                      <p:stCondLst>
+                        <p:cond delay="indefinite"/>
+                      </p:stCondLst>
+                      <p:childTnLst>
+                        <p:par>
+                          <p:cTn id="8" fill="hold">
+                            <p:stCondLst>
+                              <p:cond delay="0"/>
+                            </p:stCondLst>
+                            <p:childTnLst>
+                              <p:par>
+                                <p:cTn id="9" presetID="1" presetClass="entr" presetSubtype="0" fill="hold" nodeType="clickEffect">
+                                  <p:stCondLst>
+                                    <p:cond delay="0"/>
+                                  </p:stCondLst>
+                                  <p:childTnLst>
+                                    <p:set>
+                                      <p:cBhvr>
+                                        <p:cTn id="10" dur="1" fill="hold">
+                                          <p:stCondLst>
+                                            <p:cond delay="0"/>
+                                          </p:stCondLst>
+                                        </p:cTn>
+                                        <p:tgtEl>
+                                          <p:spTgt spid="8"/>
+                                        </p:tgtEl>
+                                        <p:attrNameLst>
+                                          <p:attrName>style.visibility</p:attrName>
+                                        </p:attrNameLst>
+                                      </p:cBhvr>
+                                      <p:to>
+                                        <p:strVal val="visible"/>
+                                      </p:to>
+                                    </p:set>
+                                  </p:childTnLst>
+                                </p:cTn>
+                              </p:par>
+                              <p:par>
+                                <p:cTn id="11" presetID="1" presetClass="entr" presetSubtype="0" fill="hold" nodeType="withEffect">
+                                  <p:stCondLst>
+                                    <p:cond delay="0"/>
+                                  </p:stCondLst>
+                                  <p:childTnLst>
+                                    <p:set>
+                                      <p:cBhvr>
+                                        <p:cTn id="12" dur="1" fill="hold">
+                                          <p:stCondLst>
+                                            <p:cond delay="0"/>
+                                          </p:stCondLst>
+                                        </p:cTn>
+                                        <p:tgtEl>
+                                          <p:spTgt spid="12"/>
+                                        </p:tgtEl>
+                                        <p:attrNameLst>
+                                          <p:attrName>style.visibility</p:attrName>
+                                        </p:attrNameLst>
+                                      </p:cBhvr>
+                                      <p:to>
+                                        <p:strVal val="visible"/>
+                                      </p:to>
+                                    </p:set>
+                                  </p:childTnLst>
+                                </p:cTn>
+                              </p:par>
+                              <p:par>
+                                <p:cTn id="13" presetID="1" presetClass="entr" presetSubtype="0" fill="hold" nodeType="withEffect">
+                                  <p:stCondLst>
+                                    <p:cond delay="0"/>
+                                  </p:stCondLst>
+                                  <p:childTnLst>
+                                    <p:set>
+                                      <p:cBhvr>
+                                        <p:cTn id="14" dur="1" fill="hold">
+                                          <p:stCondLst>
+                                            <p:cond delay="0"/>
+                                          </p:stCondLst>
+                                        </p:cTn>
+                                        <p:tgtEl>
+                                          <p:spTgt spid="16"/>
+                                        </p:tgtEl>
+                                        <p:attrNameLst>
+                                          <p:attrName>style.visibility</p:attrName>
+                                        </p:attrNameLst>
+                                      </p:cBhvr>
+                                      <p:to>
+                                        <p:strVal val="visible"/>
+                                      </p:to>
+                                    </p:set>
+                                  </p:childTnLst>
+                                </p:cTn>
+                              </p:par>
+                              <p:par>
+                                <p:cTn id="15" presetID="1" presetClass="entr" presetSubtype="0" fill="hold" nodeType="withEffect">
+                                  <p:stCondLst>
+                                    <p:cond delay="0"/>
+                                  </p:stCondLst>
+                                  <p:childTnLst>
+                                    <p:set>
+                                      <p:cBhvr>
+                                        <p:cTn id="16" dur="1" fill="hold">
+                                          <p:stCondLst>
+                                            <p:cond delay="0"/>
+                                          </p:stCondLst>
+                                        </p:cTn>
+                                        <p:tgtEl>
+                                          <p:spTgt spid="20"/>
+                                        </p:tgtEl>
+                                        <p:attrNameLst>
+                                          <p:attrName>style.visibility</p:attrName>
+                                        </p:attrNameLst>
+                                      </p:cBhvr>
+                                      <p:to>
+                                        <p:strVal val="visible"/>
+                                      </p:to>
+                                    </p:set>
+                                  </p:childTnLst>
+                                </p:cTn>
+                              </p:par>
+                              <p:par>
+                                <p:cTn id="17" presetID="1" presetClass="entr" presetSubtype="0" fill="hold" nodeType="withEffect">
+                                  <p:stCondLst>
+                                    <p:cond delay="0"/>
+                                  </p:stCondLst>
+                                  <p:childTnLst>
+                                    <p:set>
+                                      <p:cBhvr>
+                                        <p:cTn id="18" dur="1" fill="hold">
+                                          <p:stCondLst>
+                                            <p:cond delay="0"/>
+                                          </p:stCondLst>
+                                        </p:cTn>
+                                        <p:tgtEl>
+                                          <p:spTgt spid="24"/>
+                                        </p:tgtEl>
+                                        <p:attrNameLst>
+                                          <p:attrName>style.visibility</p:attrName>
+                                        </p:attrNameLst>
+                                      </p:cBhvr>
+                                      <p:to>
+                                        <p:strVal val="visible"/>
+                                      </p:to>
+                                    </p:set>
+                                  </p:childTnLst>
+                                </p:cTn>
+                              </p:par>
+                              <p:par>
+                                <p:cTn id="19" presetID="1" presetClass="entr" presetSubtype="0" fill="hold" nodeType="withEffect">
+                                  <p:stCondLst>
+                                    <p:cond delay="0"/>
+                                  </p:stCondLst>
+                                  <p:childTnLst>
+                                    <p:set>
+                                      <p:cBhvr>
+                                        <p:cTn id="20" dur="1" fill="hold">
+                                          <p:stCondLst>
+                                            <p:cond delay="0"/>
+                                          </p:stCondLst>
+                                        </p:cTn>
+                                        <p:tgtEl>
+                                          <p:spTgt spid="25"/>
+                                        </p:tgtEl>
+                                        <p:attrNameLst>
+                                          <p:attrName>style.visibility</p:attrName>
+                                        </p:attrNameLst>
+                                      </p:cBhvr>
+                                      <p:to>
+                                        <p:strVal val="visible"/>
+                                      </p:to>
+                                    </p:set>
+                                  </p:childTnLst>
+                                </p:cTn>
+                              </p:par>
+                              <p:par>
+                                <p:cTn id="21" presetID="1" presetClass="entr" presetSubtype="0" fill="hold" nodeType="withEffect">
+                                  <p:stCondLst>
+                                    <p:cond delay="0"/>
+                                  </p:stCondLst>
+                                  <p:childTnLst>
+                                    <p:set>
+                                      <p:cBhvr>
+                                        <p:cTn id="22" dur="1" fill="hold">
+                                          <p:stCondLst>
+                                            <p:cond delay="0"/>
+                                          </p:stCondLst>
+                                        </p:cTn>
+                                        <p:tgtEl>
+                                          <p:spTgt spid="26"/>
+                                        </p:tgtEl>
+                                        <p:attrNameLst>
+                                          <p:attrName>style.visibility</p:attrName>
+                                        </p:attrNameLst>
+                                      </p:cBhvr>
+                                      <p:to>
+                                        <p:strVal val="visible"/>
+                                      </p:to>
+                                    </p:set>
+                                  </p:childTnLst>
+                                </p:cTn>
+                              </p:par>
+                              <p:par>
+                                <p:cTn id="23" presetID="1" presetClass="entr" presetSubtype="0" fill="hold" nodeType="withEffect">
+                                  <p:stCondLst>
+                                    <p:cond delay="0"/>
+                                  </p:stCondLst>
+                                  <p:childTnLst>
+                                    <p:set>
+                                      <p:cBhvr>
+                                        <p:cTn id="24" dur="1" fill="hold">
+                                          <p:stCondLst>
+                                            <p:cond delay="0"/>
+                                          </p:stCondLst>
+                                        </p:cTn>
+                                        <p:tgtEl>
+                                          <p:spTgt spid="27"/>
+                                        </p:tgtEl>
+                                        <p:attrNameLst>
+                                          <p:attrName>style.visibility</p:attrName>
+                                        </p:attrNameLst>
+                                      </p:cBhvr>
+                                      <p:to>
+                                        <p:strVal val="visible"/>
+                                      </p:to>
+                                    </p:set>
+                                  </p:childTnLst>
+                                </p:cTn>
+                              </p:par>
+                              <p:par>
+                                <p:cTn id="25" presetID="1" presetClass="entr" presetSubtype="0" fill="hold" grpId="0" nodeType="withEffect">
+                                  <p:stCondLst>
+                                    <p:cond delay="0"/>
+                                  </p:stCondLst>
+                                  <p:childTnLst>
+                                    <p:set>
+                                      <p:cBhvr>
+                                        <p:cTn id="26" dur="1" fill="hold">
+                                          <p:stCondLst>
+                                            <p:cond delay="0"/>
+                                          </p:stCondLst>
+                                        </p:cTn>
+                                        <p:tgtEl>
+                                          <p:spTgt spid="29"/>
+                                        </p:tgtEl>
+                                        <p:attrNameLst>
+                                          <p:attrName>style.visibility</p:attrName>
+                                        </p:attrNameLst>
+                                      </p:cBhvr>
+                                      <p:to>
+                                        <p:strVal val="visible"/>
+                                      </p:to>
+                                    </p:set>
+                                  </p:childTnLst>
+                                </p:cTn>
+                              </p:par>
+                              <p:par>
+                                <p:cTn id="27" presetID="1" presetClass="entr" presetSubtype="0" fill="hold" grpId="0" nodeType="withEffect">
+                                  <p:stCondLst>
+                                    <p:cond delay="0"/>
+                                  </p:stCondLst>
+                                  <p:childTnLst>
+                                    <p:set>
+                                      <p:cBhvr>
+                                        <p:cTn id="28" dur="1" fill="hold">
+                                          <p:stCondLst>
+                                            <p:cond delay="0"/>
+                                          </p:stCondLst>
+                                        </p:cTn>
+                                        <p:tgtEl>
+                                          <p:spTgt spid="28"/>
+                                        </p:tgtEl>
+                                        <p:attrNameLst>
+                                          <p:attrName>style.visibility</p:attrName>
+                                        </p:attrNameLst>
+                                      </p:cBhvr>
+                                      <p:to>
+                                        <p:strVal val="visible"/>
+                                      </p:to>
+                                    </p:set>
+                                  </p:childTnLst>
+                                </p:cTn>
+                              </p:par>
+                            </p:childTnLst>
+                          </p:cTn>
+                        </p:par>
+                      </p:childTnLst>
+                    </p:cTn>
+                  </p:par>
+                  <p:par>
+                    <p:cTn id="29" fill="hold">
+                      <p:stCondLst>
+                        <p:cond delay="indefinite"/>
+                      </p:stCondLst>
+                      <p:childTnLst>
+                        <p:par>
+                          <p:cTn id="30" fill="hold">
+                            <p:stCondLst>
+                              <p:cond delay="0"/>
+                            </p:stCondLst>
+                            <p:childTnLst>
+                              <p:par>
+                                <p:cTn id="31" presetID="1" presetClass="entr" presetSubtype="0" fill="hold" nodeType="clickEffect">
+                                  <p:stCondLst>
+                                    <p:cond delay="0"/>
+                                  </p:stCondLst>
+                                  <p:childTnLst>
+                                    <p:set>
+                                      <p:cBhvr>
+                                        <p:cTn id="32" dur="1" fill="hold">
+                                          <p:stCondLst>
+                                            <p:cond delay="0"/>
+                                          </p:stCondLst>
+                                        </p:cTn>
+                                        <p:tgtEl>
+                                          <p:spTgt spid="5"/>
+                                        </p:tgtEl>
+                                        <p:attrNameLst>
+                                          <p:attrName>style.visibility</p:attrName>
+                                        </p:attrNameLst>
+                                      </p:cBhvr>
+                                      <p:to>
+                                        <p:strVal val="visible"/>
+                                      </p:to>
+                                    </p:set>
+                                  </p:childTnLst>
+                                </p:cTn>
+                              </p:par>
+                            </p:childTnLst>
+                          </p:cTn>
+                        </p:par>
+                      </p:childTnLst>
+                    </p:cTn>
+                  </p:par>
+                </p:childTnLst>
+              </p:cTn>
+              <p:prevCondLst>
+                <p:cond evt="onPrev" delay="0">
+                  <p:tgtEl>
+                    <p:sldTgt/>
+                  </p:tgtEl>
+                </p:cond>
+              </p:prevCondLst>
+              <p:nextCondLst>
+                <p:cond evt="onNext" delay="0">
+                  <p:tgtEl>
+                    <p:sldTgt/>
+                  </p:tgtEl>
+                </p:cond>
+              </p:nextCondLst>
+            </p:seq>
+          </p:childTnLst>
+        </p:cTn>
+      </p:par>
+    </p:tnLst>
+    <p:bldLst>
+      <p:bldP spid="28" grpId="0"/>
+      <p:bldP spid="29" grpId="0" animBg="1"/>
+    </p:bldLst>
+  </p:timing>
 </p:sld>
 </file>
 
@@ -6168,7 +11597,26 @@
       </p:grpSpPr>
       <p:sp>
         <p:nvSpPr>
-          <p:cNvPr id="2" name="Título 1"/>
+          <p:cNvPr id="2" name="Text Placeholder 1"/>
+          <p:cNvSpPr>
+            <a:spLocks noGrp="1"/>
+          </p:cNvSpPr>
+          <p:nvPr>
+            <p:ph type="body" idx="1"/>
+          </p:nvPr>
+        </p:nvSpPr>
+        <p:spPr/>
+        <p:txBody>
+          <a:bodyPr/>
+          <a:lstStyle/>
+          <a:p>
+            <a:endParaRPr lang="en-US"/>
+          </a:p>
+        </p:txBody>
+      </p:sp>
+      <p:sp>
+        <p:nvSpPr>
+          <p:cNvPr id="3" name="Title 2"/>
           <p:cNvSpPr>
             <a:spLocks noGrp="1"/>
           </p:cNvSpPr>
@@ -6176,155 +11624,37 @@
             <p:ph type="title"/>
           </p:nvPr>
         </p:nvSpPr>
-        <p:spPr>
-          <a:xfrm>
-            <a:off x="304800" y="5517232"/>
-            <a:ext cx="8610600" cy="775618"/>
-          </a:xfrm>
-        </p:spPr>
-        <p:txBody>
-          <a:bodyPr>
-            <a:normAutofit fontScale="90000"/>
-          </a:bodyPr>
-          <a:lstStyle/>
-          <a:p>
-            <a:r>
-              <a:rPr lang="pt-BR" dirty="0" smtClean="0"/>
-              <a:t>Definições para a Tabela de instruções</a:t>
-            </a:r>
-            <a:endParaRPr lang="pt-BR" dirty="0"/>
-          </a:p>
-        </p:txBody>
-      </p:sp>
-      <p:sp>
-        <p:nvSpPr>
-          <p:cNvPr id="3" name="Espaço Reservado para Texto 2"/>
-          <p:cNvSpPr>
-            <a:spLocks noGrp="1"/>
-          </p:cNvSpPr>
-          <p:nvPr>
-            <p:ph type="body" idx="1"/>
-          </p:nvPr>
-        </p:nvSpPr>
-        <p:spPr>
-          <a:xfrm>
-            <a:off x="281444" y="332656"/>
-            <a:ext cx="4290556" cy="639762"/>
-          </a:xfrm>
-        </p:spPr>
+        <p:spPr/>
         <p:txBody>
           <a:bodyPr/>
           <a:lstStyle/>
           <a:p>
-            <a:r>
-              <a:rPr lang="pt-BR" dirty="0" err="1" smtClean="0"/>
-              <a:t>Opcode</a:t>
-            </a:r>
-            <a:endParaRPr lang="pt-BR" dirty="0"/>
-          </a:p>
-        </p:txBody>
-      </p:sp>
-      <p:sp>
-        <p:nvSpPr>
-          <p:cNvPr id="4" name="Espaço Reservado para Texto 3"/>
-          <p:cNvSpPr>
-            <a:spLocks noGrp="1"/>
-          </p:cNvSpPr>
-          <p:nvPr>
-            <p:ph type="body" sz="half" idx="3"/>
-          </p:nvPr>
-        </p:nvSpPr>
-        <p:spPr>
-          <a:xfrm>
-            <a:off x="4645025" y="332656"/>
-            <a:ext cx="4292241" cy="639762"/>
-          </a:xfrm>
-        </p:spPr>
-        <p:txBody>
-          <a:bodyPr/>
-          <a:lstStyle/>
-          <a:p>
-            <a:r>
-              <a:rPr lang="pt-BR" dirty="0" err="1" smtClean="0"/>
-              <a:t>Funct</a:t>
-            </a:r>
-            <a:endParaRPr lang="pt-BR" dirty="0"/>
-          </a:p>
-        </p:txBody>
-      </p:sp>
-      <p:pic>
-        <p:nvPicPr>
-          <p:cNvPr id="4098" name="Picture 2"/>
-          <p:cNvPicPr>
-            <a:picLocks noGrp="1" noChangeAspect="1" noChangeArrowheads="1"/>
-          </p:cNvPicPr>
-          <p:nvPr>
-            <p:ph sz="quarter" idx="2"/>
-          </p:nvPr>
-        </p:nvPicPr>
-        <p:blipFill>
-          <a:blip r:embed="rId2" cstate="print"/>
-          <a:srcRect/>
-          <a:stretch>
-            <a:fillRect/>
-          </a:stretch>
-        </p:blipFill>
-        <p:spPr bwMode="auto">
-          <a:xfrm>
-            <a:off x="539552" y="836712"/>
-            <a:ext cx="3744416" cy="4548880"/>
-          </a:xfrm>
-          <a:prstGeom prst="rect">
-            <a:avLst/>
-          </a:prstGeom>
-          <a:noFill/>
-          <a:ln w="9525">
-            <a:noFill/>
-            <a:miter lim="800000"/>
-            <a:headEnd/>
-            <a:tailEnd/>
-          </a:ln>
-        </p:spPr>
-      </p:pic>
-      <p:pic>
-        <p:nvPicPr>
-          <p:cNvPr id="4099" name="Picture 3"/>
-          <p:cNvPicPr>
-            <a:picLocks noGrp="1" noChangeAspect="1" noChangeArrowheads="1"/>
-          </p:cNvPicPr>
-          <p:nvPr>
-            <p:ph sz="quarter" idx="4"/>
-          </p:nvPr>
-        </p:nvPicPr>
-        <p:blipFill>
-          <a:blip r:embed="rId3" cstate="print"/>
-          <a:srcRect/>
-          <a:stretch>
-            <a:fillRect/>
-          </a:stretch>
-        </p:blipFill>
-        <p:spPr bwMode="auto">
-          <a:xfrm>
-            <a:off x="5076056" y="836712"/>
-            <a:ext cx="3744416" cy="4543620"/>
-          </a:xfrm>
-          <a:prstGeom prst="rect">
-            <a:avLst/>
-          </a:prstGeom>
-          <a:noFill/>
-          <a:ln w="9525">
-            <a:noFill/>
-            <a:miter lim="800000"/>
-            <a:headEnd/>
-            <a:tailEnd/>
-          </a:ln>
-        </p:spPr>
-      </p:pic>
+            <a:pPr algn="ctr"/>
+            <a:r>
+              <a:rPr lang="pt-BR" dirty="0" smtClean="0"/>
+              <a:t>módulos</a:t>
+            </a:r>
+            <a:endParaRPr lang="en-US" dirty="0"/>
+          </a:p>
+        </p:txBody>
+      </p:sp>
     </p:spTree>
+    <p:extLst>
+      <p:ext uri="{BB962C8B-B14F-4D97-AF65-F5344CB8AC3E}">
+        <p14:creationId xmlns:p14="http://schemas.microsoft.com/office/powerpoint/2010/main" val="1404772696"/>
+      </p:ext>
+    </p:extLst>
   </p:cSld>
   <p:clrMapOvr>
     <a:masterClrMapping/>
   </p:clrMapOvr>
+  <p:timing>
+    <p:tnLst>
+      <p:par>
+        <p:cTn id="1" dur="indefinite" restart="never" nodeType="tmRoot"/>
+      </p:par>
+    </p:tnLst>
+  </p:timing>
 </p:sld>
 </file>
 
@@ -6357,12 +11687,14 @@
         </p:nvSpPr>
         <p:spPr/>
         <p:txBody>
-          <a:bodyPr/>
+          <a:bodyPr>
+            <a:normAutofit/>
+          </a:bodyPr>
           <a:lstStyle/>
           <a:p>
             <a:r>
               <a:rPr lang="pt-BR" dirty="0" smtClean="0"/>
-              <a:t>Tabela de Instruções</a:t>
+              <a:t>Analisador léxico</a:t>
             </a:r>
             <a:endParaRPr lang="pt-BR" dirty="0"/>
           </a:p>
@@ -6380,147 +11712,10 @@
         </p:nvSpPr>
         <p:spPr/>
         <p:txBody>
-          <a:bodyPr>
-            <a:normAutofit fontScale="92500" lnSpcReduction="10000"/>
-          </a:bodyPr>
+          <a:bodyPr/>
           <a:lstStyle/>
           <a:p>
-            <a:r>
-              <a:rPr lang="pt-BR" dirty="0" smtClean="0"/>
-              <a:t>Para poder trabalhar com estas definições em forma de vetor, foi atribuído a cada elemento do vetor uma </a:t>
-            </a:r>
-            <a:r>
-              <a:rPr lang="pt-BR" dirty="0" err="1" smtClean="0"/>
-              <a:t>struct</a:t>
-            </a:r>
-            <a:r>
-              <a:rPr lang="pt-BR" dirty="0" smtClean="0"/>
-              <a:t>:</a:t>
-            </a:r>
-          </a:p>
-          <a:p>
-            <a:pPr lvl="1"/>
-            <a:r>
-              <a:rPr lang="pt-BR" dirty="0" smtClean="0"/>
-              <a:t>“</a:t>
-            </a:r>
-            <a:r>
-              <a:rPr lang="pt-BR" dirty="0" err="1" smtClean="0"/>
-              <a:t>typedef</a:t>
-            </a:r>
-            <a:r>
-              <a:rPr lang="pt-BR" dirty="0" smtClean="0"/>
-              <a:t> </a:t>
-            </a:r>
-            <a:r>
-              <a:rPr lang="pt-BR" dirty="0" err="1" smtClean="0"/>
-              <a:t>struct</a:t>
-            </a:r>
-            <a:r>
-              <a:rPr lang="pt-BR" dirty="0" smtClean="0"/>
-              <a:t> {</a:t>
-            </a:r>
-          </a:p>
-          <a:p>
-            <a:pPr lvl="1"/>
-            <a:r>
-              <a:rPr lang="pt-BR" dirty="0" smtClean="0"/>
-              <a:t>    </a:t>
-            </a:r>
-            <a:r>
-              <a:rPr lang="pt-BR" dirty="0" err="1" smtClean="0"/>
-              <a:t>char</a:t>
-            </a:r>
-            <a:r>
-              <a:rPr lang="pt-BR" dirty="0" smtClean="0"/>
-              <a:t>* </a:t>
-            </a:r>
-            <a:r>
-              <a:rPr lang="pt-BR" dirty="0" err="1" smtClean="0"/>
-              <a:t>name</a:t>
-            </a:r>
-            <a:r>
-              <a:rPr lang="pt-BR" dirty="0" smtClean="0"/>
-              <a:t>;</a:t>
-            </a:r>
-          </a:p>
-          <a:p>
-            <a:pPr lvl="1"/>
-            <a:r>
-              <a:rPr lang="pt-BR" dirty="0" smtClean="0"/>
-              <a:t>    uint8_t </a:t>
-            </a:r>
-            <a:r>
-              <a:rPr lang="pt-BR" dirty="0" err="1" smtClean="0"/>
-              <a:t>type</a:t>
-            </a:r>
-            <a:r>
-              <a:rPr lang="pt-BR" dirty="0" smtClean="0"/>
-              <a:t>;</a:t>
-            </a:r>
-          </a:p>
-          <a:p>
-            <a:pPr lvl="1"/>
-            <a:r>
-              <a:rPr lang="pt-BR" dirty="0" smtClean="0"/>
-              <a:t>    uint8_t </a:t>
-            </a:r>
-            <a:r>
-              <a:rPr lang="pt-BR" dirty="0" err="1" smtClean="0"/>
-              <a:t>subtype</a:t>
-            </a:r>
-            <a:r>
-              <a:rPr lang="pt-BR" dirty="0" smtClean="0"/>
-              <a:t>;</a:t>
-            </a:r>
-          </a:p>
-          <a:p>
-            <a:pPr lvl="1"/>
-            <a:r>
-              <a:rPr lang="pt-BR" dirty="0" smtClean="0"/>
-              <a:t>    uint8_t </a:t>
-            </a:r>
-            <a:r>
-              <a:rPr lang="pt-BR" dirty="0" err="1" smtClean="0"/>
-              <a:t>opcode</a:t>
-            </a:r>
-            <a:r>
-              <a:rPr lang="pt-BR" dirty="0" smtClean="0"/>
-              <a:t>;</a:t>
-            </a:r>
-          </a:p>
-          <a:p>
-            <a:pPr lvl="1"/>
-            <a:r>
-              <a:rPr lang="pt-BR" dirty="0" smtClean="0"/>
-              <a:t>    uint8_t </a:t>
-            </a:r>
-            <a:r>
-              <a:rPr lang="pt-BR" dirty="0" err="1" smtClean="0"/>
-              <a:t>funct</a:t>
-            </a:r>
-            <a:r>
-              <a:rPr lang="pt-BR" dirty="0" smtClean="0"/>
-              <a:t>;</a:t>
-            </a:r>
-          </a:p>
-          <a:p>
-            <a:pPr lvl="1"/>
-            <a:r>
-              <a:rPr lang="pt-BR" dirty="0" smtClean="0"/>
-              <a:t>} </a:t>
-            </a:r>
-            <a:r>
-              <a:rPr lang="pt-BR" dirty="0" err="1" smtClean="0"/>
-              <a:t>inst_info</a:t>
-            </a:r>
-            <a:r>
-              <a:rPr lang="pt-BR" dirty="0" smtClean="0"/>
-              <a:t>;”</a:t>
-            </a:r>
-          </a:p>
-          <a:p>
-            <a:endParaRPr lang="pt-BR" dirty="0"/>
+            <a:endParaRPr lang="pt-BR" dirty="0" smtClean="0"/>
           </a:p>
         </p:txBody>
       </p:sp>
@@ -6529,6 +11724,13 @@
   <p:clrMapOvr>
     <a:masterClrMapping/>
   </p:clrMapOvr>
+  <p:timing>
+    <p:tnLst>
+      <p:par>
+        <p:cTn id="1" dur="indefinite" restart="never" nodeType="tmRoot"/>
+      </p:par>
+    </p:tnLst>
+  </p:timing>
 </p:sld>
 </file>
 
